--- a/Тестрирование на чизеле.pptx
+++ b/Тестрирование на чизеле.pptx
@@ -7,11 +7,13 @@
   <p:sldIdLst>
     <p:sldId id="256" r:id="rId2"/>
     <p:sldId id="258" r:id="rId3"/>
-    <p:sldId id="261" r:id="rId4"/>
-    <p:sldId id="262" r:id="rId5"/>
-    <p:sldId id="259" r:id="rId6"/>
-    <p:sldId id="263" r:id="rId7"/>
-    <p:sldId id="264" r:id="rId8"/>
+    <p:sldId id="265" r:id="rId4"/>
+    <p:sldId id="261" r:id="rId5"/>
+    <p:sldId id="262" r:id="rId6"/>
+    <p:sldId id="259" r:id="rId7"/>
+    <p:sldId id="266" r:id="rId8"/>
+    <p:sldId id="263" r:id="rId9"/>
+    <p:sldId id="264" r:id="rId10"/>
   </p:sldIdLst>
   <p:sldSz cx="12192000" cy="6858000"/>
   <p:notesSz cx="6858000" cy="9144000"/>
@@ -1635,7 +1637,7 @@
         <a:p>
           <a:r>
             <a:rPr lang="en-US" dirty="0"/>
-            <a:t>Scala</a:t>
+            <a:t>Chisel</a:t>
           </a:r>
           <a:endParaRPr lang="ru-RU" dirty="0"/>
         </a:p>
@@ -1663,7 +1665,7 @@
         </a:p>
       </dgm:t>
     </dgm:pt>
-    <dgm:pt modelId="{5A4DDBCB-F314-47FB-83FC-2C6F5CC9B9D1}">
+    <dgm:pt modelId="{1DA26272-F6D0-4EFC-B51C-F3FB4CB7C573}">
       <dgm:prSet phldrT="[Текст]"/>
       <dgm:spPr/>
       <dgm:t>
@@ -1672,13 +1674,49 @@
         <a:p>
           <a:r>
             <a:rPr lang="en-US" dirty="0"/>
-            <a:t>Chisel</a:t>
+            <a:t>FIRRTL</a:t>
           </a:r>
           <a:endParaRPr lang="ru-RU" dirty="0"/>
         </a:p>
       </dgm:t>
     </dgm:pt>
-    <dgm:pt modelId="{5628E732-579E-463D-A1E2-60F2E5C2CAF6}" type="parTrans" cxnId="{DEBF747F-004D-4FB5-A80C-B1A7B99CAB73}">
+    <dgm:pt modelId="{438A1CE2-D100-49CF-96CC-30D33C3EE23E}" type="parTrans" cxnId="{05099DAD-0F90-4E1B-9E5F-F27F2F917D9D}">
+      <dgm:prSet>
+        <dgm:style>
+          <a:lnRef idx="0">
+            <a:scrgbClr r="0" g="0" b="0"/>
+          </a:lnRef>
+          <a:fillRef idx="0">
+            <a:scrgbClr r="0" g="0" b="0"/>
+          </a:fillRef>
+          <a:effectRef idx="0">
+            <a:scrgbClr r="0" g="0" b="0"/>
+          </a:effectRef>
+          <a:fontRef idx="minor">
+            <a:schemeClr val="tx1"/>
+          </a:fontRef>
+        </dgm:style>
+      </dgm:prSet>
+      <dgm:spPr>
+        <a:ln w="9525" cap="flat" cmpd="sng" algn="ctr">
+          <a:solidFill>
+            <a:schemeClr val="accent1"/>
+          </a:solidFill>
+          <a:prstDash val="solid"/>
+          <a:round/>
+          <a:headEnd type="none" w="med" len="med"/>
+          <a:tailEnd type="arrow" w="med" len="med"/>
+        </a:ln>
+      </dgm:spPr>
+      <dgm:t>
+        <a:bodyPr/>
+        <a:lstStyle/>
+        <a:p>
+          <a:endParaRPr lang="ru-RU"/>
+        </a:p>
+      </dgm:t>
+    </dgm:pt>
+    <dgm:pt modelId="{A1C517A6-1816-4ACA-BD87-EF866E766BB5}" type="sibTrans" cxnId="{05099DAD-0F90-4E1B-9E5F-F27F2F917D9D}">
       <dgm:prSet/>
       <dgm:spPr/>
       <dgm:t>
@@ -1689,7 +1727,58 @@
         </a:p>
       </dgm:t>
     </dgm:pt>
-    <dgm:pt modelId="{77A1243C-02DB-4B7C-B61A-FF5795C28B03}" type="sibTrans" cxnId="{DEBF747F-004D-4FB5-A80C-B1A7B99CAB73}">
+    <dgm:pt modelId="{1C3A66B8-8A04-4905-B8D0-5E132F374EE0}">
+      <dgm:prSet phldrT="[Текст]"/>
+      <dgm:spPr/>
+      <dgm:t>
+        <a:bodyPr/>
+        <a:lstStyle/>
+        <a:p>
+          <a:r>
+            <a:rPr lang="en-US" dirty="0"/>
+            <a:t>Unit test</a:t>
+          </a:r>
+          <a:endParaRPr lang="ru-RU" dirty="0"/>
+        </a:p>
+      </dgm:t>
+    </dgm:pt>
+    <dgm:pt modelId="{DC4FF5E7-D477-4729-B8F7-0B1983FB7BD4}" type="parTrans" cxnId="{C9EC89E6-F9CE-4691-855B-4C058653C083}">
+      <dgm:prSet>
+        <dgm:style>
+          <a:lnRef idx="0">
+            <a:scrgbClr r="0" g="0" b="0"/>
+          </a:lnRef>
+          <a:fillRef idx="0">
+            <a:scrgbClr r="0" g="0" b="0"/>
+          </a:fillRef>
+          <a:effectRef idx="0">
+            <a:scrgbClr r="0" g="0" b="0"/>
+          </a:effectRef>
+          <a:fontRef idx="minor">
+            <a:schemeClr val="tx1"/>
+          </a:fontRef>
+        </dgm:style>
+      </dgm:prSet>
+      <dgm:spPr>
+        <a:ln w="9525" cap="flat" cmpd="sng" algn="ctr">
+          <a:solidFill>
+            <a:schemeClr val="accent1"/>
+          </a:solidFill>
+          <a:prstDash val="solid"/>
+          <a:round/>
+          <a:headEnd type="none" w="med" len="med"/>
+          <a:tailEnd type="arrow" w="med" len="med"/>
+        </a:ln>
+      </dgm:spPr>
+      <dgm:t>
+        <a:bodyPr/>
+        <a:lstStyle/>
+        <a:p>
+          <a:endParaRPr lang="ru-RU"/>
+        </a:p>
+      </dgm:t>
+    </dgm:pt>
+    <dgm:pt modelId="{677A7B78-BE9E-4368-8793-1BD08B63764F}" type="sibTrans" cxnId="{C9EC89E6-F9CE-4691-855B-4C058653C083}">
       <dgm:prSet/>
       <dgm:spPr/>
       <dgm:t>
@@ -1700,7 +1789,7 @@
         </a:p>
       </dgm:t>
     </dgm:pt>
-    <dgm:pt modelId="{32C37550-67EB-4369-A9AB-0ADA71777CDC}">
+    <dgm:pt modelId="{04BFEC5E-63C7-43EF-A667-563970C9E594}">
       <dgm:prSet phldrT="[Текст]"/>
       <dgm:spPr/>
       <dgm:t>
@@ -1708,14 +1797,50 @@
         <a:lstStyle/>
         <a:p>
           <a:r>
-            <a:rPr lang="en-US" dirty="0"/>
-            <a:t>Verilog</a:t>
+            <a:rPr lang="en-US" dirty="0" err="1"/>
+            <a:t>Verilator</a:t>
           </a:r>
           <a:endParaRPr lang="ru-RU" dirty="0"/>
         </a:p>
       </dgm:t>
     </dgm:pt>
-    <dgm:pt modelId="{B3D8FE82-13F2-422B-8B6C-4B25973B6AE9}" type="parTrans" cxnId="{53FDAF7C-0B04-46D0-962B-D4052533222A}">
+    <dgm:pt modelId="{9381F460-DA17-49F7-AE90-D7D63C8EE8EF}" type="parTrans" cxnId="{CD5A3409-DE34-4957-983B-746A9C3086EB}">
+      <dgm:prSet>
+        <dgm:style>
+          <a:lnRef idx="0">
+            <a:scrgbClr r="0" g="0" b="0"/>
+          </a:lnRef>
+          <a:fillRef idx="0">
+            <a:scrgbClr r="0" g="0" b="0"/>
+          </a:fillRef>
+          <a:effectRef idx="0">
+            <a:scrgbClr r="0" g="0" b="0"/>
+          </a:effectRef>
+          <a:fontRef idx="minor">
+            <a:schemeClr val="tx1"/>
+          </a:fontRef>
+        </dgm:style>
+      </dgm:prSet>
+      <dgm:spPr>
+        <a:ln w="9525" cap="flat" cmpd="sng" algn="ctr">
+          <a:solidFill>
+            <a:schemeClr val="accent1"/>
+          </a:solidFill>
+          <a:prstDash val="solid"/>
+          <a:round/>
+          <a:headEnd type="none" w="med" len="med"/>
+          <a:tailEnd type="arrow" w="med" len="med"/>
+        </a:ln>
+      </dgm:spPr>
+      <dgm:t>
+        <a:bodyPr/>
+        <a:lstStyle/>
+        <a:p>
+          <a:endParaRPr lang="ru-RU"/>
+        </a:p>
+      </dgm:t>
+    </dgm:pt>
+    <dgm:pt modelId="{CDDC183A-7728-48D0-BADB-192D589D55B9}" type="sibTrans" cxnId="{CD5A3409-DE34-4957-983B-746A9C3086EB}">
       <dgm:prSet/>
       <dgm:spPr/>
       <dgm:t>
@@ -1726,7 +1851,57 @@
         </a:p>
       </dgm:t>
     </dgm:pt>
-    <dgm:pt modelId="{F2AEFCA2-F594-4A8E-B43D-5AE4AE8D5EDC}" type="sibTrans" cxnId="{53FDAF7C-0B04-46D0-962B-D4052533222A}">
+    <dgm:pt modelId="{EEE6D2CB-7C45-48C5-912F-6F718A8D0060}">
+      <dgm:prSet phldrT="[Текст]"/>
+      <dgm:spPr/>
+      <dgm:t>
+        <a:bodyPr/>
+        <a:lstStyle/>
+        <a:p>
+          <a:r>
+            <a:rPr lang="ru-RU" dirty="0"/>
+            <a:t>Симуляция</a:t>
+          </a:r>
+        </a:p>
+      </dgm:t>
+    </dgm:pt>
+    <dgm:pt modelId="{6549192B-9CCF-4610-AC8C-3541C35100B1}" type="parTrans" cxnId="{5379A033-7B76-42EB-9023-4FAB68BFFC8A}">
+      <dgm:prSet>
+        <dgm:style>
+          <a:lnRef idx="0">
+            <a:scrgbClr r="0" g="0" b="0"/>
+          </a:lnRef>
+          <a:fillRef idx="0">
+            <a:scrgbClr r="0" g="0" b="0"/>
+          </a:fillRef>
+          <a:effectRef idx="0">
+            <a:scrgbClr r="0" g="0" b="0"/>
+          </a:effectRef>
+          <a:fontRef idx="minor">
+            <a:schemeClr val="tx1"/>
+          </a:fontRef>
+        </dgm:style>
+      </dgm:prSet>
+      <dgm:spPr>
+        <a:ln w="9525" cap="flat" cmpd="sng" algn="ctr">
+          <a:solidFill>
+            <a:schemeClr val="accent1"/>
+          </a:solidFill>
+          <a:prstDash val="solid"/>
+          <a:round/>
+          <a:headEnd type="none" w="med" len="med"/>
+          <a:tailEnd type="arrow" w="med" len="med"/>
+        </a:ln>
+      </dgm:spPr>
+      <dgm:t>
+        <a:bodyPr/>
+        <a:lstStyle/>
+        <a:p>
+          <a:endParaRPr lang="ru-RU"/>
+        </a:p>
+      </dgm:t>
+    </dgm:pt>
+    <dgm:pt modelId="{95C4EAD2-9D32-4A4D-87FE-3BC296C315F1}" type="sibTrans" cxnId="{5379A033-7B76-42EB-9023-4FAB68BFFC8A}">
       <dgm:prSet/>
       <dgm:spPr/>
       <dgm:t>
@@ -1737,7 +1912,142 @@
         </a:p>
       </dgm:t>
     </dgm:pt>
-    <dgm:pt modelId="{1219A9EF-1F61-45EA-A4B5-2CAAD9B4B357}">
+    <dgm:pt modelId="{64CCBD2F-188B-4F14-9753-1B6E0E83EFD4}">
+      <dgm:prSet phldrT="[Текст]"/>
+      <dgm:spPr/>
+      <dgm:t>
+        <a:bodyPr/>
+        <a:lstStyle/>
+        <a:p>
+          <a:r>
+            <a:rPr lang="en-US" dirty="0" err="1"/>
+            <a:t>SystemC</a:t>
+          </a:r>
+          <a:r>
+            <a:rPr lang="en-US" dirty="0"/>
+            <a:t>/C++</a:t>
+          </a:r>
+          <a:endParaRPr lang="ru-RU" dirty="0"/>
+        </a:p>
+      </dgm:t>
+    </dgm:pt>
+    <dgm:pt modelId="{C6F96F4F-6DB5-419E-A682-9AA9D09A59BE}" type="parTrans" cxnId="{7FEAD879-3DAC-4003-B9F5-BC1A269910AC}">
+      <dgm:prSet>
+        <dgm:style>
+          <a:lnRef idx="0">
+            <a:scrgbClr r="0" g="0" b="0"/>
+          </a:lnRef>
+          <a:fillRef idx="0">
+            <a:scrgbClr r="0" g="0" b="0"/>
+          </a:fillRef>
+          <a:effectRef idx="0">
+            <a:scrgbClr r="0" g="0" b="0"/>
+          </a:effectRef>
+          <a:fontRef idx="minor">
+            <a:schemeClr val="tx1"/>
+          </a:fontRef>
+        </dgm:style>
+      </dgm:prSet>
+      <dgm:spPr>
+        <a:ln w="9525" cap="flat" cmpd="sng" algn="ctr">
+          <a:solidFill>
+            <a:schemeClr val="accent1"/>
+          </a:solidFill>
+          <a:prstDash val="solid"/>
+          <a:round/>
+          <a:headEnd type="none" w="med" len="med"/>
+          <a:tailEnd type="arrow" w="med" len="med"/>
+        </a:ln>
+      </dgm:spPr>
+      <dgm:t>
+        <a:bodyPr/>
+        <a:lstStyle/>
+        <a:p>
+          <a:endParaRPr lang="ru-RU"/>
+        </a:p>
+      </dgm:t>
+    </dgm:pt>
+    <dgm:pt modelId="{FC816834-6C9D-4A8A-828F-F2F7E75356D0}" type="sibTrans" cxnId="{7FEAD879-3DAC-4003-B9F5-BC1A269910AC}">
+      <dgm:prSet/>
+      <dgm:spPr/>
+      <dgm:t>
+        <a:bodyPr/>
+        <a:lstStyle/>
+        <a:p>
+          <a:endParaRPr lang="ru-RU"/>
+        </a:p>
+      </dgm:t>
+    </dgm:pt>
+    <dgm:pt modelId="{EBF29BAF-33A5-4C18-932A-948BB960BD2E}">
+      <dgm:prSet phldrT="[Текст]"/>
+      <dgm:spPr/>
+      <dgm:t>
+        <a:bodyPr/>
+        <a:lstStyle/>
+        <a:p>
+          <a:r>
+            <a:rPr lang="en-US" dirty="0" err="1"/>
+            <a:t>SystemVerilog</a:t>
+          </a:r>
+          <a:r>
+            <a:rPr lang="en-US" dirty="0"/>
+            <a:t> </a:t>
+          </a:r>
+          <a:r>
+            <a:rPr lang="ru-RU" dirty="0"/>
+            <a:t>и др.</a:t>
+          </a:r>
+        </a:p>
+      </dgm:t>
+    </dgm:pt>
+    <dgm:pt modelId="{46AFC081-FA18-42C3-95B0-5DBEBDFBA33B}" type="parTrans" cxnId="{20B936B6-ADBE-4441-AA2A-2905261683FA}">
+      <dgm:prSet>
+        <dgm:style>
+          <a:lnRef idx="0">
+            <a:scrgbClr r="0" g="0" b="0"/>
+          </a:lnRef>
+          <a:fillRef idx="0">
+            <a:scrgbClr r="0" g="0" b="0"/>
+          </a:fillRef>
+          <a:effectRef idx="0">
+            <a:scrgbClr r="0" g="0" b="0"/>
+          </a:effectRef>
+          <a:fontRef idx="minor">
+            <a:schemeClr val="tx1"/>
+          </a:fontRef>
+        </dgm:style>
+      </dgm:prSet>
+      <dgm:spPr>
+        <a:ln w="9525" cap="flat" cmpd="sng" algn="ctr">
+          <a:solidFill>
+            <a:schemeClr val="accent1"/>
+          </a:solidFill>
+          <a:prstDash val="solid"/>
+          <a:round/>
+          <a:headEnd type="none" w="med" len="med"/>
+          <a:tailEnd type="arrow" w="med" len="med"/>
+        </a:ln>
+      </dgm:spPr>
+      <dgm:t>
+        <a:bodyPr/>
+        <a:lstStyle/>
+        <a:p>
+          <a:endParaRPr lang="ru-RU"/>
+        </a:p>
+      </dgm:t>
+    </dgm:pt>
+    <dgm:pt modelId="{5F45485C-2140-44EF-AD24-DD2A5362ACC7}" type="sibTrans" cxnId="{20B936B6-ADBE-4441-AA2A-2905261683FA}">
+      <dgm:prSet/>
+      <dgm:spPr/>
+      <dgm:t>
+        <a:bodyPr/>
+        <a:lstStyle/>
+        <a:p>
+          <a:endParaRPr lang="ru-RU"/>
+        </a:p>
+      </dgm:t>
+    </dgm:pt>
+    <dgm:pt modelId="{8D2ADC05-465B-465E-8B7C-1347553CEBE7}">
       <dgm:prSet phldrT="[Текст]"/>
       <dgm:spPr/>
       <dgm:t>
@@ -1752,7 +2062,43 @@
         </a:p>
       </dgm:t>
     </dgm:pt>
-    <dgm:pt modelId="{12FCE3D5-87E2-4F36-8548-6707C2F0A8AB}" type="parTrans" cxnId="{85C6E509-00F7-44E4-BCFC-B2688E427ADA}">
+    <dgm:pt modelId="{580DA666-CC0F-4C6E-8EA8-CCF655889748}" type="parTrans" cxnId="{D48F841A-EE30-4737-B680-1457EFEF082C}">
+      <dgm:prSet>
+        <dgm:style>
+          <a:lnRef idx="0">
+            <a:scrgbClr r="0" g="0" b="0"/>
+          </a:lnRef>
+          <a:fillRef idx="0">
+            <a:scrgbClr r="0" g="0" b="0"/>
+          </a:fillRef>
+          <a:effectRef idx="0">
+            <a:scrgbClr r="0" g="0" b="0"/>
+          </a:effectRef>
+          <a:fontRef idx="minor">
+            <a:schemeClr val="tx1"/>
+          </a:fontRef>
+        </dgm:style>
+      </dgm:prSet>
+      <dgm:spPr>
+        <a:ln w="9525" cap="flat" cmpd="sng" algn="ctr">
+          <a:solidFill>
+            <a:schemeClr val="accent1"/>
+          </a:solidFill>
+          <a:prstDash val="solid"/>
+          <a:round/>
+          <a:headEnd type="none" w="med" len="med"/>
+          <a:tailEnd type="arrow" w="med" len="med"/>
+        </a:ln>
+      </dgm:spPr>
+      <dgm:t>
+        <a:bodyPr/>
+        <a:lstStyle/>
+        <a:p>
+          <a:endParaRPr lang="ru-RU"/>
+        </a:p>
+      </dgm:t>
+    </dgm:pt>
+    <dgm:pt modelId="{EEF6595C-FC57-45CA-BC50-68258802FC76}" type="sibTrans" cxnId="{D48F841A-EE30-4737-B680-1457EFEF082C}">
       <dgm:prSet/>
       <dgm:spPr/>
       <dgm:t>
@@ -1763,7 +2109,58 @@
         </a:p>
       </dgm:t>
     </dgm:pt>
-    <dgm:pt modelId="{377A6BC3-BE1E-490D-BED7-0AB5DCF5A2B3}" type="sibTrans" cxnId="{85C6E509-00F7-44E4-BCFC-B2688E427ADA}">
+    <dgm:pt modelId="{5432B5F6-D645-479C-AFE5-FCE6B233E1C1}">
+      <dgm:prSet phldrT="[Текст]"/>
+      <dgm:spPr/>
+      <dgm:t>
+        <a:bodyPr/>
+        <a:lstStyle/>
+        <a:p>
+          <a:r>
+            <a:rPr lang="en-US" dirty="0"/>
+            <a:t>ASIC</a:t>
+          </a:r>
+          <a:endParaRPr lang="ru-RU" dirty="0"/>
+        </a:p>
+      </dgm:t>
+    </dgm:pt>
+    <dgm:pt modelId="{E49CD796-8ADB-400C-816F-94876EBB5F2B}" type="parTrans" cxnId="{51B9AB57-70AB-4452-95D2-B5F058C0E9E7}">
+      <dgm:prSet>
+        <dgm:style>
+          <a:lnRef idx="0">
+            <a:scrgbClr r="0" g="0" b="0"/>
+          </a:lnRef>
+          <a:fillRef idx="0">
+            <a:scrgbClr r="0" g="0" b="0"/>
+          </a:fillRef>
+          <a:effectRef idx="0">
+            <a:scrgbClr r="0" g="0" b="0"/>
+          </a:effectRef>
+          <a:fontRef idx="minor">
+            <a:schemeClr val="tx1"/>
+          </a:fontRef>
+        </dgm:style>
+      </dgm:prSet>
+      <dgm:spPr>
+        <a:ln w="9525" cap="flat" cmpd="sng" algn="ctr">
+          <a:solidFill>
+            <a:schemeClr val="accent1"/>
+          </a:solidFill>
+          <a:prstDash val="solid"/>
+          <a:round/>
+          <a:headEnd type="none" w="med" len="med"/>
+          <a:tailEnd type="arrow" w="med" len="med"/>
+        </a:ln>
+      </dgm:spPr>
+      <dgm:t>
+        <a:bodyPr/>
+        <a:lstStyle/>
+        <a:p>
+          <a:endParaRPr lang="ru-RU"/>
+        </a:p>
+      </dgm:t>
+    </dgm:pt>
+    <dgm:pt modelId="{A59AEEE6-1E99-4296-8245-365CB945B9E2}" type="sibTrans" cxnId="{51B9AB57-70AB-4452-95D2-B5F058C0E9E7}">
       <dgm:prSet/>
       <dgm:spPr/>
       <dgm:t>
@@ -1802,113 +2199,278 @@
       <dgm:prSet presAssocID="{20AB2F8C-49E3-4F7B-8E5C-312A0D5F2B15}" presName="level2hierChild" presStyleCnt="0"/>
       <dgm:spPr/>
     </dgm:pt>
-    <dgm:pt modelId="{3D2399DF-2411-4D60-9AA2-B2750A44CBCF}" type="pres">
-      <dgm:prSet presAssocID="{5628E732-579E-463D-A1E2-60F2E5C2CAF6}" presName="conn2-1" presStyleLbl="parChTrans1D2" presStyleIdx="0" presStyleCnt="1"/>
+    <dgm:pt modelId="{4C7027EB-DEA0-4F34-BEEB-5E85E0C1D050}" type="pres">
+      <dgm:prSet presAssocID="{438A1CE2-D100-49CF-96CC-30D33C3EE23E}" presName="conn2-1" presStyleLbl="parChTrans1D2" presStyleIdx="0" presStyleCnt="1"/>
       <dgm:spPr/>
     </dgm:pt>
-    <dgm:pt modelId="{3B85A386-9954-42EC-9E71-1B81B3A77808}" type="pres">
-      <dgm:prSet presAssocID="{5628E732-579E-463D-A1E2-60F2E5C2CAF6}" presName="connTx" presStyleLbl="parChTrans1D2" presStyleIdx="0" presStyleCnt="1"/>
+    <dgm:pt modelId="{3B785BAB-6A20-4552-A527-7DD616C7319E}" type="pres">
+      <dgm:prSet presAssocID="{438A1CE2-D100-49CF-96CC-30D33C3EE23E}" presName="connTx" presStyleLbl="parChTrans1D2" presStyleIdx="0" presStyleCnt="1"/>
       <dgm:spPr/>
     </dgm:pt>
-    <dgm:pt modelId="{190686CF-8FFD-41DD-AB60-F7D11F360790}" type="pres">
-      <dgm:prSet presAssocID="{5A4DDBCB-F314-47FB-83FC-2C6F5CC9B9D1}" presName="root2" presStyleCnt="0"/>
+    <dgm:pt modelId="{4C6560DB-AE28-41C7-A26C-1082CBA8953B}" type="pres">
+      <dgm:prSet presAssocID="{1DA26272-F6D0-4EFC-B51C-F3FB4CB7C573}" presName="root2" presStyleCnt="0"/>
       <dgm:spPr/>
     </dgm:pt>
-    <dgm:pt modelId="{1731E75D-2505-4D14-A951-A7542C0AEC86}" type="pres">
-      <dgm:prSet presAssocID="{5A4DDBCB-F314-47FB-83FC-2C6F5CC9B9D1}" presName="LevelTwoTextNode" presStyleLbl="node2" presStyleIdx="0" presStyleCnt="1">
+    <dgm:pt modelId="{3196F263-9C97-4FE8-A08D-EAFF242ADC98}" type="pres">
+      <dgm:prSet presAssocID="{1DA26272-F6D0-4EFC-B51C-F3FB4CB7C573}" presName="LevelTwoTextNode" presStyleLbl="node2" presStyleIdx="0" presStyleCnt="1">
         <dgm:presLayoutVars>
           <dgm:chPref val="3"/>
         </dgm:presLayoutVars>
       </dgm:prSet>
       <dgm:spPr/>
     </dgm:pt>
-    <dgm:pt modelId="{C85AF2B4-6F31-4FAC-8DF2-23ECD276C3CC}" type="pres">
-      <dgm:prSet presAssocID="{5A4DDBCB-F314-47FB-83FC-2C6F5CC9B9D1}" presName="level3hierChild" presStyleCnt="0"/>
+    <dgm:pt modelId="{BDF4F577-57FE-4FA2-8F73-F03A067E1B10}" type="pres">
+      <dgm:prSet presAssocID="{1DA26272-F6D0-4EFC-B51C-F3FB4CB7C573}" presName="level3hierChild" presStyleCnt="0"/>
       <dgm:spPr/>
     </dgm:pt>
-    <dgm:pt modelId="{3B36CFC7-46E2-48B0-8CA2-9F93D162668B}" type="pres">
-      <dgm:prSet presAssocID="{B3D8FE82-13F2-422B-8B6C-4B25973B6AE9}" presName="conn2-1" presStyleLbl="parChTrans1D3" presStyleIdx="0" presStyleCnt="1"/>
+    <dgm:pt modelId="{CE9D4ED6-1240-4D50-AB80-F15532475C48}" type="pres">
+      <dgm:prSet presAssocID="{DC4FF5E7-D477-4729-B8F7-0B1983FB7BD4}" presName="conn2-1" presStyleLbl="parChTrans1D3" presStyleIdx="0" presStyleCnt="3"/>
       <dgm:spPr/>
     </dgm:pt>
-    <dgm:pt modelId="{5730E85F-1BE9-4658-BA12-B75F1C8E3F90}" type="pres">
-      <dgm:prSet presAssocID="{B3D8FE82-13F2-422B-8B6C-4B25973B6AE9}" presName="connTx" presStyleLbl="parChTrans1D3" presStyleIdx="0" presStyleCnt="1"/>
+    <dgm:pt modelId="{1DCCD757-169C-4479-B498-243011FDE15C}" type="pres">
+      <dgm:prSet presAssocID="{DC4FF5E7-D477-4729-B8F7-0B1983FB7BD4}" presName="connTx" presStyleLbl="parChTrans1D3" presStyleIdx="0" presStyleCnt="3"/>
       <dgm:spPr/>
     </dgm:pt>
-    <dgm:pt modelId="{B74DB481-2EC3-4B53-A966-1E16F80D2735}" type="pres">
-      <dgm:prSet presAssocID="{32C37550-67EB-4369-A9AB-0ADA71777CDC}" presName="root2" presStyleCnt="0"/>
+    <dgm:pt modelId="{7DFF2998-E040-4378-B00B-B004B56CBA70}" type="pres">
+      <dgm:prSet presAssocID="{1C3A66B8-8A04-4905-B8D0-5E132F374EE0}" presName="root2" presStyleCnt="0"/>
       <dgm:spPr/>
     </dgm:pt>
-    <dgm:pt modelId="{E6755CD0-1D29-4CFC-B4C5-D4DC7EDDF42A}" type="pres">
-      <dgm:prSet presAssocID="{32C37550-67EB-4369-A9AB-0ADA71777CDC}" presName="LevelTwoTextNode" presStyleLbl="node3" presStyleIdx="0" presStyleCnt="1">
+    <dgm:pt modelId="{15A180FA-2ADD-4D2E-A194-A870F0DDACBA}" type="pres">
+      <dgm:prSet presAssocID="{1C3A66B8-8A04-4905-B8D0-5E132F374EE0}" presName="LevelTwoTextNode" presStyleLbl="node3" presStyleIdx="0" presStyleCnt="3">
         <dgm:presLayoutVars>
           <dgm:chPref val="3"/>
         </dgm:presLayoutVars>
       </dgm:prSet>
       <dgm:spPr/>
     </dgm:pt>
-    <dgm:pt modelId="{E992B552-39B6-4CCB-B400-1B6527CA06B6}" type="pres">
-      <dgm:prSet presAssocID="{32C37550-67EB-4369-A9AB-0ADA71777CDC}" presName="level3hierChild" presStyleCnt="0"/>
+    <dgm:pt modelId="{9F2C3276-34E3-4056-AF38-B0E9958856E7}" type="pres">
+      <dgm:prSet presAssocID="{1C3A66B8-8A04-4905-B8D0-5E132F374EE0}" presName="level3hierChild" presStyleCnt="0"/>
       <dgm:spPr/>
     </dgm:pt>
-    <dgm:pt modelId="{B5749EC1-0854-484D-BDF4-CFF78E76CBF1}" type="pres">
-      <dgm:prSet presAssocID="{12FCE3D5-87E2-4F36-8548-6707C2F0A8AB}" presName="conn2-1" presStyleLbl="parChTrans1D4" presStyleIdx="0" presStyleCnt="1"/>
+    <dgm:pt modelId="{D69069EB-AF72-4EAE-B94A-937B77DE0DF5}" type="pres">
+      <dgm:prSet presAssocID="{9381F460-DA17-49F7-AE90-D7D63C8EE8EF}" presName="conn2-1" presStyleLbl="parChTrans1D3" presStyleIdx="1" presStyleCnt="3"/>
       <dgm:spPr/>
     </dgm:pt>
-    <dgm:pt modelId="{440F2E7B-880A-41B2-8E19-B9E783B97DA8}" type="pres">
-      <dgm:prSet presAssocID="{12FCE3D5-87E2-4F36-8548-6707C2F0A8AB}" presName="connTx" presStyleLbl="parChTrans1D4" presStyleIdx="0" presStyleCnt="1"/>
+    <dgm:pt modelId="{C2F56479-2E80-4FE6-8309-FC1277841E69}" type="pres">
+      <dgm:prSet presAssocID="{9381F460-DA17-49F7-AE90-D7D63C8EE8EF}" presName="connTx" presStyleLbl="parChTrans1D3" presStyleIdx="1" presStyleCnt="3"/>
       <dgm:spPr/>
     </dgm:pt>
-    <dgm:pt modelId="{1546F529-105E-4DA8-A589-7E1C9E689DA6}" type="pres">
-      <dgm:prSet presAssocID="{1219A9EF-1F61-45EA-A4B5-2CAAD9B4B357}" presName="root2" presStyleCnt="0"/>
+    <dgm:pt modelId="{D02D160C-5E83-42EE-8DD3-E0BBE1AD45DC}" type="pres">
+      <dgm:prSet presAssocID="{04BFEC5E-63C7-43EF-A667-563970C9E594}" presName="root2" presStyleCnt="0"/>
       <dgm:spPr/>
     </dgm:pt>
-    <dgm:pt modelId="{E4F50E46-B8AE-46B3-84C5-8D3B06B2CBBE}" type="pres">
-      <dgm:prSet presAssocID="{1219A9EF-1F61-45EA-A4B5-2CAAD9B4B357}" presName="LevelTwoTextNode" presStyleLbl="node4" presStyleIdx="0" presStyleCnt="1">
+    <dgm:pt modelId="{EFD06F5D-7E7A-4990-A656-A982F401FEC1}" type="pres">
+      <dgm:prSet presAssocID="{04BFEC5E-63C7-43EF-A667-563970C9E594}" presName="LevelTwoTextNode" presStyleLbl="node3" presStyleIdx="1" presStyleCnt="3">
         <dgm:presLayoutVars>
           <dgm:chPref val="3"/>
         </dgm:presLayoutVars>
       </dgm:prSet>
       <dgm:spPr/>
     </dgm:pt>
-    <dgm:pt modelId="{EF35E385-12D4-487D-9A0B-C7C03CCA9F85}" type="pres">
-      <dgm:prSet presAssocID="{1219A9EF-1F61-45EA-A4B5-2CAAD9B4B357}" presName="level3hierChild" presStyleCnt="0"/>
+    <dgm:pt modelId="{630FBDA6-C47A-41F6-A9B4-1C23D643D284}" type="pres">
+      <dgm:prSet presAssocID="{04BFEC5E-63C7-43EF-A667-563970C9E594}" presName="level3hierChild" presStyleCnt="0"/>
+      <dgm:spPr/>
+    </dgm:pt>
+    <dgm:pt modelId="{3CC18629-F927-4EBC-AC58-D40D8F9D6B0A}" type="pres">
+      <dgm:prSet presAssocID="{6549192B-9CCF-4610-AC8C-3541C35100B1}" presName="conn2-1" presStyleLbl="parChTrans1D4" presStyleIdx="0" presStyleCnt="4"/>
+      <dgm:spPr/>
+    </dgm:pt>
+    <dgm:pt modelId="{F0B91EF2-BEFC-4C25-B637-CF7767B93E91}" type="pres">
+      <dgm:prSet presAssocID="{6549192B-9CCF-4610-AC8C-3541C35100B1}" presName="connTx" presStyleLbl="parChTrans1D4" presStyleIdx="0" presStyleCnt="4"/>
+      <dgm:spPr/>
+    </dgm:pt>
+    <dgm:pt modelId="{B87F9D83-85C6-41ED-AA13-7D6C2E0E0969}" type="pres">
+      <dgm:prSet presAssocID="{EEE6D2CB-7C45-48C5-912F-6F718A8D0060}" presName="root2" presStyleCnt="0"/>
+      <dgm:spPr/>
+    </dgm:pt>
+    <dgm:pt modelId="{387D5B3C-12FA-432D-B789-AD486D3986AB}" type="pres">
+      <dgm:prSet presAssocID="{EEE6D2CB-7C45-48C5-912F-6F718A8D0060}" presName="LevelTwoTextNode" presStyleLbl="node4" presStyleIdx="0" presStyleCnt="4">
+        <dgm:presLayoutVars>
+          <dgm:chPref val="3"/>
+        </dgm:presLayoutVars>
+      </dgm:prSet>
+      <dgm:spPr/>
+    </dgm:pt>
+    <dgm:pt modelId="{E88FB183-8564-4F72-A666-71125E9D81BF}" type="pres">
+      <dgm:prSet presAssocID="{EEE6D2CB-7C45-48C5-912F-6F718A8D0060}" presName="level3hierChild" presStyleCnt="0"/>
+      <dgm:spPr/>
+    </dgm:pt>
+    <dgm:pt modelId="{CBB53C61-09EA-4D71-B3DB-28CFB0567046}" type="pres">
+      <dgm:prSet presAssocID="{C6F96F4F-6DB5-419E-A682-9AA9D09A59BE}" presName="conn2-1" presStyleLbl="parChTrans1D4" presStyleIdx="1" presStyleCnt="4"/>
+      <dgm:spPr/>
+    </dgm:pt>
+    <dgm:pt modelId="{84180FC5-7B47-4417-8B80-30103F446A5A}" type="pres">
+      <dgm:prSet presAssocID="{C6F96F4F-6DB5-419E-A682-9AA9D09A59BE}" presName="connTx" presStyleLbl="parChTrans1D4" presStyleIdx="1" presStyleCnt="4"/>
+      <dgm:spPr/>
+    </dgm:pt>
+    <dgm:pt modelId="{0D5FEFA8-82EB-466B-B7D9-23EF4AD31F3D}" type="pres">
+      <dgm:prSet presAssocID="{64CCBD2F-188B-4F14-9753-1B6E0E83EFD4}" presName="root2" presStyleCnt="0"/>
+      <dgm:spPr/>
+    </dgm:pt>
+    <dgm:pt modelId="{189CD830-6ED2-40C7-ACBE-4215DD05BFE9}" type="pres">
+      <dgm:prSet presAssocID="{64CCBD2F-188B-4F14-9753-1B6E0E83EFD4}" presName="LevelTwoTextNode" presStyleLbl="node4" presStyleIdx="1" presStyleCnt="4">
+        <dgm:presLayoutVars>
+          <dgm:chPref val="3"/>
+        </dgm:presLayoutVars>
+      </dgm:prSet>
+      <dgm:spPr/>
+    </dgm:pt>
+    <dgm:pt modelId="{6B6D9C05-A858-45FF-9679-B15C9E22E79E}" type="pres">
+      <dgm:prSet presAssocID="{64CCBD2F-188B-4F14-9753-1B6E0E83EFD4}" presName="level3hierChild" presStyleCnt="0"/>
+      <dgm:spPr/>
+    </dgm:pt>
+    <dgm:pt modelId="{E64B0B06-E771-48AC-84E7-2CFBD668B751}" type="pres">
+      <dgm:prSet presAssocID="{46AFC081-FA18-42C3-95B0-5DBEBDFBA33B}" presName="conn2-1" presStyleLbl="parChTrans1D3" presStyleIdx="2" presStyleCnt="3"/>
+      <dgm:spPr/>
+    </dgm:pt>
+    <dgm:pt modelId="{0E3AC435-EF03-4670-B8FF-077DED999E38}" type="pres">
+      <dgm:prSet presAssocID="{46AFC081-FA18-42C3-95B0-5DBEBDFBA33B}" presName="connTx" presStyleLbl="parChTrans1D3" presStyleIdx="2" presStyleCnt="3"/>
+      <dgm:spPr/>
+    </dgm:pt>
+    <dgm:pt modelId="{329AF19F-900B-4F35-A75C-3C8BA168A998}" type="pres">
+      <dgm:prSet presAssocID="{EBF29BAF-33A5-4C18-932A-948BB960BD2E}" presName="root2" presStyleCnt="0"/>
+      <dgm:spPr/>
+    </dgm:pt>
+    <dgm:pt modelId="{EA46A9DD-C2A7-48CE-8746-EAC30177A69B}" type="pres">
+      <dgm:prSet presAssocID="{EBF29BAF-33A5-4C18-932A-948BB960BD2E}" presName="LevelTwoTextNode" presStyleLbl="node3" presStyleIdx="2" presStyleCnt="3">
+        <dgm:presLayoutVars>
+          <dgm:chPref val="3"/>
+        </dgm:presLayoutVars>
+      </dgm:prSet>
+      <dgm:spPr/>
+    </dgm:pt>
+    <dgm:pt modelId="{71F3DC6A-60C1-412E-BDE2-CF825AA91434}" type="pres">
+      <dgm:prSet presAssocID="{EBF29BAF-33A5-4C18-932A-948BB960BD2E}" presName="level3hierChild" presStyleCnt="0"/>
+      <dgm:spPr/>
+    </dgm:pt>
+    <dgm:pt modelId="{A546DDFC-9DBD-4ECD-A6E4-093DBB7CA298}" type="pres">
+      <dgm:prSet presAssocID="{580DA666-CC0F-4C6E-8EA8-CCF655889748}" presName="conn2-1" presStyleLbl="parChTrans1D4" presStyleIdx="2" presStyleCnt="4"/>
+      <dgm:spPr/>
+    </dgm:pt>
+    <dgm:pt modelId="{255396E6-23BE-4D0A-B4AB-DDE224005E74}" type="pres">
+      <dgm:prSet presAssocID="{580DA666-CC0F-4C6E-8EA8-CCF655889748}" presName="connTx" presStyleLbl="parChTrans1D4" presStyleIdx="2" presStyleCnt="4"/>
+      <dgm:spPr/>
+    </dgm:pt>
+    <dgm:pt modelId="{0E13C144-A2A6-42DF-8DBB-13E9B77EACF0}" type="pres">
+      <dgm:prSet presAssocID="{8D2ADC05-465B-465E-8B7C-1347553CEBE7}" presName="root2" presStyleCnt="0"/>
+      <dgm:spPr/>
+    </dgm:pt>
+    <dgm:pt modelId="{EA174151-5C03-46D4-AB7E-ABEF72EE0612}" type="pres">
+      <dgm:prSet presAssocID="{8D2ADC05-465B-465E-8B7C-1347553CEBE7}" presName="LevelTwoTextNode" presStyleLbl="node4" presStyleIdx="2" presStyleCnt="4">
+        <dgm:presLayoutVars>
+          <dgm:chPref val="3"/>
+        </dgm:presLayoutVars>
+      </dgm:prSet>
+      <dgm:spPr/>
+    </dgm:pt>
+    <dgm:pt modelId="{1E4A9E81-578F-46BE-8E22-750B62C66D09}" type="pres">
+      <dgm:prSet presAssocID="{8D2ADC05-465B-465E-8B7C-1347553CEBE7}" presName="level3hierChild" presStyleCnt="0"/>
+      <dgm:spPr/>
+    </dgm:pt>
+    <dgm:pt modelId="{0CF864DB-0B93-4970-9B5A-2B8FC40A6B4B}" type="pres">
+      <dgm:prSet presAssocID="{E49CD796-8ADB-400C-816F-94876EBB5F2B}" presName="conn2-1" presStyleLbl="parChTrans1D4" presStyleIdx="3" presStyleCnt="4"/>
+      <dgm:spPr/>
+    </dgm:pt>
+    <dgm:pt modelId="{EF91927F-9C85-42E3-ACEC-C9948E281D9C}" type="pres">
+      <dgm:prSet presAssocID="{E49CD796-8ADB-400C-816F-94876EBB5F2B}" presName="connTx" presStyleLbl="parChTrans1D4" presStyleIdx="3" presStyleCnt="4"/>
+      <dgm:spPr/>
+    </dgm:pt>
+    <dgm:pt modelId="{34DAD46E-88E2-4DD7-8AF5-6B4CF12DFA46}" type="pres">
+      <dgm:prSet presAssocID="{5432B5F6-D645-479C-AFE5-FCE6B233E1C1}" presName="root2" presStyleCnt="0"/>
+      <dgm:spPr/>
+    </dgm:pt>
+    <dgm:pt modelId="{2E47709F-AAF7-455A-8809-18FFF1594C05}" type="pres">
+      <dgm:prSet presAssocID="{5432B5F6-D645-479C-AFE5-FCE6B233E1C1}" presName="LevelTwoTextNode" presStyleLbl="node4" presStyleIdx="3" presStyleCnt="4">
+        <dgm:presLayoutVars>
+          <dgm:chPref val="3"/>
+        </dgm:presLayoutVars>
+      </dgm:prSet>
+      <dgm:spPr/>
+    </dgm:pt>
+    <dgm:pt modelId="{90034069-7F2D-4A81-BFCA-5C8BBE80BF96}" type="pres">
+      <dgm:prSet presAssocID="{5432B5F6-D645-479C-AFE5-FCE6B233E1C1}" presName="level3hierChild" presStyleCnt="0"/>
       <dgm:spPr/>
     </dgm:pt>
   </dgm:ptLst>
   <dgm:cxnLst>
-    <dgm:cxn modelId="{85C6E509-00F7-44E4-BCFC-B2688E427ADA}" srcId="{32C37550-67EB-4369-A9AB-0ADA71777CDC}" destId="{1219A9EF-1F61-45EA-A4B5-2CAAD9B4B357}" srcOrd="0" destOrd="0" parTransId="{12FCE3D5-87E2-4F36-8548-6707C2F0A8AB}" sibTransId="{377A6BC3-BE1E-490D-BED7-0AB5DCF5A2B3}"/>
-    <dgm:cxn modelId="{68783B17-E59A-477F-BD86-4374DE68310E}" type="presOf" srcId="{5628E732-579E-463D-A1E2-60F2E5C2CAF6}" destId="{3B85A386-9954-42EC-9E71-1B81B3A77808}" srcOrd="1" destOrd="0" presId="urn:microsoft.com/office/officeart/2005/8/layout/hierarchy2"/>
+    <dgm:cxn modelId="{CD5A3409-DE34-4957-983B-746A9C3086EB}" srcId="{1DA26272-F6D0-4EFC-B51C-F3FB4CB7C573}" destId="{04BFEC5E-63C7-43EF-A667-563970C9E594}" srcOrd="1" destOrd="0" parTransId="{9381F460-DA17-49F7-AE90-D7D63C8EE8EF}" sibTransId="{CDDC183A-7728-48D0-BADB-192D589D55B9}"/>
+    <dgm:cxn modelId="{93186F10-A754-479B-A03F-465BD5F293AD}" type="presOf" srcId="{04BFEC5E-63C7-43EF-A667-563970C9E594}" destId="{EFD06F5D-7E7A-4990-A656-A982F401FEC1}" srcOrd="0" destOrd="0" presId="urn:microsoft.com/office/officeart/2005/8/layout/hierarchy2"/>
+    <dgm:cxn modelId="{B8809711-204C-4F1B-9676-CBA1AF0B5BD6}" type="presOf" srcId="{8D2ADC05-465B-465E-8B7C-1347553CEBE7}" destId="{EA174151-5C03-46D4-AB7E-ABEF72EE0612}" srcOrd="0" destOrd="0" presId="urn:microsoft.com/office/officeart/2005/8/layout/hierarchy2"/>
     <dgm:cxn modelId="{BFBE8B18-431A-442D-94BB-7AA756B5AB93}" srcId="{422B0D49-4A5C-417D-AC2C-4E95E4E918D0}" destId="{20AB2F8C-49E3-4F7B-8E5C-312A0D5F2B15}" srcOrd="0" destOrd="0" parTransId="{D48D2F8B-FF50-44C4-A484-3CED3F7E175A}" sibTransId="{44EAED66-F952-42E2-B867-AADF3C0A9F9A}"/>
-    <dgm:cxn modelId="{96AF3A2D-3500-4EB8-9242-A5EA5AB0B6B2}" type="presOf" srcId="{12FCE3D5-87E2-4F36-8548-6707C2F0A8AB}" destId="{440F2E7B-880A-41B2-8E19-B9E783B97DA8}" srcOrd="1" destOrd="0" presId="urn:microsoft.com/office/officeart/2005/8/layout/hierarchy2"/>
-    <dgm:cxn modelId="{F871E635-BCAF-4A19-B302-561FD2F63C8D}" type="presOf" srcId="{12FCE3D5-87E2-4F36-8548-6707C2F0A8AB}" destId="{B5749EC1-0854-484D-BDF4-CFF78E76CBF1}" srcOrd="0" destOrd="0" presId="urn:microsoft.com/office/officeart/2005/8/layout/hierarchy2"/>
+    <dgm:cxn modelId="{D48F841A-EE30-4737-B680-1457EFEF082C}" srcId="{EBF29BAF-33A5-4C18-932A-948BB960BD2E}" destId="{8D2ADC05-465B-465E-8B7C-1347553CEBE7}" srcOrd="0" destOrd="0" parTransId="{580DA666-CC0F-4C6E-8EA8-CCF655889748}" sibTransId="{EEF6595C-FC57-45CA-BC50-68258802FC76}"/>
+    <dgm:cxn modelId="{82F87B25-4813-497C-984B-4F7D45EA103D}" type="presOf" srcId="{46AFC081-FA18-42C3-95B0-5DBEBDFBA33B}" destId="{E64B0B06-E771-48AC-84E7-2CFBD668B751}" srcOrd="0" destOrd="0" presId="urn:microsoft.com/office/officeart/2005/8/layout/hierarchy2"/>
+    <dgm:cxn modelId="{9498592C-BED8-4687-BF31-4843320E54A0}" type="presOf" srcId="{E49CD796-8ADB-400C-816F-94876EBB5F2B}" destId="{0CF864DB-0B93-4970-9B5A-2B8FC40A6B4B}" srcOrd="0" destOrd="0" presId="urn:microsoft.com/office/officeart/2005/8/layout/hierarchy2"/>
+    <dgm:cxn modelId="{615C9333-D8BF-4FD4-BD60-A66954FFCD14}" type="presOf" srcId="{64CCBD2F-188B-4F14-9753-1B6E0E83EFD4}" destId="{189CD830-6ED2-40C7-ACBE-4215DD05BFE9}" srcOrd="0" destOrd="0" presId="urn:microsoft.com/office/officeart/2005/8/layout/hierarchy2"/>
+    <dgm:cxn modelId="{5379A033-7B76-42EB-9023-4FAB68BFFC8A}" srcId="{04BFEC5E-63C7-43EF-A667-563970C9E594}" destId="{EEE6D2CB-7C45-48C5-912F-6F718A8D0060}" srcOrd="0" destOrd="0" parTransId="{6549192B-9CCF-4610-AC8C-3541C35100B1}" sibTransId="{95C4EAD2-9D32-4A4D-87FE-3BC296C315F1}"/>
+    <dgm:cxn modelId="{02BB5136-7B45-45DE-A9D9-4B0055832EC7}" type="presOf" srcId="{46AFC081-FA18-42C3-95B0-5DBEBDFBA33B}" destId="{0E3AC435-EF03-4670-B8FF-077DED999E38}" srcOrd="1" destOrd="0" presId="urn:microsoft.com/office/officeart/2005/8/layout/hierarchy2"/>
     <dgm:cxn modelId="{76987737-D767-44A1-9445-B6E6C753F7ED}" type="presOf" srcId="{422B0D49-4A5C-417D-AC2C-4E95E4E918D0}" destId="{52FE8BEC-FE19-4358-AFEE-3DEC6E5FBA60}" srcOrd="0" destOrd="0" presId="urn:microsoft.com/office/officeart/2005/8/layout/hierarchy2"/>
-    <dgm:cxn modelId="{57500D3F-BFE6-4A1C-B4B2-622641163BA8}" type="presOf" srcId="{B3D8FE82-13F2-422B-8B6C-4B25973B6AE9}" destId="{5730E85F-1BE9-4658-BA12-B75F1C8E3F90}" srcOrd="1" destOrd="0" presId="urn:microsoft.com/office/officeart/2005/8/layout/hierarchy2"/>
-    <dgm:cxn modelId="{CF1ABA5E-5D3B-4D1C-A824-CE300BFAF734}" type="presOf" srcId="{1219A9EF-1F61-45EA-A4B5-2CAAD9B4B357}" destId="{E4F50E46-B8AE-46B3-84C5-8D3B06B2CBBE}" srcOrd="0" destOrd="0" presId="urn:microsoft.com/office/officeart/2005/8/layout/hierarchy2"/>
-    <dgm:cxn modelId="{53FDAF7C-0B04-46D0-962B-D4052533222A}" srcId="{5A4DDBCB-F314-47FB-83FC-2C6F5CC9B9D1}" destId="{32C37550-67EB-4369-A9AB-0ADA71777CDC}" srcOrd="0" destOrd="0" parTransId="{B3D8FE82-13F2-422B-8B6C-4B25973B6AE9}" sibTransId="{F2AEFCA2-F594-4A8E-B43D-5AE4AE8D5EDC}"/>
-    <dgm:cxn modelId="{DEBF747F-004D-4FB5-A80C-B1A7B99CAB73}" srcId="{20AB2F8C-49E3-4F7B-8E5C-312A0D5F2B15}" destId="{5A4DDBCB-F314-47FB-83FC-2C6F5CC9B9D1}" srcOrd="0" destOrd="0" parTransId="{5628E732-579E-463D-A1E2-60F2E5C2CAF6}" sibTransId="{77A1243C-02DB-4B7C-B61A-FF5795C28B03}"/>
-    <dgm:cxn modelId="{A74B0681-AA13-4C2D-B3D2-576C08C2EF19}" type="presOf" srcId="{5628E732-579E-463D-A1E2-60F2E5C2CAF6}" destId="{3D2399DF-2411-4D60-9AA2-B2750A44CBCF}" srcOrd="0" destOrd="0" presId="urn:microsoft.com/office/officeart/2005/8/layout/hierarchy2"/>
-    <dgm:cxn modelId="{38389C8C-42E2-4A42-91E7-0FF721D3937D}" type="presOf" srcId="{32C37550-67EB-4369-A9AB-0ADA71777CDC}" destId="{E6755CD0-1D29-4CFC-B4C5-D4DC7EDDF42A}" srcOrd="0" destOrd="0" presId="urn:microsoft.com/office/officeart/2005/8/layout/hierarchy2"/>
-    <dgm:cxn modelId="{1AEF7B8E-02FF-4143-9D32-0E25D258B309}" type="presOf" srcId="{B3D8FE82-13F2-422B-8B6C-4B25973B6AE9}" destId="{3B36CFC7-46E2-48B0-8CA2-9F93D162668B}" srcOrd="0" destOrd="0" presId="urn:microsoft.com/office/officeart/2005/8/layout/hierarchy2"/>
+    <dgm:cxn modelId="{5320F53B-C1C0-499F-8335-7488D0A39013}" type="presOf" srcId="{C6F96F4F-6DB5-419E-A682-9AA9D09A59BE}" destId="{CBB53C61-09EA-4D71-B3DB-28CFB0567046}" srcOrd="0" destOrd="0" presId="urn:microsoft.com/office/officeart/2005/8/layout/hierarchy2"/>
+    <dgm:cxn modelId="{A07AC866-5726-48B6-896E-BD63AD169381}" type="presOf" srcId="{C6F96F4F-6DB5-419E-A682-9AA9D09A59BE}" destId="{84180FC5-7B47-4417-8B80-30103F446A5A}" srcOrd="1" destOrd="0" presId="urn:microsoft.com/office/officeart/2005/8/layout/hierarchy2"/>
+    <dgm:cxn modelId="{3C97D74A-DD92-438F-8449-94E890904842}" type="presOf" srcId="{EBF29BAF-33A5-4C18-932A-948BB960BD2E}" destId="{EA46A9DD-C2A7-48CE-8746-EAC30177A69B}" srcOrd="0" destOrd="0" presId="urn:microsoft.com/office/officeart/2005/8/layout/hierarchy2"/>
+    <dgm:cxn modelId="{B8CF454E-4B43-4073-8577-CFE525464E21}" type="presOf" srcId="{9381F460-DA17-49F7-AE90-D7D63C8EE8EF}" destId="{C2F56479-2E80-4FE6-8309-FC1277841E69}" srcOrd="1" destOrd="0" presId="urn:microsoft.com/office/officeart/2005/8/layout/hierarchy2"/>
+    <dgm:cxn modelId="{51B9AB57-70AB-4452-95D2-B5F058C0E9E7}" srcId="{EBF29BAF-33A5-4C18-932A-948BB960BD2E}" destId="{5432B5F6-D645-479C-AFE5-FCE6B233E1C1}" srcOrd="1" destOrd="0" parTransId="{E49CD796-8ADB-400C-816F-94876EBB5F2B}" sibTransId="{A59AEEE6-1E99-4296-8245-365CB945B9E2}"/>
+    <dgm:cxn modelId="{7FEAD879-3DAC-4003-B9F5-BC1A269910AC}" srcId="{04BFEC5E-63C7-43EF-A667-563970C9E594}" destId="{64CCBD2F-188B-4F14-9753-1B6E0E83EFD4}" srcOrd="1" destOrd="0" parTransId="{C6F96F4F-6DB5-419E-A682-9AA9D09A59BE}" sibTransId="{FC816834-6C9D-4A8A-828F-F2F7E75356D0}"/>
+    <dgm:cxn modelId="{829CDC7A-A96D-4E5A-B117-499998C900F5}" type="presOf" srcId="{DC4FF5E7-D477-4729-B8F7-0B1983FB7BD4}" destId="{CE9D4ED6-1240-4D50-AB80-F15532475C48}" srcOrd="0" destOrd="0" presId="urn:microsoft.com/office/officeart/2005/8/layout/hierarchy2"/>
+    <dgm:cxn modelId="{B0073088-EABB-44B9-8AE8-DA36C96F57F2}" type="presOf" srcId="{1C3A66B8-8A04-4905-B8D0-5E132F374EE0}" destId="{15A180FA-2ADD-4D2E-A194-A870F0DDACBA}" srcOrd="0" destOrd="0" presId="urn:microsoft.com/office/officeart/2005/8/layout/hierarchy2"/>
+    <dgm:cxn modelId="{8CDCF68B-9079-4DB7-962A-DFB55420038A}" type="presOf" srcId="{438A1CE2-D100-49CF-96CC-30D33C3EE23E}" destId="{3B785BAB-6A20-4552-A527-7DD616C7319E}" srcOrd="1" destOrd="0" presId="urn:microsoft.com/office/officeart/2005/8/layout/hierarchy2"/>
+    <dgm:cxn modelId="{B7EA2C8C-4C51-4F39-9E9B-0076806F9AF0}" type="presOf" srcId="{580DA666-CC0F-4C6E-8EA8-CCF655889748}" destId="{A546DDFC-9DBD-4ECD-A6E4-093DBB7CA298}" srcOrd="0" destOrd="0" presId="urn:microsoft.com/office/officeart/2005/8/layout/hierarchy2"/>
+    <dgm:cxn modelId="{FCE99D8E-DE11-479D-BB7D-E4CFABE12564}" type="presOf" srcId="{438A1CE2-D100-49CF-96CC-30D33C3EE23E}" destId="{4C7027EB-DEA0-4F34-BEEB-5E85E0C1D050}" srcOrd="0" destOrd="0" presId="urn:microsoft.com/office/officeart/2005/8/layout/hierarchy2"/>
     <dgm:cxn modelId="{222EFA95-6B91-4ACF-8D91-D5EE734EFC13}" type="presOf" srcId="{20AB2F8C-49E3-4F7B-8E5C-312A0D5F2B15}" destId="{E06D7D5A-3D1D-437E-A0C0-034F1AA76A1C}" srcOrd="0" destOrd="0" presId="urn:microsoft.com/office/officeart/2005/8/layout/hierarchy2"/>
-    <dgm:cxn modelId="{3992829B-A859-421F-BFAA-289E2696F956}" type="presOf" srcId="{5A4DDBCB-F314-47FB-83FC-2C6F5CC9B9D1}" destId="{1731E75D-2505-4D14-A951-A7542C0AEC86}" srcOrd="0" destOrd="0" presId="urn:microsoft.com/office/officeart/2005/8/layout/hierarchy2"/>
+    <dgm:cxn modelId="{EF595BA2-D98F-40A8-A025-6D5911A8FF26}" type="presOf" srcId="{5432B5F6-D645-479C-AFE5-FCE6B233E1C1}" destId="{2E47709F-AAF7-455A-8809-18FFF1594C05}" srcOrd="0" destOrd="0" presId="urn:microsoft.com/office/officeart/2005/8/layout/hierarchy2"/>
+    <dgm:cxn modelId="{B07154A7-46AD-4AA5-9D1D-7B52EA4491A1}" type="presOf" srcId="{EEE6D2CB-7C45-48C5-912F-6F718A8D0060}" destId="{387D5B3C-12FA-432D-B789-AD486D3986AB}" srcOrd="0" destOrd="0" presId="urn:microsoft.com/office/officeart/2005/8/layout/hierarchy2"/>
+    <dgm:cxn modelId="{05099DAD-0F90-4E1B-9E5F-F27F2F917D9D}" srcId="{20AB2F8C-49E3-4F7B-8E5C-312A0D5F2B15}" destId="{1DA26272-F6D0-4EFC-B51C-F3FB4CB7C573}" srcOrd="0" destOrd="0" parTransId="{438A1CE2-D100-49CF-96CC-30D33C3EE23E}" sibTransId="{A1C517A6-1816-4ACA-BD87-EF866E766BB5}"/>
+    <dgm:cxn modelId="{B054CEB5-1E7B-45D7-BA5C-8AFE0A362394}" type="presOf" srcId="{6549192B-9CCF-4610-AC8C-3541C35100B1}" destId="{3CC18629-F927-4EBC-AC58-D40D8F9D6B0A}" srcOrd="0" destOrd="0" presId="urn:microsoft.com/office/officeart/2005/8/layout/hierarchy2"/>
+    <dgm:cxn modelId="{20B936B6-ADBE-4441-AA2A-2905261683FA}" srcId="{1DA26272-F6D0-4EFC-B51C-F3FB4CB7C573}" destId="{EBF29BAF-33A5-4C18-932A-948BB960BD2E}" srcOrd="2" destOrd="0" parTransId="{46AFC081-FA18-42C3-95B0-5DBEBDFBA33B}" sibTransId="{5F45485C-2140-44EF-AD24-DD2A5362ACC7}"/>
+    <dgm:cxn modelId="{977741C3-144F-4E63-959E-8C2CA6535647}" type="presOf" srcId="{E49CD796-8ADB-400C-816F-94876EBB5F2B}" destId="{EF91927F-9C85-42E3-ACEC-C9948E281D9C}" srcOrd="1" destOrd="0" presId="urn:microsoft.com/office/officeart/2005/8/layout/hierarchy2"/>
+    <dgm:cxn modelId="{EC285AC6-7791-4306-BBBE-D9390EFB34BA}" type="presOf" srcId="{6549192B-9CCF-4610-AC8C-3541C35100B1}" destId="{F0B91EF2-BEFC-4C25-B637-CF7767B93E91}" srcOrd="1" destOrd="0" presId="urn:microsoft.com/office/officeart/2005/8/layout/hierarchy2"/>
+    <dgm:cxn modelId="{7A4BFAC9-7AC6-470F-9356-FD5E8C1AD961}" type="presOf" srcId="{1DA26272-F6D0-4EFC-B51C-F3FB4CB7C573}" destId="{3196F263-9C97-4FE8-A08D-EAFF242ADC98}" srcOrd="0" destOrd="0" presId="urn:microsoft.com/office/officeart/2005/8/layout/hierarchy2"/>
+    <dgm:cxn modelId="{C9EC89E6-F9CE-4691-855B-4C058653C083}" srcId="{1DA26272-F6D0-4EFC-B51C-F3FB4CB7C573}" destId="{1C3A66B8-8A04-4905-B8D0-5E132F374EE0}" srcOrd="0" destOrd="0" parTransId="{DC4FF5E7-D477-4729-B8F7-0B1983FB7BD4}" sibTransId="{677A7B78-BE9E-4368-8793-1BD08B63764F}"/>
+    <dgm:cxn modelId="{E37E7BEC-16F9-49C7-9C5E-FDF551654937}" type="presOf" srcId="{9381F460-DA17-49F7-AE90-D7D63C8EE8EF}" destId="{D69069EB-AF72-4EAE-B94A-937B77DE0DF5}" srcOrd="0" destOrd="0" presId="urn:microsoft.com/office/officeart/2005/8/layout/hierarchy2"/>
+    <dgm:cxn modelId="{4AC7ADEE-09AE-4E1F-AA8B-CC3F4CD0DA4B}" type="presOf" srcId="{580DA666-CC0F-4C6E-8EA8-CCF655889748}" destId="{255396E6-23BE-4D0A-B4AB-DDE224005E74}" srcOrd="1" destOrd="0" presId="urn:microsoft.com/office/officeart/2005/8/layout/hierarchy2"/>
+    <dgm:cxn modelId="{7A439DF2-C46A-4D1C-ACA4-81A03B59A925}" type="presOf" srcId="{DC4FF5E7-D477-4729-B8F7-0B1983FB7BD4}" destId="{1DCCD757-169C-4479-B498-243011FDE15C}" srcOrd="1" destOrd="0" presId="urn:microsoft.com/office/officeart/2005/8/layout/hierarchy2"/>
     <dgm:cxn modelId="{B87818E9-608E-4EC2-B775-75A95490956E}" type="presParOf" srcId="{52FE8BEC-FE19-4358-AFEE-3DEC6E5FBA60}" destId="{824442CB-565C-4D46-A7EE-C6479EDDB1BF}" srcOrd="0" destOrd="0" presId="urn:microsoft.com/office/officeart/2005/8/layout/hierarchy2"/>
     <dgm:cxn modelId="{BD32D426-C578-4252-B630-ED77A6ED17E2}" type="presParOf" srcId="{824442CB-565C-4D46-A7EE-C6479EDDB1BF}" destId="{E06D7D5A-3D1D-437E-A0C0-034F1AA76A1C}" srcOrd="0" destOrd="0" presId="urn:microsoft.com/office/officeart/2005/8/layout/hierarchy2"/>
     <dgm:cxn modelId="{268BE50D-8035-417E-A08F-0F4EBB49A76B}" type="presParOf" srcId="{824442CB-565C-4D46-A7EE-C6479EDDB1BF}" destId="{D1BACB28-D9DA-4DB9-BB1F-A9F2200BF06F}" srcOrd="1" destOrd="0" presId="urn:microsoft.com/office/officeart/2005/8/layout/hierarchy2"/>
-    <dgm:cxn modelId="{B69BA4C2-C184-4325-A317-8A9A1F69796E}" type="presParOf" srcId="{D1BACB28-D9DA-4DB9-BB1F-A9F2200BF06F}" destId="{3D2399DF-2411-4D60-9AA2-B2750A44CBCF}" srcOrd="0" destOrd="0" presId="urn:microsoft.com/office/officeart/2005/8/layout/hierarchy2"/>
-    <dgm:cxn modelId="{6E60C1C1-A739-43BC-B357-5AFB7B09098A}" type="presParOf" srcId="{3D2399DF-2411-4D60-9AA2-B2750A44CBCF}" destId="{3B85A386-9954-42EC-9E71-1B81B3A77808}" srcOrd="0" destOrd="0" presId="urn:microsoft.com/office/officeart/2005/8/layout/hierarchy2"/>
-    <dgm:cxn modelId="{E9039628-541B-4738-BCDD-494CDF1FB912}" type="presParOf" srcId="{D1BACB28-D9DA-4DB9-BB1F-A9F2200BF06F}" destId="{190686CF-8FFD-41DD-AB60-F7D11F360790}" srcOrd="1" destOrd="0" presId="urn:microsoft.com/office/officeart/2005/8/layout/hierarchy2"/>
-    <dgm:cxn modelId="{1D70D4DC-45B1-484D-9717-6617EC3CE11F}" type="presParOf" srcId="{190686CF-8FFD-41DD-AB60-F7D11F360790}" destId="{1731E75D-2505-4D14-A951-A7542C0AEC86}" srcOrd="0" destOrd="0" presId="urn:microsoft.com/office/officeart/2005/8/layout/hierarchy2"/>
-    <dgm:cxn modelId="{DAAAE387-07DA-4E08-87F2-7807AA074A88}" type="presParOf" srcId="{190686CF-8FFD-41DD-AB60-F7D11F360790}" destId="{C85AF2B4-6F31-4FAC-8DF2-23ECD276C3CC}" srcOrd="1" destOrd="0" presId="urn:microsoft.com/office/officeart/2005/8/layout/hierarchy2"/>
-    <dgm:cxn modelId="{2A10F0ED-5F1E-4221-B3F5-0465F23DC3E5}" type="presParOf" srcId="{C85AF2B4-6F31-4FAC-8DF2-23ECD276C3CC}" destId="{3B36CFC7-46E2-48B0-8CA2-9F93D162668B}" srcOrd="0" destOrd="0" presId="urn:microsoft.com/office/officeart/2005/8/layout/hierarchy2"/>
-    <dgm:cxn modelId="{8EBCCE12-612B-4DB0-97AF-B7242CD846C5}" type="presParOf" srcId="{3B36CFC7-46E2-48B0-8CA2-9F93D162668B}" destId="{5730E85F-1BE9-4658-BA12-B75F1C8E3F90}" srcOrd="0" destOrd="0" presId="urn:microsoft.com/office/officeart/2005/8/layout/hierarchy2"/>
-    <dgm:cxn modelId="{8C175F83-EDB7-428A-950F-83F98358C404}" type="presParOf" srcId="{C85AF2B4-6F31-4FAC-8DF2-23ECD276C3CC}" destId="{B74DB481-2EC3-4B53-A966-1E16F80D2735}" srcOrd="1" destOrd="0" presId="urn:microsoft.com/office/officeart/2005/8/layout/hierarchy2"/>
-    <dgm:cxn modelId="{342DE07E-7C26-4026-BA30-100EE9588D49}" type="presParOf" srcId="{B74DB481-2EC3-4B53-A966-1E16F80D2735}" destId="{E6755CD0-1D29-4CFC-B4C5-D4DC7EDDF42A}" srcOrd="0" destOrd="0" presId="urn:microsoft.com/office/officeart/2005/8/layout/hierarchy2"/>
-    <dgm:cxn modelId="{10FFF4B6-ACD0-4763-8E5E-6B954623E80A}" type="presParOf" srcId="{B74DB481-2EC3-4B53-A966-1E16F80D2735}" destId="{E992B552-39B6-4CCB-B400-1B6527CA06B6}" srcOrd="1" destOrd="0" presId="urn:microsoft.com/office/officeart/2005/8/layout/hierarchy2"/>
-    <dgm:cxn modelId="{C9DAFB90-979D-4000-90CF-4A1AF122AA8D}" type="presParOf" srcId="{E992B552-39B6-4CCB-B400-1B6527CA06B6}" destId="{B5749EC1-0854-484D-BDF4-CFF78E76CBF1}" srcOrd="0" destOrd="0" presId="urn:microsoft.com/office/officeart/2005/8/layout/hierarchy2"/>
-    <dgm:cxn modelId="{4317B498-65B3-4AF3-AD71-F85BF66C3D4B}" type="presParOf" srcId="{B5749EC1-0854-484D-BDF4-CFF78E76CBF1}" destId="{440F2E7B-880A-41B2-8E19-B9E783B97DA8}" srcOrd="0" destOrd="0" presId="urn:microsoft.com/office/officeart/2005/8/layout/hierarchy2"/>
-    <dgm:cxn modelId="{1CAD9701-39E2-4025-BE29-89DFE4726FD7}" type="presParOf" srcId="{E992B552-39B6-4CCB-B400-1B6527CA06B6}" destId="{1546F529-105E-4DA8-A589-7E1C9E689DA6}" srcOrd="1" destOrd="0" presId="urn:microsoft.com/office/officeart/2005/8/layout/hierarchy2"/>
-    <dgm:cxn modelId="{B32A31C5-44D7-4359-85AF-8795D82C1FFC}" type="presParOf" srcId="{1546F529-105E-4DA8-A589-7E1C9E689DA6}" destId="{E4F50E46-B8AE-46B3-84C5-8D3B06B2CBBE}" srcOrd="0" destOrd="0" presId="urn:microsoft.com/office/officeart/2005/8/layout/hierarchy2"/>
-    <dgm:cxn modelId="{0A51CD22-E2A7-414A-AF9B-79595523FEDC}" type="presParOf" srcId="{1546F529-105E-4DA8-A589-7E1C9E689DA6}" destId="{EF35E385-12D4-487D-9A0B-C7C03CCA9F85}" srcOrd="1" destOrd="0" presId="urn:microsoft.com/office/officeart/2005/8/layout/hierarchy2"/>
+    <dgm:cxn modelId="{90D5DAFC-40EA-4C9F-B22A-441F445FFC8D}" type="presParOf" srcId="{D1BACB28-D9DA-4DB9-BB1F-A9F2200BF06F}" destId="{4C7027EB-DEA0-4F34-BEEB-5E85E0C1D050}" srcOrd="0" destOrd="0" presId="urn:microsoft.com/office/officeart/2005/8/layout/hierarchy2"/>
+    <dgm:cxn modelId="{D134D60E-0824-44C5-AD83-77C55961A6A5}" type="presParOf" srcId="{4C7027EB-DEA0-4F34-BEEB-5E85E0C1D050}" destId="{3B785BAB-6A20-4552-A527-7DD616C7319E}" srcOrd="0" destOrd="0" presId="urn:microsoft.com/office/officeart/2005/8/layout/hierarchy2"/>
+    <dgm:cxn modelId="{6413BDED-2D12-4267-9BAF-C887263EE6AE}" type="presParOf" srcId="{D1BACB28-D9DA-4DB9-BB1F-A9F2200BF06F}" destId="{4C6560DB-AE28-41C7-A26C-1082CBA8953B}" srcOrd="1" destOrd="0" presId="urn:microsoft.com/office/officeart/2005/8/layout/hierarchy2"/>
+    <dgm:cxn modelId="{E4D3C60A-9DFB-4508-A0A9-B0E14478CAA1}" type="presParOf" srcId="{4C6560DB-AE28-41C7-A26C-1082CBA8953B}" destId="{3196F263-9C97-4FE8-A08D-EAFF242ADC98}" srcOrd="0" destOrd="0" presId="urn:microsoft.com/office/officeart/2005/8/layout/hierarchy2"/>
+    <dgm:cxn modelId="{68977F42-B638-4734-BB30-441CAD406C4A}" type="presParOf" srcId="{4C6560DB-AE28-41C7-A26C-1082CBA8953B}" destId="{BDF4F577-57FE-4FA2-8F73-F03A067E1B10}" srcOrd="1" destOrd="0" presId="urn:microsoft.com/office/officeart/2005/8/layout/hierarchy2"/>
+    <dgm:cxn modelId="{38A704D5-EADF-4701-AEF1-107368E27E3D}" type="presParOf" srcId="{BDF4F577-57FE-4FA2-8F73-F03A067E1B10}" destId="{CE9D4ED6-1240-4D50-AB80-F15532475C48}" srcOrd="0" destOrd="0" presId="urn:microsoft.com/office/officeart/2005/8/layout/hierarchy2"/>
+    <dgm:cxn modelId="{A02ACE89-DFAD-40AB-8CB4-1B655ECD6345}" type="presParOf" srcId="{CE9D4ED6-1240-4D50-AB80-F15532475C48}" destId="{1DCCD757-169C-4479-B498-243011FDE15C}" srcOrd="0" destOrd="0" presId="urn:microsoft.com/office/officeart/2005/8/layout/hierarchy2"/>
+    <dgm:cxn modelId="{54AD5FAC-5E3B-4054-99F0-F8368A420D64}" type="presParOf" srcId="{BDF4F577-57FE-4FA2-8F73-F03A067E1B10}" destId="{7DFF2998-E040-4378-B00B-B004B56CBA70}" srcOrd="1" destOrd="0" presId="urn:microsoft.com/office/officeart/2005/8/layout/hierarchy2"/>
+    <dgm:cxn modelId="{90E83F58-27B8-419D-9509-922B1DB38C6D}" type="presParOf" srcId="{7DFF2998-E040-4378-B00B-B004B56CBA70}" destId="{15A180FA-2ADD-4D2E-A194-A870F0DDACBA}" srcOrd="0" destOrd="0" presId="urn:microsoft.com/office/officeart/2005/8/layout/hierarchy2"/>
+    <dgm:cxn modelId="{9D4F3027-35C7-40C0-8F8A-6B35356EF51D}" type="presParOf" srcId="{7DFF2998-E040-4378-B00B-B004B56CBA70}" destId="{9F2C3276-34E3-4056-AF38-B0E9958856E7}" srcOrd="1" destOrd="0" presId="urn:microsoft.com/office/officeart/2005/8/layout/hierarchy2"/>
+    <dgm:cxn modelId="{55DE3D64-8866-47F4-8EE0-80136615F96F}" type="presParOf" srcId="{BDF4F577-57FE-4FA2-8F73-F03A067E1B10}" destId="{D69069EB-AF72-4EAE-B94A-937B77DE0DF5}" srcOrd="2" destOrd="0" presId="urn:microsoft.com/office/officeart/2005/8/layout/hierarchy2"/>
+    <dgm:cxn modelId="{C1459754-1B4B-4D78-93F8-0C018C57402C}" type="presParOf" srcId="{D69069EB-AF72-4EAE-B94A-937B77DE0DF5}" destId="{C2F56479-2E80-4FE6-8309-FC1277841E69}" srcOrd="0" destOrd="0" presId="urn:microsoft.com/office/officeart/2005/8/layout/hierarchy2"/>
+    <dgm:cxn modelId="{1E36832D-D27F-4CC5-9813-39407F9C1D12}" type="presParOf" srcId="{BDF4F577-57FE-4FA2-8F73-F03A067E1B10}" destId="{D02D160C-5E83-42EE-8DD3-E0BBE1AD45DC}" srcOrd="3" destOrd="0" presId="urn:microsoft.com/office/officeart/2005/8/layout/hierarchy2"/>
+    <dgm:cxn modelId="{1EE79BF2-07ED-4CE2-BB5E-05E5B986AD28}" type="presParOf" srcId="{D02D160C-5E83-42EE-8DD3-E0BBE1AD45DC}" destId="{EFD06F5D-7E7A-4990-A656-A982F401FEC1}" srcOrd="0" destOrd="0" presId="urn:microsoft.com/office/officeart/2005/8/layout/hierarchy2"/>
+    <dgm:cxn modelId="{FE96999F-79CC-42DD-A9E1-F7371AD8E5A8}" type="presParOf" srcId="{D02D160C-5E83-42EE-8DD3-E0BBE1AD45DC}" destId="{630FBDA6-C47A-41F6-A9B4-1C23D643D284}" srcOrd="1" destOrd="0" presId="urn:microsoft.com/office/officeart/2005/8/layout/hierarchy2"/>
+    <dgm:cxn modelId="{1E5C49F3-40D8-4186-9B49-AEB48204D380}" type="presParOf" srcId="{630FBDA6-C47A-41F6-A9B4-1C23D643D284}" destId="{3CC18629-F927-4EBC-AC58-D40D8F9D6B0A}" srcOrd="0" destOrd="0" presId="urn:microsoft.com/office/officeart/2005/8/layout/hierarchy2"/>
+    <dgm:cxn modelId="{7871490B-B3B0-4812-9687-0EEFCECE5A0C}" type="presParOf" srcId="{3CC18629-F927-4EBC-AC58-D40D8F9D6B0A}" destId="{F0B91EF2-BEFC-4C25-B637-CF7767B93E91}" srcOrd="0" destOrd="0" presId="urn:microsoft.com/office/officeart/2005/8/layout/hierarchy2"/>
+    <dgm:cxn modelId="{B46DC956-2ED6-42FA-A2BE-61EE23FB2A87}" type="presParOf" srcId="{630FBDA6-C47A-41F6-A9B4-1C23D643D284}" destId="{B87F9D83-85C6-41ED-AA13-7D6C2E0E0969}" srcOrd="1" destOrd="0" presId="urn:microsoft.com/office/officeart/2005/8/layout/hierarchy2"/>
+    <dgm:cxn modelId="{475E2745-9B67-485B-ADDC-BD26FEE8117A}" type="presParOf" srcId="{B87F9D83-85C6-41ED-AA13-7D6C2E0E0969}" destId="{387D5B3C-12FA-432D-B789-AD486D3986AB}" srcOrd="0" destOrd="0" presId="urn:microsoft.com/office/officeart/2005/8/layout/hierarchy2"/>
+    <dgm:cxn modelId="{86378D7C-3C6B-4DC5-90AB-3A797725221D}" type="presParOf" srcId="{B87F9D83-85C6-41ED-AA13-7D6C2E0E0969}" destId="{E88FB183-8564-4F72-A666-71125E9D81BF}" srcOrd="1" destOrd="0" presId="urn:microsoft.com/office/officeart/2005/8/layout/hierarchy2"/>
+    <dgm:cxn modelId="{52AA5135-41D7-43A4-AAA0-CAC396BE6F03}" type="presParOf" srcId="{630FBDA6-C47A-41F6-A9B4-1C23D643D284}" destId="{CBB53C61-09EA-4D71-B3DB-28CFB0567046}" srcOrd="2" destOrd="0" presId="urn:microsoft.com/office/officeart/2005/8/layout/hierarchy2"/>
+    <dgm:cxn modelId="{9156E2A5-2750-4EC0-BDFC-05A4AEB4DBDD}" type="presParOf" srcId="{CBB53C61-09EA-4D71-B3DB-28CFB0567046}" destId="{84180FC5-7B47-4417-8B80-30103F446A5A}" srcOrd="0" destOrd="0" presId="urn:microsoft.com/office/officeart/2005/8/layout/hierarchy2"/>
+    <dgm:cxn modelId="{8B8EB972-79FF-443C-9A4D-CD2F16D50AE7}" type="presParOf" srcId="{630FBDA6-C47A-41F6-A9B4-1C23D643D284}" destId="{0D5FEFA8-82EB-466B-B7D9-23EF4AD31F3D}" srcOrd="3" destOrd="0" presId="urn:microsoft.com/office/officeart/2005/8/layout/hierarchy2"/>
+    <dgm:cxn modelId="{7E9A5EDA-02A8-4D1B-B59B-A213640BA952}" type="presParOf" srcId="{0D5FEFA8-82EB-466B-B7D9-23EF4AD31F3D}" destId="{189CD830-6ED2-40C7-ACBE-4215DD05BFE9}" srcOrd="0" destOrd="0" presId="urn:microsoft.com/office/officeart/2005/8/layout/hierarchy2"/>
+    <dgm:cxn modelId="{6C3C3195-36FE-4706-98FC-0D3B4FA569A8}" type="presParOf" srcId="{0D5FEFA8-82EB-466B-B7D9-23EF4AD31F3D}" destId="{6B6D9C05-A858-45FF-9679-B15C9E22E79E}" srcOrd="1" destOrd="0" presId="urn:microsoft.com/office/officeart/2005/8/layout/hierarchy2"/>
+    <dgm:cxn modelId="{0F711D5B-2DC3-495D-A7B9-4853634F2C30}" type="presParOf" srcId="{BDF4F577-57FE-4FA2-8F73-F03A067E1B10}" destId="{E64B0B06-E771-48AC-84E7-2CFBD668B751}" srcOrd="4" destOrd="0" presId="urn:microsoft.com/office/officeart/2005/8/layout/hierarchy2"/>
+    <dgm:cxn modelId="{0CAA059F-F2B7-462D-92C6-3525E05655AE}" type="presParOf" srcId="{E64B0B06-E771-48AC-84E7-2CFBD668B751}" destId="{0E3AC435-EF03-4670-B8FF-077DED999E38}" srcOrd="0" destOrd="0" presId="urn:microsoft.com/office/officeart/2005/8/layout/hierarchy2"/>
+    <dgm:cxn modelId="{FD0BFB6E-F823-4BEE-959B-A52BF56225E7}" type="presParOf" srcId="{BDF4F577-57FE-4FA2-8F73-F03A067E1B10}" destId="{329AF19F-900B-4F35-A75C-3C8BA168A998}" srcOrd="5" destOrd="0" presId="urn:microsoft.com/office/officeart/2005/8/layout/hierarchy2"/>
+    <dgm:cxn modelId="{98EB0489-CB75-4B56-ADAB-5122B6FB8DDE}" type="presParOf" srcId="{329AF19F-900B-4F35-A75C-3C8BA168A998}" destId="{EA46A9DD-C2A7-48CE-8746-EAC30177A69B}" srcOrd="0" destOrd="0" presId="urn:microsoft.com/office/officeart/2005/8/layout/hierarchy2"/>
+    <dgm:cxn modelId="{738BA82A-DEE4-4CC8-A909-2C5963C58E27}" type="presParOf" srcId="{329AF19F-900B-4F35-A75C-3C8BA168A998}" destId="{71F3DC6A-60C1-412E-BDE2-CF825AA91434}" srcOrd="1" destOrd="0" presId="urn:microsoft.com/office/officeart/2005/8/layout/hierarchy2"/>
+    <dgm:cxn modelId="{76F5163C-73EF-40BA-AA94-0E3057448F46}" type="presParOf" srcId="{71F3DC6A-60C1-412E-BDE2-CF825AA91434}" destId="{A546DDFC-9DBD-4ECD-A6E4-093DBB7CA298}" srcOrd="0" destOrd="0" presId="urn:microsoft.com/office/officeart/2005/8/layout/hierarchy2"/>
+    <dgm:cxn modelId="{7A818764-2FE4-4EE3-BC9A-B9BE83B63D33}" type="presParOf" srcId="{A546DDFC-9DBD-4ECD-A6E4-093DBB7CA298}" destId="{255396E6-23BE-4D0A-B4AB-DDE224005E74}" srcOrd="0" destOrd="0" presId="urn:microsoft.com/office/officeart/2005/8/layout/hierarchy2"/>
+    <dgm:cxn modelId="{BDD0EC32-DB7C-42A0-A557-B526D45F1BFE}" type="presParOf" srcId="{71F3DC6A-60C1-412E-BDE2-CF825AA91434}" destId="{0E13C144-A2A6-42DF-8DBB-13E9B77EACF0}" srcOrd="1" destOrd="0" presId="urn:microsoft.com/office/officeart/2005/8/layout/hierarchy2"/>
+    <dgm:cxn modelId="{AE499DB8-3847-4B00-B871-0DADA470A8A1}" type="presParOf" srcId="{0E13C144-A2A6-42DF-8DBB-13E9B77EACF0}" destId="{EA174151-5C03-46D4-AB7E-ABEF72EE0612}" srcOrd="0" destOrd="0" presId="urn:microsoft.com/office/officeart/2005/8/layout/hierarchy2"/>
+    <dgm:cxn modelId="{7AD94D0A-E598-4808-8146-F77CABE8A9D9}" type="presParOf" srcId="{0E13C144-A2A6-42DF-8DBB-13E9B77EACF0}" destId="{1E4A9E81-578F-46BE-8E22-750B62C66D09}" srcOrd="1" destOrd="0" presId="urn:microsoft.com/office/officeart/2005/8/layout/hierarchy2"/>
+    <dgm:cxn modelId="{2AC36A9B-8B15-41E8-A9DF-3123086AB41A}" type="presParOf" srcId="{71F3DC6A-60C1-412E-BDE2-CF825AA91434}" destId="{0CF864DB-0B93-4970-9B5A-2B8FC40A6B4B}" srcOrd="2" destOrd="0" presId="urn:microsoft.com/office/officeart/2005/8/layout/hierarchy2"/>
+    <dgm:cxn modelId="{39E61422-D666-420F-BA91-FF79215E9DB8}" type="presParOf" srcId="{0CF864DB-0B93-4970-9B5A-2B8FC40A6B4B}" destId="{EF91927F-9C85-42E3-ACEC-C9948E281D9C}" srcOrd="0" destOrd="0" presId="urn:microsoft.com/office/officeart/2005/8/layout/hierarchy2"/>
+    <dgm:cxn modelId="{D9DE1D69-4CE1-4DC9-84B3-940791378AC2}" type="presParOf" srcId="{71F3DC6A-60C1-412E-BDE2-CF825AA91434}" destId="{34DAD46E-88E2-4DD7-8AF5-6B4CF12DFA46}" srcOrd="3" destOrd="0" presId="urn:microsoft.com/office/officeart/2005/8/layout/hierarchy2"/>
+    <dgm:cxn modelId="{05C0A972-49F3-4334-A9C9-7C7512014D4E}" type="presParOf" srcId="{34DAD46E-88E2-4DD7-8AF5-6B4CF12DFA46}" destId="{2E47709F-AAF7-455A-8809-18FFF1594C05}" srcOrd="0" destOrd="0" presId="urn:microsoft.com/office/officeart/2005/8/layout/hierarchy2"/>
+    <dgm:cxn modelId="{C91197E6-79A1-4FE1-AAD9-E08A55D2D70B}" type="presParOf" srcId="{34DAD46E-88E2-4DD7-8AF5-6B4CF12DFA46}" destId="{90034069-7F2D-4A81-BFCA-5C8BBE80BF96}" srcOrd="1" destOrd="0" presId="urn:microsoft.com/office/officeart/2005/8/layout/hierarchy2"/>
   </dgm:cxnLst>
   <dgm:bg/>
   <dgm:whole/>
@@ -1987,8 +2549,33 @@
       </dgm:t>
     </dgm:pt>
     <dgm:pt modelId="{755FA698-ED1E-4F1E-B98A-E345924E1B6D}" type="parTrans" cxnId="{0F625C97-CE03-4492-8224-12DAE0AC6C04}">
-      <dgm:prSet/>
-      <dgm:spPr/>
+      <dgm:prSet>
+        <dgm:style>
+          <a:lnRef idx="0">
+            <a:scrgbClr r="0" g="0" b="0"/>
+          </a:lnRef>
+          <a:fillRef idx="0">
+            <a:scrgbClr r="0" g="0" b="0"/>
+          </a:fillRef>
+          <a:effectRef idx="0">
+            <a:scrgbClr r="0" g="0" b="0"/>
+          </a:effectRef>
+          <a:fontRef idx="minor">
+            <a:schemeClr val="tx1"/>
+          </a:fontRef>
+        </dgm:style>
+      </dgm:prSet>
+      <dgm:spPr>
+        <a:ln w="9525" cap="flat" cmpd="sng" algn="ctr">
+          <a:solidFill>
+            <a:schemeClr val="accent1"/>
+          </a:solidFill>
+          <a:prstDash val="solid"/>
+          <a:round/>
+          <a:headEnd type="none" w="med" len="med"/>
+          <a:tailEnd type="arrow" w="med" len="med"/>
+        </a:ln>
+      </dgm:spPr>
       <dgm:t>
         <a:bodyPr/>
         <a:lstStyle/>
@@ -2024,8 +2611,33 @@
       </dgm:t>
     </dgm:pt>
     <dgm:pt modelId="{EE0ED772-8E22-458D-B235-E23705137EEC}" type="parTrans" cxnId="{1A20135B-AAD2-4CBE-A7D1-D90DC98896C2}">
-      <dgm:prSet/>
-      <dgm:spPr/>
+      <dgm:prSet>
+        <dgm:style>
+          <a:lnRef idx="0">
+            <a:scrgbClr r="0" g="0" b="0"/>
+          </a:lnRef>
+          <a:fillRef idx="0">
+            <a:scrgbClr r="0" g="0" b="0"/>
+          </a:fillRef>
+          <a:effectRef idx="0">
+            <a:scrgbClr r="0" g="0" b="0"/>
+          </a:effectRef>
+          <a:fontRef idx="minor">
+            <a:schemeClr val="tx1"/>
+          </a:fontRef>
+        </dgm:style>
+      </dgm:prSet>
+      <dgm:spPr>
+        <a:ln w="9525" cap="flat" cmpd="sng" algn="ctr">
+          <a:solidFill>
+            <a:schemeClr val="accent5"/>
+          </a:solidFill>
+          <a:prstDash val="solid"/>
+          <a:round/>
+          <a:headEnd type="none" w="med" len="med"/>
+          <a:tailEnd type="arrow" w="med" len="med"/>
+        </a:ln>
+      </dgm:spPr>
       <dgm:t>
         <a:bodyPr/>
         <a:lstStyle/>
@@ -2174,8 +2786,8 @@
       </dsp:nvSpPr>
       <dsp:spPr>
         <a:xfrm>
-          <a:off x="2610" y="557230"/>
-          <a:ext cx="2033294" cy="1016647"/>
+          <a:off x="1719795" y="1179131"/>
+          <a:ext cx="1366804" cy="683402"/>
         </a:xfrm>
         <a:prstGeom prst="roundRect">
           <a:avLst>
@@ -2219,12 +2831,12 @@
         </a:fontRef>
       </dsp:style>
       <dsp:txBody>
-        <a:bodyPr spcFirstLastPara="0" vert="horz" wrap="square" lIns="33655" tIns="33655" rIns="33655" bIns="33655" numCol="1" spcCol="1270" anchor="ctr" anchorCtr="0">
+        <a:bodyPr spcFirstLastPara="0" vert="horz" wrap="square" lIns="10795" tIns="10795" rIns="10795" bIns="10795" numCol="1" spcCol="1270" anchor="ctr" anchorCtr="0">
           <a:noAutofit/>
         </a:bodyPr>
         <a:lstStyle/>
         <a:p>
-          <a:pPr marL="0" lvl="0" indent="0" algn="ctr" defTabSz="2355850">
+          <a:pPr marL="0" lvl="0" indent="0" algn="ctr" defTabSz="755650">
             <a:lnSpc>
               <a:spcPct val="90000"/>
             </a:lnSpc>
@@ -2237,26 +2849,26 @@
             <a:buNone/>
           </a:pPr>
           <a:r>
-            <a:rPr lang="en-US" sz="5300" kern="1200" dirty="0"/>
-            <a:t>Scala</a:t>
+            <a:rPr lang="en-US" sz="1700" kern="1200" dirty="0"/>
+            <a:t>Chisel</a:t>
           </a:r>
-          <a:endParaRPr lang="ru-RU" sz="5300" kern="1200" dirty="0"/>
+          <a:endParaRPr lang="ru-RU" sz="1700" kern="1200" dirty="0"/>
         </a:p>
       </dsp:txBody>
       <dsp:txXfrm>
-        <a:off x="32387" y="587007"/>
-        <a:ext cx="1973740" cy="957093"/>
+        <a:off x="1739811" y="1199147"/>
+        <a:ext cx="1326772" cy="643370"/>
       </dsp:txXfrm>
     </dsp:sp>
-    <dsp:sp modelId="{3D2399DF-2411-4D60-9AA2-B2750A44CBCF}">
+    <dsp:sp modelId="{4C7027EB-DEA0-4F34-BEEB-5E85E0C1D050}">
       <dsp:nvSpPr>
         <dsp:cNvPr id="0" name=""/>
         <dsp:cNvSpPr/>
       </dsp:nvSpPr>
       <dsp:spPr>
         <a:xfrm>
-          <a:off x="2035905" y="1022619"/>
-          <a:ext cx="813317" cy="85869"/>
+          <a:off x="3086600" y="1502924"/>
+          <a:ext cx="546721" cy="35815"/>
         </a:xfrm>
         <a:custGeom>
           <a:avLst/>
@@ -2267,32 +2879,28 @@
           <a:pathLst>
             <a:path>
               <a:moveTo>
-                <a:pt x="0" y="42934"/>
+                <a:pt x="0" y="17907"/>
               </a:moveTo>
               <a:lnTo>
-                <a:pt x="813317" y="42934"/>
+                <a:pt x="546721" y="17907"/>
               </a:lnTo>
             </a:path>
           </a:pathLst>
         </a:custGeom>
         <a:noFill/>
-        <a:ln w="12700" cap="flat" cmpd="sng" algn="ctr">
+        <a:ln w="9525" cap="flat" cmpd="sng" algn="ctr">
           <a:solidFill>
-            <a:schemeClr val="accent1">
-              <a:shade val="60000"/>
-              <a:hueOff val="0"/>
-              <a:satOff val="0"/>
-              <a:lumOff val="0"/>
-              <a:alphaOff val="0"/>
-            </a:schemeClr>
+            <a:schemeClr val="accent1"/>
           </a:solidFill>
           <a:prstDash val="solid"/>
-          <a:miter lim="800000"/>
+          <a:round/>
+          <a:headEnd type="none" w="med" len="med"/>
+          <a:tailEnd type="arrow" w="med" len="med"/>
         </a:ln>
         <a:effectLst/>
       </dsp:spPr>
       <dsp:style>
-        <a:lnRef idx="2">
+        <a:lnRef idx="0">
           <a:scrgbClr r="0" g="0" b="0"/>
         </a:lnRef>
         <a:fillRef idx="0">
@@ -2301,7 +2909,9 @@
         <a:effectRef idx="0">
           <a:scrgbClr r="0" g="0" b="0"/>
         </a:effectRef>
-        <a:fontRef idx="minor"/>
+        <a:fontRef idx="minor">
+          <a:schemeClr val="tx1"/>
+        </a:fontRef>
       </dsp:style>
       <dsp:txBody>
         <a:bodyPr spcFirstLastPara="0" vert="horz" wrap="square" lIns="12700" tIns="0" rIns="12700" bIns="0" numCol="1" spcCol="1270" anchor="ctr" anchorCtr="0">
@@ -2325,19 +2935,19 @@
         </a:p>
       </dsp:txBody>
       <dsp:txXfrm>
-        <a:off x="2422231" y="1045221"/>
-        <a:ext cx="40665" cy="40665"/>
+        <a:off x="3346293" y="1507164"/>
+        <a:ext cx="27336" cy="27336"/>
       </dsp:txXfrm>
     </dsp:sp>
-    <dsp:sp modelId="{1731E75D-2505-4D14-A951-A7542C0AEC86}">
+    <dsp:sp modelId="{3196F263-9C97-4FE8-A08D-EAFF242ADC98}">
       <dsp:nvSpPr>
         <dsp:cNvPr id="0" name=""/>
         <dsp:cNvSpPr/>
       </dsp:nvSpPr>
       <dsp:spPr>
         <a:xfrm>
-          <a:off x="2849223" y="557230"/>
-          <a:ext cx="2033294" cy="1016647"/>
+          <a:off x="3633322" y="1179131"/>
+          <a:ext cx="1366804" cy="683402"/>
         </a:xfrm>
         <a:prstGeom prst="roundRect">
           <a:avLst>
@@ -2381,12 +2991,12 @@
         </a:fontRef>
       </dsp:style>
       <dsp:txBody>
-        <a:bodyPr spcFirstLastPara="0" vert="horz" wrap="square" lIns="33655" tIns="33655" rIns="33655" bIns="33655" numCol="1" spcCol="1270" anchor="ctr" anchorCtr="0">
+        <a:bodyPr spcFirstLastPara="0" vert="horz" wrap="square" lIns="10795" tIns="10795" rIns="10795" bIns="10795" numCol="1" spcCol="1270" anchor="ctr" anchorCtr="0">
           <a:noAutofit/>
         </a:bodyPr>
         <a:lstStyle/>
         <a:p>
-          <a:pPr marL="0" lvl="0" indent="0" algn="ctr" defTabSz="2355850">
+          <a:pPr marL="0" lvl="0" indent="0" algn="ctr" defTabSz="755650">
             <a:lnSpc>
               <a:spcPct val="90000"/>
             </a:lnSpc>
@@ -2399,26 +3009,26 @@
             <a:buNone/>
           </a:pPr>
           <a:r>
-            <a:rPr lang="en-US" sz="5300" kern="1200" dirty="0"/>
-            <a:t>Chisel</a:t>
+            <a:rPr lang="en-US" sz="1700" kern="1200" dirty="0"/>
+            <a:t>FIRRTL</a:t>
           </a:r>
-          <a:endParaRPr lang="ru-RU" sz="5300" kern="1200" dirty="0"/>
+          <a:endParaRPr lang="ru-RU" sz="1700" kern="1200" dirty="0"/>
         </a:p>
       </dsp:txBody>
       <dsp:txXfrm>
-        <a:off x="2879000" y="587007"/>
-        <a:ext cx="1973740" cy="957093"/>
+        <a:off x="3653338" y="1199147"/>
+        <a:ext cx="1326772" cy="643370"/>
       </dsp:txXfrm>
     </dsp:sp>
-    <dsp:sp modelId="{3B36CFC7-46E2-48B0-8CA2-9F93D162668B}">
+    <dsp:sp modelId="{CE9D4ED6-1240-4D50-AB80-F15532475C48}">
       <dsp:nvSpPr>
         <dsp:cNvPr id="0" name=""/>
         <dsp:cNvSpPr/>
       </dsp:nvSpPr>
       <dsp:spPr>
-        <a:xfrm>
-          <a:off x="4882517" y="1022619"/>
-          <a:ext cx="813317" cy="85869"/>
+        <a:xfrm rot="17692822">
+          <a:off x="4623750" y="913490"/>
+          <a:ext cx="1299475" cy="35815"/>
         </a:xfrm>
         <a:custGeom>
           <a:avLst/>
@@ -2429,32 +3039,28 @@
           <a:pathLst>
             <a:path>
               <a:moveTo>
-                <a:pt x="0" y="42934"/>
+                <a:pt x="0" y="17907"/>
               </a:moveTo>
               <a:lnTo>
-                <a:pt x="813317" y="42934"/>
+                <a:pt x="1299475" y="17907"/>
               </a:lnTo>
             </a:path>
           </a:pathLst>
         </a:custGeom>
         <a:noFill/>
-        <a:ln w="12700" cap="flat" cmpd="sng" algn="ctr">
+        <a:ln w="9525" cap="flat" cmpd="sng" algn="ctr">
           <a:solidFill>
-            <a:schemeClr val="accent1">
-              <a:shade val="80000"/>
-              <a:hueOff val="0"/>
-              <a:satOff val="0"/>
-              <a:lumOff val="0"/>
-              <a:alphaOff val="0"/>
-            </a:schemeClr>
+            <a:schemeClr val="accent1"/>
           </a:solidFill>
           <a:prstDash val="solid"/>
-          <a:miter lim="800000"/>
+          <a:round/>
+          <a:headEnd type="none" w="med" len="med"/>
+          <a:tailEnd type="arrow" w="med" len="med"/>
         </a:ln>
         <a:effectLst/>
       </dsp:spPr>
       <dsp:style>
-        <a:lnRef idx="2">
+        <a:lnRef idx="0">
           <a:scrgbClr r="0" g="0" b="0"/>
         </a:lnRef>
         <a:fillRef idx="0">
@@ -2463,7 +3069,9 @@
         <a:effectRef idx="0">
           <a:scrgbClr r="0" g="0" b="0"/>
         </a:effectRef>
-        <a:fontRef idx="minor"/>
+        <a:fontRef idx="minor">
+          <a:schemeClr val="tx1"/>
+        </a:fontRef>
       </dsp:style>
       <dsp:txBody>
         <a:bodyPr spcFirstLastPara="0" vert="horz" wrap="square" lIns="12700" tIns="0" rIns="12700" bIns="0" numCol="1" spcCol="1270" anchor="ctr" anchorCtr="0">
@@ -2487,19 +3095,19 @@
         </a:p>
       </dsp:txBody>
       <dsp:txXfrm>
-        <a:off x="5268843" y="1045221"/>
-        <a:ext cx="40665" cy="40665"/>
+        <a:off x="5241001" y="898910"/>
+        <a:ext cx="64973" cy="64973"/>
       </dsp:txXfrm>
     </dsp:sp>
-    <dsp:sp modelId="{E6755CD0-1D29-4CFC-B4C5-D4DC7EDDF42A}">
+    <dsp:sp modelId="{15A180FA-2ADD-4D2E-A194-A870F0DDACBA}">
       <dsp:nvSpPr>
         <dsp:cNvPr id="0" name=""/>
         <dsp:cNvSpPr/>
       </dsp:nvSpPr>
       <dsp:spPr>
         <a:xfrm>
-          <a:off x="5695835" y="557230"/>
-          <a:ext cx="2033294" cy="1016647"/>
+          <a:off x="5546848" y="262"/>
+          <a:ext cx="1366804" cy="683402"/>
         </a:xfrm>
         <a:prstGeom prst="roundRect">
           <a:avLst>
@@ -2543,12 +3151,12 @@
         </a:fontRef>
       </dsp:style>
       <dsp:txBody>
-        <a:bodyPr spcFirstLastPara="0" vert="horz" wrap="square" lIns="33655" tIns="33655" rIns="33655" bIns="33655" numCol="1" spcCol="1270" anchor="ctr" anchorCtr="0">
+        <a:bodyPr spcFirstLastPara="0" vert="horz" wrap="square" lIns="10795" tIns="10795" rIns="10795" bIns="10795" numCol="1" spcCol="1270" anchor="ctr" anchorCtr="0">
           <a:noAutofit/>
         </a:bodyPr>
         <a:lstStyle/>
         <a:p>
-          <a:pPr marL="0" lvl="0" indent="0" algn="ctr" defTabSz="2355850">
+          <a:pPr marL="0" lvl="0" indent="0" algn="ctr" defTabSz="755650">
             <a:lnSpc>
               <a:spcPct val="90000"/>
             </a:lnSpc>
@@ -2561,26 +3169,26 @@
             <a:buNone/>
           </a:pPr>
           <a:r>
-            <a:rPr lang="en-US" sz="5300" kern="1200" dirty="0"/>
-            <a:t>Verilog</a:t>
+            <a:rPr lang="en-US" sz="1700" kern="1200" dirty="0"/>
+            <a:t>Unit test</a:t>
           </a:r>
-          <a:endParaRPr lang="ru-RU" sz="5300" kern="1200" dirty="0"/>
+          <a:endParaRPr lang="ru-RU" sz="1700" kern="1200" dirty="0"/>
         </a:p>
       </dsp:txBody>
       <dsp:txXfrm>
-        <a:off x="5725612" y="587007"/>
-        <a:ext cx="1973740" cy="957093"/>
+        <a:off x="5566864" y="20278"/>
+        <a:ext cx="1326772" cy="643370"/>
       </dsp:txXfrm>
     </dsp:sp>
-    <dsp:sp modelId="{B5749EC1-0854-484D-BDF4-CFF78E76CBF1}">
+    <dsp:sp modelId="{D69069EB-AF72-4EAE-B94A-937B77DE0DF5}">
       <dsp:nvSpPr>
         <dsp:cNvPr id="0" name=""/>
         <dsp:cNvSpPr/>
       </dsp:nvSpPr>
       <dsp:spPr>
-        <a:xfrm>
-          <a:off x="7729129" y="1022619"/>
-          <a:ext cx="813317" cy="85869"/>
+        <a:xfrm rot="19457599">
+          <a:off x="4936842" y="1306446"/>
+          <a:ext cx="673290" cy="35815"/>
         </a:xfrm>
         <a:custGeom>
           <a:avLst/>
@@ -2591,32 +3199,28 @@
           <a:pathLst>
             <a:path>
               <a:moveTo>
-                <a:pt x="0" y="42934"/>
+                <a:pt x="0" y="17907"/>
               </a:moveTo>
               <a:lnTo>
-                <a:pt x="813317" y="42934"/>
+                <a:pt x="673290" y="17907"/>
               </a:lnTo>
             </a:path>
           </a:pathLst>
         </a:custGeom>
         <a:noFill/>
-        <a:ln w="12700" cap="flat" cmpd="sng" algn="ctr">
+        <a:ln w="9525" cap="flat" cmpd="sng" algn="ctr">
           <a:solidFill>
-            <a:schemeClr val="accent1">
-              <a:shade val="80000"/>
-              <a:hueOff val="0"/>
-              <a:satOff val="0"/>
-              <a:lumOff val="0"/>
-              <a:alphaOff val="0"/>
-            </a:schemeClr>
+            <a:schemeClr val="accent1"/>
           </a:solidFill>
           <a:prstDash val="solid"/>
-          <a:miter lim="800000"/>
+          <a:round/>
+          <a:headEnd type="none" w="med" len="med"/>
+          <a:tailEnd type="arrow" w="med" len="med"/>
         </a:ln>
         <a:effectLst/>
       </dsp:spPr>
       <dsp:style>
-        <a:lnRef idx="2">
+        <a:lnRef idx="0">
           <a:scrgbClr r="0" g="0" b="0"/>
         </a:lnRef>
         <a:fillRef idx="0">
@@ -2625,7 +3229,9 @@
         <a:effectRef idx="0">
           <a:scrgbClr r="0" g="0" b="0"/>
         </a:effectRef>
-        <a:fontRef idx="minor"/>
+        <a:fontRef idx="minor">
+          <a:schemeClr val="tx1"/>
+        </a:fontRef>
       </dsp:style>
       <dsp:txBody>
         <a:bodyPr spcFirstLastPara="0" vert="horz" wrap="square" lIns="12700" tIns="0" rIns="12700" bIns="0" numCol="1" spcCol="1270" anchor="ctr" anchorCtr="0">
@@ -2649,19 +3255,19 @@
         </a:p>
       </dsp:txBody>
       <dsp:txXfrm>
-        <a:off x="8115455" y="1045221"/>
-        <a:ext cx="40665" cy="40665"/>
+        <a:off x="5256655" y="1307521"/>
+        <a:ext cx="33664" cy="33664"/>
       </dsp:txXfrm>
     </dsp:sp>
-    <dsp:sp modelId="{E4F50E46-B8AE-46B3-84C5-8D3B06B2CBBE}">
+    <dsp:sp modelId="{EFD06F5D-7E7A-4990-A656-A982F401FEC1}">
       <dsp:nvSpPr>
         <dsp:cNvPr id="0" name=""/>
         <dsp:cNvSpPr/>
       </dsp:nvSpPr>
       <dsp:spPr>
         <a:xfrm>
-          <a:off x="8542447" y="557230"/>
-          <a:ext cx="2033294" cy="1016647"/>
+          <a:off x="5546848" y="786174"/>
+          <a:ext cx="1366804" cy="683402"/>
         </a:xfrm>
         <a:prstGeom prst="roundRect">
           <a:avLst>
@@ -2705,12 +3311,12 @@
         </a:fontRef>
       </dsp:style>
       <dsp:txBody>
-        <a:bodyPr spcFirstLastPara="0" vert="horz" wrap="square" lIns="33655" tIns="33655" rIns="33655" bIns="33655" numCol="1" spcCol="1270" anchor="ctr" anchorCtr="0">
+        <a:bodyPr spcFirstLastPara="0" vert="horz" wrap="square" lIns="10795" tIns="10795" rIns="10795" bIns="10795" numCol="1" spcCol="1270" anchor="ctr" anchorCtr="0">
           <a:noAutofit/>
         </a:bodyPr>
         <a:lstStyle/>
         <a:p>
-          <a:pPr marL="0" lvl="0" indent="0" algn="ctr" defTabSz="2355850">
+          <a:pPr marL="0" lvl="0" indent="0" algn="ctr" defTabSz="755650">
             <a:lnSpc>
               <a:spcPct val="90000"/>
             </a:lnSpc>
@@ -2723,15 +3329,825 @@
             <a:buNone/>
           </a:pPr>
           <a:r>
-            <a:rPr lang="en-US" sz="5300" kern="1200" dirty="0"/>
-            <a:t>FPGA</a:t>
+            <a:rPr lang="en-US" sz="1700" kern="1200" dirty="0" err="1"/>
+            <a:t>Verilator</a:t>
           </a:r>
-          <a:endParaRPr lang="ru-RU" sz="5300" kern="1200" dirty="0"/>
+          <a:endParaRPr lang="ru-RU" sz="1700" kern="1200" dirty="0"/>
         </a:p>
       </dsp:txBody>
       <dsp:txXfrm>
-        <a:off x="8572224" y="587007"/>
-        <a:ext cx="1973740" cy="957093"/>
+        <a:off x="5566864" y="806190"/>
+        <a:ext cx="1326772" cy="643370"/>
+      </dsp:txXfrm>
+    </dsp:sp>
+    <dsp:sp modelId="{3CC18629-F927-4EBC-AC58-D40D8F9D6B0A}">
+      <dsp:nvSpPr>
+        <dsp:cNvPr id="0" name=""/>
+        <dsp:cNvSpPr/>
+      </dsp:nvSpPr>
+      <dsp:spPr>
+        <a:xfrm rot="19457599">
+          <a:off x="6850369" y="913490"/>
+          <a:ext cx="673290" cy="35815"/>
+        </a:xfrm>
+        <a:custGeom>
+          <a:avLst/>
+          <a:gdLst/>
+          <a:ahLst/>
+          <a:cxnLst/>
+          <a:rect l="0" t="0" r="0" b="0"/>
+          <a:pathLst>
+            <a:path>
+              <a:moveTo>
+                <a:pt x="0" y="17907"/>
+              </a:moveTo>
+              <a:lnTo>
+                <a:pt x="673290" y="17907"/>
+              </a:lnTo>
+            </a:path>
+          </a:pathLst>
+        </a:custGeom>
+        <a:noFill/>
+        <a:ln w="9525" cap="flat" cmpd="sng" algn="ctr">
+          <a:solidFill>
+            <a:schemeClr val="accent1"/>
+          </a:solidFill>
+          <a:prstDash val="solid"/>
+          <a:round/>
+          <a:headEnd type="none" w="med" len="med"/>
+          <a:tailEnd type="arrow" w="med" len="med"/>
+        </a:ln>
+        <a:effectLst/>
+      </dsp:spPr>
+      <dsp:style>
+        <a:lnRef idx="0">
+          <a:scrgbClr r="0" g="0" b="0"/>
+        </a:lnRef>
+        <a:fillRef idx="0">
+          <a:scrgbClr r="0" g="0" b="0"/>
+        </a:fillRef>
+        <a:effectRef idx="0">
+          <a:scrgbClr r="0" g="0" b="0"/>
+        </a:effectRef>
+        <a:fontRef idx="minor">
+          <a:schemeClr val="tx1"/>
+        </a:fontRef>
+      </dsp:style>
+      <dsp:txBody>
+        <a:bodyPr spcFirstLastPara="0" vert="horz" wrap="square" lIns="12700" tIns="0" rIns="12700" bIns="0" numCol="1" spcCol="1270" anchor="ctr" anchorCtr="0">
+          <a:noAutofit/>
+        </a:bodyPr>
+        <a:lstStyle/>
+        <a:p>
+          <a:pPr marL="0" lvl="0" indent="0" algn="ctr" defTabSz="222250">
+            <a:lnSpc>
+              <a:spcPct val="90000"/>
+            </a:lnSpc>
+            <a:spcBef>
+              <a:spcPct val="0"/>
+            </a:spcBef>
+            <a:spcAft>
+              <a:spcPct val="35000"/>
+            </a:spcAft>
+            <a:buNone/>
+          </a:pPr>
+          <a:endParaRPr lang="ru-RU" sz="500" kern="1200"/>
+        </a:p>
+      </dsp:txBody>
+      <dsp:txXfrm>
+        <a:off x="7170182" y="914565"/>
+        <a:ext cx="33664" cy="33664"/>
+      </dsp:txXfrm>
+    </dsp:sp>
+    <dsp:sp modelId="{387D5B3C-12FA-432D-B789-AD486D3986AB}">
+      <dsp:nvSpPr>
+        <dsp:cNvPr id="0" name=""/>
+        <dsp:cNvSpPr/>
+      </dsp:nvSpPr>
+      <dsp:spPr>
+        <a:xfrm>
+          <a:off x="7460375" y="393218"/>
+          <a:ext cx="1366804" cy="683402"/>
+        </a:xfrm>
+        <a:prstGeom prst="roundRect">
+          <a:avLst>
+            <a:gd name="adj" fmla="val 10000"/>
+          </a:avLst>
+        </a:prstGeom>
+        <a:solidFill>
+          <a:schemeClr val="accent1">
+            <a:hueOff val="0"/>
+            <a:satOff val="0"/>
+            <a:lumOff val="0"/>
+            <a:alphaOff val="0"/>
+          </a:schemeClr>
+        </a:solidFill>
+        <a:ln w="12700" cap="flat" cmpd="sng" algn="ctr">
+          <a:solidFill>
+            <a:schemeClr val="lt1">
+              <a:hueOff val="0"/>
+              <a:satOff val="0"/>
+              <a:lumOff val="0"/>
+              <a:alphaOff val="0"/>
+            </a:schemeClr>
+          </a:solidFill>
+          <a:prstDash val="solid"/>
+          <a:miter lim="800000"/>
+        </a:ln>
+        <a:effectLst/>
+      </dsp:spPr>
+      <dsp:style>
+        <a:lnRef idx="2">
+          <a:scrgbClr r="0" g="0" b="0"/>
+        </a:lnRef>
+        <a:fillRef idx="1">
+          <a:scrgbClr r="0" g="0" b="0"/>
+        </a:fillRef>
+        <a:effectRef idx="0">
+          <a:scrgbClr r="0" g="0" b="0"/>
+        </a:effectRef>
+        <a:fontRef idx="minor">
+          <a:schemeClr val="lt1"/>
+        </a:fontRef>
+      </dsp:style>
+      <dsp:txBody>
+        <a:bodyPr spcFirstLastPara="0" vert="horz" wrap="square" lIns="10795" tIns="10795" rIns="10795" bIns="10795" numCol="1" spcCol="1270" anchor="ctr" anchorCtr="0">
+          <a:noAutofit/>
+        </a:bodyPr>
+        <a:lstStyle/>
+        <a:p>
+          <a:pPr marL="0" lvl="0" indent="0" algn="ctr" defTabSz="755650">
+            <a:lnSpc>
+              <a:spcPct val="90000"/>
+            </a:lnSpc>
+            <a:spcBef>
+              <a:spcPct val="0"/>
+            </a:spcBef>
+            <a:spcAft>
+              <a:spcPct val="35000"/>
+            </a:spcAft>
+            <a:buNone/>
+          </a:pPr>
+          <a:r>
+            <a:rPr lang="ru-RU" sz="1700" kern="1200" dirty="0"/>
+            <a:t>Симуляция</a:t>
+          </a:r>
+        </a:p>
+      </dsp:txBody>
+      <dsp:txXfrm>
+        <a:off x="7480391" y="413234"/>
+        <a:ext cx="1326772" cy="643370"/>
+      </dsp:txXfrm>
+    </dsp:sp>
+    <dsp:sp modelId="{CBB53C61-09EA-4D71-B3DB-28CFB0567046}">
+      <dsp:nvSpPr>
+        <dsp:cNvPr id="0" name=""/>
+        <dsp:cNvSpPr/>
+      </dsp:nvSpPr>
+      <dsp:spPr>
+        <a:xfrm rot="2142401">
+          <a:off x="6850369" y="1306446"/>
+          <a:ext cx="673290" cy="35815"/>
+        </a:xfrm>
+        <a:custGeom>
+          <a:avLst/>
+          <a:gdLst/>
+          <a:ahLst/>
+          <a:cxnLst/>
+          <a:rect l="0" t="0" r="0" b="0"/>
+          <a:pathLst>
+            <a:path>
+              <a:moveTo>
+                <a:pt x="0" y="17907"/>
+              </a:moveTo>
+              <a:lnTo>
+                <a:pt x="673290" y="17907"/>
+              </a:lnTo>
+            </a:path>
+          </a:pathLst>
+        </a:custGeom>
+        <a:noFill/>
+        <a:ln w="9525" cap="flat" cmpd="sng" algn="ctr">
+          <a:solidFill>
+            <a:schemeClr val="accent1"/>
+          </a:solidFill>
+          <a:prstDash val="solid"/>
+          <a:round/>
+          <a:headEnd type="none" w="med" len="med"/>
+          <a:tailEnd type="arrow" w="med" len="med"/>
+        </a:ln>
+        <a:effectLst/>
+      </dsp:spPr>
+      <dsp:style>
+        <a:lnRef idx="0">
+          <a:scrgbClr r="0" g="0" b="0"/>
+        </a:lnRef>
+        <a:fillRef idx="0">
+          <a:scrgbClr r="0" g="0" b="0"/>
+        </a:fillRef>
+        <a:effectRef idx="0">
+          <a:scrgbClr r="0" g="0" b="0"/>
+        </a:effectRef>
+        <a:fontRef idx="minor">
+          <a:schemeClr val="tx1"/>
+        </a:fontRef>
+      </dsp:style>
+      <dsp:txBody>
+        <a:bodyPr spcFirstLastPara="0" vert="horz" wrap="square" lIns="12700" tIns="0" rIns="12700" bIns="0" numCol="1" spcCol="1270" anchor="ctr" anchorCtr="0">
+          <a:noAutofit/>
+        </a:bodyPr>
+        <a:lstStyle/>
+        <a:p>
+          <a:pPr marL="0" lvl="0" indent="0" algn="ctr" defTabSz="222250">
+            <a:lnSpc>
+              <a:spcPct val="90000"/>
+            </a:lnSpc>
+            <a:spcBef>
+              <a:spcPct val="0"/>
+            </a:spcBef>
+            <a:spcAft>
+              <a:spcPct val="35000"/>
+            </a:spcAft>
+            <a:buNone/>
+          </a:pPr>
+          <a:endParaRPr lang="ru-RU" sz="500" kern="1200"/>
+        </a:p>
+      </dsp:txBody>
+      <dsp:txXfrm>
+        <a:off x="7170182" y="1307521"/>
+        <a:ext cx="33664" cy="33664"/>
+      </dsp:txXfrm>
+    </dsp:sp>
+    <dsp:sp modelId="{189CD830-6ED2-40C7-ACBE-4215DD05BFE9}">
+      <dsp:nvSpPr>
+        <dsp:cNvPr id="0" name=""/>
+        <dsp:cNvSpPr/>
+      </dsp:nvSpPr>
+      <dsp:spPr>
+        <a:xfrm>
+          <a:off x="7460375" y="1179131"/>
+          <a:ext cx="1366804" cy="683402"/>
+        </a:xfrm>
+        <a:prstGeom prst="roundRect">
+          <a:avLst>
+            <a:gd name="adj" fmla="val 10000"/>
+          </a:avLst>
+        </a:prstGeom>
+        <a:solidFill>
+          <a:schemeClr val="accent1">
+            <a:hueOff val="0"/>
+            <a:satOff val="0"/>
+            <a:lumOff val="0"/>
+            <a:alphaOff val="0"/>
+          </a:schemeClr>
+        </a:solidFill>
+        <a:ln w="12700" cap="flat" cmpd="sng" algn="ctr">
+          <a:solidFill>
+            <a:schemeClr val="lt1">
+              <a:hueOff val="0"/>
+              <a:satOff val="0"/>
+              <a:lumOff val="0"/>
+              <a:alphaOff val="0"/>
+            </a:schemeClr>
+          </a:solidFill>
+          <a:prstDash val="solid"/>
+          <a:miter lim="800000"/>
+        </a:ln>
+        <a:effectLst/>
+      </dsp:spPr>
+      <dsp:style>
+        <a:lnRef idx="2">
+          <a:scrgbClr r="0" g="0" b="0"/>
+        </a:lnRef>
+        <a:fillRef idx="1">
+          <a:scrgbClr r="0" g="0" b="0"/>
+        </a:fillRef>
+        <a:effectRef idx="0">
+          <a:scrgbClr r="0" g="0" b="0"/>
+        </a:effectRef>
+        <a:fontRef idx="minor">
+          <a:schemeClr val="lt1"/>
+        </a:fontRef>
+      </dsp:style>
+      <dsp:txBody>
+        <a:bodyPr spcFirstLastPara="0" vert="horz" wrap="square" lIns="10795" tIns="10795" rIns="10795" bIns="10795" numCol="1" spcCol="1270" anchor="ctr" anchorCtr="0">
+          <a:noAutofit/>
+        </a:bodyPr>
+        <a:lstStyle/>
+        <a:p>
+          <a:pPr marL="0" lvl="0" indent="0" algn="ctr" defTabSz="755650">
+            <a:lnSpc>
+              <a:spcPct val="90000"/>
+            </a:lnSpc>
+            <a:spcBef>
+              <a:spcPct val="0"/>
+            </a:spcBef>
+            <a:spcAft>
+              <a:spcPct val="35000"/>
+            </a:spcAft>
+            <a:buNone/>
+          </a:pPr>
+          <a:r>
+            <a:rPr lang="en-US" sz="1700" kern="1200" dirty="0" err="1"/>
+            <a:t>SystemC</a:t>
+          </a:r>
+          <a:r>
+            <a:rPr lang="en-US" sz="1700" kern="1200" dirty="0"/>
+            <a:t>/C++</a:t>
+          </a:r>
+          <a:endParaRPr lang="ru-RU" sz="1700" kern="1200" dirty="0"/>
+        </a:p>
+      </dsp:txBody>
+      <dsp:txXfrm>
+        <a:off x="7480391" y="1199147"/>
+        <a:ext cx="1326772" cy="643370"/>
+      </dsp:txXfrm>
+    </dsp:sp>
+    <dsp:sp modelId="{E64B0B06-E771-48AC-84E7-2CFBD668B751}">
+      <dsp:nvSpPr>
+        <dsp:cNvPr id="0" name=""/>
+        <dsp:cNvSpPr/>
+      </dsp:nvSpPr>
+      <dsp:spPr>
+        <a:xfrm rot="3907178">
+          <a:off x="4623750" y="2092359"/>
+          <a:ext cx="1299475" cy="35815"/>
+        </a:xfrm>
+        <a:custGeom>
+          <a:avLst/>
+          <a:gdLst/>
+          <a:ahLst/>
+          <a:cxnLst/>
+          <a:rect l="0" t="0" r="0" b="0"/>
+          <a:pathLst>
+            <a:path>
+              <a:moveTo>
+                <a:pt x="0" y="17907"/>
+              </a:moveTo>
+              <a:lnTo>
+                <a:pt x="1299475" y="17907"/>
+              </a:lnTo>
+            </a:path>
+          </a:pathLst>
+        </a:custGeom>
+        <a:noFill/>
+        <a:ln w="9525" cap="flat" cmpd="sng" algn="ctr">
+          <a:solidFill>
+            <a:schemeClr val="accent1"/>
+          </a:solidFill>
+          <a:prstDash val="solid"/>
+          <a:round/>
+          <a:headEnd type="none" w="med" len="med"/>
+          <a:tailEnd type="arrow" w="med" len="med"/>
+        </a:ln>
+        <a:effectLst/>
+      </dsp:spPr>
+      <dsp:style>
+        <a:lnRef idx="0">
+          <a:scrgbClr r="0" g="0" b="0"/>
+        </a:lnRef>
+        <a:fillRef idx="0">
+          <a:scrgbClr r="0" g="0" b="0"/>
+        </a:fillRef>
+        <a:effectRef idx="0">
+          <a:scrgbClr r="0" g="0" b="0"/>
+        </a:effectRef>
+        <a:fontRef idx="minor">
+          <a:schemeClr val="tx1"/>
+        </a:fontRef>
+      </dsp:style>
+      <dsp:txBody>
+        <a:bodyPr spcFirstLastPara="0" vert="horz" wrap="square" lIns="12700" tIns="0" rIns="12700" bIns="0" numCol="1" spcCol="1270" anchor="ctr" anchorCtr="0">
+          <a:noAutofit/>
+        </a:bodyPr>
+        <a:lstStyle/>
+        <a:p>
+          <a:pPr marL="0" lvl="0" indent="0" algn="ctr" defTabSz="222250">
+            <a:lnSpc>
+              <a:spcPct val="90000"/>
+            </a:lnSpc>
+            <a:spcBef>
+              <a:spcPct val="0"/>
+            </a:spcBef>
+            <a:spcAft>
+              <a:spcPct val="35000"/>
+            </a:spcAft>
+            <a:buNone/>
+          </a:pPr>
+          <a:endParaRPr lang="ru-RU" sz="500" kern="1200"/>
+        </a:p>
+      </dsp:txBody>
+      <dsp:txXfrm>
+        <a:off x="5241001" y="2077779"/>
+        <a:ext cx="64973" cy="64973"/>
+      </dsp:txXfrm>
+    </dsp:sp>
+    <dsp:sp modelId="{EA46A9DD-C2A7-48CE-8746-EAC30177A69B}">
+      <dsp:nvSpPr>
+        <dsp:cNvPr id="0" name=""/>
+        <dsp:cNvSpPr/>
+      </dsp:nvSpPr>
+      <dsp:spPr>
+        <a:xfrm>
+          <a:off x="5546848" y="2358000"/>
+          <a:ext cx="1366804" cy="683402"/>
+        </a:xfrm>
+        <a:prstGeom prst="roundRect">
+          <a:avLst>
+            <a:gd name="adj" fmla="val 10000"/>
+          </a:avLst>
+        </a:prstGeom>
+        <a:solidFill>
+          <a:schemeClr val="accent1">
+            <a:hueOff val="0"/>
+            <a:satOff val="0"/>
+            <a:lumOff val="0"/>
+            <a:alphaOff val="0"/>
+          </a:schemeClr>
+        </a:solidFill>
+        <a:ln w="12700" cap="flat" cmpd="sng" algn="ctr">
+          <a:solidFill>
+            <a:schemeClr val="lt1">
+              <a:hueOff val="0"/>
+              <a:satOff val="0"/>
+              <a:lumOff val="0"/>
+              <a:alphaOff val="0"/>
+            </a:schemeClr>
+          </a:solidFill>
+          <a:prstDash val="solid"/>
+          <a:miter lim="800000"/>
+        </a:ln>
+        <a:effectLst/>
+      </dsp:spPr>
+      <dsp:style>
+        <a:lnRef idx="2">
+          <a:scrgbClr r="0" g="0" b="0"/>
+        </a:lnRef>
+        <a:fillRef idx="1">
+          <a:scrgbClr r="0" g="0" b="0"/>
+        </a:fillRef>
+        <a:effectRef idx="0">
+          <a:scrgbClr r="0" g="0" b="0"/>
+        </a:effectRef>
+        <a:fontRef idx="minor">
+          <a:schemeClr val="lt1"/>
+        </a:fontRef>
+      </dsp:style>
+      <dsp:txBody>
+        <a:bodyPr spcFirstLastPara="0" vert="horz" wrap="square" lIns="10795" tIns="10795" rIns="10795" bIns="10795" numCol="1" spcCol="1270" anchor="ctr" anchorCtr="0">
+          <a:noAutofit/>
+        </a:bodyPr>
+        <a:lstStyle/>
+        <a:p>
+          <a:pPr marL="0" lvl="0" indent="0" algn="ctr" defTabSz="755650">
+            <a:lnSpc>
+              <a:spcPct val="90000"/>
+            </a:lnSpc>
+            <a:spcBef>
+              <a:spcPct val="0"/>
+            </a:spcBef>
+            <a:spcAft>
+              <a:spcPct val="35000"/>
+            </a:spcAft>
+            <a:buNone/>
+          </a:pPr>
+          <a:r>
+            <a:rPr lang="en-US" sz="1700" kern="1200" dirty="0" err="1"/>
+            <a:t>SystemVerilog</a:t>
+          </a:r>
+          <a:r>
+            <a:rPr lang="en-US" sz="1700" kern="1200" dirty="0"/>
+            <a:t> </a:t>
+          </a:r>
+          <a:r>
+            <a:rPr lang="ru-RU" sz="1700" kern="1200" dirty="0"/>
+            <a:t>и др.</a:t>
+          </a:r>
+        </a:p>
+      </dsp:txBody>
+      <dsp:txXfrm>
+        <a:off x="5566864" y="2378016"/>
+        <a:ext cx="1326772" cy="643370"/>
+      </dsp:txXfrm>
+    </dsp:sp>
+    <dsp:sp modelId="{A546DDFC-9DBD-4ECD-A6E4-093DBB7CA298}">
+      <dsp:nvSpPr>
+        <dsp:cNvPr id="0" name=""/>
+        <dsp:cNvSpPr/>
+      </dsp:nvSpPr>
+      <dsp:spPr>
+        <a:xfrm rot="19457599">
+          <a:off x="6850369" y="2485315"/>
+          <a:ext cx="673290" cy="35815"/>
+        </a:xfrm>
+        <a:custGeom>
+          <a:avLst/>
+          <a:gdLst/>
+          <a:ahLst/>
+          <a:cxnLst/>
+          <a:rect l="0" t="0" r="0" b="0"/>
+          <a:pathLst>
+            <a:path>
+              <a:moveTo>
+                <a:pt x="0" y="17907"/>
+              </a:moveTo>
+              <a:lnTo>
+                <a:pt x="673290" y="17907"/>
+              </a:lnTo>
+            </a:path>
+          </a:pathLst>
+        </a:custGeom>
+        <a:noFill/>
+        <a:ln w="9525" cap="flat" cmpd="sng" algn="ctr">
+          <a:solidFill>
+            <a:schemeClr val="accent1"/>
+          </a:solidFill>
+          <a:prstDash val="solid"/>
+          <a:round/>
+          <a:headEnd type="none" w="med" len="med"/>
+          <a:tailEnd type="arrow" w="med" len="med"/>
+        </a:ln>
+        <a:effectLst/>
+      </dsp:spPr>
+      <dsp:style>
+        <a:lnRef idx="0">
+          <a:scrgbClr r="0" g="0" b="0"/>
+        </a:lnRef>
+        <a:fillRef idx="0">
+          <a:scrgbClr r="0" g="0" b="0"/>
+        </a:fillRef>
+        <a:effectRef idx="0">
+          <a:scrgbClr r="0" g="0" b="0"/>
+        </a:effectRef>
+        <a:fontRef idx="minor">
+          <a:schemeClr val="tx1"/>
+        </a:fontRef>
+      </dsp:style>
+      <dsp:txBody>
+        <a:bodyPr spcFirstLastPara="0" vert="horz" wrap="square" lIns="12700" tIns="0" rIns="12700" bIns="0" numCol="1" spcCol="1270" anchor="ctr" anchorCtr="0">
+          <a:noAutofit/>
+        </a:bodyPr>
+        <a:lstStyle/>
+        <a:p>
+          <a:pPr marL="0" lvl="0" indent="0" algn="ctr" defTabSz="222250">
+            <a:lnSpc>
+              <a:spcPct val="90000"/>
+            </a:lnSpc>
+            <a:spcBef>
+              <a:spcPct val="0"/>
+            </a:spcBef>
+            <a:spcAft>
+              <a:spcPct val="35000"/>
+            </a:spcAft>
+            <a:buNone/>
+          </a:pPr>
+          <a:endParaRPr lang="ru-RU" sz="500" kern="1200"/>
+        </a:p>
+      </dsp:txBody>
+      <dsp:txXfrm>
+        <a:off x="7170182" y="2486390"/>
+        <a:ext cx="33664" cy="33664"/>
+      </dsp:txXfrm>
+    </dsp:sp>
+    <dsp:sp modelId="{EA174151-5C03-46D4-AB7E-ABEF72EE0612}">
+      <dsp:nvSpPr>
+        <dsp:cNvPr id="0" name=""/>
+        <dsp:cNvSpPr/>
+      </dsp:nvSpPr>
+      <dsp:spPr>
+        <a:xfrm>
+          <a:off x="7460375" y="1965043"/>
+          <a:ext cx="1366804" cy="683402"/>
+        </a:xfrm>
+        <a:prstGeom prst="roundRect">
+          <a:avLst>
+            <a:gd name="adj" fmla="val 10000"/>
+          </a:avLst>
+        </a:prstGeom>
+        <a:solidFill>
+          <a:schemeClr val="accent1">
+            <a:hueOff val="0"/>
+            <a:satOff val="0"/>
+            <a:lumOff val="0"/>
+            <a:alphaOff val="0"/>
+          </a:schemeClr>
+        </a:solidFill>
+        <a:ln w="12700" cap="flat" cmpd="sng" algn="ctr">
+          <a:solidFill>
+            <a:schemeClr val="lt1">
+              <a:hueOff val="0"/>
+              <a:satOff val="0"/>
+              <a:lumOff val="0"/>
+              <a:alphaOff val="0"/>
+            </a:schemeClr>
+          </a:solidFill>
+          <a:prstDash val="solid"/>
+          <a:miter lim="800000"/>
+        </a:ln>
+        <a:effectLst/>
+      </dsp:spPr>
+      <dsp:style>
+        <a:lnRef idx="2">
+          <a:scrgbClr r="0" g="0" b="0"/>
+        </a:lnRef>
+        <a:fillRef idx="1">
+          <a:scrgbClr r="0" g="0" b="0"/>
+        </a:fillRef>
+        <a:effectRef idx="0">
+          <a:scrgbClr r="0" g="0" b="0"/>
+        </a:effectRef>
+        <a:fontRef idx="minor">
+          <a:schemeClr val="lt1"/>
+        </a:fontRef>
+      </dsp:style>
+      <dsp:txBody>
+        <a:bodyPr spcFirstLastPara="0" vert="horz" wrap="square" lIns="10795" tIns="10795" rIns="10795" bIns="10795" numCol="1" spcCol="1270" anchor="ctr" anchorCtr="0">
+          <a:noAutofit/>
+        </a:bodyPr>
+        <a:lstStyle/>
+        <a:p>
+          <a:pPr marL="0" lvl="0" indent="0" algn="ctr" defTabSz="755650">
+            <a:lnSpc>
+              <a:spcPct val="90000"/>
+            </a:lnSpc>
+            <a:spcBef>
+              <a:spcPct val="0"/>
+            </a:spcBef>
+            <a:spcAft>
+              <a:spcPct val="35000"/>
+            </a:spcAft>
+            <a:buNone/>
+          </a:pPr>
+          <a:r>
+            <a:rPr lang="en-US" sz="1700" kern="1200" dirty="0"/>
+            <a:t>FPGA</a:t>
+          </a:r>
+          <a:endParaRPr lang="ru-RU" sz="1700" kern="1200" dirty="0"/>
+        </a:p>
+      </dsp:txBody>
+      <dsp:txXfrm>
+        <a:off x="7480391" y="1985059"/>
+        <a:ext cx="1326772" cy="643370"/>
+      </dsp:txXfrm>
+    </dsp:sp>
+    <dsp:sp modelId="{0CF864DB-0B93-4970-9B5A-2B8FC40A6B4B}">
+      <dsp:nvSpPr>
+        <dsp:cNvPr id="0" name=""/>
+        <dsp:cNvSpPr/>
+      </dsp:nvSpPr>
+      <dsp:spPr>
+        <a:xfrm rot="2142401">
+          <a:off x="6850369" y="2878271"/>
+          <a:ext cx="673290" cy="35815"/>
+        </a:xfrm>
+        <a:custGeom>
+          <a:avLst/>
+          <a:gdLst/>
+          <a:ahLst/>
+          <a:cxnLst/>
+          <a:rect l="0" t="0" r="0" b="0"/>
+          <a:pathLst>
+            <a:path>
+              <a:moveTo>
+                <a:pt x="0" y="17907"/>
+              </a:moveTo>
+              <a:lnTo>
+                <a:pt x="673290" y="17907"/>
+              </a:lnTo>
+            </a:path>
+          </a:pathLst>
+        </a:custGeom>
+        <a:noFill/>
+        <a:ln w="9525" cap="flat" cmpd="sng" algn="ctr">
+          <a:solidFill>
+            <a:schemeClr val="accent1"/>
+          </a:solidFill>
+          <a:prstDash val="solid"/>
+          <a:round/>
+          <a:headEnd type="none" w="med" len="med"/>
+          <a:tailEnd type="arrow" w="med" len="med"/>
+        </a:ln>
+        <a:effectLst/>
+      </dsp:spPr>
+      <dsp:style>
+        <a:lnRef idx="0">
+          <a:scrgbClr r="0" g="0" b="0"/>
+        </a:lnRef>
+        <a:fillRef idx="0">
+          <a:scrgbClr r="0" g="0" b="0"/>
+        </a:fillRef>
+        <a:effectRef idx="0">
+          <a:scrgbClr r="0" g="0" b="0"/>
+        </a:effectRef>
+        <a:fontRef idx="minor">
+          <a:schemeClr val="tx1"/>
+        </a:fontRef>
+      </dsp:style>
+      <dsp:txBody>
+        <a:bodyPr spcFirstLastPara="0" vert="horz" wrap="square" lIns="12700" tIns="0" rIns="12700" bIns="0" numCol="1" spcCol="1270" anchor="ctr" anchorCtr="0">
+          <a:noAutofit/>
+        </a:bodyPr>
+        <a:lstStyle/>
+        <a:p>
+          <a:pPr marL="0" lvl="0" indent="0" algn="ctr" defTabSz="222250">
+            <a:lnSpc>
+              <a:spcPct val="90000"/>
+            </a:lnSpc>
+            <a:spcBef>
+              <a:spcPct val="0"/>
+            </a:spcBef>
+            <a:spcAft>
+              <a:spcPct val="35000"/>
+            </a:spcAft>
+            <a:buNone/>
+          </a:pPr>
+          <a:endParaRPr lang="ru-RU" sz="500" kern="1200"/>
+        </a:p>
+      </dsp:txBody>
+      <dsp:txXfrm>
+        <a:off x="7170182" y="2879347"/>
+        <a:ext cx="33664" cy="33664"/>
+      </dsp:txXfrm>
+    </dsp:sp>
+    <dsp:sp modelId="{2E47709F-AAF7-455A-8809-18FFF1594C05}">
+      <dsp:nvSpPr>
+        <dsp:cNvPr id="0" name=""/>
+        <dsp:cNvSpPr/>
+      </dsp:nvSpPr>
+      <dsp:spPr>
+        <a:xfrm>
+          <a:off x="7460375" y="2750956"/>
+          <a:ext cx="1366804" cy="683402"/>
+        </a:xfrm>
+        <a:prstGeom prst="roundRect">
+          <a:avLst>
+            <a:gd name="adj" fmla="val 10000"/>
+          </a:avLst>
+        </a:prstGeom>
+        <a:solidFill>
+          <a:schemeClr val="accent1">
+            <a:hueOff val="0"/>
+            <a:satOff val="0"/>
+            <a:lumOff val="0"/>
+            <a:alphaOff val="0"/>
+          </a:schemeClr>
+        </a:solidFill>
+        <a:ln w="12700" cap="flat" cmpd="sng" algn="ctr">
+          <a:solidFill>
+            <a:schemeClr val="lt1">
+              <a:hueOff val="0"/>
+              <a:satOff val="0"/>
+              <a:lumOff val="0"/>
+              <a:alphaOff val="0"/>
+            </a:schemeClr>
+          </a:solidFill>
+          <a:prstDash val="solid"/>
+          <a:miter lim="800000"/>
+        </a:ln>
+        <a:effectLst/>
+      </dsp:spPr>
+      <dsp:style>
+        <a:lnRef idx="2">
+          <a:scrgbClr r="0" g="0" b="0"/>
+        </a:lnRef>
+        <a:fillRef idx="1">
+          <a:scrgbClr r="0" g="0" b="0"/>
+        </a:fillRef>
+        <a:effectRef idx="0">
+          <a:scrgbClr r="0" g="0" b="0"/>
+        </a:effectRef>
+        <a:fontRef idx="minor">
+          <a:schemeClr val="lt1"/>
+        </a:fontRef>
+      </dsp:style>
+      <dsp:txBody>
+        <a:bodyPr spcFirstLastPara="0" vert="horz" wrap="square" lIns="10795" tIns="10795" rIns="10795" bIns="10795" numCol="1" spcCol="1270" anchor="ctr" anchorCtr="0">
+          <a:noAutofit/>
+        </a:bodyPr>
+        <a:lstStyle/>
+        <a:p>
+          <a:pPr marL="0" lvl="0" indent="0" algn="ctr" defTabSz="755650">
+            <a:lnSpc>
+              <a:spcPct val="90000"/>
+            </a:lnSpc>
+            <a:spcBef>
+              <a:spcPct val="0"/>
+            </a:spcBef>
+            <a:spcAft>
+              <a:spcPct val="35000"/>
+            </a:spcAft>
+            <a:buNone/>
+          </a:pPr>
+          <a:r>
+            <a:rPr lang="en-US" sz="1700" kern="1200" dirty="0"/>
+            <a:t>ASIC</a:t>
+          </a:r>
+          <a:endParaRPr lang="ru-RU" sz="1700" kern="1200" dirty="0"/>
+        </a:p>
+      </dsp:txBody>
+      <dsp:txXfrm>
+        <a:off x="7480391" y="2770972"/>
+        <a:ext cx="1326772" cy="643370"/>
       </dsp:txXfrm>
     </dsp:sp>
   </dsp:spTree>
@@ -2855,23 +4271,19 @@
           </a:pathLst>
         </a:custGeom>
         <a:noFill/>
-        <a:ln w="12700" cap="flat" cmpd="sng" algn="ctr">
+        <a:ln w="9525" cap="flat" cmpd="sng" algn="ctr">
           <a:solidFill>
-            <a:schemeClr val="accent1">
-              <a:shade val="60000"/>
-              <a:hueOff val="0"/>
-              <a:satOff val="0"/>
-              <a:lumOff val="0"/>
-              <a:alphaOff val="0"/>
-            </a:schemeClr>
+            <a:schemeClr val="accent1"/>
           </a:solidFill>
           <a:prstDash val="solid"/>
-          <a:miter lim="800000"/>
+          <a:round/>
+          <a:headEnd type="none" w="med" len="med"/>
+          <a:tailEnd type="arrow" w="med" len="med"/>
         </a:ln>
         <a:effectLst/>
       </dsp:spPr>
       <dsp:style>
-        <a:lnRef idx="2">
+        <a:lnRef idx="0">
           <a:scrgbClr r="0" g="0" b="0"/>
         </a:lnRef>
         <a:fillRef idx="0">
@@ -2880,7 +4292,9 @@
         <a:effectRef idx="0">
           <a:scrgbClr r="0" g="0" b="0"/>
         </a:effectRef>
-        <a:fontRef idx="minor"/>
+        <a:fontRef idx="minor">
+          <a:schemeClr val="tx1"/>
+        </a:fontRef>
       </dsp:style>
     </dsp:sp>
     <dsp:sp modelId="{4FB7D901-2A9D-4C85-8BE2-D0A468C11AC8}">
@@ -2992,23 +4406,19 @@
           </a:pathLst>
         </a:custGeom>
         <a:noFill/>
-        <a:ln w="12700" cap="flat" cmpd="sng" algn="ctr">
+        <a:ln w="9525" cap="flat" cmpd="sng" algn="ctr">
           <a:solidFill>
-            <a:schemeClr val="accent1">
-              <a:shade val="80000"/>
-              <a:hueOff val="0"/>
-              <a:satOff val="0"/>
-              <a:lumOff val="0"/>
-              <a:alphaOff val="0"/>
-            </a:schemeClr>
+            <a:schemeClr val="accent5"/>
           </a:solidFill>
           <a:prstDash val="solid"/>
-          <a:miter lim="800000"/>
+          <a:round/>
+          <a:headEnd type="none" w="med" len="med"/>
+          <a:tailEnd type="arrow" w="med" len="med"/>
         </a:ln>
         <a:effectLst/>
       </dsp:spPr>
       <dsp:style>
-        <a:lnRef idx="2">
+        <a:lnRef idx="0">
           <a:scrgbClr r="0" g="0" b="0"/>
         </a:lnRef>
         <a:fillRef idx="0">
@@ -3017,7 +4427,9 @@
         <a:effectRef idx="0">
           <a:scrgbClr r="0" g="0" b="0"/>
         </a:effectRef>
-        <a:fontRef idx="minor"/>
+        <a:fontRef idx="minor">
+          <a:schemeClr val="tx1"/>
+        </a:fontRef>
       </dsp:style>
     </dsp:sp>
     <dsp:sp modelId="{233AFF0C-8AB7-4B9E-8FFE-D3179AA95E1F}">
@@ -6151,7 +7563,7 @@
           <a:p>
             <a:fld id="{3915C513-5122-41ED-B753-FC5F608ACCCA}" type="datetimeFigureOut">
               <a:rPr lang="ru-RU" smtClean="0"/>
-              <a:t>19.04.2025</a:t>
+              <a:t>29.04.2025</a:t>
             </a:fld>
             <a:endParaRPr lang="ru-RU"/>
           </a:p>
@@ -6349,7 +7761,7 @@
           <a:p>
             <a:fld id="{3915C513-5122-41ED-B753-FC5F608ACCCA}" type="datetimeFigureOut">
               <a:rPr lang="ru-RU" smtClean="0"/>
-              <a:t>19.04.2025</a:t>
+              <a:t>29.04.2025</a:t>
             </a:fld>
             <a:endParaRPr lang="ru-RU"/>
           </a:p>
@@ -6557,7 +7969,7 @@
           <a:p>
             <a:fld id="{3915C513-5122-41ED-B753-FC5F608ACCCA}" type="datetimeFigureOut">
               <a:rPr lang="ru-RU" smtClean="0"/>
-              <a:t>19.04.2025</a:t>
+              <a:t>29.04.2025</a:t>
             </a:fld>
             <a:endParaRPr lang="ru-RU"/>
           </a:p>
@@ -6755,7 +8167,7 @@
           <a:p>
             <a:fld id="{3915C513-5122-41ED-B753-FC5F608ACCCA}" type="datetimeFigureOut">
               <a:rPr lang="ru-RU" smtClean="0"/>
-              <a:t>19.04.2025</a:t>
+              <a:t>29.04.2025</a:t>
             </a:fld>
             <a:endParaRPr lang="ru-RU"/>
           </a:p>
@@ -7030,7 +8442,7 @@
           <a:p>
             <a:fld id="{3915C513-5122-41ED-B753-FC5F608ACCCA}" type="datetimeFigureOut">
               <a:rPr lang="ru-RU" smtClean="0"/>
-              <a:t>19.04.2025</a:t>
+              <a:t>29.04.2025</a:t>
             </a:fld>
             <a:endParaRPr lang="ru-RU"/>
           </a:p>
@@ -7295,7 +8707,7 @@
           <a:p>
             <a:fld id="{3915C513-5122-41ED-B753-FC5F608ACCCA}" type="datetimeFigureOut">
               <a:rPr lang="ru-RU" smtClean="0"/>
-              <a:t>19.04.2025</a:t>
+              <a:t>29.04.2025</a:t>
             </a:fld>
             <a:endParaRPr lang="ru-RU"/>
           </a:p>
@@ -7707,7 +9119,7 @@
           <a:p>
             <a:fld id="{3915C513-5122-41ED-B753-FC5F608ACCCA}" type="datetimeFigureOut">
               <a:rPr lang="ru-RU" smtClean="0"/>
-              <a:t>19.04.2025</a:t>
+              <a:t>29.04.2025</a:t>
             </a:fld>
             <a:endParaRPr lang="ru-RU"/>
           </a:p>
@@ -7848,7 +9260,7 @@
           <a:p>
             <a:fld id="{3915C513-5122-41ED-B753-FC5F608ACCCA}" type="datetimeFigureOut">
               <a:rPr lang="ru-RU" smtClean="0"/>
-              <a:t>19.04.2025</a:t>
+              <a:t>29.04.2025</a:t>
             </a:fld>
             <a:endParaRPr lang="ru-RU"/>
           </a:p>
@@ -7961,7 +9373,7 @@
           <a:p>
             <a:fld id="{3915C513-5122-41ED-B753-FC5F608ACCCA}" type="datetimeFigureOut">
               <a:rPr lang="ru-RU" smtClean="0"/>
-              <a:t>19.04.2025</a:t>
+              <a:t>29.04.2025</a:t>
             </a:fld>
             <a:endParaRPr lang="ru-RU"/>
           </a:p>
@@ -8272,7 +9684,7 @@
           <a:p>
             <a:fld id="{3915C513-5122-41ED-B753-FC5F608ACCCA}" type="datetimeFigureOut">
               <a:rPr lang="ru-RU" smtClean="0"/>
-              <a:t>19.04.2025</a:t>
+              <a:t>29.04.2025</a:t>
             </a:fld>
             <a:endParaRPr lang="ru-RU"/>
           </a:p>
@@ -8560,7 +9972,7 @@
           <a:p>
             <a:fld id="{3915C513-5122-41ED-B753-FC5F608ACCCA}" type="datetimeFigureOut">
               <a:rPr lang="ru-RU" smtClean="0"/>
-              <a:t>19.04.2025</a:t>
+              <a:t>29.04.2025</a:t>
             </a:fld>
             <a:endParaRPr lang="ru-RU"/>
           </a:p>
@@ -8801,7 +10213,7 @@
           <a:p>
             <a:fld id="{3915C513-5122-41ED-B753-FC5F608ACCCA}" type="datetimeFigureOut">
               <a:rPr lang="ru-RU" smtClean="0"/>
-              <a:t>19.04.2025</a:t>
+              <a:t>29.04.2025</a:t>
             </a:fld>
             <a:endParaRPr lang="ru-RU"/>
           </a:p>
@@ -9353,8 +10765,8 @@
         </p:nvSpPr>
         <p:spPr>
           <a:xfrm>
-            <a:off x="775447" y="2831585"/>
-            <a:ext cx="7970067" cy="369332"/>
+            <a:off x="775447" y="2588790"/>
+            <a:ext cx="10578353" cy="646331"/>
           </a:xfrm>
           <a:prstGeom prst="rect">
             <a:avLst/>
@@ -9362,7 +10774,7 @@
           <a:noFill/>
         </p:spPr>
         <p:txBody>
-          <a:bodyPr wrap="none" rtlCol="0">
+          <a:bodyPr wrap="square" rtlCol="0">
             <a:spAutoFit/>
           </a:bodyPr>
           <a:lstStyle/>
@@ -9385,7 +10797,37 @@
             </a:r>
             <a:r>
               <a:rPr lang="ru-RU" dirty="0"/>
+              <a:t>, основанный на </a:t>
+            </a:r>
+            <a:r>
+              <a:rPr lang="en-US" dirty="0"/>
+              <a:t>Scala</a:t>
+            </a:r>
+            <a:r>
+              <a:rPr lang="ru-RU" dirty="0"/>
               <a:t>.</a:t>
+            </a:r>
+          </a:p>
+          <a:p>
+            <a:r>
+              <a:rPr lang="ru-RU" dirty="0"/>
+              <a:t>Основное применение </a:t>
+            </a:r>
+            <a:r>
+              <a:rPr lang="ru-RU" dirty="0" err="1"/>
+              <a:t>Chisel</a:t>
+            </a:r>
+            <a:r>
+              <a:rPr lang="ru-RU" dirty="0"/>
+              <a:t> — это создание параметризованных цифровых схем и </a:t>
+            </a:r>
+            <a:r>
+              <a:rPr lang="ru-RU" dirty="0" err="1"/>
+              <a:t>SoC</a:t>
+            </a:r>
+            <a:r>
+              <a:rPr lang="ru-RU" dirty="0"/>
+              <a:t> для FPGA и ASIC.</a:t>
             </a:r>
           </a:p>
         </p:txBody>
@@ -9450,14 +10892,14 @@
           <p:nvPr>
             <p:extLst>
               <p:ext uri="{D42A27DB-BD31-4B8C-83A1-F6EECF244321}">
-                <p14:modId xmlns:p14="http://schemas.microsoft.com/office/powerpoint/2010/main" val="3745511959"/>
+                <p14:modId xmlns:p14="http://schemas.microsoft.com/office/powerpoint/2010/main" val="1664603537"/>
               </p:ext>
             </p:extLst>
           </p:nvPr>
         </p:nvGraphicFramePr>
         <p:xfrm>
-          <a:off x="775446" y="3501840"/>
-          <a:ext cx="10578353" cy="2131109"/>
+          <a:off x="806824" y="3235120"/>
+          <a:ext cx="10546976" cy="3434621"/>
         </p:xfrm>
         <a:graphic>
           <a:graphicData uri="http://schemas.openxmlformats.org/drawingml/2006/diagram">
@@ -9518,574 +10960,1426 @@
           <a:p>
             <a:r>
               <a:rPr lang="ru-RU" dirty="0"/>
-              <a:t>Что такое </a:t>
-            </a:r>
-            <a:r>
-              <a:rPr lang="en-US" dirty="0"/>
-              <a:t>RTL</a:t>
-            </a:r>
-            <a:endParaRPr lang="ru-RU" dirty="0"/>
+              <a:t>Сравнение с аналогами</a:t>
+            </a:r>
           </a:p>
         </p:txBody>
       </p:sp>
-      <p:sp>
-        <p:nvSpPr>
-          <p:cNvPr id="2" name="TextBox 1">
+      <p:graphicFrame>
+        <p:nvGraphicFramePr>
+          <p:cNvPr id="6" name="Таблица 6">
             <a:extLst>
               <a:ext uri="{FF2B5EF4-FFF2-40B4-BE49-F238E27FC236}">
-                <a16:creationId xmlns:a16="http://schemas.microsoft.com/office/drawing/2014/main" id="{FD9B7BFB-D586-4369-806B-DF8ACE115EBB}"/>
+                <a16:creationId xmlns:a16="http://schemas.microsoft.com/office/drawing/2014/main" id="{6FA136C9-C5A6-4579-8469-A337D3AE600F}"/>
               </a:ext>
             </a:extLst>
           </p:cNvPr>
-          <p:cNvSpPr txBox="1"/>
-          <p:nvPr/>
-        </p:nvSpPr>
-        <p:spPr>
-          <a:xfrm>
-            <a:off x="685800" y="1690688"/>
-            <a:ext cx="4672583" cy="1200329"/>
-          </a:xfrm>
-          <a:prstGeom prst="rect">
-            <a:avLst/>
-          </a:prstGeom>
-          <a:noFill/>
-        </p:spPr>
-        <p:txBody>
-          <a:bodyPr wrap="square" rtlCol="0">
-            <a:spAutoFit/>
-          </a:bodyPr>
-          <a:lstStyle/>
-          <a:p>
-            <a:r>
-              <a:rPr lang="en-US" b="1" dirty="0"/>
-              <a:t>RTL</a:t>
-            </a:r>
-            <a:r>
-              <a:rPr lang="en-US" dirty="0"/>
-              <a:t> — </a:t>
-            </a:r>
-            <a:r>
-              <a:rPr lang="ru-RU" i="1" dirty="0"/>
-              <a:t> </a:t>
-            </a:r>
-            <a:r>
-              <a:rPr lang="ru-RU" dirty="0"/>
-              <a:t>это уровень проектирования, где мы описываем</a:t>
-            </a:r>
-            <a:r>
-              <a:rPr lang="ru-RU" i="1" dirty="0"/>
-              <a:t>, как данные перемещаются между регистрами </a:t>
-            </a:r>
-            <a:r>
-              <a:rPr lang="ru-RU" dirty="0"/>
-              <a:t>и обрабатываются логикой.</a:t>
-            </a:r>
-          </a:p>
-        </p:txBody>
-      </p:sp>
-      <p:sp>
-        <p:nvSpPr>
-          <p:cNvPr id="3" name="TextBox 2">
-            <a:extLst>
-              <a:ext uri="{FF2B5EF4-FFF2-40B4-BE49-F238E27FC236}">
-                <a16:creationId xmlns:a16="http://schemas.microsoft.com/office/drawing/2014/main" id="{72CF5E7A-73F1-445A-B0B7-C4AE0F4A09D0}"/>
-              </a:ext>
-            </a:extLst>
-          </p:cNvPr>
-          <p:cNvSpPr txBox="1"/>
-          <p:nvPr/>
-        </p:nvSpPr>
-        <p:spPr>
-          <a:xfrm>
-            <a:off x="6096000" y="1690688"/>
-            <a:ext cx="5257800" cy="2862322"/>
-          </a:xfrm>
-          <a:prstGeom prst="rect">
-            <a:avLst/>
-          </a:prstGeom>
-          <a:noFill/>
-        </p:spPr>
-        <p:txBody>
-          <a:bodyPr wrap="square" rtlCol="0">
-            <a:spAutoFit/>
-          </a:bodyPr>
-          <a:lstStyle/>
-          <a:p>
-            <a:r>
-              <a:rPr lang="en-US" b="0" dirty="0">
-                <a:solidFill>
-                  <a:srgbClr val="0000FF"/>
-                </a:solidFill>
-                <a:effectLst/>
-                <a:latin typeface="Consolas" panose="020B0609020204030204" pitchFamily="49" charset="0"/>
-              </a:rPr>
-              <a:t>class</a:t>
-            </a:r>
-            <a:r>
-              <a:rPr lang="en-US" b="0" dirty="0">
-                <a:solidFill>
-                  <a:srgbClr val="000000"/>
-                </a:solidFill>
-                <a:effectLst/>
-                <a:latin typeface="Consolas" panose="020B0609020204030204" pitchFamily="49" charset="0"/>
-              </a:rPr>
-              <a:t> </a:t>
-            </a:r>
-            <a:r>
-              <a:rPr lang="en-US" b="0" dirty="0" err="1">
-                <a:solidFill>
-                  <a:srgbClr val="000000"/>
-                </a:solidFill>
-                <a:effectLst/>
-                <a:latin typeface="Consolas" panose="020B0609020204030204" pitchFamily="49" charset="0"/>
-              </a:rPr>
-              <a:t>MyModule</a:t>
-            </a:r>
-            <a:r>
-              <a:rPr lang="en-US" b="0" dirty="0">
-                <a:solidFill>
-                  <a:srgbClr val="000000"/>
-                </a:solidFill>
-                <a:effectLst/>
-                <a:latin typeface="Consolas" panose="020B0609020204030204" pitchFamily="49" charset="0"/>
-              </a:rPr>
-              <a:t> </a:t>
-            </a:r>
-            <a:r>
-              <a:rPr lang="en-US" b="0" dirty="0">
-                <a:solidFill>
-                  <a:srgbClr val="0000FF"/>
-                </a:solidFill>
-                <a:effectLst/>
-                <a:latin typeface="Consolas" panose="020B0609020204030204" pitchFamily="49" charset="0"/>
-              </a:rPr>
-              <a:t>extends</a:t>
-            </a:r>
-            <a:r>
-              <a:rPr lang="en-US" b="0" dirty="0">
-                <a:solidFill>
-                  <a:srgbClr val="000000"/>
-                </a:solidFill>
-                <a:effectLst/>
-                <a:latin typeface="Consolas" panose="020B0609020204030204" pitchFamily="49" charset="0"/>
-              </a:rPr>
-              <a:t> Module</a:t>
-            </a:r>
-          </a:p>
-          <a:p>
-            <a:r>
-              <a:rPr lang="en-US" b="0" dirty="0">
-                <a:solidFill>
-                  <a:srgbClr val="000000"/>
-                </a:solidFill>
-                <a:effectLst/>
-                <a:latin typeface="Consolas" panose="020B0609020204030204" pitchFamily="49" charset="0"/>
-              </a:rPr>
-              <a:t>{</a:t>
-            </a:r>
-          </a:p>
-          <a:p>
-            <a:r>
-              <a:rPr lang="en-US" b="0" dirty="0">
-                <a:solidFill>
-                  <a:srgbClr val="000000"/>
-                </a:solidFill>
-                <a:effectLst/>
-                <a:latin typeface="Consolas" panose="020B0609020204030204" pitchFamily="49" charset="0"/>
-              </a:rPr>
-              <a:t>    </a:t>
-            </a:r>
-            <a:r>
-              <a:rPr lang="en-US" b="0" dirty="0" err="1">
-                <a:solidFill>
-                  <a:srgbClr val="0000FF"/>
-                </a:solidFill>
-                <a:effectLst/>
-                <a:latin typeface="Consolas" panose="020B0609020204030204" pitchFamily="49" charset="0"/>
-              </a:rPr>
-              <a:t>val</a:t>
-            </a:r>
-            <a:r>
-              <a:rPr lang="en-US" b="0" dirty="0">
-                <a:solidFill>
-                  <a:srgbClr val="000000"/>
-                </a:solidFill>
-                <a:effectLst/>
-                <a:latin typeface="Consolas" panose="020B0609020204030204" pitchFamily="49" charset="0"/>
-              </a:rPr>
-              <a:t> </a:t>
-            </a:r>
-            <a:r>
-              <a:rPr lang="en-US" b="0" dirty="0" err="1">
-                <a:solidFill>
-                  <a:srgbClr val="000000"/>
-                </a:solidFill>
-                <a:effectLst/>
-                <a:latin typeface="Consolas" panose="020B0609020204030204" pitchFamily="49" charset="0"/>
-              </a:rPr>
-              <a:t>io</a:t>
-            </a:r>
-            <a:r>
-              <a:rPr lang="en-US" b="0" dirty="0">
-                <a:solidFill>
-                  <a:srgbClr val="000000"/>
-                </a:solidFill>
-                <a:effectLst/>
-                <a:latin typeface="Consolas" panose="020B0609020204030204" pitchFamily="49" charset="0"/>
-              </a:rPr>
-              <a:t> = </a:t>
-            </a:r>
-            <a:r>
-              <a:rPr lang="en-US" b="0" dirty="0">
-                <a:solidFill>
-                  <a:srgbClr val="0000FF"/>
-                </a:solidFill>
-                <a:effectLst/>
-                <a:latin typeface="Consolas" panose="020B0609020204030204" pitchFamily="49" charset="0"/>
-              </a:rPr>
-              <a:t>new</a:t>
-            </a:r>
-            <a:r>
-              <a:rPr lang="en-US" b="0" dirty="0">
-                <a:solidFill>
-                  <a:srgbClr val="000000"/>
-                </a:solidFill>
-                <a:effectLst/>
-                <a:latin typeface="Consolas" panose="020B0609020204030204" pitchFamily="49" charset="0"/>
-              </a:rPr>
-              <a:t> Bundle {</a:t>
-            </a:r>
-          </a:p>
-          <a:p>
-            <a:r>
-              <a:rPr lang="en-US" b="0" dirty="0">
-                <a:solidFill>
-                  <a:srgbClr val="000000"/>
-                </a:solidFill>
-                <a:effectLst/>
-                <a:latin typeface="Consolas" panose="020B0609020204030204" pitchFamily="49" charset="0"/>
-              </a:rPr>
-              <a:t>        </a:t>
-            </a:r>
-            <a:r>
-              <a:rPr lang="en-US" b="0" dirty="0" err="1">
-                <a:solidFill>
-                  <a:srgbClr val="0000FF"/>
-                </a:solidFill>
-                <a:effectLst/>
-                <a:latin typeface="Consolas" panose="020B0609020204030204" pitchFamily="49" charset="0"/>
-              </a:rPr>
-              <a:t>val</a:t>
-            </a:r>
-            <a:r>
-              <a:rPr lang="en-US" b="0" dirty="0">
-                <a:solidFill>
-                  <a:srgbClr val="000000"/>
-                </a:solidFill>
-                <a:effectLst/>
-                <a:latin typeface="Consolas" panose="020B0609020204030204" pitchFamily="49" charset="0"/>
-              </a:rPr>
-              <a:t> in = Input(</a:t>
-            </a:r>
-            <a:r>
-              <a:rPr lang="en-US" b="0" dirty="0" err="1">
-                <a:solidFill>
-                  <a:srgbClr val="000000"/>
-                </a:solidFill>
-                <a:effectLst/>
-                <a:latin typeface="Consolas" panose="020B0609020204030204" pitchFamily="49" charset="0"/>
-              </a:rPr>
-              <a:t>SInt</a:t>
-            </a:r>
-            <a:r>
-              <a:rPr lang="en-US" b="0" dirty="0">
-                <a:solidFill>
-                  <a:srgbClr val="000000"/>
-                </a:solidFill>
-                <a:effectLst/>
-                <a:latin typeface="Consolas" panose="020B0609020204030204" pitchFamily="49" charset="0"/>
-              </a:rPr>
-              <a:t>(</a:t>
-            </a:r>
-            <a:r>
-              <a:rPr lang="en-US" b="0" dirty="0">
-                <a:solidFill>
-                  <a:srgbClr val="098658"/>
-                </a:solidFill>
-                <a:effectLst/>
-                <a:latin typeface="Consolas" panose="020B0609020204030204" pitchFamily="49" charset="0"/>
-              </a:rPr>
-              <a:t>8</a:t>
-            </a:r>
-            <a:r>
-              <a:rPr lang="en-US" b="0" dirty="0">
-                <a:solidFill>
-                  <a:srgbClr val="000000"/>
-                </a:solidFill>
-                <a:effectLst/>
-                <a:latin typeface="Consolas" panose="020B0609020204030204" pitchFamily="49" charset="0"/>
-              </a:rPr>
-              <a:t>.W))</a:t>
-            </a:r>
-          </a:p>
-          <a:p>
-            <a:r>
-              <a:rPr lang="en-US" b="0" dirty="0">
-                <a:solidFill>
-                  <a:srgbClr val="000000"/>
-                </a:solidFill>
-                <a:effectLst/>
-                <a:latin typeface="Consolas" panose="020B0609020204030204" pitchFamily="49" charset="0"/>
-              </a:rPr>
-              <a:t>        </a:t>
-            </a:r>
-            <a:r>
-              <a:rPr lang="en-US" b="0" dirty="0" err="1">
-                <a:solidFill>
-                  <a:srgbClr val="0000FF"/>
-                </a:solidFill>
-                <a:effectLst/>
-                <a:latin typeface="Consolas" panose="020B0609020204030204" pitchFamily="49" charset="0"/>
-              </a:rPr>
-              <a:t>val</a:t>
-            </a:r>
-            <a:r>
-              <a:rPr lang="en-US" b="0" dirty="0">
-                <a:solidFill>
-                  <a:srgbClr val="000000"/>
-                </a:solidFill>
-                <a:effectLst/>
-                <a:latin typeface="Consolas" panose="020B0609020204030204" pitchFamily="49" charset="0"/>
-              </a:rPr>
-              <a:t> out = Output(</a:t>
-            </a:r>
-            <a:r>
-              <a:rPr lang="en-US" b="0" dirty="0" err="1">
-                <a:solidFill>
-                  <a:srgbClr val="000000"/>
-                </a:solidFill>
-                <a:effectLst/>
-                <a:latin typeface="Consolas" panose="020B0609020204030204" pitchFamily="49" charset="0"/>
-              </a:rPr>
-              <a:t>SInt</a:t>
-            </a:r>
-            <a:r>
-              <a:rPr lang="en-US" b="0" dirty="0">
-                <a:solidFill>
-                  <a:srgbClr val="000000"/>
-                </a:solidFill>
-                <a:effectLst/>
-                <a:latin typeface="Consolas" panose="020B0609020204030204" pitchFamily="49" charset="0"/>
-              </a:rPr>
-              <a:t>(</a:t>
-            </a:r>
-            <a:r>
-              <a:rPr lang="en-US" b="0" dirty="0">
-                <a:solidFill>
-                  <a:srgbClr val="098658"/>
-                </a:solidFill>
-                <a:effectLst/>
-                <a:latin typeface="Consolas" panose="020B0609020204030204" pitchFamily="49" charset="0"/>
-              </a:rPr>
-              <a:t>16</a:t>
-            </a:r>
-            <a:r>
-              <a:rPr lang="en-US" b="0" dirty="0">
-                <a:solidFill>
-                  <a:srgbClr val="000000"/>
-                </a:solidFill>
-                <a:effectLst/>
-                <a:latin typeface="Consolas" panose="020B0609020204030204" pitchFamily="49" charset="0"/>
-              </a:rPr>
-              <a:t>.W))</a:t>
-            </a:r>
-          </a:p>
-          <a:p>
-            <a:r>
-              <a:rPr lang="en-US" b="0" dirty="0">
-                <a:solidFill>
-                  <a:srgbClr val="000000"/>
-                </a:solidFill>
-                <a:effectLst/>
-                <a:latin typeface="Consolas" panose="020B0609020204030204" pitchFamily="49" charset="0"/>
-              </a:rPr>
-              <a:t>    }</a:t>
-            </a:r>
-          </a:p>
-          <a:p>
-            <a:r>
-              <a:rPr lang="en-US" b="0" dirty="0">
-                <a:solidFill>
-                  <a:srgbClr val="000000"/>
-                </a:solidFill>
-                <a:effectLst/>
-                <a:latin typeface="Consolas" panose="020B0609020204030204" pitchFamily="49" charset="0"/>
-              </a:rPr>
-              <a:t>    </a:t>
-            </a:r>
-            <a:r>
-              <a:rPr lang="en-US" b="0" dirty="0" err="1">
-                <a:solidFill>
-                  <a:srgbClr val="0000FF"/>
-                </a:solidFill>
-                <a:effectLst/>
-                <a:latin typeface="Consolas" panose="020B0609020204030204" pitchFamily="49" charset="0"/>
-              </a:rPr>
-              <a:t>val</a:t>
-            </a:r>
-            <a:r>
-              <a:rPr lang="en-US" b="0" dirty="0">
-                <a:solidFill>
-                  <a:srgbClr val="000000"/>
-                </a:solidFill>
-                <a:effectLst/>
-                <a:latin typeface="Consolas" panose="020B0609020204030204" pitchFamily="49" charset="0"/>
-              </a:rPr>
-              <a:t> out = </a:t>
-            </a:r>
-            <a:r>
-              <a:rPr lang="en-US" b="0" dirty="0" err="1">
-                <a:solidFill>
-                  <a:srgbClr val="000000"/>
-                </a:solidFill>
-                <a:effectLst/>
-                <a:latin typeface="Consolas" panose="020B0609020204030204" pitchFamily="49" charset="0"/>
-              </a:rPr>
-              <a:t>RegInit</a:t>
-            </a:r>
-            <a:r>
-              <a:rPr lang="en-US" b="0" dirty="0">
-                <a:solidFill>
-                  <a:srgbClr val="000000"/>
-                </a:solidFill>
-                <a:effectLst/>
-                <a:latin typeface="Consolas" panose="020B0609020204030204" pitchFamily="49" charset="0"/>
-              </a:rPr>
-              <a:t>(</a:t>
-            </a:r>
-            <a:r>
-              <a:rPr lang="en-US" b="0" dirty="0">
-                <a:solidFill>
-                  <a:srgbClr val="098658"/>
-                </a:solidFill>
-                <a:effectLst/>
-                <a:latin typeface="Consolas" panose="020B0609020204030204" pitchFamily="49" charset="0"/>
-              </a:rPr>
-              <a:t>0</a:t>
-            </a:r>
-            <a:r>
-              <a:rPr lang="en-US" b="0" dirty="0">
-                <a:solidFill>
-                  <a:srgbClr val="000000"/>
-                </a:solidFill>
-                <a:effectLst/>
-                <a:latin typeface="Consolas" panose="020B0609020204030204" pitchFamily="49" charset="0"/>
-              </a:rPr>
-              <a:t>.U(</a:t>
-            </a:r>
-            <a:r>
-              <a:rPr lang="en-US" b="0" dirty="0">
-                <a:solidFill>
-                  <a:srgbClr val="098658"/>
-                </a:solidFill>
-                <a:effectLst/>
-                <a:latin typeface="Consolas" panose="020B0609020204030204" pitchFamily="49" charset="0"/>
-              </a:rPr>
-              <a:t>16</a:t>
-            </a:r>
-            <a:r>
-              <a:rPr lang="en-US" b="0" dirty="0">
-                <a:solidFill>
-                  <a:srgbClr val="000000"/>
-                </a:solidFill>
-                <a:effectLst/>
-                <a:latin typeface="Consolas" panose="020B0609020204030204" pitchFamily="49" charset="0"/>
-              </a:rPr>
-              <a:t>.W))</a:t>
-            </a:r>
-          </a:p>
-          <a:p>
-            <a:r>
-              <a:rPr lang="en-US" b="0" dirty="0">
-                <a:solidFill>
-                  <a:srgbClr val="000000"/>
-                </a:solidFill>
-                <a:effectLst/>
-                <a:latin typeface="Consolas" panose="020B0609020204030204" pitchFamily="49" charset="0"/>
-              </a:rPr>
-              <a:t>    out := </a:t>
-            </a:r>
-            <a:r>
-              <a:rPr lang="en-US" b="0" dirty="0">
-                <a:solidFill>
-                  <a:srgbClr val="098658"/>
-                </a:solidFill>
-                <a:effectLst/>
-                <a:latin typeface="Consolas" panose="020B0609020204030204" pitchFamily="49" charset="0"/>
-              </a:rPr>
-              <a:t>2</a:t>
-            </a:r>
-            <a:r>
-              <a:rPr lang="en-US" b="0" dirty="0">
-                <a:solidFill>
-                  <a:srgbClr val="000000"/>
-                </a:solidFill>
-                <a:effectLst/>
-                <a:latin typeface="Consolas" panose="020B0609020204030204" pitchFamily="49" charset="0"/>
-              </a:rPr>
-              <a:t> * io.in</a:t>
-            </a:r>
-          </a:p>
-          <a:p>
-            <a:r>
-              <a:rPr lang="en-US" b="0" dirty="0">
-                <a:solidFill>
-                  <a:srgbClr val="000000"/>
-                </a:solidFill>
-                <a:effectLst/>
-                <a:latin typeface="Consolas" panose="020B0609020204030204" pitchFamily="49" charset="0"/>
-              </a:rPr>
-              <a:t>    </a:t>
-            </a:r>
-            <a:r>
-              <a:rPr lang="en-US" b="0" dirty="0" err="1">
-                <a:solidFill>
-                  <a:srgbClr val="000000"/>
-                </a:solidFill>
-                <a:effectLst/>
-                <a:latin typeface="Consolas" panose="020B0609020204030204" pitchFamily="49" charset="0"/>
-              </a:rPr>
-              <a:t>io.out</a:t>
-            </a:r>
-            <a:r>
-              <a:rPr lang="en-US" b="0" dirty="0">
-                <a:solidFill>
-                  <a:srgbClr val="000000"/>
-                </a:solidFill>
-                <a:effectLst/>
-                <a:latin typeface="Consolas" panose="020B0609020204030204" pitchFamily="49" charset="0"/>
-              </a:rPr>
-              <a:t> := out</a:t>
-            </a:r>
-          </a:p>
-          <a:p>
-            <a:r>
-              <a:rPr lang="en-US" b="0" dirty="0">
-                <a:solidFill>
-                  <a:srgbClr val="000000"/>
-                </a:solidFill>
-                <a:effectLst/>
-                <a:latin typeface="Consolas" panose="020B0609020204030204" pitchFamily="49" charset="0"/>
-              </a:rPr>
-              <a:t>}</a:t>
-            </a:r>
-          </a:p>
-        </p:txBody>
-      </p:sp>
+          <p:cNvGraphicFramePr>
+            <a:graphicFrameLocks noGrp="1"/>
+          </p:cNvGraphicFramePr>
+          <p:nvPr>
+            <p:extLst>
+              <p:ext uri="{D42A27DB-BD31-4B8C-83A1-F6EECF244321}">
+                <p14:modId xmlns:p14="http://schemas.microsoft.com/office/powerpoint/2010/main" val="3723237708"/>
+              </p:ext>
+            </p:extLst>
+          </p:nvPr>
+        </p:nvGraphicFramePr>
+        <p:xfrm>
+          <a:off x="838200" y="1582569"/>
+          <a:ext cx="10515600" cy="4853940"/>
+        </p:xfrm>
+        <a:graphic>
+          <a:graphicData uri="http://schemas.openxmlformats.org/drawingml/2006/table">
+            <a:tbl>
+              <a:tblPr firstRow="1" bandRow="1">
+                <a:tableStyleId>{5C22544A-7EE6-4342-B048-85BDC9FD1C3A}</a:tableStyleId>
+              </a:tblPr>
+              <a:tblGrid>
+                <a:gridCol w="2103120">
+                  <a:extLst>
+                    <a:ext uri="{9D8B030D-6E8A-4147-A177-3AD203B41FA5}">
+                      <a16:colId xmlns:a16="http://schemas.microsoft.com/office/drawing/2014/main" val="1149281042"/>
+                    </a:ext>
+                  </a:extLst>
+                </a:gridCol>
+                <a:gridCol w="2103120">
+                  <a:extLst>
+                    <a:ext uri="{9D8B030D-6E8A-4147-A177-3AD203B41FA5}">
+                      <a16:colId xmlns:a16="http://schemas.microsoft.com/office/drawing/2014/main" val="902160660"/>
+                    </a:ext>
+                  </a:extLst>
+                </a:gridCol>
+                <a:gridCol w="2103120">
+                  <a:extLst>
+                    <a:ext uri="{9D8B030D-6E8A-4147-A177-3AD203B41FA5}">
+                      <a16:colId xmlns:a16="http://schemas.microsoft.com/office/drawing/2014/main" val="1964387577"/>
+                    </a:ext>
+                  </a:extLst>
+                </a:gridCol>
+                <a:gridCol w="2103120">
+                  <a:extLst>
+                    <a:ext uri="{9D8B030D-6E8A-4147-A177-3AD203B41FA5}">
+                      <a16:colId xmlns:a16="http://schemas.microsoft.com/office/drawing/2014/main" val="2802590170"/>
+                    </a:ext>
+                  </a:extLst>
+                </a:gridCol>
+                <a:gridCol w="2103120">
+                  <a:extLst>
+                    <a:ext uri="{9D8B030D-6E8A-4147-A177-3AD203B41FA5}">
+                      <a16:colId xmlns:a16="http://schemas.microsoft.com/office/drawing/2014/main" val="1031991443"/>
+                    </a:ext>
+                  </a:extLst>
+                </a:gridCol>
+              </a:tblGrid>
+              <a:tr h="370840">
+                <a:tc>
+                  <a:txBody>
+                    <a:bodyPr/>
+                    <a:lstStyle/>
+                    <a:p>
+                      <a:r>
+                        <a:rPr lang="ru-RU" sz="1050" dirty="0"/>
+                        <a:t>Критерий</a:t>
+                      </a:r>
+                    </a:p>
+                  </a:txBody>
+                  <a:tcPr/>
+                </a:tc>
+                <a:tc>
+                  <a:txBody>
+                    <a:bodyPr/>
+                    <a:lstStyle/>
+                    <a:p>
+                      <a:r>
+                        <a:rPr lang="en-US" sz="1050" dirty="0"/>
+                        <a:t>Chisel</a:t>
+                      </a:r>
+                      <a:endParaRPr lang="ru-RU" sz="1050" dirty="0"/>
+                    </a:p>
+                  </a:txBody>
+                  <a:tcPr/>
+                </a:tc>
+                <a:tc>
+                  <a:txBody>
+                    <a:bodyPr/>
+                    <a:lstStyle/>
+                    <a:p>
+                      <a:r>
+                        <a:rPr lang="en-US" sz="1050" dirty="0" err="1"/>
+                        <a:t>SystemVerilog</a:t>
+                      </a:r>
+                      <a:endParaRPr lang="ru-RU" sz="1050" dirty="0"/>
+                    </a:p>
+                  </a:txBody>
+                  <a:tcPr/>
+                </a:tc>
+                <a:tc>
+                  <a:txBody>
+                    <a:bodyPr/>
+                    <a:lstStyle/>
+                    <a:p>
+                      <a:r>
+                        <a:rPr lang="en-US" sz="1050" dirty="0" err="1"/>
+                        <a:t>MyHDL</a:t>
+                      </a:r>
+                      <a:endParaRPr lang="ru-RU" sz="1050" dirty="0"/>
+                    </a:p>
+                  </a:txBody>
+                  <a:tcPr/>
+                </a:tc>
+                <a:tc>
+                  <a:txBody>
+                    <a:bodyPr/>
+                    <a:lstStyle/>
+                    <a:p>
+                      <a:r>
+                        <a:rPr lang="en-US" sz="1050" dirty="0" err="1"/>
+                        <a:t>SystemC</a:t>
+                      </a:r>
+                      <a:endParaRPr lang="ru-RU" sz="1050" dirty="0"/>
+                    </a:p>
+                  </a:txBody>
+                  <a:tcPr/>
+                </a:tc>
+                <a:extLst>
+                  <a:ext uri="{0D108BD9-81ED-4DB2-BD59-A6C34878D82A}">
+                    <a16:rowId xmlns:a16="http://schemas.microsoft.com/office/drawing/2014/main" val="910216116"/>
+                  </a:ext>
+                </a:extLst>
+              </a:tr>
+              <a:tr h="370840">
+                <a:tc>
+                  <a:txBody>
+                    <a:bodyPr/>
+                    <a:lstStyle/>
+                    <a:p>
+                      <a:pPr algn="l" fontAlgn="base"/>
+                      <a:r>
+                        <a:rPr lang="ru-RU" sz="1050" b="0" dirty="0">
+                          <a:effectLst/>
+                        </a:rPr>
+                        <a:t>Базовый язык программирования</a:t>
+                      </a:r>
+                    </a:p>
+                  </a:txBody>
+                  <a:tcPr anchor="ctr"/>
+                </a:tc>
+                <a:tc>
+                  <a:txBody>
+                    <a:bodyPr/>
+                    <a:lstStyle/>
+                    <a:p>
+                      <a:pPr algn="l" fontAlgn="base"/>
+                      <a:r>
+                        <a:rPr lang="en-US" sz="1050" b="0" dirty="0">
+                          <a:effectLst/>
+                        </a:rPr>
+                        <a:t>Scala</a:t>
+                      </a:r>
+                    </a:p>
+                  </a:txBody>
+                  <a:tcPr anchor="ctr"/>
+                </a:tc>
+                <a:tc>
+                  <a:txBody>
+                    <a:bodyPr/>
+                    <a:lstStyle/>
+                    <a:p>
+                      <a:pPr algn="l" fontAlgn="base"/>
+                      <a:r>
+                        <a:rPr lang="en-US" sz="1050" b="0">
+                          <a:effectLst/>
+                        </a:rPr>
+                        <a:t>SystemVerilog</a:t>
+                      </a:r>
+                    </a:p>
+                  </a:txBody>
+                  <a:tcPr anchor="ctr"/>
+                </a:tc>
+                <a:tc>
+                  <a:txBody>
+                    <a:bodyPr/>
+                    <a:lstStyle/>
+                    <a:p>
+                      <a:pPr algn="l" fontAlgn="base"/>
+                      <a:r>
+                        <a:rPr lang="en-US" sz="1050" b="0">
+                          <a:effectLst/>
+                        </a:rPr>
+                        <a:t>Python</a:t>
+                      </a:r>
+                    </a:p>
+                  </a:txBody>
+                  <a:tcPr anchor="ctr"/>
+                </a:tc>
+                <a:tc>
+                  <a:txBody>
+                    <a:bodyPr/>
+                    <a:lstStyle/>
+                    <a:p>
+                      <a:pPr algn="l" fontAlgn="base"/>
+                      <a:r>
+                        <a:rPr lang="en-US" sz="1050" b="0" dirty="0">
+                          <a:effectLst/>
+                        </a:rPr>
+                        <a:t>C++</a:t>
+                      </a:r>
+                    </a:p>
+                  </a:txBody>
+                  <a:tcPr anchor="ctr"/>
+                </a:tc>
+                <a:extLst>
+                  <a:ext uri="{0D108BD9-81ED-4DB2-BD59-A6C34878D82A}">
+                    <a16:rowId xmlns:a16="http://schemas.microsoft.com/office/drawing/2014/main" val="1917972724"/>
+                  </a:ext>
+                </a:extLst>
+              </a:tr>
+              <a:tr h="370840">
+                <a:tc>
+                  <a:txBody>
+                    <a:bodyPr/>
+                    <a:lstStyle/>
+                    <a:p>
+                      <a:pPr algn="l" fontAlgn="base"/>
+                      <a:r>
+                        <a:rPr lang="ru-RU" sz="1050" b="0">
+                          <a:effectLst/>
+                        </a:rPr>
+                        <a:t>Уровень абстракции</a:t>
+                      </a:r>
+                    </a:p>
+                  </a:txBody>
+                  <a:tcPr anchor="ctr"/>
+                </a:tc>
+                <a:tc>
+                  <a:txBody>
+                    <a:bodyPr/>
+                    <a:lstStyle/>
+                    <a:p>
+                      <a:pPr algn="l" fontAlgn="base"/>
+                      <a:r>
+                        <a:rPr lang="ru-RU" sz="1050" b="0" dirty="0">
+                          <a:effectLst/>
+                        </a:rPr>
+                        <a:t>Высокий</a:t>
+                      </a:r>
+                    </a:p>
+                  </a:txBody>
+                  <a:tcPr anchor="ctr">
+                    <a:solidFill>
+                      <a:schemeClr val="accent6">
+                        <a:lumMod val="40000"/>
+                        <a:lumOff val="60000"/>
+                      </a:schemeClr>
+                    </a:solidFill>
+                  </a:tcPr>
+                </a:tc>
+                <a:tc>
+                  <a:txBody>
+                    <a:bodyPr/>
+                    <a:lstStyle/>
+                    <a:p>
+                      <a:pPr algn="l" fontAlgn="base"/>
+                      <a:r>
+                        <a:rPr lang="ru-RU" sz="1050" b="0" dirty="0">
+                          <a:effectLst/>
+                        </a:rPr>
+                        <a:t>Средний</a:t>
+                      </a:r>
+                    </a:p>
+                  </a:txBody>
+                  <a:tcPr anchor="ctr">
+                    <a:solidFill>
+                      <a:schemeClr val="accent4">
+                        <a:lumMod val="40000"/>
+                        <a:lumOff val="60000"/>
+                      </a:schemeClr>
+                    </a:solidFill>
+                  </a:tcPr>
+                </a:tc>
+                <a:tc>
+                  <a:txBody>
+                    <a:bodyPr/>
+                    <a:lstStyle/>
+                    <a:p>
+                      <a:pPr algn="l" fontAlgn="base"/>
+                      <a:r>
+                        <a:rPr lang="ru-RU" sz="1050" b="0" dirty="0">
+                          <a:effectLst/>
+                        </a:rPr>
+                        <a:t>Средний</a:t>
+                      </a:r>
+                    </a:p>
+                  </a:txBody>
+                  <a:tcPr anchor="ctr">
+                    <a:solidFill>
+                      <a:schemeClr val="accent4">
+                        <a:lumMod val="40000"/>
+                        <a:lumOff val="60000"/>
+                      </a:schemeClr>
+                    </a:solidFill>
+                  </a:tcPr>
+                </a:tc>
+                <a:tc>
+                  <a:txBody>
+                    <a:bodyPr/>
+                    <a:lstStyle/>
+                    <a:p>
+                      <a:pPr algn="l" fontAlgn="base"/>
+                      <a:r>
+                        <a:rPr lang="ru-RU" sz="1050" b="0" dirty="0">
+                          <a:effectLst/>
+                        </a:rPr>
+                        <a:t>Средний</a:t>
+                      </a:r>
+                    </a:p>
+                  </a:txBody>
+                  <a:tcPr anchor="ctr">
+                    <a:solidFill>
+                      <a:schemeClr val="accent4">
+                        <a:lumMod val="40000"/>
+                        <a:lumOff val="60000"/>
+                      </a:schemeClr>
+                    </a:solidFill>
+                  </a:tcPr>
+                </a:tc>
+                <a:extLst>
+                  <a:ext uri="{0D108BD9-81ED-4DB2-BD59-A6C34878D82A}">
+                    <a16:rowId xmlns:a16="http://schemas.microsoft.com/office/drawing/2014/main" val="385993843"/>
+                  </a:ext>
+                </a:extLst>
+              </a:tr>
+              <a:tr h="370840">
+                <a:tc>
+                  <a:txBody>
+                    <a:bodyPr/>
+                    <a:lstStyle/>
+                    <a:p>
+                      <a:pPr algn="l" fontAlgn="base"/>
+                      <a:r>
+                        <a:rPr lang="ru-RU" sz="1050" b="0">
+                          <a:effectLst/>
+                        </a:rPr>
+                        <a:t>Поддержка метапрограммирования</a:t>
+                      </a:r>
+                    </a:p>
+                  </a:txBody>
+                  <a:tcPr anchor="ctr"/>
+                </a:tc>
+                <a:tc>
+                  <a:txBody>
+                    <a:bodyPr/>
+                    <a:lstStyle/>
+                    <a:p>
+                      <a:pPr algn="l" fontAlgn="base"/>
+                      <a:r>
+                        <a:rPr lang="ru-RU" sz="1050" b="0" dirty="0">
+                          <a:effectLst/>
+                        </a:rPr>
+                        <a:t>Полная</a:t>
+                      </a:r>
+                    </a:p>
+                  </a:txBody>
+                  <a:tcPr anchor="ctr">
+                    <a:solidFill>
+                      <a:schemeClr val="accent6">
+                        <a:lumMod val="40000"/>
+                        <a:lumOff val="60000"/>
+                      </a:schemeClr>
+                    </a:solidFill>
+                  </a:tcPr>
+                </a:tc>
+                <a:tc>
+                  <a:txBody>
+                    <a:bodyPr/>
+                    <a:lstStyle/>
+                    <a:p>
+                      <a:pPr algn="l" fontAlgn="base"/>
+                      <a:r>
+                        <a:rPr lang="ru-RU" sz="1050" b="0" dirty="0">
+                          <a:effectLst/>
+                        </a:rPr>
+                        <a:t>Ограниченная</a:t>
+                      </a:r>
+                    </a:p>
+                  </a:txBody>
+                  <a:tcPr anchor="ctr">
+                    <a:solidFill>
+                      <a:schemeClr val="accent4">
+                        <a:lumMod val="40000"/>
+                        <a:lumOff val="60000"/>
+                      </a:schemeClr>
+                    </a:solidFill>
+                  </a:tcPr>
+                </a:tc>
+                <a:tc>
+                  <a:txBody>
+                    <a:bodyPr/>
+                    <a:lstStyle/>
+                    <a:p>
+                      <a:pPr algn="l" fontAlgn="base"/>
+                      <a:r>
+                        <a:rPr lang="ru-RU" sz="1050" b="0" dirty="0">
+                          <a:effectLst/>
+                        </a:rPr>
+                        <a:t>Частичная</a:t>
+                      </a:r>
+                    </a:p>
+                  </a:txBody>
+                  <a:tcPr anchor="ctr">
+                    <a:solidFill>
+                      <a:schemeClr val="accent4">
+                        <a:lumMod val="40000"/>
+                        <a:lumOff val="60000"/>
+                      </a:schemeClr>
+                    </a:solidFill>
+                  </a:tcPr>
+                </a:tc>
+                <a:tc>
+                  <a:txBody>
+                    <a:bodyPr/>
+                    <a:lstStyle/>
+                    <a:p>
+                      <a:pPr algn="l" fontAlgn="base"/>
+                      <a:r>
+                        <a:rPr lang="ru-RU" sz="1050" b="0" dirty="0">
+                          <a:effectLst/>
+                        </a:rPr>
+                        <a:t>Частичная</a:t>
+                      </a:r>
+                    </a:p>
+                  </a:txBody>
+                  <a:tcPr anchor="ctr">
+                    <a:solidFill>
+                      <a:schemeClr val="accent4">
+                        <a:lumMod val="40000"/>
+                        <a:lumOff val="60000"/>
+                      </a:schemeClr>
+                    </a:solidFill>
+                  </a:tcPr>
+                </a:tc>
+                <a:extLst>
+                  <a:ext uri="{0D108BD9-81ED-4DB2-BD59-A6C34878D82A}">
+                    <a16:rowId xmlns:a16="http://schemas.microsoft.com/office/drawing/2014/main" val="1103270817"/>
+                  </a:ext>
+                </a:extLst>
+              </a:tr>
+              <a:tr h="370840">
+                <a:tc>
+                  <a:txBody>
+                    <a:bodyPr/>
+                    <a:lstStyle/>
+                    <a:p>
+                      <a:pPr algn="l" fontAlgn="base"/>
+                      <a:r>
+                        <a:rPr lang="ru-RU" sz="1050" b="0">
+                          <a:effectLst/>
+                        </a:rPr>
+                        <a:t>Возможность параметризованного проектирования</a:t>
+                      </a:r>
+                    </a:p>
+                  </a:txBody>
+                  <a:tcPr anchor="ctr"/>
+                </a:tc>
+                <a:tc>
+                  <a:txBody>
+                    <a:bodyPr/>
+                    <a:lstStyle/>
+                    <a:p>
+                      <a:pPr algn="l" fontAlgn="base"/>
+                      <a:r>
+                        <a:rPr lang="ru-RU" sz="1050" b="0" dirty="0">
+                          <a:effectLst/>
+                        </a:rPr>
+                        <a:t>Полная</a:t>
+                      </a:r>
+                    </a:p>
+                  </a:txBody>
+                  <a:tcPr anchor="ctr">
+                    <a:solidFill>
+                      <a:schemeClr val="accent6">
+                        <a:lumMod val="40000"/>
+                        <a:lumOff val="60000"/>
+                      </a:schemeClr>
+                    </a:solidFill>
+                  </a:tcPr>
+                </a:tc>
+                <a:tc>
+                  <a:txBody>
+                    <a:bodyPr/>
+                    <a:lstStyle/>
+                    <a:p>
+                      <a:pPr algn="l" fontAlgn="base"/>
+                      <a:r>
+                        <a:rPr lang="ru-RU" sz="1050" b="0" dirty="0">
+                          <a:effectLst/>
+                        </a:rPr>
+                        <a:t>Ограниченная</a:t>
+                      </a:r>
+                    </a:p>
+                  </a:txBody>
+                  <a:tcPr anchor="ctr">
+                    <a:solidFill>
+                      <a:schemeClr val="accent4">
+                        <a:lumMod val="40000"/>
+                        <a:lumOff val="60000"/>
+                      </a:schemeClr>
+                    </a:solidFill>
+                  </a:tcPr>
+                </a:tc>
+                <a:tc>
+                  <a:txBody>
+                    <a:bodyPr/>
+                    <a:lstStyle/>
+                    <a:p>
+                      <a:pPr algn="l" fontAlgn="base"/>
+                      <a:r>
+                        <a:rPr lang="ru-RU" sz="1050" b="0" dirty="0">
+                          <a:effectLst/>
+                        </a:rPr>
+                        <a:t>Частичная</a:t>
+                      </a:r>
+                    </a:p>
+                  </a:txBody>
+                  <a:tcPr anchor="ctr">
+                    <a:solidFill>
+                      <a:schemeClr val="accent4">
+                        <a:lumMod val="40000"/>
+                        <a:lumOff val="60000"/>
+                      </a:schemeClr>
+                    </a:solidFill>
+                  </a:tcPr>
+                </a:tc>
+                <a:tc>
+                  <a:txBody>
+                    <a:bodyPr/>
+                    <a:lstStyle/>
+                    <a:p>
+                      <a:pPr algn="l" fontAlgn="base"/>
+                      <a:r>
+                        <a:rPr lang="ru-RU" sz="1050" b="0" dirty="0">
+                          <a:effectLst/>
+                        </a:rPr>
+                        <a:t>Не предусмотрена</a:t>
+                      </a:r>
+                    </a:p>
+                  </a:txBody>
+                  <a:tcPr anchor="ctr">
+                    <a:solidFill>
+                      <a:srgbClr val="FF5031"/>
+                    </a:solidFill>
+                  </a:tcPr>
+                </a:tc>
+                <a:extLst>
+                  <a:ext uri="{0D108BD9-81ED-4DB2-BD59-A6C34878D82A}">
+                    <a16:rowId xmlns:a16="http://schemas.microsoft.com/office/drawing/2014/main" val="2025360583"/>
+                  </a:ext>
+                </a:extLst>
+              </a:tr>
+              <a:tr h="370840">
+                <a:tc>
+                  <a:txBody>
+                    <a:bodyPr/>
+                    <a:lstStyle/>
+                    <a:p>
+                      <a:pPr algn="l" fontAlgn="base"/>
+                      <a:r>
+                        <a:rPr lang="ru-RU" sz="1050" b="0">
+                          <a:effectLst/>
+                        </a:rPr>
+                        <a:t>Генерация </a:t>
+                      </a:r>
+                      <a:r>
+                        <a:rPr lang="en-US" sz="1050" b="0">
+                          <a:effectLst/>
+                        </a:rPr>
+                        <a:t>RTL-</a:t>
+                      </a:r>
+                      <a:r>
+                        <a:rPr lang="ru-RU" sz="1050" b="0">
+                          <a:effectLst/>
+                        </a:rPr>
+                        <a:t>кода (</a:t>
+                      </a:r>
+                      <a:r>
+                        <a:rPr lang="en-US" sz="1050" b="0">
+                          <a:effectLst/>
+                        </a:rPr>
+                        <a:t>Verilog)</a:t>
+                      </a:r>
+                    </a:p>
+                  </a:txBody>
+                  <a:tcPr anchor="ctr"/>
+                </a:tc>
+                <a:tc>
+                  <a:txBody>
+                    <a:bodyPr/>
+                    <a:lstStyle/>
+                    <a:p>
+                      <a:pPr algn="l" fontAlgn="base"/>
+                      <a:r>
+                        <a:rPr lang="ru-RU" sz="1050" b="0" dirty="0">
+                          <a:effectLst/>
+                        </a:rPr>
+                        <a:t>Прямая поддержка</a:t>
+                      </a:r>
+                    </a:p>
+                  </a:txBody>
+                  <a:tcPr anchor="ctr">
+                    <a:solidFill>
+                      <a:schemeClr val="accent6">
+                        <a:lumMod val="40000"/>
+                        <a:lumOff val="60000"/>
+                      </a:schemeClr>
+                    </a:solidFill>
+                  </a:tcPr>
+                </a:tc>
+                <a:tc>
+                  <a:txBody>
+                    <a:bodyPr/>
+                    <a:lstStyle/>
+                    <a:p>
+                      <a:pPr algn="l" fontAlgn="base"/>
+                      <a:r>
+                        <a:rPr lang="ru-RU" sz="1050" b="0" dirty="0">
+                          <a:effectLst/>
+                        </a:rPr>
+                        <a:t>Прямая поддержка</a:t>
+                      </a:r>
+                    </a:p>
+                  </a:txBody>
+                  <a:tcPr anchor="ctr">
+                    <a:solidFill>
+                      <a:schemeClr val="accent6">
+                        <a:lumMod val="40000"/>
+                        <a:lumOff val="60000"/>
+                      </a:schemeClr>
+                    </a:solidFill>
+                  </a:tcPr>
+                </a:tc>
+                <a:tc>
+                  <a:txBody>
+                    <a:bodyPr/>
+                    <a:lstStyle/>
+                    <a:p>
+                      <a:pPr algn="l" fontAlgn="base"/>
+                      <a:r>
+                        <a:rPr lang="ru-RU" sz="1050" b="0" dirty="0">
+                          <a:effectLst/>
+                        </a:rPr>
+                        <a:t>Поддержка через инструменты</a:t>
+                      </a:r>
+                    </a:p>
+                  </a:txBody>
+                  <a:tcPr anchor="ctr">
+                    <a:solidFill>
+                      <a:schemeClr val="accent4">
+                        <a:lumMod val="40000"/>
+                        <a:lumOff val="60000"/>
+                      </a:schemeClr>
+                    </a:solidFill>
+                  </a:tcPr>
+                </a:tc>
+                <a:tc>
+                  <a:txBody>
+                    <a:bodyPr/>
+                    <a:lstStyle/>
+                    <a:p>
+                      <a:pPr algn="l" fontAlgn="base"/>
+                      <a:r>
+                        <a:rPr lang="ru-RU" sz="1050" b="0" dirty="0">
+                          <a:effectLst/>
+                        </a:rPr>
+                        <a:t>Не предусмотрено</a:t>
+                      </a:r>
+                    </a:p>
+                  </a:txBody>
+                  <a:tcPr anchor="ctr">
+                    <a:solidFill>
+                      <a:srgbClr val="FF5031"/>
+                    </a:solidFill>
+                  </a:tcPr>
+                </a:tc>
+                <a:extLst>
+                  <a:ext uri="{0D108BD9-81ED-4DB2-BD59-A6C34878D82A}">
+                    <a16:rowId xmlns:a16="http://schemas.microsoft.com/office/drawing/2014/main" val="995382497"/>
+                  </a:ext>
+                </a:extLst>
+              </a:tr>
+              <a:tr h="370840">
+                <a:tc>
+                  <a:txBody>
+                    <a:bodyPr/>
+                    <a:lstStyle/>
+                    <a:p>
+                      <a:pPr algn="l" fontAlgn="base"/>
+                      <a:r>
+                        <a:rPr lang="ru-RU" sz="1050" b="0">
+                          <a:effectLst/>
+                        </a:rPr>
+                        <a:t>Интеграция с тестированием</a:t>
+                      </a:r>
+                    </a:p>
+                  </a:txBody>
+                  <a:tcPr anchor="ctr"/>
+                </a:tc>
+                <a:tc>
+                  <a:txBody>
+                    <a:bodyPr/>
+                    <a:lstStyle/>
+                    <a:p>
+                      <a:pPr algn="l" fontAlgn="base"/>
+                      <a:r>
+                        <a:rPr lang="ru-RU" sz="1050" b="0" dirty="0">
+                          <a:effectLst/>
+                        </a:rPr>
+                        <a:t>Поддерживается</a:t>
+                      </a:r>
+                    </a:p>
+                  </a:txBody>
+                  <a:tcPr anchor="ctr">
+                    <a:solidFill>
+                      <a:schemeClr val="accent6">
+                        <a:lumMod val="40000"/>
+                        <a:lumOff val="60000"/>
+                      </a:schemeClr>
+                    </a:solidFill>
+                  </a:tcPr>
+                </a:tc>
+                <a:tc>
+                  <a:txBody>
+                    <a:bodyPr/>
+                    <a:lstStyle/>
+                    <a:p>
+                      <a:pPr algn="l" fontAlgn="base"/>
+                      <a:r>
+                        <a:rPr lang="ru-RU" sz="1050" b="0" dirty="0">
+                          <a:effectLst/>
+                        </a:rPr>
+                        <a:t>Поддерживается</a:t>
+                      </a:r>
+                    </a:p>
+                  </a:txBody>
+                  <a:tcPr anchor="ctr">
+                    <a:solidFill>
+                      <a:schemeClr val="accent6">
+                        <a:lumMod val="40000"/>
+                        <a:lumOff val="60000"/>
+                      </a:schemeClr>
+                    </a:solidFill>
+                  </a:tcPr>
+                </a:tc>
+                <a:tc>
+                  <a:txBody>
+                    <a:bodyPr/>
+                    <a:lstStyle/>
+                    <a:p>
+                      <a:pPr algn="l" fontAlgn="base"/>
+                      <a:r>
+                        <a:rPr lang="ru-RU" sz="1050" b="0" dirty="0">
+                          <a:effectLst/>
+                        </a:rPr>
+                        <a:t>Поддерживается</a:t>
+                      </a:r>
+                    </a:p>
+                  </a:txBody>
+                  <a:tcPr anchor="ctr">
+                    <a:solidFill>
+                      <a:schemeClr val="accent6">
+                        <a:lumMod val="40000"/>
+                        <a:lumOff val="60000"/>
+                      </a:schemeClr>
+                    </a:solidFill>
+                  </a:tcPr>
+                </a:tc>
+                <a:tc>
+                  <a:txBody>
+                    <a:bodyPr/>
+                    <a:lstStyle/>
+                    <a:p>
+                      <a:pPr algn="l" fontAlgn="base"/>
+                      <a:r>
+                        <a:rPr lang="ru-RU" sz="1050" b="0" dirty="0">
+                          <a:effectLst/>
+                        </a:rPr>
+                        <a:t>Поддерживается</a:t>
+                      </a:r>
+                    </a:p>
+                  </a:txBody>
+                  <a:tcPr anchor="ctr">
+                    <a:solidFill>
+                      <a:schemeClr val="accent6">
+                        <a:lumMod val="40000"/>
+                        <a:lumOff val="60000"/>
+                      </a:schemeClr>
+                    </a:solidFill>
+                  </a:tcPr>
+                </a:tc>
+                <a:extLst>
+                  <a:ext uri="{0D108BD9-81ED-4DB2-BD59-A6C34878D82A}">
+                    <a16:rowId xmlns:a16="http://schemas.microsoft.com/office/drawing/2014/main" val="1134458433"/>
+                  </a:ext>
+                </a:extLst>
+              </a:tr>
+              <a:tr h="370840">
+                <a:tc>
+                  <a:txBody>
+                    <a:bodyPr/>
+                    <a:lstStyle/>
+                    <a:p>
+                      <a:pPr algn="l" fontAlgn="base"/>
+                      <a:r>
+                        <a:rPr lang="ru-RU" sz="1050" b="0">
+                          <a:effectLst/>
+                        </a:rPr>
+                        <a:t>Совместимость с </a:t>
+                      </a:r>
+                      <a:r>
+                        <a:rPr lang="en-US" sz="1050" b="0">
+                          <a:effectLst/>
+                        </a:rPr>
+                        <a:t>EDA-</a:t>
+                      </a:r>
+                      <a:r>
+                        <a:rPr lang="ru-RU" sz="1050" b="0">
+                          <a:effectLst/>
+                        </a:rPr>
+                        <a:t>инструментами</a:t>
+                      </a:r>
+                    </a:p>
+                  </a:txBody>
+                  <a:tcPr anchor="ctr"/>
+                </a:tc>
+                <a:tc>
+                  <a:txBody>
+                    <a:bodyPr/>
+                    <a:lstStyle/>
+                    <a:p>
+                      <a:pPr algn="l" fontAlgn="base"/>
+                      <a:r>
+                        <a:rPr lang="ru-RU" sz="1050" b="0" dirty="0">
+                          <a:effectLst/>
+                        </a:rPr>
+                        <a:t>Широкая</a:t>
+                      </a:r>
+                    </a:p>
+                  </a:txBody>
+                  <a:tcPr anchor="ctr">
+                    <a:solidFill>
+                      <a:schemeClr val="accent6">
+                        <a:lumMod val="40000"/>
+                        <a:lumOff val="60000"/>
+                      </a:schemeClr>
+                    </a:solidFill>
+                  </a:tcPr>
+                </a:tc>
+                <a:tc>
+                  <a:txBody>
+                    <a:bodyPr/>
+                    <a:lstStyle/>
+                    <a:p>
+                      <a:pPr algn="l" fontAlgn="base"/>
+                      <a:r>
+                        <a:rPr lang="ru-RU" sz="1050" b="0" dirty="0">
+                          <a:effectLst/>
+                        </a:rPr>
+                        <a:t>Широкая</a:t>
+                      </a:r>
+                    </a:p>
+                  </a:txBody>
+                  <a:tcPr anchor="ctr">
+                    <a:solidFill>
+                      <a:schemeClr val="accent6">
+                        <a:lumMod val="40000"/>
+                        <a:lumOff val="60000"/>
+                      </a:schemeClr>
+                    </a:solidFill>
+                  </a:tcPr>
+                </a:tc>
+                <a:tc>
+                  <a:txBody>
+                    <a:bodyPr/>
+                    <a:lstStyle/>
+                    <a:p>
+                      <a:pPr algn="l" fontAlgn="base"/>
+                      <a:r>
+                        <a:rPr lang="ru-RU" sz="1050" b="0" dirty="0">
+                          <a:effectLst/>
+                        </a:rPr>
+                        <a:t>Ограниченная</a:t>
+                      </a:r>
+                    </a:p>
+                  </a:txBody>
+                  <a:tcPr anchor="ctr">
+                    <a:solidFill>
+                      <a:schemeClr val="accent4">
+                        <a:lumMod val="40000"/>
+                        <a:lumOff val="60000"/>
+                      </a:schemeClr>
+                    </a:solidFill>
+                  </a:tcPr>
+                </a:tc>
+                <a:tc>
+                  <a:txBody>
+                    <a:bodyPr/>
+                    <a:lstStyle/>
+                    <a:p>
+                      <a:pPr algn="l" fontAlgn="base"/>
+                      <a:r>
+                        <a:rPr lang="ru-RU" sz="1050" b="0" dirty="0">
+                          <a:effectLst/>
+                        </a:rPr>
+                        <a:t>Широкая</a:t>
+                      </a:r>
+                    </a:p>
+                  </a:txBody>
+                  <a:tcPr anchor="ctr">
+                    <a:solidFill>
+                      <a:schemeClr val="accent6">
+                        <a:lumMod val="40000"/>
+                        <a:lumOff val="60000"/>
+                      </a:schemeClr>
+                    </a:solidFill>
+                  </a:tcPr>
+                </a:tc>
+                <a:extLst>
+                  <a:ext uri="{0D108BD9-81ED-4DB2-BD59-A6C34878D82A}">
+                    <a16:rowId xmlns:a16="http://schemas.microsoft.com/office/drawing/2014/main" val="1939496727"/>
+                  </a:ext>
+                </a:extLst>
+              </a:tr>
+              <a:tr h="370840">
+                <a:tc>
+                  <a:txBody>
+                    <a:bodyPr/>
+                    <a:lstStyle/>
+                    <a:p>
+                      <a:pPr algn="l" fontAlgn="base"/>
+                      <a:r>
+                        <a:rPr lang="ru-RU" sz="1050" b="0">
+                          <a:effectLst/>
+                        </a:rPr>
+                        <a:t>Объектно-ориентированное программирование</a:t>
+                      </a:r>
+                    </a:p>
+                  </a:txBody>
+                  <a:tcPr anchor="ctr"/>
+                </a:tc>
+                <a:tc>
+                  <a:txBody>
+                    <a:bodyPr/>
+                    <a:lstStyle/>
+                    <a:p>
+                      <a:pPr algn="l" fontAlgn="base"/>
+                      <a:r>
+                        <a:rPr lang="ru-RU" sz="1050" b="0" dirty="0">
+                          <a:effectLst/>
+                        </a:rPr>
+                        <a:t>Поддерживается</a:t>
+                      </a:r>
+                    </a:p>
+                  </a:txBody>
+                  <a:tcPr anchor="ctr">
+                    <a:solidFill>
+                      <a:schemeClr val="accent6">
+                        <a:lumMod val="40000"/>
+                        <a:lumOff val="60000"/>
+                      </a:schemeClr>
+                    </a:solidFill>
+                  </a:tcPr>
+                </a:tc>
+                <a:tc>
+                  <a:txBody>
+                    <a:bodyPr/>
+                    <a:lstStyle/>
+                    <a:p>
+                      <a:pPr algn="l" fontAlgn="base"/>
+                      <a:r>
+                        <a:rPr lang="ru-RU" sz="1050" b="0" dirty="0">
+                          <a:effectLst/>
+                        </a:rPr>
+                        <a:t>Поддерживается</a:t>
+                      </a:r>
+                    </a:p>
+                  </a:txBody>
+                  <a:tcPr anchor="ctr">
+                    <a:solidFill>
+                      <a:schemeClr val="accent6">
+                        <a:lumMod val="40000"/>
+                        <a:lumOff val="60000"/>
+                      </a:schemeClr>
+                    </a:solidFill>
+                  </a:tcPr>
+                </a:tc>
+                <a:tc>
+                  <a:txBody>
+                    <a:bodyPr/>
+                    <a:lstStyle/>
+                    <a:p>
+                      <a:pPr algn="l" fontAlgn="base"/>
+                      <a:r>
+                        <a:rPr lang="ru-RU" sz="1050" b="0" dirty="0">
+                          <a:effectLst/>
+                        </a:rPr>
+                        <a:t>Поддерживается</a:t>
+                      </a:r>
+                    </a:p>
+                  </a:txBody>
+                  <a:tcPr anchor="ctr">
+                    <a:solidFill>
+                      <a:schemeClr val="accent6">
+                        <a:lumMod val="40000"/>
+                        <a:lumOff val="60000"/>
+                      </a:schemeClr>
+                    </a:solidFill>
+                  </a:tcPr>
+                </a:tc>
+                <a:tc>
+                  <a:txBody>
+                    <a:bodyPr/>
+                    <a:lstStyle/>
+                    <a:p>
+                      <a:pPr algn="l" fontAlgn="base"/>
+                      <a:r>
+                        <a:rPr lang="ru-RU" sz="1050" b="0" dirty="0">
+                          <a:effectLst/>
+                        </a:rPr>
+                        <a:t>Поддерживается</a:t>
+                      </a:r>
+                    </a:p>
+                  </a:txBody>
+                  <a:tcPr anchor="ctr">
+                    <a:solidFill>
+                      <a:schemeClr val="accent6">
+                        <a:lumMod val="40000"/>
+                        <a:lumOff val="60000"/>
+                      </a:schemeClr>
+                    </a:solidFill>
+                  </a:tcPr>
+                </a:tc>
+                <a:extLst>
+                  <a:ext uri="{0D108BD9-81ED-4DB2-BD59-A6C34878D82A}">
+                    <a16:rowId xmlns:a16="http://schemas.microsoft.com/office/drawing/2014/main" val="981046665"/>
+                  </a:ext>
+                </a:extLst>
+              </a:tr>
+              <a:tr h="370840">
+                <a:tc>
+                  <a:txBody>
+                    <a:bodyPr/>
+                    <a:lstStyle/>
+                    <a:p>
+                      <a:pPr algn="l" fontAlgn="base"/>
+                      <a:r>
+                        <a:rPr lang="ru-RU" sz="1050" b="0">
+                          <a:effectLst/>
+                        </a:rPr>
+                        <a:t>Функциональное программирование</a:t>
+                      </a:r>
+                    </a:p>
+                  </a:txBody>
+                  <a:tcPr anchor="ctr"/>
+                </a:tc>
+                <a:tc>
+                  <a:txBody>
+                    <a:bodyPr/>
+                    <a:lstStyle/>
+                    <a:p>
+                      <a:pPr algn="l" fontAlgn="base"/>
+                      <a:r>
+                        <a:rPr lang="ru-RU" sz="1050" b="0" dirty="0">
+                          <a:effectLst/>
+                        </a:rPr>
+                        <a:t>Поддерживается</a:t>
+                      </a:r>
+                    </a:p>
+                  </a:txBody>
+                  <a:tcPr anchor="ctr">
+                    <a:solidFill>
+                      <a:schemeClr val="accent6">
+                        <a:lumMod val="40000"/>
+                        <a:lumOff val="60000"/>
+                      </a:schemeClr>
+                    </a:solidFill>
+                  </a:tcPr>
+                </a:tc>
+                <a:tc>
+                  <a:txBody>
+                    <a:bodyPr/>
+                    <a:lstStyle/>
+                    <a:p>
+                      <a:pPr algn="l" fontAlgn="base"/>
+                      <a:r>
+                        <a:rPr lang="ru-RU" sz="1050" b="0" dirty="0">
+                          <a:effectLst/>
+                        </a:rPr>
+                        <a:t>Не поддерживается</a:t>
+                      </a:r>
+                    </a:p>
+                  </a:txBody>
+                  <a:tcPr anchor="ctr">
+                    <a:solidFill>
+                      <a:srgbClr val="FF5031"/>
+                    </a:solidFill>
+                  </a:tcPr>
+                </a:tc>
+                <a:tc>
+                  <a:txBody>
+                    <a:bodyPr/>
+                    <a:lstStyle/>
+                    <a:p>
+                      <a:pPr algn="l" fontAlgn="base"/>
+                      <a:r>
+                        <a:rPr lang="ru-RU" sz="1050" b="0" dirty="0">
+                          <a:effectLst/>
+                        </a:rPr>
+                        <a:t>Поддерживается</a:t>
+                      </a:r>
+                    </a:p>
+                  </a:txBody>
+                  <a:tcPr anchor="ctr">
+                    <a:solidFill>
+                      <a:schemeClr val="accent6">
+                        <a:lumMod val="40000"/>
+                        <a:lumOff val="60000"/>
+                      </a:schemeClr>
+                    </a:solidFill>
+                  </a:tcPr>
+                </a:tc>
+                <a:tc>
+                  <a:txBody>
+                    <a:bodyPr/>
+                    <a:lstStyle/>
+                    <a:p>
+                      <a:pPr algn="l" fontAlgn="base"/>
+                      <a:r>
+                        <a:rPr lang="ru-RU" sz="1050" b="0" dirty="0">
+                          <a:effectLst/>
+                        </a:rPr>
+                        <a:t>Не поддерживается</a:t>
+                      </a:r>
+                    </a:p>
+                  </a:txBody>
+                  <a:tcPr anchor="ctr">
+                    <a:solidFill>
+                      <a:srgbClr val="FF5031"/>
+                    </a:solidFill>
+                  </a:tcPr>
+                </a:tc>
+                <a:extLst>
+                  <a:ext uri="{0D108BD9-81ED-4DB2-BD59-A6C34878D82A}">
+                    <a16:rowId xmlns:a16="http://schemas.microsoft.com/office/drawing/2014/main" val="3340734874"/>
+                  </a:ext>
+                </a:extLst>
+              </a:tr>
+              <a:tr h="370840">
+                <a:tc>
+                  <a:txBody>
+                    <a:bodyPr/>
+                    <a:lstStyle/>
+                    <a:p>
+                      <a:pPr algn="l" fontAlgn="base"/>
+                      <a:r>
+                        <a:rPr lang="ru-RU" sz="1050" b="0">
+                          <a:effectLst/>
+                        </a:rPr>
+                        <a:t>Сообщество и поддержка</a:t>
+                      </a:r>
+                    </a:p>
+                  </a:txBody>
+                  <a:tcPr anchor="ctr"/>
+                </a:tc>
+                <a:tc>
+                  <a:txBody>
+                    <a:bodyPr/>
+                    <a:lstStyle/>
+                    <a:p>
+                      <a:pPr algn="l" fontAlgn="base"/>
+                      <a:r>
+                        <a:rPr lang="ru-RU" sz="1050" b="0" dirty="0">
+                          <a:effectLst/>
+                        </a:rPr>
+                        <a:t>Активное, растущее</a:t>
+                      </a:r>
+                    </a:p>
+                  </a:txBody>
+                  <a:tcPr anchor="ctr">
+                    <a:solidFill>
+                      <a:schemeClr val="accent6">
+                        <a:lumMod val="40000"/>
+                        <a:lumOff val="60000"/>
+                      </a:schemeClr>
+                    </a:solidFill>
+                  </a:tcPr>
+                </a:tc>
+                <a:tc>
+                  <a:txBody>
+                    <a:bodyPr/>
+                    <a:lstStyle/>
+                    <a:p>
+                      <a:pPr algn="l" fontAlgn="base"/>
+                      <a:r>
+                        <a:rPr lang="ru-RU" sz="1050" b="0" dirty="0">
+                          <a:effectLst/>
+                        </a:rPr>
+                        <a:t>Масштабное, промышленное</a:t>
+                      </a:r>
+                    </a:p>
+                  </a:txBody>
+                  <a:tcPr anchor="ctr">
+                    <a:solidFill>
+                      <a:schemeClr val="accent6">
+                        <a:lumMod val="40000"/>
+                        <a:lumOff val="60000"/>
+                      </a:schemeClr>
+                    </a:solidFill>
+                  </a:tcPr>
+                </a:tc>
+                <a:tc>
+                  <a:txBody>
+                    <a:bodyPr/>
+                    <a:lstStyle/>
+                    <a:p>
+                      <a:pPr algn="l" fontAlgn="base"/>
+                      <a:r>
+                        <a:rPr lang="ru-RU" sz="1050" b="0" dirty="0">
+                          <a:effectLst/>
+                        </a:rPr>
+                        <a:t>Ограниченное</a:t>
+                      </a:r>
+                    </a:p>
+                  </a:txBody>
+                  <a:tcPr anchor="ctr">
+                    <a:solidFill>
+                      <a:schemeClr val="accent4">
+                        <a:lumMod val="40000"/>
+                        <a:lumOff val="60000"/>
+                      </a:schemeClr>
+                    </a:solidFill>
+                  </a:tcPr>
+                </a:tc>
+                <a:tc>
+                  <a:txBody>
+                    <a:bodyPr/>
+                    <a:lstStyle/>
+                    <a:p>
+                      <a:pPr algn="l" fontAlgn="base"/>
+                      <a:r>
+                        <a:rPr lang="ru-RU" sz="1050" b="0" dirty="0">
+                          <a:effectLst/>
+                        </a:rPr>
+                        <a:t>Масштабное, промышленное</a:t>
+                      </a:r>
+                    </a:p>
+                  </a:txBody>
+                  <a:tcPr anchor="ctr">
+                    <a:solidFill>
+                      <a:schemeClr val="accent6">
+                        <a:lumMod val="40000"/>
+                        <a:lumOff val="60000"/>
+                      </a:schemeClr>
+                    </a:solidFill>
+                  </a:tcPr>
+                </a:tc>
+                <a:extLst>
+                  <a:ext uri="{0D108BD9-81ED-4DB2-BD59-A6C34878D82A}">
+                    <a16:rowId xmlns:a16="http://schemas.microsoft.com/office/drawing/2014/main" val="2582240684"/>
+                  </a:ext>
+                </a:extLst>
+              </a:tr>
+              <a:tr h="370840">
+                <a:tc>
+                  <a:txBody>
+                    <a:bodyPr/>
+                    <a:lstStyle/>
+                    <a:p>
+                      <a:pPr algn="l" fontAlgn="base"/>
+                      <a:r>
+                        <a:rPr lang="ru-RU" sz="1050" b="0">
+                          <a:effectLst/>
+                        </a:rPr>
+                        <a:t>Простота обучения</a:t>
+                      </a:r>
+                    </a:p>
+                  </a:txBody>
+                  <a:tcPr anchor="ctr"/>
+                </a:tc>
+                <a:tc>
+                  <a:txBody>
+                    <a:bodyPr/>
+                    <a:lstStyle/>
+                    <a:p>
+                      <a:pPr algn="l" fontAlgn="base"/>
+                      <a:r>
+                        <a:rPr lang="ru-RU" sz="1050" b="0" dirty="0">
+                          <a:effectLst/>
+                        </a:rPr>
+                        <a:t>Высокая для опытных в </a:t>
+                      </a:r>
+                      <a:r>
+                        <a:rPr lang="ru-RU" sz="1050" b="0" dirty="0" err="1">
+                          <a:effectLst/>
+                        </a:rPr>
+                        <a:t>Scala</a:t>
+                      </a:r>
+                      <a:endParaRPr lang="ru-RU" sz="1050" b="0" dirty="0">
+                        <a:effectLst/>
+                      </a:endParaRPr>
+                    </a:p>
+                  </a:txBody>
+                  <a:tcPr anchor="ctr">
+                    <a:solidFill>
+                      <a:schemeClr val="accent4">
+                        <a:lumMod val="40000"/>
+                        <a:lumOff val="60000"/>
+                      </a:schemeClr>
+                    </a:solidFill>
+                  </a:tcPr>
+                </a:tc>
+                <a:tc>
+                  <a:txBody>
+                    <a:bodyPr/>
+                    <a:lstStyle/>
+                    <a:p>
+                      <a:pPr algn="l" fontAlgn="base"/>
+                      <a:r>
+                        <a:rPr lang="ru-RU" sz="1050" b="0" dirty="0">
+                          <a:effectLst/>
+                        </a:rPr>
+                        <a:t>Средняя</a:t>
+                      </a:r>
+                    </a:p>
+                  </a:txBody>
+                  <a:tcPr anchor="ctr">
+                    <a:solidFill>
+                      <a:schemeClr val="accent4">
+                        <a:lumMod val="40000"/>
+                        <a:lumOff val="60000"/>
+                      </a:schemeClr>
+                    </a:solidFill>
+                  </a:tcPr>
+                </a:tc>
+                <a:tc>
+                  <a:txBody>
+                    <a:bodyPr/>
+                    <a:lstStyle/>
+                    <a:p>
+                      <a:pPr algn="l" fontAlgn="base"/>
+                      <a:r>
+                        <a:rPr lang="ru-RU" sz="1050" b="0" dirty="0">
+                          <a:effectLst/>
+                        </a:rPr>
+                        <a:t>Высокая</a:t>
+                      </a:r>
+                    </a:p>
+                  </a:txBody>
+                  <a:tcPr anchor="ctr">
+                    <a:solidFill>
+                      <a:schemeClr val="accent6">
+                        <a:lumMod val="40000"/>
+                        <a:lumOff val="60000"/>
+                      </a:schemeClr>
+                    </a:solidFill>
+                  </a:tcPr>
+                </a:tc>
+                <a:tc>
+                  <a:txBody>
+                    <a:bodyPr/>
+                    <a:lstStyle/>
+                    <a:p>
+                      <a:pPr algn="l" fontAlgn="base"/>
+                      <a:r>
+                        <a:rPr lang="ru-RU" sz="1050" b="0" dirty="0">
+                          <a:effectLst/>
+                        </a:rPr>
+                        <a:t>Средняя</a:t>
+                      </a:r>
+                    </a:p>
+                  </a:txBody>
+                  <a:tcPr anchor="ctr">
+                    <a:solidFill>
+                      <a:schemeClr val="accent4">
+                        <a:lumMod val="40000"/>
+                        <a:lumOff val="60000"/>
+                      </a:schemeClr>
+                    </a:solidFill>
+                  </a:tcPr>
+                </a:tc>
+                <a:extLst>
+                  <a:ext uri="{0D108BD9-81ED-4DB2-BD59-A6C34878D82A}">
+                    <a16:rowId xmlns:a16="http://schemas.microsoft.com/office/drawing/2014/main" val="389229483"/>
+                  </a:ext>
+                </a:extLst>
+              </a:tr>
+            </a:tbl>
+          </a:graphicData>
+        </a:graphic>
+      </p:graphicFrame>
     </p:spTree>
     <p:extLst>
       <p:ext uri="{BB962C8B-B14F-4D97-AF65-F5344CB8AC3E}">
-        <p14:creationId xmlns:p14="http://schemas.microsoft.com/office/powerpoint/2010/main" val="2501148607"/>
+        <p14:creationId xmlns:p14="http://schemas.microsoft.com/office/powerpoint/2010/main" val="2525249843"/>
       </p:ext>
     </p:extLst>
   </p:cSld>
@@ -10135,6 +12429,1357 @@
           <a:p>
             <a:r>
               <a:rPr lang="ru-RU" dirty="0"/>
+              <a:t>Что такое </a:t>
+            </a:r>
+            <a:r>
+              <a:rPr lang="en-US" dirty="0"/>
+              <a:t>RTL</a:t>
+            </a:r>
+            <a:endParaRPr lang="ru-RU" dirty="0"/>
+          </a:p>
+        </p:txBody>
+      </p:sp>
+      <p:sp>
+        <p:nvSpPr>
+          <p:cNvPr id="2" name="TextBox 1">
+            <a:extLst>
+              <a:ext uri="{FF2B5EF4-FFF2-40B4-BE49-F238E27FC236}">
+                <a16:creationId xmlns:a16="http://schemas.microsoft.com/office/drawing/2014/main" id="{FD9B7BFB-D586-4369-806B-DF8ACE115EBB}"/>
+              </a:ext>
+            </a:extLst>
+          </p:cNvPr>
+          <p:cNvSpPr txBox="1"/>
+          <p:nvPr/>
+        </p:nvSpPr>
+        <p:spPr>
+          <a:xfrm>
+            <a:off x="685800" y="1690688"/>
+            <a:ext cx="4672583" cy="1200329"/>
+          </a:xfrm>
+          <a:prstGeom prst="rect">
+            <a:avLst/>
+          </a:prstGeom>
+          <a:noFill/>
+        </p:spPr>
+        <p:txBody>
+          <a:bodyPr wrap="square" rtlCol="0">
+            <a:spAutoFit/>
+          </a:bodyPr>
+          <a:lstStyle/>
+          <a:p>
+            <a:r>
+              <a:rPr lang="en-US" b="1" dirty="0"/>
+              <a:t>RTL</a:t>
+            </a:r>
+            <a:r>
+              <a:rPr lang="en-US" dirty="0"/>
+              <a:t> — </a:t>
+            </a:r>
+            <a:r>
+              <a:rPr lang="ru-RU" i="1" dirty="0"/>
+              <a:t> </a:t>
+            </a:r>
+            <a:r>
+              <a:rPr lang="ru-RU" dirty="0"/>
+              <a:t>это уровень проектирования, где мы описываем</a:t>
+            </a:r>
+            <a:r>
+              <a:rPr lang="ru-RU" i="1" dirty="0"/>
+              <a:t>, как данные перемещаются между регистрами </a:t>
+            </a:r>
+            <a:r>
+              <a:rPr lang="ru-RU" dirty="0"/>
+              <a:t>и обрабатываются логикой.</a:t>
+            </a:r>
+          </a:p>
+        </p:txBody>
+      </p:sp>
+      <p:sp>
+        <p:nvSpPr>
+          <p:cNvPr id="3" name="TextBox 2">
+            <a:extLst>
+              <a:ext uri="{FF2B5EF4-FFF2-40B4-BE49-F238E27FC236}">
+                <a16:creationId xmlns:a16="http://schemas.microsoft.com/office/drawing/2014/main" id="{72CF5E7A-73F1-445A-B0B7-C4AE0F4A09D0}"/>
+              </a:ext>
+            </a:extLst>
+          </p:cNvPr>
+          <p:cNvSpPr txBox="1"/>
+          <p:nvPr/>
+        </p:nvSpPr>
+        <p:spPr>
+          <a:xfrm>
+            <a:off x="5867153" y="1676470"/>
+            <a:ext cx="7646647" cy="4524315"/>
+          </a:xfrm>
+          <a:prstGeom prst="rect">
+            <a:avLst/>
+          </a:prstGeom>
+          <a:noFill/>
+        </p:spPr>
+        <p:txBody>
+          <a:bodyPr wrap="square" rtlCol="0">
+            <a:spAutoFit/>
+          </a:bodyPr>
+          <a:lstStyle/>
+          <a:p>
+            <a:r>
+              <a:rPr lang="en-US" b="0" dirty="0">
+                <a:solidFill>
+                  <a:srgbClr val="0000FF"/>
+                </a:solidFill>
+                <a:effectLst/>
+                <a:latin typeface="Consolas" panose="020B0609020204030204" pitchFamily="49" charset="0"/>
+              </a:rPr>
+              <a:t>class</a:t>
+            </a:r>
+            <a:r>
+              <a:rPr lang="en-US" b="0" dirty="0">
+                <a:solidFill>
+                  <a:srgbClr val="000000"/>
+                </a:solidFill>
+                <a:effectLst/>
+                <a:latin typeface="Consolas" panose="020B0609020204030204" pitchFamily="49" charset="0"/>
+              </a:rPr>
+              <a:t> </a:t>
+            </a:r>
+            <a:r>
+              <a:rPr lang="en-US" b="0" dirty="0" err="1">
+                <a:solidFill>
+                  <a:srgbClr val="000000"/>
+                </a:solidFill>
+                <a:effectLst/>
+                <a:latin typeface="Consolas" panose="020B0609020204030204" pitchFamily="49" charset="0"/>
+              </a:rPr>
+              <a:t>MyModule</a:t>
+            </a:r>
+            <a:r>
+              <a:rPr lang="en-US" b="0" dirty="0">
+                <a:solidFill>
+                  <a:srgbClr val="000000"/>
+                </a:solidFill>
+                <a:effectLst/>
+                <a:latin typeface="Consolas" panose="020B0609020204030204" pitchFamily="49" charset="0"/>
+              </a:rPr>
+              <a:t> </a:t>
+            </a:r>
+            <a:r>
+              <a:rPr lang="en-US" b="0" dirty="0">
+                <a:solidFill>
+                  <a:srgbClr val="0000FF"/>
+                </a:solidFill>
+                <a:effectLst/>
+                <a:latin typeface="Consolas" panose="020B0609020204030204" pitchFamily="49" charset="0"/>
+              </a:rPr>
+              <a:t>extends</a:t>
+            </a:r>
+            <a:r>
+              <a:rPr lang="en-US" b="0" dirty="0">
+                <a:solidFill>
+                  <a:srgbClr val="000000"/>
+                </a:solidFill>
+                <a:effectLst/>
+                <a:latin typeface="Consolas" panose="020B0609020204030204" pitchFamily="49" charset="0"/>
+              </a:rPr>
+              <a:t> Module</a:t>
+            </a:r>
+          </a:p>
+          <a:p>
+            <a:r>
+              <a:rPr lang="en-US" b="0" dirty="0">
+                <a:solidFill>
+                  <a:srgbClr val="000000"/>
+                </a:solidFill>
+                <a:effectLst/>
+                <a:latin typeface="Consolas" panose="020B0609020204030204" pitchFamily="49" charset="0"/>
+              </a:rPr>
+              <a:t>{</a:t>
+            </a:r>
+          </a:p>
+          <a:p>
+            <a:r>
+              <a:rPr lang="en-US" b="0" dirty="0">
+                <a:solidFill>
+                  <a:srgbClr val="000000"/>
+                </a:solidFill>
+                <a:effectLst/>
+                <a:latin typeface="Consolas" panose="020B0609020204030204" pitchFamily="49" charset="0"/>
+              </a:rPr>
+              <a:t>    </a:t>
+            </a:r>
+            <a:r>
+              <a:rPr lang="en-US" b="0" dirty="0">
+                <a:solidFill>
+                  <a:srgbClr val="008000"/>
+                </a:solidFill>
+                <a:effectLst/>
+                <a:latin typeface="Consolas" panose="020B0609020204030204" pitchFamily="49" charset="0"/>
+              </a:rPr>
+              <a:t>//</a:t>
+            </a:r>
+            <a:r>
+              <a:rPr lang="ru-RU" b="0" dirty="0">
+                <a:solidFill>
+                  <a:srgbClr val="008000"/>
+                </a:solidFill>
+                <a:effectLst/>
+                <a:latin typeface="Consolas" panose="020B0609020204030204" pitchFamily="49" charset="0"/>
+              </a:rPr>
+              <a:t>Добавили входной и выходной сигналы</a:t>
+            </a:r>
+            <a:endParaRPr lang="ru-RU" b="0" dirty="0">
+              <a:solidFill>
+                <a:srgbClr val="000000"/>
+              </a:solidFill>
+              <a:effectLst/>
+              <a:latin typeface="Consolas" panose="020B0609020204030204" pitchFamily="49" charset="0"/>
+            </a:endParaRPr>
+          </a:p>
+          <a:p>
+            <a:r>
+              <a:rPr lang="ru-RU" b="0" dirty="0">
+                <a:solidFill>
+                  <a:srgbClr val="000000"/>
+                </a:solidFill>
+                <a:effectLst/>
+                <a:latin typeface="Consolas" panose="020B0609020204030204" pitchFamily="49" charset="0"/>
+              </a:rPr>
+              <a:t>    </a:t>
+            </a:r>
+            <a:r>
+              <a:rPr lang="en-US" b="0" dirty="0" err="1">
+                <a:solidFill>
+                  <a:srgbClr val="0000FF"/>
+                </a:solidFill>
+                <a:effectLst/>
+                <a:latin typeface="Consolas" panose="020B0609020204030204" pitchFamily="49" charset="0"/>
+              </a:rPr>
+              <a:t>val</a:t>
+            </a:r>
+            <a:r>
+              <a:rPr lang="en-US" b="0" dirty="0">
+                <a:solidFill>
+                  <a:srgbClr val="000000"/>
+                </a:solidFill>
+                <a:effectLst/>
+                <a:latin typeface="Consolas" panose="020B0609020204030204" pitchFamily="49" charset="0"/>
+              </a:rPr>
+              <a:t> </a:t>
+            </a:r>
+            <a:r>
+              <a:rPr lang="en-US" b="0" dirty="0" err="1">
+                <a:solidFill>
+                  <a:srgbClr val="000000"/>
+                </a:solidFill>
+                <a:effectLst/>
+                <a:latin typeface="Consolas" panose="020B0609020204030204" pitchFamily="49" charset="0"/>
+              </a:rPr>
+              <a:t>io</a:t>
+            </a:r>
+            <a:r>
+              <a:rPr lang="en-US" b="0" dirty="0">
+                <a:solidFill>
+                  <a:srgbClr val="000000"/>
+                </a:solidFill>
+                <a:effectLst/>
+                <a:latin typeface="Consolas" panose="020B0609020204030204" pitchFamily="49" charset="0"/>
+              </a:rPr>
+              <a:t> = </a:t>
+            </a:r>
+            <a:r>
+              <a:rPr lang="en-US" b="0" dirty="0">
+                <a:solidFill>
+                  <a:srgbClr val="0000FF"/>
+                </a:solidFill>
+                <a:effectLst/>
+                <a:latin typeface="Consolas" panose="020B0609020204030204" pitchFamily="49" charset="0"/>
+              </a:rPr>
+              <a:t>new</a:t>
+            </a:r>
+            <a:r>
+              <a:rPr lang="en-US" b="0" dirty="0">
+                <a:solidFill>
+                  <a:srgbClr val="000000"/>
+                </a:solidFill>
+                <a:effectLst/>
+                <a:latin typeface="Consolas" panose="020B0609020204030204" pitchFamily="49" charset="0"/>
+              </a:rPr>
+              <a:t> Bundle {</a:t>
+            </a:r>
+          </a:p>
+          <a:p>
+            <a:r>
+              <a:rPr lang="en-US" b="0" dirty="0">
+                <a:solidFill>
+                  <a:srgbClr val="000000"/>
+                </a:solidFill>
+                <a:effectLst/>
+                <a:latin typeface="Consolas" panose="020B0609020204030204" pitchFamily="49" charset="0"/>
+              </a:rPr>
+              <a:t>        </a:t>
+            </a:r>
+            <a:r>
+              <a:rPr lang="en-US" b="0" dirty="0">
+                <a:solidFill>
+                  <a:srgbClr val="008000"/>
+                </a:solidFill>
+                <a:effectLst/>
+                <a:latin typeface="Consolas" panose="020B0609020204030204" pitchFamily="49" charset="0"/>
+              </a:rPr>
+              <a:t>//</a:t>
+            </a:r>
+            <a:r>
+              <a:rPr lang="ru-RU" b="0" dirty="0">
+                <a:solidFill>
+                  <a:srgbClr val="008000"/>
+                </a:solidFill>
+                <a:effectLst/>
+                <a:latin typeface="Consolas" panose="020B0609020204030204" pitchFamily="49" charset="0"/>
+              </a:rPr>
+              <a:t>Вход</a:t>
+            </a:r>
+            <a:endParaRPr lang="ru-RU" b="0" dirty="0">
+              <a:solidFill>
+                <a:srgbClr val="000000"/>
+              </a:solidFill>
+              <a:effectLst/>
+              <a:latin typeface="Consolas" panose="020B0609020204030204" pitchFamily="49" charset="0"/>
+            </a:endParaRPr>
+          </a:p>
+          <a:p>
+            <a:r>
+              <a:rPr lang="ru-RU" b="0" dirty="0">
+                <a:solidFill>
+                  <a:srgbClr val="000000"/>
+                </a:solidFill>
+                <a:effectLst/>
+                <a:latin typeface="Consolas" panose="020B0609020204030204" pitchFamily="49" charset="0"/>
+              </a:rPr>
+              <a:t>        </a:t>
+            </a:r>
+            <a:r>
+              <a:rPr lang="en-US" b="0" dirty="0" err="1">
+                <a:solidFill>
+                  <a:srgbClr val="0000FF"/>
+                </a:solidFill>
+                <a:effectLst/>
+                <a:latin typeface="Consolas" panose="020B0609020204030204" pitchFamily="49" charset="0"/>
+              </a:rPr>
+              <a:t>val</a:t>
+            </a:r>
+            <a:r>
+              <a:rPr lang="en-US" b="0" dirty="0">
+                <a:solidFill>
+                  <a:srgbClr val="000000"/>
+                </a:solidFill>
+                <a:effectLst/>
+                <a:latin typeface="Consolas" panose="020B0609020204030204" pitchFamily="49" charset="0"/>
+              </a:rPr>
+              <a:t> in = Input(</a:t>
+            </a:r>
+            <a:r>
+              <a:rPr lang="en-US" b="0" dirty="0" err="1">
+                <a:solidFill>
+                  <a:srgbClr val="000000"/>
+                </a:solidFill>
+                <a:effectLst/>
+                <a:latin typeface="Consolas" panose="020B0609020204030204" pitchFamily="49" charset="0"/>
+              </a:rPr>
+              <a:t>SInt</a:t>
+            </a:r>
+            <a:r>
+              <a:rPr lang="en-US" b="0" dirty="0">
+                <a:solidFill>
+                  <a:srgbClr val="000000"/>
+                </a:solidFill>
+                <a:effectLst/>
+                <a:latin typeface="Consolas" panose="020B0609020204030204" pitchFamily="49" charset="0"/>
+              </a:rPr>
+              <a:t>(</a:t>
+            </a:r>
+            <a:r>
+              <a:rPr lang="en-US" b="0" dirty="0">
+                <a:solidFill>
+                  <a:srgbClr val="098658"/>
+                </a:solidFill>
+                <a:effectLst/>
+                <a:latin typeface="Consolas" panose="020B0609020204030204" pitchFamily="49" charset="0"/>
+              </a:rPr>
+              <a:t>8</a:t>
+            </a:r>
+            <a:r>
+              <a:rPr lang="en-US" b="0" dirty="0">
+                <a:solidFill>
+                  <a:srgbClr val="000000"/>
+                </a:solidFill>
+                <a:effectLst/>
+                <a:latin typeface="Consolas" panose="020B0609020204030204" pitchFamily="49" charset="0"/>
+              </a:rPr>
+              <a:t>.W))     </a:t>
+            </a:r>
+          </a:p>
+          <a:p>
+            <a:r>
+              <a:rPr lang="en-US" b="0" dirty="0">
+                <a:solidFill>
+                  <a:srgbClr val="000000"/>
+                </a:solidFill>
+                <a:effectLst/>
+                <a:latin typeface="Consolas" panose="020B0609020204030204" pitchFamily="49" charset="0"/>
+              </a:rPr>
+              <a:t>        </a:t>
+            </a:r>
+            <a:r>
+              <a:rPr lang="en-US" b="0" dirty="0">
+                <a:solidFill>
+                  <a:srgbClr val="008000"/>
+                </a:solidFill>
+                <a:effectLst/>
+                <a:latin typeface="Consolas" panose="020B0609020204030204" pitchFamily="49" charset="0"/>
+              </a:rPr>
+              <a:t>//</a:t>
+            </a:r>
+            <a:r>
+              <a:rPr lang="ru-RU" b="0" dirty="0">
+                <a:solidFill>
+                  <a:srgbClr val="008000"/>
+                </a:solidFill>
+                <a:effectLst/>
+                <a:latin typeface="Consolas" panose="020B0609020204030204" pitchFamily="49" charset="0"/>
+              </a:rPr>
+              <a:t>Выход</a:t>
+            </a:r>
+            <a:endParaRPr lang="ru-RU" b="0" dirty="0">
+              <a:solidFill>
+                <a:srgbClr val="000000"/>
+              </a:solidFill>
+              <a:effectLst/>
+              <a:latin typeface="Consolas" panose="020B0609020204030204" pitchFamily="49" charset="0"/>
+            </a:endParaRPr>
+          </a:p>
+          <a:p>
+            <a:r>
+              <a:rPr lang="ru-RU" b="0" dirty="0">
+                <a:solidFill>
+                  <a:srgbClr val="000000"/>
+                </a:solidFill>
+                <a:effectLst/>
+                <a:latin typeface="Consolas" panose="020B0609020204030204" pitchFamily="49" charset="0"/>
+              </a:rPr>
+              <a:t>        </a:t>
+            </a:r>
+            <a:r>
+              <a:rPr lang="en-US" b="0" dirty="0" err="1">
+                <a:solidFill>
+                  <a:srgbClr val="0000FF"/>
+                </a:solidFill>
+                <a:effectLst/>
+                <a:latin typeface="Consolas" panose="020B0609020204030204" pitchFamily="49" charset="0"/>
+              </a:rPr>
+              <a:t>val</a:t>
+            </a:r>
+            <a:r>
+              <a:rPr lang="en-US" b="0" dirty="0">
+                <a:solidFill>
+                  <a:srgbClr val="000000"/>
+                </a:solidFill>
+                <a:effectLst/>
+                <a:latin typeface="Consolas" panose="020B0609020204030204" pitchFamily="49" charset="0"/>
+              </a:rPr>
+              <a:t> out = Output(</a:t>
+            </a:r>
+            <a:r>
+              <a:rPr lang="en-US" b="0" dirty="0" err="1">
+                <a:solidFill>
+                  <a:srgbClr val="000000"/>
+                </a:solidFill>
+                <a:effectLst/>
+                <a:latin typeface="Consolas" panose="020B0609020204030204" pitchFamily="49" charset="0"/>
+              </a:rPr>
+              <a:t>SInt</a:t>
+            </a:r>
+            <a:r>
+              <a:rPr lang="en-US" b="0" dirty="0">
+                <a:solidFill>
+                  <a:srgbClr val="000000"/>
+                </a:solidFill>
+                <a:effectLst/>
+                <a:latin typeface="Consolas" panose="020B0609020204030204" pitchFamily="49" charset="0"/>
+              </a:rPr>
+              <a:t>(</a:t>
+            </a:r>
+            <a:r>
+              <a:rPr lang="en-US" b="0" dirty="0">
+                <a:solidFill>
+                  <a:srgbClr val="098658"/>
+                </a:solidFill>
+                <a:effectLst/>
+                <a:latin typeface="Consolas" panose="020B0609020204030204" pitchFamily="49" charset="0"/>
+              </a:rPr>
+              <a:t>16</a:t>
+            </a:r>
+            <a:r>
+              <a:rPr lang="en-US" b="0" dirty="0">
+                <a:solidFill>
+                  <a:srgbClr val="000000"/>
+                </a:solidFill>
+                <a:effectLst/>
+                <a:latin typeface="Consolas" panose="020B0609020204030204" pitchFamily="49" charset="0"/>
+              </a:rPr>
+              <a:t>.W))  </a:t>
+            </a:r>
+          </a:p>
+          <a:p>
+            <a:r>
+              <a:rPr lang="en-US" b="0" dirty="0">
+                <a:solidFill>
+                  <a:srgbClr val="000000"/>
+                </a:solidFill>
+                <a:effectLst/>
+                <a:latin typeface="Consolas" panose="020B0609020204030204" pitchFamily="49" charset="0"/>
+              </a:rPr>
+              <a:t>    }</a:t>
+            </a:r>
+          </a:p>
+          <a:p>
+            <a:r>
+              <a:rPr lang="en-US" b="0" dirty="0">
+                <a:solidFill>
+                  <a:srgbClr val="000000"/>
+                </a:solidFill>
+                <a:effectLst/>
+                <a:latin typeface="Consolas" panose="020B0609020204030204" pitchFamily="49" charset="0"/>
+              </a:rPr>
+              <a:t>    </a:t>
+            </a:r>
+            <a:r>
+              <a:rPr lang="en-US" b="0" dirty="0">
+                <a:solidFill>
+                  <a:srgbClr val="008000"/>
+                </a:solidFill>
+                <a:effectLst/>
+                <a:latin typeface="Consolas" panose="020B0609020204030204" pitchFamily="49" charset="0"/>
+              </a:rPr>
+              <a:t>//</a:t>
+            </a:r>
+            <a:r>
+              <a:rPr lang="ru-RU" b="0" dirty="0">
+                <a:solidFill>
+                  <a:srgbClr val="008000"/>
+                </a:solidFill>
+                <a:effectLst/>
+                <a:latin typeface="Consolas" panose="020B0609020204030204" pitchFamily="49" charset="0"/>
+              </a:rPr>
+              <a:t>Создали регистр</a:t>
+            </a:r>
+            <a:endParaRPr lang="ru-RU" b="0" dirty="0">
+              <a:solidFill>
+                <a:srgbClr val="000000"/>
+              </a:solidFill>
+              <a:effectLst/>
+              <a:latin typeface="Consolas" panose="020B0609020204030204" pitchFamily="49" charset="0"/>
+            </a:endParaRPr>
+          </a:p>
+          <a:p>
+            <a:r>
+              <a:rPr lang="ru-RU" b="0" dirty="0">
+                <a:solidFill>
+                  <a:srgbClr val="000000"/>
+                </a:solidFill>
+                <a:effectLst/>
+                <a:latin typeface="Consolas" panose="020B0609020204030204" pitchFamily="49" charset="0"/>
+              </a:rPr>
+              <a:t>    </a:t>
+            </a:r>
+            <a:r>
+              <a:rPr lang="en-US" b="0" dirty="0" err="1">
+                <a:solidFill>
+                  <a:srgbClr val="0000FF"/>
+                </a:solidFill>
+                <a:effectLst/>
+                <a:latin typeface="Consolas" panose="020B0609020204030204" pitchFamily="49" charset="0"/>
+              </a:rPr>
+              <a:t>val</a:t>
+            </a:r>
+            <a:r>
+              <a:rPr lang="en-US" b="0" dirty="0">
+                <a:solidFill>
+                  <a:srgbClr val="000000"/>
+                </a:solidFill>
+                <a:effectLst/>
+                <a:latin typeface="Consolas" panose="020B0609020204030204" pitchFamily="49" charset="0"/>
+              </a:rPr>
+              <a:t> out = </a:t>
+            </a:r>
+            <a:r>
+              <a:rPr lang="en-US" b="0" dirty="0" err="1">
+                <a:solidFill>
+                  <a:srgbClr val="000000"/>
+                </a:solidFill>
+                <a:effectLst/>
+                <a:latin typeface="Consolas" panose="020B0609020204030204" pitchFamily="49" charset="0"/>
+              </a:rPr>
+              <a:t>RegInit</a:t>
+            </a:r>
+            <a:r>
+              <a:rPr lang="en-US" b="0" dirty="0">
+                <a:solidFill>
+                  <a:srgbClr val="000000"/>
+                </a:solidFill>
+                <a:effectLst/>
+                <a:latin typeface="Consolas" panose="020B0609020204030204" pitchFamily="49" charset="0"/>
+              </a:rPr>
+              <a:t>(</a:t>
+            </a:r>
+            <a:r>
+              <a:rPr lang="en-US" b="0" dirty="0">
+                <a:solidFill>
+                  <a:srgbClr val="098658"/>
+                </a:solidFill>
+                <a:effectLst/>
+                <a:latin typeface="Consolas" panose="020B0609020204030204" pitchFamily="49" charset="0"/>
+              </a:rPr>
+              <a:t>0</a:t>
+            </a:r>
+            <a:r>
+              <a:rPr lang="en-US" b="0" dirty="0">
+                <a:solidFill>
+                  <a:srgbClr val="000000"/>
+                </a:solidFill>
+                <a:effectLst/>
+                <a:latin typeface="Consolas" panose="020B0609020204030204" pitchFamily="49" charset="0"/>
+              </a:rPr>
+              <a:t>.U(</a:t>
+            </a:r>
+            <a:r>
+              <a:rPr lang="en-US" b="0" dirty="0">
+                <a:solidFill>
+                  <a:srgbClr val="098658"/>
+                </a:solidFill>
+                <a:effectLst/>
+                <a:latin typeface="Consolas" panose="020B0609020204030204" pitchFamily="49" charset="0"/>
+              </a:rPr>
+              <a:t>16</a:t>
+            </a:r>
+            <a:r>
+              <a:rPr lang="en-US" b="0" dirty="0">
+                <a:solidFill>
+                  <a:srgbClr val="000000"/>
+                </a:solidFill>
+                <a:effectLst/>
+                <a:latin typeface="Consolas" panose="020B0609020204030204" pitchFamily="49" charset="0"/>
+              </a:rPr>
+              <a:t>.W)) </a:t>
+            </a:r>
+          </a:p>
+          <a:p>
+            <a:r>
+              <a:rPr lang="en-US" b="0" dirty="0">
+                <a:solidFill>
+                  <a:srgbClr val="000000"/>
+                </a:solidFill>
+                <a:effectLst/>
+                <a:latin typeface="Consolas" panose="020B0609020204030204" pitchFamily="49" charset="0"/>
+              </a:rPr>
+              <a:t>    </a:t>
+            </a:r>
+            <a:r>
+              <a:rPr lang="en-US" b="0" dirty="0">
+                <a:solidFill>
+                  <a:srgbClr val="008000"/>
+                </a:solidFill>
+                <a:effectLst/>
+                <a:latin typeface="Consolas" panose="020B0609020204030204" pitchFamily="49" charset="0"/>
+              </a:rPr>
+              <a:t>//</a:t>
+            </a:r>
+            <a:r>
+              <a:rPr lang="ru-RU" b="0" dirty="0">
+                <a:solidFill>
+                  <a:srgbClr val="008000"/>
+                </a:solidFill>
+                <a:effectLst/>
+                <a:latin typeface="Consolas" panose="020B0609020204030204" pitchFamily="49" charset="0"/>
+              </a:rPr>
+              <a:t>Присвоили новое значение регистру</a:t>
+            </a:r>
+            <a:endParaRPr lang="ru-RU" b="0" dirty="0">
+              <a:solidFill>
+                <a:srgbClr val="000000"/>
+              </a:solidFill>
+              <a:effectLst/>
+              <a:latin typeface="Consolas" panose="020B0609020204030204" pitchFamily="49" charset="0"/>
+            </a:endParaRPr>
+          </a:p>
+          <a:p>
+            <a:r>
+              <a:rPr lang="ru-RU" b="0" dirty="0">
+                <a:solidFill>
+                  <a:srgbClr val="000000"/>
+                </a:solidFill>
+                <a:effectLst/>
+                <a:latin typeface="Consolas" panose="020B0609020204030204" pitchFamily="49" charset="0"/>
+              </a:rPr>
+              <a:t>    </a:t>
+            </a:r>
+            <a:r>
+              <a:rPr lang="en-US" b="0" dirty="0">
+                <a:solidFill>
+                  <a:srgbClr val="000000"/>
+                </a:solidFill>
+                <a:effectLst/>
+                <a:latin typeface="Consolas" panose="020B0609020204030204" pitchFamily="49" charset="0"/>
+              </a:rPr>
+              <a:t>out := </a:t>
+            </a:r>
+            <a:r>
+              <a:rPr lang="en-US" b="0" dirty="0">
+                <a:solidFill>
+                  <a:srgbClr val="098658"/>
+                </a:solidFill>
+                <a:effectLst/>
+                <a:latin typeface="Consolas" panose="020B0609020204030204" pitchFamily="49" charset="0"/>
+              </a:rPr>
+              <a:t>2</a:t>
+            </a:r>
+            <a:r>
+              <a:rPr lang="en-US" b="0" dirty="0">
+                <a:solidFill>
+                  <a:srgbClr val="000000"/>
+                </a:solidFill>
+                <a:effectLst/>
+                <a:latin typeface="Consolas" panose="020B0609020204030204" pitchFamily="49" charset="0"/>
+              </a:rPr>
+              <a:t> * io.in</a:t>
+            </a:r>
+          </a:p>
+          <a:p>
+            <a:r>
+              <a:rPr lang="en-US" b="0" dirty="0">
+                <a:solidFill>
+                  <a:srgbClr val="000000"/>
+                </a:solidFill>
+                <a:effectLst/>
+                <a:latin typeface="Consolas" panose="020B0609020204030204" pitchFamily="49" charset="0"/>
+              </a:rPr>
+              <a:t>    </a:t>
+            </a:r>
+            <a:r>
+              <a:rPr lang="en-US" b="0" dirty="0">
+                <a:solidFill>
+                  <a:srgbClr val="008000"/>
+                </a:solidFill>
+                <a:effectLst/>
+                <a:latin typeface="Consolas" panose="020B0609020204030204" pitchFamily="49" charset="0"/>
+              </a:rPr>
+              <a:t>//</a:t>
+            </a:r>
+            <a:r>
+              <a:rPr lang="ru-RU" b="0" dirty="0">
+                <a:solidFill>
+                  <a:srgbClr val="008000"/>
+                </a:solidFill>
+                <a:effectLst/>
+                <a:latin typeface="Consolas" panose="020B0609020204030204" pitchFamily="49" charset="0"/>
+              </a:rPr>
+              <a:t>Передали значение регистра на выход    </a:t>
+            </a:r>
+            <a:endParaRPr lang="ru-RU" b="0" dirty="0">
+              <a:solidFill>
+                <a:srgbClr val="000000"/>
+              </a:solidFill>
+              <a:effectLst/>
+              <a:latin typeface="Consolas" panose="020B0609020204030204" pitchFamily="49" charset="0"/>
+            </a:endParaRPr>
+          </a:p>
+          <a:p>
+            <a:r>
+              <a:rPr lang="ru-RU" b="0" dirty="0">
+                <a:solidFill>
+                  <a:srgbClr val="000000"/>
+                </a:solidFill>
+                <a:effectLst/>
+                <a:latin typeface="Consolas" panose="020B0609020204030204" pitchFamily="49" charset="0"/>
+              </a:rPr>
+              <a:t>    </a:t>
+            </a:r>
+            <a:r>
+              <a:rPr lang="en-US" b="0" dirty="0" err="1">
+                <a:solidFill>
+                  <a:srgbClr val="000000"/>
+                </a:solidFill>
+                <a:effectLst/>
+                <a:latin typeface="Consolas" panose="020B0609020204030204" pitchFamily="49" charset="0"/>
+              </a:rPr>
+              <a:t>io.out</a:t>
+            </a:r>
+            <a:r>
+              <a:rPr lang="en-US" b="0" dirty="0">
+                <a:solidFill>
+                  <a:srgbClr val="000000"/>
+                </a:solidFill>
+                <a:effectLst/>
+                <a:latin typeface="Consolas" panose="020B0609020204030204" pitchFamily="49" charset="0"/>
+              </a:rPr>
+              <a:t> := out  </a:t>
+            </a:r>
+          </a:p>
+          <a:p>
+            <a:r>
+              <a:rPr lang="en-US" b="0" dirty="0">
+                <a:solidFill>
+                  <a:srgbClr val="000000"/>
+                </a:solidFill>
+                <a:effectLst/>
+                <a:latin typeface="Consolas" panose="020B0609020204030204" pitchFamily="49" charset="0"/>
+              </a:rPr>
+              <a:t>}</a:t>
+            </a:r>
+          </a:p>
+        </p:txBody>
+      </p:sp>
+      <p:sp>
+        <p:nvSpPr>
+          <p:cNvPr id="5" name="Прямоугольник: скругленные углы 4">
+            <a:extLst>
+              <a:ext uri="{FF2B5EF4-FFF2-40B4-BE49-F238E27FC236}">
+                <a16:creationId xmlns:a16="http://schemas.microsoft.com/office/drawing/2014/main" id="{78FDF214-3363-4C10-AE59-CE61A1BFE3E1}"/>
+              </a:ext>
+            </a:extLst>
+          </p:cNvPr>
+          <p:cNvSpPr/>
+          <p:nvPr/>
+        </p:nvSpPr>
+        <p:spPr>
+          <a:xfrm>
+            <a:off x="1407459" y="3523130"/>
+            <a:ext cx="3209365" cy="2581836"/>
+          </a:xfrm>
+          <a:prstGeom prst="roundRect">
+            <a:avLst/>
+          </a:prstGeom>
+        </p:spPr>
+        <p:style>
+          <a:lnRef idx="2">
+            <a:schemeClr val="dk1"/>
+          </a:lnRef>
+          <a:fillRef idx="1">
+            <a:schemeClr val="lt1"/>
+          </a:fillRef>
+          <a:effectRef idx="0">
+            <a:schemeClr val="dk1"/>
+          </a:effectRef>
+          <a:fontRef idx="minor">
+            <a:schemeClr val="dk1"/>
+          </a:fontRef>
+        </p:style>
+        <p:txBody>
+          <a:bodyPr rtlCol="0" anchor="ctr"/>
+          <a:lstStyle/>
+          <a:p>
+            <a:pPr algn="ctr"/>
+            <a:endParaRPr lang="ru-RU"/>
+          </a:p>
+        </p:txBody>
+      </p:sp>
+      <p:sp>
+        <p:nvSpPr>
+          <p:cNvPr id="6" name="Прямоугольник: скругленные углы 5">
+            <a:extLst>
+              <a:ext uri="{FF2B5EF4-FFF2-40B4-BE49-F238E27FC236}">
+                <a16:creationId xmlns:a16="http://schemas.microsoft.com/office/drawing/2014/main" id="{967B31F1-7C74-4D7A-AC57-692471BDCA38}"/>
+              </a:ext>
+            </a:extLst>
+          </p:cNvPr>
+          <p:cNvSpPr/>
+          <p:nvPr/>
+        </p:nvSpPr>
+        <p:spPr>
+          <a:xfrm>
+            <a:off x="1806635" y="3146612"/>
+            <a:ext cx="1730188" cy="264459"/>
+          </a:xfrm>
+          <a:prstGeom prst="roundRect">
+            <a:avLst/>
+          </a:prstGeom>
+        </p:spPr>
+        <p:style>
+          <a:lnRef idx="2">
+            <a:schemeClr val="accent1">
+              <a:shade val="50000"/>
+            </a:schemeClr>
+          </a:lnRef>
+          <a:fillRef idx="1">
+            <a:schemeClr val="accent1"/>
+          </a:fillRef>
+          <a:effectRef idx="0">
+            <a:schemeClr val="accent1"/>
+          </a:effectRef>
+          <a:fontRef idx="minor">
+            <a:schemeClr val="lt1"/>
+          </a:fontRef>
+        </p:style>
+        <p:txBody>
+          <a:bodyPr rtlCol="0" anchor="ctr"/>
+          <a:lstStyle/>
+          <a:p>
+            <a:pPr algn="ctr"/>
+            <a:r>
+              <a:rPr lang="en-US" dirty="0" err="1"/>
+              <a:t>MyModule</a:t>
+            </a:r>
+            <a:endParaRPr lang="ru-RU" dirty="0"/>
+          </a:p>
+        </p:txBody>
+      </p:sp>
+      <mc:AlternateContent xmlns:mc="http://schemas.openxmlformats.org/markup-compatibility/2006" xmlns:a14="http://schemas.microsoft.com/office/drawing/2010/main">
+        <mc:Choice Requires="a14">
+          <p:sp>
+            <p:nvSpPr>
+              <p:cNvPr id="19" name="Овал 18">
+                <a:extLst>
+                  <a:ext uri="{FF2B5EF4-FFF2-40B4-BE49-F238E27FC236}">
+                    <a16:creationId xmlns:a16="http://schemas.microsoft.com/office/drawing/2014/main" id="{E1BDFDE8-A12D-4D13-A562-15818073852D}"/>
+                  </a:ext>
+                </a:extLst>
+              </p:cNvPr>
+              <p:cNvSpPr/>
+              <p:nvPr/>
+            </p:nvSpPr>
+            <p:spPr>
+              <a:xfrm>
+                <a:off x="1650000" y="4410636"/>
+                <a:ext cx="806824" cy="806824"/>
+              </a:xfrm>
+              <a:prstGeom prst="ellipse">
+                <a:avLst/>
+              </a:prstGeom>
+            </p:spPr>
+            <p:style>
+              <a:lnRef idx="2">
+                <a:schemeClr val="accent1">
+                  <a:shade val="50000"/>
+                </a:schemeClr>
+              </a:lnRef>
+              <a:fillRef idx="1">
+                <a:schemeClr val="accent1"/>
+              </a:fillRef>
+              <a:effectRef idx="0">
+                <a:schemeClr val="accent1"/>
+              </a:effectRef>
+              <a:fontRef idx="minor">
+                <a:schemeClr val="lt1"/>
+              </a:fontRef>
+            </p:style>
+            <p:txBody>
+              <a:bodyPr rtlCol="0" anchor="ctr"/>
+              <a:lstStyle/>
+              <a:p>
+                <a:pPr algn="ctr"/>
+                <a14:m>
+                  <m:oMathPara xmlns:m="http://schemas.openxmlformats.org/officeDocument/2006/math">
+                    <m:oMathParaPr>
+                      <m:jc m:val="center"/>
+                    </m:oMathParaPr>
+                    <m:oMath xmlns:m="http://schemas.openxmlformats.org/officeDocument/2006/math">
+                      <m:r>
+                        <a:rPr lang="ru-RU" b="0" i="1" smtClean="0">
+                          <a:latin typeface="Cambria Math" panose="02040503050406030204" pitchFamily="18" charset="0"/>
+                        </a:rPr>
+                        <m:t>∗2</m:t>
+                      </m:r>
+                    </m:oMath>
+                  </m:oMathPara>
+                </a14:m>
+                <a:endParaRPr lang="ru-RU" dirty="0"/>
+              </a:p>
+            </p:txBody>
+          </p:sp>
+        </mc:Choice>
+        <mc:Fallback xmlns="">
+          <p:sp>
+            <p:nvSpPr>
+              <p:cNvPr id="19" name="Овал 18">
+                <a:extLst>
+                  <a:ext uri="{FF2B5EF4-FFF2-40B4-BE49-F238E27FC236}">
+                    <a16:creationId xmlns:a16="http://schemas.microsoft.com/office/drawing/2014/main" id="{E1BDFDE8-A12D-4D13-A562-15818073852D}"/>
+                  </a:ext>
+                </a:extLst>
+              </p:cNvPr>
+              <p:cNvSpPr>
+                <a:spLocks noRot="1" noChangeAspect="1" noMove="1" noResize="1" noEditPoints="1" noAdjustHandles="1" noChangeArrowheads="1" noChangeShapeType="1" noTextEdit="1"/>
+              </p:cNvSpPr>
+              <p:nvPr/>
+            </p:nvSpPr>
+            <p:spPr>
+              <a:xfrm>
+                <a:off x="1650000" y="4410636"/>
+                <a:ext cx="806824" cy="806824"/>
+              </a:xfrm>
+              <a:prstGeom prst="ellipse">
+                <a:avLst/>
+              </a:prstGeom>
+              <a:blipFill>
+                <a:blip r:embed="rId2"/>
+                <a:stretch>
+                  <a:fillRect/>
+                </a:stretch>
+              </a:blipFill>
+            </p:spPr>
+            <p:txBody>
+              <a:bodyPr/>
+              <a:lstStyle/>
+              <a:p>
+                <a:r>
+                  <a:rPr lang="ru-RU">
+                    <a:noFill/>
+                  </a:rPr>
+                  <a:t> </a:t>
+                </a:r>
+              </a:p>
+            </p:txBody>
+          </p:sp>
+        </mc:Fallback>
+      </mc:AlternateContent>
+      <p:sp>
+        <p:nvSpPr>
+          <p:cNvPr id="20" name="Прямоугольник 19">
+            <a:extLst>
+              <a:ext uri="{FF2B5EF4-FFF2-40B4-BE49-F238E27FC236}">
+                <a16:creationId xmlns:a16="http://schemas.microsoft.com/office/drawing/2014/main" id="{4821891D-96B4-4656-BED4-E508950001AA}"/>
+              </a:ext>
+            </a:extLst>
+          </p:cNvPr>
+          <p:cNvSpPr/>
+          <p:nvPr/>
+        </p:nvSpPr>
+        <p:spPr>
+          <a:xfrm>
+            <a:off x="2671729" y="4595302"/>
+            <a:ext cx="1694329" cy="449296"/>
+          </a:xfrm>
+          <a:prstGeom prst="rect">
+            <a:avLst/>
+          </a:prstGeom>
+        </p:spPr>
+        <p:style>
+          <a:lnRef idx="2">
+            <a:schemeClr val="accent1">
+              <a:shade val="50000"/>
+            </a:schemeClr>
+          </a:lnRef>
+          <a:fillRef idx="1">
+            <a:schemeClr val="accent1"/>
+          </a:fillRef>
+          <a:effectRef idx="0">
+            <a:schemeClr val="accent1"/>
+          </a:effectRef>
+          <a:fontRef idx="minor">
+            <a:schemeClr val="lt1"/>
+          </a:fontRef>
+        </p:style>
+        <p:txBody>
+          <a:bodyPr rtlCol="0" anchor="ctr"/>
+          <a:lstStyle/>
+          <a:p>
+            <a:pPr algn="ctr"/>
+            <a:r>
+              <a:rPr lang="en-US" dirty="0"/>
+              <a:t>Reg</a:t>
+            </a:r>
+            <a:endParaRPr lang="ru-RU" dirty="0"/>
+          </a:p>
+        </p:txBody>
+      </p:sp>
+      <p:cxnSp>
+        <p:nvCxnSpPr>
+          <p:cNvPr id="25" name="Прямая соединительная линия 24">
+            <a:extLst>
+              <a:ext uri="{FF2B5EF4-FFF2-40B4-BE49-F238E27FC236}">
+                <a16:creationId xmlns:a16="http://schemas.microsoft.com/office/drawing/2014/main" id="{C62FF704-AA1C-4B5C-90C4-BC1AE3DF63BF}"/>
+              </a:ext>
+            </a:extLst>
+          </p:cNvPr>
+          <p:cNvCxnSpPr>
+            <a:stCxn id="5" idx="1"/>
+          </p:cNvCxnSpPr>
+          <p:nvPr/>
+        </p:nvCxnSpPr>
+        <p:spPr>
+          <a:xfrm flipH="1">
+            <a:off x="573741" y="4814048"/>
+            <a:ext cx="833718" cy="0"/>
+          </a:xfrm>
+          <a:prstGeom prst="line">
+            <a:avLst/>
+          </a:prstGeom>
+        </p:spPr>
+        <p:style>
+          <a:lnRef idx="1">
+            <a:schemeClr val="accent1"/>
+          </a:lnRef>
+          <a:fillRef idx="0">
+            <a:schemeClr val="accent1"/>
+          </a:fillRef>
+          <a:effectRef idx="0">
+            <a:schemeClr val="accent1"/>
+          </a:effectRef>
+          <a:fontRef idx="minor">
+            <a:schemeClr val="tx1"/>
+          </a:fontRef>
+        </p:style>
+      </p:cxnSp>
+      <p:sp>
+        <p:nvSpPr>
+          <p:cNvPr id="26" name="TextBox 25">
+            <a:extLst>
+              <a:ext uri="{FF2B5EF4-FFF2-40B4-BE49-F238E27FC236}">
+                <a16:creationId xmlns:a16="http://schemas.microsoft.com/office/drawing/2014/main" id="{F1695E99-53B1-40A9-A837-C2FC3DA47BB7}"/>
+              </a:ext>
+            </a:extLst>
+          </p:cNvPr>
+          <p:cNvSpPr txBox="1"/>
+          <p:nvPr/>
+        </p:nvSpPr>
+        <p:spPr>
+          <a:xfrm>
+            <a:off x="573741" y="4410636"/>
+            <a:ext cx="833718" cy="369332"/>
+          </a:xfrm>
+          <a:prstGeom prst="rect">
+            <a:avLst/>
+          </a:prstGeom>
+          <a:noFill/>
+        </p:spPr>
+        <p:txBody>
+          <a:bodyPr wrap="square" rtlCol="0">
+            <a:spAutoFit/>
+          </a:bodyPr>
+          <a:lstStyle/>
+          <a:p>
+            <a:pPr algn="ctr"/>
+            <a:r>
+              <a:rPr lang="en-US" dirty="0"/>
+              <a:t>In</a:t>
+            </a:r>
+            <a:endParaRPr lang="ru-RU" dirty="0"/>
+          </a:p>
+        </p:txBody>
+      </p:sp>
+      <p:sp>
+        <p:nvSpPr>
+          <p:cNvPr id="30" name="TextBox 29">
+            <a:extLst>
+              <a:ext uri="{FF2B5EF4-FFF2-40B4-BE49-F238E27FC236}">
+                <a16:creationId xmlns:a16="http://schemas.microsoft.com/office/drawing/2014/main" id="{BE2FB588-2797-42FC-969F-C7DBB3EF337E}"/>
+              </a:ext>
+            </a:extLst>
+          </p:cNvPr>
+          <p:cNvSpPr txBox="1"/>
+          <p:nvPr/>
+        </p:nvSpPr>
+        <p:spPr>
+          <a:xfrm>
+            <a:off x="4616824" y="4410636"/>
+            <a:ext cx="833718" cy="369332"/>
+          </a:xfrm>
+          <a:prstGeom prst="rect">
+            <a:avLst/>
+          </a:prstGeom>
+          <a:noFill/>
+        </p:spPr>
+        <p:txBody>
+          <a:bodyPr wrap="square" rtlCol="0">
+            <a:spAutoFit/>
+          </a:bodyPr>
+          <a:lstStyle/>
+          <a:p>
+            <a:pPr algn="ctr"/>
+            <a:r>
+              <a:rPr lang="en-US" dirty="0"/>
+              <a:t>Out</a:t>
+            </a:r>
+            <a:endParaRPr lang="ru-RU" dirty="0"/>
+          </a:p>
+        </p:txBody>
+      </p:sp>
+      <p:cxnSp>
+        <p:nvCxnSpPr>
+          <p:cNvPr id="32" name="Прямая со стрелкой 31">
+            <a:extLst>
+              <a:ext uri="{FF2B5EF4-FFF2-40B4-BE49-F238E27FC236}">
+                <a16:creationId xmlns:a16="http://schemas.microsoft.com/office/drawing/2014/main" id="{3250C682-2CB6-4B7B-A902-6B5AE77405C3}"/>
+              </a:ext>
+            </a:extLst>
+          </p:cNvPr>
+          <p:cNvCxnSpPr>
+            <a:stCxn id="5" idx="1"/>
+            <a:endCxn id="19" idx="2"/>
+          </p:cNvCxnSpPr>
+          <p:nvPr/>
+        </p:nvCxnSpPr>
+        <p:spPr>
+          <a:xfrm>
+            <a:off x="1407459" y="4814048"/>
+            <a:ext cx="242541" cy="0"/>
+          </a:xfrm>
+          <a:prstGeom prst="straightConnector1">
+            <a:avLst/>
+          </a:prstGeom>
+          <a:ln>
+            <a:tailEnd type="triangle"/>
+          </a:ln>
+        </p:spPr>
+        <p:style>
+          <a:lnRef idx="1">
+            <a:schemeClr val="accent1"/>
+          </a:lnRef>
+          <a:fillRef idx="0">
+            <a:schemeClr val="accent1"/>
+          </a:fillRef>
+          <a:effectRef idx="0">
+            <a:schemeClr val="accent1"/>
+          </a:effectRef>
+          <a:fontRef idx="minor">
+            <a:schemeClr val="tx1"/>
+          </a:fontRef>
+        </p:style>
+      </p:cxnSp>
+      <p:cxnSp>
+        <p:nvCxnSpPr>
+          <p:cNvPr id="34" name="Прямая со стрелкой 33">
+            <a:extLst>
+              <a:ext uri="{FF2B5EF4-FFF2-40B4-BE49-F238E27FC236}">
+                <a16:creationId xmlns:a16="http://schemas.microsoft.com/office/drawing/2014/main" id="{80D1B70E-DA84-4D56-B872-FEC5B1CBD3D6}"/>
+              </a:ext>
+            </a:extLst>
+          </p:cNvPr>
+          <p:cNvCxnSpPr>
+            <a:stCxn id="19" idx="6"/>
+            <a:endCxn id="20" idx="1"/>
+          </p:cNvCxnSpPr>
+          <p:nvPr/>
+        </p:nvCxnSpPr>
+        <p:spPr>
+          <a:xfrm>
+            <a:off x="2456824" y="4814048"/>
+            <a:ext cx="214905" cy="5902"/>
+          </a:xfrm>
+          <a:prstGeom prst="straightConnector1">
+            <a:avLst/>
+          </a:prstGeom>
+          <a:ln>
+            <a:tailEnd type="triangle"/>
+          </a:ln>
+        </p:spPr>
+        <p:style>
+          <a:lnRef idx="1">
+            <a:schemeClr val="accent1"/>
+          </a:lnRef>
+          <a:fillRef idx="0">
+            <a:schemeClr val="accent1"/>
+          </a:fillRef>
+          <a:effectRef idx="0">
+            <a:schemeClr val="accent1"/>
+          </a:effectRef>
+          <a:fontRef idx="minor">
+            <a:schemeClr val="tx1"/>
+          </a:fontRef>
+        </p:style>
+      </p:cxnSp>
+      <p:cxnSp>
+        <p:nvCxnSpPr>
+          <p:cNvPr id="40" name="Прямая со стрелкой 39">
+            <a:extLst>
+              <a:ext uri="{FF2B5EF4-FFF2-40B4-BE49-F238E27FC236}">
+                <a16:creationId xmlns:a16="http://schemas.microsoft.com/office/drawing/2014/main" id="{2ACF9D0E-8EA8-428E-8C4A-718AECFBBA2E}"/>
+              </a:ext>
+            </a:extLst>
+          </p:cNvPr>
+          <p:cNvCxnSpPr>
+            <a:cxnSpLocks/>
+          </p:cNvCxnSpPr>
+          <p:nvPr/>
+        </p:nvCxnSpPr>
+        <p:spPr>
+          <a:xfrm flipV="1">
+            <a:off x="4366058" y="4814049"/>
+            <a:ext cx="1084484" cy="5902"/>
+          </a:xfrm>
+          <a:prstGeom prst="straightConnector1">
+            <a:avLst/>
+          </a:prstGeom>
+          <a:ln>
+            <a:tailEnd type="triangle"/>
+          </a:ln>
+        </p:spPr>
+        <p:style>
+          <a:lnRef idx="1">
+            <a:schemeClr val="accent1"/>
+          </a:lnRef>
+          <a:fillRef idx="0">
+            <a:schemeClr val="accent1"/>
+          </a:fillRef>
+          <a:effectRef idx="0">
+            <a:schemeClr val="accent1"/>
+          </a:effectRef>
+          <a:fontRef idx="minor">
+            <a:schemeClr val="tx1"/>
+          </a:fontRef>
+        </p:style>
+      </p:cxnSp>
+    </p:spTree>
+    <p:extLst>
+      <p:ext uri="{BB962C8B-B14F-4D97-AF65-F5344CB8AC3E}">
+        <p14:creationId xmlns:p14="http://schemas.microsoft.com/office/powerpoint/2010/main" val="2501148607"/>
+      </p:ext>
+    </p:extLst>
+  </p:cSld>
+  <p:clrMapOvr>
+    <a:masterClrMapping/>
+  </p:clrMapOvr>
+</p:sld>
+</file>
+
+<file path=ppt/slides/slide5.xml><?xml version="1.0" encoding="utf-8"?>
+<p:sld xmlns:a="http://schemas.openxmlformats.org/drawingml/2006/main" xmlns:r="http://schemas.openxmlformats.org/officeDocument/2006/relationships" xmlns:p="http://schemas.openxmlformats.org/presentationml/2006/main">
+  <p:cSld>
+    <p:spTree>
+      <p:nvGrpSpPr>
+        <p:cNvPr id="1" name=""/>
+        <p:cNvGrpSpPr/>
+        <p:nvPr/>
+      </p:nvGrpSpPr>
+      <p:grpSpPr>
+        <a:xfrm>
+          <a:off x="0" y="0"/>
+          <a:ext cx="0" cy="0"/>
+          <a:chOff x="0" y="0"/>
+          <a:chExt cx="0" cy="0"/>
+        </a:xfrm>
+      </p:grpSpPr>
+      <p:sp>
+        <p:nvSpPr>
+          <p:cNvPr id="4" name="Заголовок 3">
+            <a:extLst>
+              <a:ext uri="{FF2B5EF4-FFF2-40B4-BE49-F238E27FC236}">
+                <a16:creationId xmlns:a16="http://schemas.microsoft.com/office/drawing/2014/main" id="{269BA996-0366-4804-B464-F7BD8D1FAF70}"/>
+              </a:ext>
+            </a:extLst>
+          </p:cNvPr>
+          <p:cNvSpPr>
+            <a:spLocks noGrp="1"/>
+          </p:cNvSpPr>
+          <p:nvPr>
+            <p:ph type="title"/>
+          </p:nvPr>
+        </p:nvSpPr>
+        <p:spPr/>
+        <p:txBody>
+          <a:bodyPr/>
+          <a:lstStyle/>
+          <a:p>
+            <a:r>
+              <a:rPr lang="ru-RU" dirty="0"/>
               <a:t>Тестирование в </a:t>
             </a:r>
             <a:r>
@@ -10160,7 +13805,7 @@
         <p:spPr>
           <a:xfrm>
             <a:off x="3621741" y="1690688"/>
-            <a:ext cx="7732059" cy="2862322"/>
+            <a:ext cx="7732059" cy="4247317"/>
           </a:xfrm>
           <a:prstGeom prst="rect">
             <a:avLst/>
@@ -10297,6 +13942,45 @@
             <a:r>
               <a:rPr lang="en-US" b="0" dirty="0">
                 <a:solidFill>
+                  <a:srgbClr val="008000"/>
+                </a:solidFill>
+                <a:effectLst/>
+                <a:latin typeface="Consolas" panose="020B0609020204030204" pitchFamily="49" charset="0"/>
+              </a:rPr>
+              <a:t>//</a:t>
+            </a:r>
+            <a:r>
+              <a:rPr lang="ru-RU" b="0" dirty="0">
+                <a:solidFill>
+                  <a:srgbClr val="008000"/>
+                </a:solidFill>
+                <a:effectLst/>
+                <a:latin typeface="Consolas" panose="020B0609020204030204" pitchFamily="49" charset="0"/>
+              </a:rPr>
+              <a:t>Объявление теста</a:t>
+            </a:r>
+            <a:endParaRPr lang="ru-RU" b="0" dirty="0">
+              <a:solidFill>
+                <a:srgbClr val="000000"/>
+              </a:solidFill>
+              <a:effectLst/>
+              <a:latin typeface="Consolas" panose="020B0609020204030204" pitchFamily="49" charset="0"/>
+            </a:endParaRPr>
+          </a:p>
+          <a:p>
+            <a:r>
+              <a:rPr lang="ru-RU" b="0" dirty="0">
+                <a:solidFill>
+                  <a:srgbClr val="000000"/>
+                </a:solidFill>
+                <a:effectLst/>
+                <a:latin typeface="Consolas" panose="020B0609020204030204" pitchFamily="49" charset="0"/>
+              </a:rPr>
+              <a:t>    </a:t>
+            </a:r>
+            <a:r>
+              <a:rPr lang="ru-RU" b="0" dirty="0">
+                <a:solidFill>
                   <a:srgbClr val="A31515"/>
                 </a:solidFill>
                 <a:effectLst/>
@@ -10384,7 +14068,56 @@
                 <a:effectLst/>
                 <a:latin typeface="Consolas" panose="020B0609020204030204" pitchFamily="49" charset="0"/>
               </a:rPr>
-              <a:t>        test(</a:t>
+              <a:t>        </a:t>
+            </a:r>
+            <a:r>
+              <a:rPr lang="en-US" b="0" dirty="0">
+                <a:solidFill>
+                  <a:srgbClr val="008000"/>
+                </a:solidFill>
+                <a:effectLst/>
+                <a:latin typeface="Consolas" panose="020B0609020204030204" pitchFamily="49" charset="0"/>
+              </a:rPr>
+              <a:t>//</a:t>
+            </a:r>
+            <a:r>
+              <a:rPr lang="ru-RU" b="0" dirty="0">
+                <a:solidFill>
+                  <a:srgbClr val="008000"/>
+                </a:solidFill>
+                <a:effectLst/>
+                <a:latin typeface="Consolas" panose="020B0609020204030204" pitchFamily="49" charset="0"/>
+              </a:rPr>
+              <a:t>Начало теста</a:t>
+            </a:r>
+            <a:endParaRPr lang="ru-RU" b="0" dirty="0">
+              <a:solidFill>
+                <a:srgbClr val="000000"/>
+              </a:solidFill>
+              <a:effectLst/>
+              <a:latin typeface="Consolas" panose="020B0609020204030204" pitchFamily="49" charset="0"/>
+            </a:endParaRPr>
+          </a:p>
+          <a:p>
+            <a:r>
+              <a:rPr lang="ru-RU" b="0" dirty="0">
+                <a:solidFill>
+                  <a:srgbClr val="000000"/>
+                </a:solidFill>
+                <a:effectLst/>
+                <a:latin typeface="Consolas" panose="020B0609020204030204" pitchFamily="49" charset="0"/>
+              </a:rPr>
+              <a:t>        </a:t>
+            </a:r>
+            <a:r>
+              <a:rPr lang="en-US" b="0" dirty="0">
+                <a:solidFill>
+                  <a:srgbClr val="000000"/>
+                </a:solidFill>
+                <a:effectLst/>
+                <a:latin typeface="Consolas" panose="020B0609020204030204" pitchFamily="49" charset="0"/>
+              </a:rPr>
+              <a:t>test(</a:t>
             </a:r>
             <a:r>
               <a:rPr lang="en-US" b="0" dirty="0">
@@ -10459,6 +14192,55 @@
               <a:t>            </a:t>
             </a:r>
             <a:r>
+              <a:rPr lang="en-US" b="0" dirty="0">
+                <a:solidFill>
+                  <a:srgbClr val="008000"/>
+                </a:solidFill>
+                <a:effectLst/>
+                <a:latin typeface="Consolas" panose="020B0609020204030204" pitchFamily="49" charset="0"/>
+              </a:rPr>
+              <a:t>//</a:t>
+            </a:r>
+            <a:r>
+              <a:rPr lang="ru-RU" b="0" dirty="0">
+                <a:solidFill>
+                  <a:srgbClr val="008000"/>
+                </a:solidFill>
+                <a:effectLst/>
+                <a:latin typeface="Consolas" panose="020B0609020204030204" pitchFamily="49" charset="0"/>
+              </a:rPr>
+              <a:t>Подали на вход </a:t>
+            </a:r>
+            <a:r>
+              <a:rPr lang="en-US" b="0" dirty="0">
+                <a:solidFill>
+                  <a:srgbClr val="008000"/>
+                </a:solidFill>
+                <a:effectLst/>
+                <a:latin typeface="Consolas" panose="020B0609020204030204" pitchFamily="49" charset="0"/>
+              </a:rPr>
+              <a:t>in 1  </a:t>
+            </a:r>
+            <a:endParaRPr lang="en-US" b="0" dirty="0">
+              <a:solidFill>
+                <a:srgbClr val="000000"/>
+              </a:solidFill>
+              <a:effectLst/>
+              <a:latin typeface="Consolas" panose="020B0609020204030204" pitchFamily="49" charset="0"/>
+            </a:endParaRPr>
+          </a:p>
+          <a:p>
+            <a:r>
+              <a:rPr lang="en-US" b="0" dirty="0">
+                <a:solidFill>
+                  <a:srgbClr val="000000"/>
+                </a:solidFill>
+                <a:effectLst/>
+                <a:latin typeface="Consolas" panose="020B0609020204030204" pitchFamily="49" charset="0"/>
+              </a:rPr>
+              <a:t>            </a:t>
+            </a:r>
+            <a:r>
               <a:rPr lang="en-US" b="0" dirty="0" err="1">
                 <a:solidFill>
                   <a:srgbClr val="000000"/>
@@ -10511,6 +14293,45 @@
               <a:t>            </a:t>
             </a:r>
             <a:r>
+              <a:rPr lang="en-US" b="0" dirty="0">
+                <a:solidFill>
+                  <a:srgbClr val="008000"/>
+                </a:solidFill>
+                <a:effectLst/>
+                <a:latin typeface="Consolas" panose="020B0609020204030204" pitchFamily="49" charset="0"/>
+              </a:rPr>
+              <a:t>//</a:t>
+            </a:r>
+            <a:r>
+              <a:rPr lang="ru-RU" b="0" dirty="0">
+                <a:solidFill>
+                  <a:srgbClr val="008000"/>
+                </a:solidFill>
+                <a:effectLst/>
+                <a:latin typeface="Consolas" panose="020B0609020204030204" pitchFamily="49" charset="0"/>
+              </a:rPr>
+              <a:t>Сделали шаг по времени (один тактовый импульс)</a:t>
+            </a:r>
+            <a:endParaRPr lang="ru-RU" b="0" dirty="0">
+              <a:solidFill>
+                <a:srgbClr val="000000"/>
+              </a:solidFill>
+              <a:effectLst/>
+              <a:latin typeface="Consolas" panose="020B0609020204030204" pitchFamily="49" charset="0"/>
+            </a:endParaRPr>
+          </a:p>
+          <a:p>
+            <a:r>
+              <a:rPr lang="ru-RU" b="0" dirty="0">
+                <a:solidFill>
+                  <a:srgbClr val="000000"/>
+                </a:solidFill>
+                <a:effectLst/>
+                <a:latin typeface="Consolas" panose="020B0609020204030204" pitchFamily="49" charset="0"/>
+              </a:rPr>
+              <a:t>            </a:t>
+            </a:r>
+            <a:r>
               <a:rPr lang="en-US" b="0" dirty="0" err="1">
                 <a:solidFill>
                   <a:srgbClr val="000000"/>
@@ -10534,6 +14355,45 @@
           <a:p>
             <a:r>
               <a:rPr lang="en-US" b="0" dirty="0">
+                <a:solidFill>
+                  <a:srgbClr val="000000"/>
+                </a:solidFill>
+                <a:effectLst/>
+                <a:latin typeface="Consolas" panose="020B0609020204030204" pitchFamily="49" charset="0"/>
+              </a:rPr>
+              <a:t>            </a:t>
+            </a:r>
+            <a:r>
+              <a:rPr lang="en-US" b="0" dirty="0">
+                <a:solidFill>
+                  <a:srgbClr val="008000"/>
+                </a:solidFill>
+                <a:effectLst/>
+                <a:latin typeface="Consolas" panose="020B0609020204030204" pitchFamily="49" charset="0"/>
+              </a:rPr>
+              <a:t>//</a:t>
+            </a:r>
+            <a:r>
+              <a:rPr lang="ru-RU" b="0" dirty="0">
+                <a:solidFill>
+                  <a:srgbClr val="008000"/>
+                </a:solidFill>
+                <a:effectLst/>
+                <a:latin typeface="Consolas" panose="020B0609020204030204" pitchFamily="49" charset="0"/>
+              </a:rPr>
+              <a:t>Проверили результат</a:t>
+            </a:r>
+            <a:endParaRPr lang="ru-RU" b="0" dirty="0">
+              <a:solidFill>
+                <a:srgbClr val="000000"/>
+              </a:solidFill>
+              <a:effectLst/>
+              <a:latin typeface="Consolas" panose="020B0609020204030204" pitchFamily="49" charset="0"/>
+            </a:endParaRPr>
+          </a:p>
+          <a:p>
+            <a:r>
+              <a:rPr lang="ru-RU" b="0" dirty="0">
                 <a:solidFill>
                   <a:srgbClr val="000000"/>
                 </a:solidFill>
@@ -10634,7 +14494,7 @@
           <p:nvPr>
             <p:extLst>
               <p:ext uri="{D42A27DB-BD31-4B8C-83A1-F6EECF244321}">
-                <p14:modId xmlns:p14="http://schemas.microsoft.com/office/powerpoint/2010/main" val="2051071767"/>
+                <p14:modId xmlns:p14="http://schemas.microsoft.com/office/powerpoint/2010/main" val="3460129484"/>
               </p:ext>
             </p:extLst>
           </p:nvPr>
@@ -10697,7 +14557,7 @@
 </p:sld>
 </file>
 
-<file path=ppt/slides/slide5.xml><?xml version="1.0" encoding="utf-8"?>
+<file path=ppt/slides/slide6.xml><?xml version="1.0" encoding="utf-8"?>
 <p:sld xmlns:a="http://schemas.openxmlformats.org/drawingml/2006/main" xmlns:r="http://schemas.openxmlformats.org/officeDocument/2006/relationships" xmlns:p="http://schemas.openxmlformats.org/presentationml/2006/main">
   <p:cSld>
     <p:spTree>
@@ -14092,7 +17952,2357 @@
 </p:sld>
 </file>
 
-<file path=ppt/slides/slide6.xml><?xml version="1.0" encoding="utf-8"?>
+<file path=ppt/slides/slide7.xml><?xml version="1.0" encoding="utf-8"?>
+<p:sld xmlns:a="http://schemas.openxmlformats.org/drawingml/2006/main" xmlns:r="http://schemas.openxmlformats.org/officeDocument/2006/relationships" xmlns:p="http://schemas.openxmlformats.org/presentationml/2006/main">
+  <p:cSld>
+    <p:spTree>
+      <p:nvGrpSpPr>
+        <p:cNvPr id="1" name=""/>
+        <p:cNvGrpSpPr/>
+        <p:nvPr/>
+      </p:nvGrpSpPr>
+      <p:grpSpPr>
+        <a:xfrm>
+          <a:off x="0" y="0"/>
+          <a:ext cx="0" cy="0"/>
+          <a:chOff x="0" y="0"/>
+          <a:chExt cx="0" cy="0"/>
+        </a:xfrm>
+      </p:grpSpPr>
+      <p:sp>
+        <p:nvSpPr>
+          <p:cNvPr id="4" name="Заголовок 3">
+            <a:extLst>
+              <a:ext uri="{FF2B5EF4-FFF2-40B4-BE49-F238E27FC236}">
+                <a16:creationId xmlns:a16="http://schemas.microsoft.com/office/drawing/2014/main" id="{269BA996-0366-4804-B464-F7BD8D1FAF70}"/>
+              </a:ext>
+            </a:extLst>
+          </p:cNvPr>
+          <p:cNvSpPr>
+            <a:spLocks noGrp="1"/>
+          </p:cNvSpPr>
+          <p:nvPr>
+            <p:ph type="title"/>
+          </p:nvPr>
+        </p:nvSpPr>
+        <p:spPr>
+          <a:xfrm>
+            <a:off x="166767" y="43215"/>
+            <a:ext cx="9533965" cy="510317"/>
+          </a:xfrm>
+        </p:spPr>
+        <p:txBody>
+          <a:bodyPr>
+            <a:normAutofit/>
+          </a:bodyPr>
+          <a:lstStyle/>
+          <a:p>
+            <a:r>
+              <a:rPr lang="ru-RU" sz="2800" dirty="0"/>
+              <a:t>Проект в </a:t>
+            </a:r>
+            <a:r>
+              <a:rPr lang="en-US" sz="2800" dirty="0"/>
+              <a:t>Chisel</a:t>
+            </a:r>
+            <a:endParaRPr lang="ru-RU" sz="2800" dirty="0"/>
+          </a:p>
+        </p:txBody>
+      </p:sp>
+      <p:grpSp>
+        <p:nvGrpSpPr>
+          <p:cNvPr id="25" name="Группа 24">
+            <a:extLst>
+              <a:ext uri="{FF2B5EF4-FFF2-40B4-BE49-F238E27FC236}">
+                <a16:creationId xmlns:a16="http://schemas.microsoft.com/office/drawing/2014/main" id="{D307838F-04AD-46BA-AA11-AFE236E7075A}"/>
+              </a:ext>
+            </a:extLst>
+          </p:cNvPr>
+          <p:cNvGrpSpPr/>
+          <p:nvPr/>
+        </p:nvGrpSpPr>
+        <p:grpSpPr>
+          <a:xfrm>
+            <a:off x="166767" y="589502"/>
+            <a:ext cx="11858463" cy="5952564"/>
+            <a:chOff x="107576" y="636494"/>
+            <a:chExt cx="5988424" cy="3236259"/>
+          </a:xfrm>
+        </p:grpSpPr>
+        <p:sp>
+          <p:nvSpPr>
+            <p:cNvPr id="2" name="Прямоугольник 1">
+              <a:extLst>
+                <a:ext uri="{FF2B5EF4-FFF2-40B4-BE49-F238E27FC236}">
+                  <a16:creationId xmlns:a16="http://schemas.microsoft.com/office/drawing/2014/main" id="{60239DBC-C184-4DA0-AEEE-9F2310AED4D3}"/>
+                </a:ext>
+              </a:extLst>
+            </p:cNvPr>
+            <p:cNvSpPr/>
+            <p:nvPr/>
+          </p:nvSpPr>
+          <p:spPr>
+            <a:xfrm>
+              <a:off x="107576" y="636494"/>
+              <a:ext cx="5988424" cy="3236259"/>
+            </a:xfrm>
+            <a:prstGeom prst="rect">
+              <a:avLst/>
+            </a:prstGeom>
+            <a:ln/>
+          </p:spPr>
+          <p:style>
+            <a:lnRef idx="2">
+              <a:schemeClr val="dk1"/>
+            </a:lnRef>
+            <a:fillRef idx="1">
+              <a:schemeClr val="lt1"/>
+            </a:fillRef>
+            <a:effectRef idx="0">
+              <a:schemeClr val="dk1"/>
+            </a:effectRef>
+            <a:fontRef idx="minor">
+              <a:schemeClr val="dk1"/>
+            </a:fontRef>
+          </p:style>
+          <p:txBody>
+            <a:bodyPr rtlCol="0" anchor="ctr"/>
+            <a:lstStyle/>
+            <a:p>
+              <a:pPr algn="ctr"/>
+              <a:endParaRPr lang="ru-RU"/>
+            </a:p>
+          </p:txBody>
+        </p:sp>
+        <p:sp>
+          <p:nvSpPr>
+            <p:cNvPr id="98" name="Прямоугольник: скругленные углы 97">
+              <a:extLst>
+                <a:ext uri="{FF2B5EF4-FFF2-40B4-BE49-F238E27FC236}">
+                  <a16:creationId xmlns:a16="http://schemas.microsoft.com/office/drawing/2014/main" id="{41FB28D5-99D1-43E5-9B18-5EBDA64F1C7F}"/>
+                </a:ext>
+              </a:extLst>
+            </p:cNvPr>
+            <p:cNvSpPr/>
+            <p:nvPr/>
+          </p:nvSpPr>
+          <p:spPr>
+            <a:xfrm>
+              <a:off x="230811" y="732063"/>
+              <a:ext cx="1420507" cy="199918"/>
+            </a:xfrm>
+            <a:prstGeom prst="roundRect">
+              <a:avLst/>
+            </a:prstGeom>
+          </p:spPr>
+          <p:style>
+            <a:lnRef idx="2">
+              <a:schemeClr val="accent2">
+                <a:shade val="50000"/>
+              </a:schemeClr>
+            </a:lnRef>
+            <a:fillRef idx="1">
+              <a:schemeClr val="accent2"/>
+            </a:fillRef>
+            <a:effectRef idx="0">
+              <a:schemeClr val="accent2"/>
+            </a:effectRef>
+            <a:fontRef idx="minor">
+              <a:schemeClr val="lt1"/>
+            </a:fontRef>
+          </p:style>
+          <p:txBody>
+            <a:bodyPr rtlCol="0" anchor="ctr"/>
+            <a:lstStyle/>
+            <a:p>
+              <a:pPr algn="ctr"/>
+              <a:r>
+                <a:rPr lang="en-US" dirty="0" err="1"/>
+                <a:t>ArithmeticUnit</a:t>
+              </a:r>
+              <a:endParaRPr lang="ru-RU" dirty="0"/>
+            </a:p>
+          </p:txBody>
+        </p:sp>
+      </p:grpSp>
+      <p:grpSp>
+        <p:nvGrpSpPr>
+          <p:cNvPr id="46" name="Группа 45">
+            <a:extLst>
+              <a:ext uri="{FF2B5EF4-FFF2-40B4-BE49-F238E27FC236}">
+                <a16:creationId xmlns:a16="http://schemas.microsoft.com/office/drawing/2014/main" id="{403979A3-A375-4A57-BE21-B909D68123B1}"/>
+              </a:ext>
+            </a:extLst>
+          </p:cNvPr>
+          <p:cNvGrpSpPr/>
+          <p:nvPr/>
+        </p:nvGrpSpPr>
+        <p:grpSpPr>
+          <a:xfrm>
+            <a:off x="351609" y="1355777"/>
+            <a:ext cx="3016623" cy="3696884"/>
+            <a:chOff x="7243484" y="713751"/>
+            <a:chExt cx="3016623" cy="3696884"/>
+          </a:xfrm>
+        </p:grpSpPr>
+        <p:grpSp>
+          <p:nvGrpSpPr>
+            <p:cNvPr id="27" name="Группа 26">
+              <a:extLst>
+                <a:ext uri="{FF2B5EF4-FFF2-40B4-BE49-F238E27FC236}">
+                  <a16:creationId xmlns:a16="http://schemas.microsoft.com/office/drawing/2014/main" id="{0D97ACBE-DB01-4232-B173-5426212D04CE}"/>
+                </a:ext>
+              </a:extLst>
+            </p:cNvPr>
+            <p:cNvGrpSpPr/>
+            <p:nvPr/>
+          </p:nvGrpSpPr>
+          <p:grpSpPr>
+            <a:xfrm>
+              <a:off x="7243484" y="713751"/>
+              <a:ext cx="3016623" cy="3696884"/>
+              <a:chOff x="6082553" y="636495"/>
+              <a:chExt cx="4840942" cy="2616138"/>
+            </a:xfrm>
+          </p:grpSpPr>
+          <p:sp>
+            <p:nvSpPr>
+              <p:cNvPr id="108" name="Прямоугольник 107">
+                <a:extLst>
+                  <a:ext uri="{FF2B5EF4-FFF2-40B4-BE49-F238E27FC236}">
+                    <a16:creationId xmlns:a16="http://schemas.microsoft.com/office/drawing/2014/main" id="{E41B6876-3080-49D1-A31F-06549F9E9C84}"/>
+                  </a:ext>
+                </a:extLst>
+              </p:cNvPr>
+              <p:cNvSpPr/>
+              <p:nvPr/>
+            </p:nvSpPr>
+            <p:spPr>
+              <a:xfrm>
+                <a:off x="6082553" y="636495"/>
+                <a:ext cx="4840942" cy="2616138"/>
+              </a:xfrm>
+              <a:prstGeom prst="rect">
+                <a:avLst/>
+              </a:prstGeom>
+              <a:ln/>
+            </p:spPr>
+            <p:style>
+              <a:lnRef idx="2">
+                <a:schemeClr val="dk1"/>
+              </a:lnRef>
+              <a:fillRef idx="1">
+                <a:schemeClr val="lt1"/>
+              </a:fillRef>
+              <a:effectRef idx="0">
+                <a:schemeClr val="dk1"/>
+              </a:effectRef>
+              <a:fontRef idx="minor">
+                <a:schemeClr val="dk1"/>
+              </a:fontRef>
+            </p:style>
+            <p:txBody>
+              <a:bodyPr rtlCol="0" anchor="ctr"/>
+              <a:lstStyle/>
+              <a:p>
+                <a:pPr algn="ctr"/>
+                <a:endParaRPr lang="ru-RU" dirty="0"/>
+              </a:p>
+            </p:txBody>
+          </p:sp>
+          <p:sp>
+            <p:nvSpPr>
+              <p:cNvPr id="109" name="Прямоугольник: скругленные углы 108">
+                <a:extLst>
+                  <a:ext uri="{FF2B5EF4-FFF2-40B4-BE49-F238E27FC236}">
+                    <a16:creationId xmlns:a16="http://schemas.microsoft.com/office/drawing/2014/main" id="{6193B50B-91CC-45BA-A321-42993173053A}"/>
+                  </a:ext>
+                </a:extLst>
+              </p:cNvPr>
+              <p:cNvSpPr/>
+              <p:nvPr/>
+            </p:nvSpPr>
+            <p:spPr>
+              <a:xfrm>
+                <a:off x="6177689" y="713751"/>
+                <a:ext cx="3205505" cy="289877"/>
+              </a:xfrm>
+              <a:prstGeom prst="roundRect">
+                <a:avLst/>
+              </a:prstGeom>
+            </p:spPr>
+            <p:style>
+              <a:lnRef idx="2">
+                <a:schemeClr val="accent2">
+                  <a:shade val="50000"/>
+                </a:schemeClr>
+              </a:lnRef>
+              <a:fillRef idx="1">
+                <a:schemeClr val="accent2"/>
+              </a:fillRef>
+              <a:effectRef idx="0">
+                <a:schemeClr val="accent2"/>
+              </a:effectRef>
+              <a:fontRef idx="minor">
+                <a:schemeClr val="lt1"/>
+              </a:fontRef>
+            </p:style>
+            <p:txBody>
+              <a:bodyPr rtlCol="0" anchor="ctr"/>
+              <a:lstStyle/>
+              <a:p>
+                <a:pPr algn="ctr"/>
+                <a:r>
+                  <a:rPr lang="en-US" dirty="0" err="1"/>
+                  <a:t>AUBundle</a:t>
+                </a:r>
+                <a:endParaRPr lang="ru-RU" dirty="0"/>
+              </a:p>
+            </p:txBody>
+          </p:sp>
+        </p:grpSp>
+        <p:grpSp>
+          <p:nvGrpSpPr>
+            <p:cNvPr id="41" name="Группа 40">
+              <a:extLst>
+                <a:ext uri="{FF2B5EF4-FFF2-40B4-BE49-F238E27FC236}">
+                  <a16:creationId xmlns:a16="http://schemas.microsoft.com/office/drawing/2014/main" id="{585FE42E-66F0-43FE-8232-83EEB5C76C29}"/>
+                </a:ext>
+              </a:extLst>
+            </p:cNvPr>
+            <p:cNvGrpSpPr/>
+            <p:nvPr/>
+          </p:nvGrpSpPr>
+          <p:grpSpPr>
+            <a:xfrm>
+              <a:off x="7392778" y="1341719"/>
+              <a:ext cx="1299626" cy="2934027"/>
+              <a:chOff x="7392778" y="1341719"/>
+              <a:chExt cx="1299626" cy="2934027"/>
+            </a:xfrm>
+          </p:grpSpPr>
+          <p:grpSp>
+            <p:nvGrpSpPr>
+              <p:cNvPr id="32" name="Группа 31">
+                <a:extLst>
+                  <a:ext uri="{FF2B5EF4-FFF2-40B4-BE49-F238E27FC236}">
+                    <a16:creationId xmlns:a16="http://schemas.microsoft.com/office/drawing/2014/main" id="{A75C646D-D6E5-4E5B-82C8-109846CE1781}"/>
+                  </a:ext>
+                </a:extLst>
+              </p:cNvPr>
+              <p:cNvGrpSpPr/>
+              <p:nvPr/>
+            </p:nvGrpSpPr>
+            <p:grpSpPr>
+              <a:xfrm>
+                <a:off x="7392778" y="1341719"/>
+                <a:ext cx="1270237" cy="2399027"/>
+                <a:chOff x="8519222" y="1775011"/>
+                <a:chExt cx="1270237" cy="2399027"/>
+              </a:xfrm>
+            </p:grpSpPr>
+            <p:sp>
+              <p:nvSpPr>
+                <p:cNvPr id="30" name="Прямоугольник: скругленные углы 29">
+                  <a:extLst>
+                    <a:ext uri="{FF2B5EF4-FFF2-40B4-BE49-F238E27FC236}">
+                      <a16:creationId xmlns:a16="http://schemas.microsoft.com/office/drawing/2014/main" id="{DABC167F-A37A-4054-8E7D-7A4D659BDA2C}"/>
+                    </a:ext>
+                  </a:extLst>
+                </p:cNvPr>
+                <p:cNvSpPr/>
+                <p:nvPr/>
+              </p:nvSpPr>
+              <p:spPr>
+                <a:xfrm>
+                  <a:off x="8519222" y="1775011"/>
+                  <a:ext cx="1270237" cy="2399027"/>
+                </a:xfrm>
+                <a:prstGeom prst="roundRect">
+                  <a:avLst/>
+                </a:prstGeom>
+                <a:solidFill>
+                  <a:schemeClr val="accent6">
+                    <a:lumMod val="40000"/>
+                    <a:lumOff val="60000"/>
+                  </a:schemeClr>
+                </a:solidFill>
+              </p:spPr>
+              <p:style>
+                <a:lnRef idx="2">
+                  <a:schemeClr val="accent6">
+                    <a:shade val="50000"/>
+                  </a:schemeClr>
+                </a:lnRef>
+                <a:fillRef idx="1">
+                  <a:schemeClr val="accent6"/>
+                </a:fillRef>
+                <a:effectRef idx="0">
+                  <a:schemeClr val="accent6"/>
+                </a:effectRef>
+                <a:fontRef idx="minor">
+                  <a:schemeClr val="lt1"/>
+                </a:fontRef>
+              </p:style>
+              <p:txBody>
+                <a:bodyPr rtlCol="0" anchor="ctr"/>
+                <a:lstStyle/>
+                <a:p>
+                  <a:pPr algn="ctr"/>
+                  <a:endParaRPr lang="en-US" dirty="0"/>
+                </a:p>
+              </p:txBody>
+            </p:sp>
+            <p:sp>
+              <p:nvSpPr>
+                <p:cNvPr id="31" name="TextBox 30">
+                  <a:extLst>
+                    <a:ext uri="{FF2B5EF4-FFF2-40B4-BE49-F238E27FC236}">
+                      <a16:creationId xmlns:a16="http://schemas.microsoft.com/office/drawing/2014/main" id="{9BBC419C-25EB-4F6E-AC11-2F22E5CA74AD}"/>
+                    </a:ext>
+                  </a:extLst>
+                </p:cNvPr>
+                <p:cNvSpPr txBox="1"/>
+                <p:nvPr/>
+              </p:nvSpPr>
+              <p:spPr>
+                <a:xfrm>
+                  <a:off x="8677502" y="2300729"/>
+                  <a:ext cx="1012457" cy="1754326"/>
+                </a:xfrm>
+                <a:prstGeom prst="rect">
+                  <a:avLst/>
+                </a:prstGeom>
+                <a:noFill/>
+              </p:spPr>
+              <p:txBody>
+                <a:bodyPr wrap="none" rtlCol="0">
+                  <a:spAutoFit/>
+                </a:bodyPr>
+                <a:lstStyle/>
+                <a:p>
+                  <a:pPr algn="ctr"/>
+                  <a:r>
+                    <a:rPr lang="en-US" dirty="0"/>
+                    <a:t>valid</a:t>
+                  </a:r>
+                </a:p>
+                <a:p>
+                  <a:pPr algn="ctr"/>
+                  <a:r>
+                    <a:rPr lang="en-US" dirty="0"/>
+                    <a:t>op1</a:t>
+                  </a:r>
+                </a:p>
+                <a:p>
+                  <a:pPr algn="ctr"/>
+                  <a:r>
+                    <a:rPr lang="en-US" dirty="0"/>
+                    <a:t>op2</a:t>
+                  </a:r>
+                </a:p>
+                <a:p>
+                  <a:pPr algn="ctr"/>
+                  <a:r>
+                    <a:rPr lang="en-US" dirty="0"/>
+                    <a:t>Out</a:t>
+                  </a:r>
+                </a:p>
+                <a:p>
+                  <a:pPr algn="ctr"/>
+                  <a:r>
+                    <a:rPr lang="en-US" dirty="0"/>
+                    <a:t>ready </a:t>
+                  </a:r>
+                </a:p>
+                <a:p>
+                  <a:pPr algn="ctr"/>
+                  <a:r>
+                    <a:rPr lang="en-US" dirty="0"/>
+                    <a:t>overflow</a:t>
+                  </a:r>
+                </a:p>
+              </p:txBody>
+            </p:sp>
+            <p:sp>
+              <p:nvSpPr>
+                <p:cNvPr id="119" name="Прямоугольник: скругленные углы 118">
+                  <a:extLst>
+                    <a:ext uri="{FF2B5EF4-FFF2-40B4-BE49-F238E27FC236}">
+                      <a16:creationId xmlns:a16="http://schemas.microsoft.com/office/drawing/2014/main" id="{596C7937-2216-43E9-A71F-3F58C7B08D2B}"/>
+                    </a:ext>
+                  </a:extLst>
+                </p:cNvPr>
+                <p:cNvSpPr/>
+                <p:nvPr/>
+              </p:nvSpPr>
+              <p:spPr>
+                <a:xfrm>
+                  <a:off x="8602650" y="1891102"/>
+                  <a:ext cx="1087309" cy="409627"/>
+                </a:xfrm>
+                <a:prstGeom prst="roundRect">
+                  <a:avLst/>
+                </a:prstGeom>
+              </p:spPr>
+              <p:style>
+                <a:lnRef idx="2">
+                  <a:schemeClr val="accent2">
+                    <a:shade val="50000"/>
+                  </a:schemeClr>
+                </a:lnRef>
+                <a:fillRef idx="1">
+                  <a:schemeClr val="accent2"/>
+                </a:fillRef>
+                <a:effectRef idx="0">
+                  <a:schemeClr val="accent2"/>
+                </a:effectRef>
+                <a:fontRef idx="minor">
+                  <a:schemeClr val="lt1"/>
+                </a:fontRef>
+              </p:style>
+              <p:txBody>
+                <a:bodyPr rtlCol="0" anchor="ctr"/>
+                <a:lstStyle/>
+                <a:p>
+                  <a:pPr algn="ctr"/>
+                  <a:r>
+                    <a:rPr lang="en-US" sz="1400" dirty="0" err="1"/>
+                    <a:t>CmdBundle</a:t>
+                  </a:r>
+                  <a:endParaRPr lang="ru-RU" sz="1400" dirty="0"/>
+                </a:p>
+              </p:txBody>
+            </p:sp>
+          </p:grpSp>
+          <p:sp>
+            <p:nvSpPr>
+              <p:cNvPr id="121" name="Прямоугольник: скругленные углы 120">
+                <a:extLst>
+                  <a:ext uri="{FF2B5EF4-FFF2-40B4-BE49-F238E27FC236}">
+                    <a16:creationId xmlns:a16="http://schemas.microsoft.com/office/drawing/2014/main" id="{15E8D059-FDC1-40EA-B5C1-7C62D55D4B45}"/>
+                  </a:ext>
+                </a:extLst>
+              </p:cNvPr>
+              <p:cNvSpPr/>
+              <p:nvPr/>
+            </p:nvSpPr>
+            <p:spPr>
+              <a:xfrm>
+                <a:off x="7422167" y="3839090"/>
+                <a:ext cx="1270237" cy="436656"/>
+              </a:xfrm>
+              <a:prstGeom prst="roundRect">
+                <a:avLst/>
+              </a:prstGeom>
+              <a:solidFill>
+                <a:schemeClr val="accent6">
+                  <a:lumMod val="40000"/>
+                  <a:lumOff val="60000"/>
+                </a:schemeClr>
+              </a:solidFill>
+            </p:spPr>
+            <p:style>
+              <a:lnRef idx="2">
+                <a:schemeClr val="accent6">
+                  <a:shade val="50000"/>
+                </a:schemeClr>
+              </a:lnRef>
+              <a:fillRef idx="1">
+                <a:schemeClr val="accent6"/>
+              </a:fillRef>
+              <a:effectRef idx="0">
+                <a:schemeClr val="accent6"/>
+              </a:effectRef>
+              <a:fontRef idx="minor">
+                <a:schemeClr val="lt1"/>
+              </a:fontRef>
+            </p:style>
+            <p:txBody>
+              <a:bodyPr rtlCol="0" anchor="ctr"/>
+              <a:lstStyle/>
+              <a:p>
+                <a:pPr algn="ctr"/>
+                <a:r>
+                  <a:rPr lang="en-US" dirty="0" err="1">
+                    <a:solidFill>
+                      <a:schemeClr val="tx1"/>
+                    </a:solidFill>
+                  </a:rPr>
+                  <a:t>cmd</a:t>
+                </a:r>
+                <a:endParaRPr lang="en-US" dirty="0">
+                  <a:solidFill>
+                    <a:schemeClr val="tx1"/>
+                  </a:solidFill>
+                </a:endParaRPr>
+              </a:p>
+            </p:txBody>
+          </p:sp>
+        </p:grpSp>
+        <p:cxnSp>
+          <p:nvCxnSpPr>
+            <p:cNvPr id="43" name="Соединитель: уступ 42">
+              <a:extLst>
+                <a:ext uri="{FF2B5EF4-FFF2-40B4-BE49-F238E27FC236}">
+                  <a16:creationId xmlns:a16="http://schemas.microsoft.com/office/drawing/2014/main" id="{04669D81-319B-40E7-B423-8FC21FE3262E}"/>
+                </a:ext>
+              </a:extLst>
+            </p:cNvPr>
+            <p:cNvCxnSpPr>
+              <a:cxnSpLocks/>
+              <a:stCxn id="30" idx="3"/>
+              <a:endCxn id="109" idx="3"/>
+            </p:cNvCxnSpPr>
+            <p:nvPr/>
+          </p:nvCxnSpPr>
+          <p:spPr>
+            <a:xfrm flipV="1">
+              <a:off x="8663015" y="1027736"/>
+              <a:ext cx="637257" cy="1513497"/>
+            </a:xfrm>
+            <a:prstGeom prst="bentConnector3">
+              <a:avLst>
+                <a:gd name="adj1" fmla="val 135872"/>
+              </a:avLst>
+            </a:prstGeom>
+            <a:ln>
+              <a:tailEnd type="triangle"/>
+            </a:ln>
+          </p:spPr>
+          <p:style>
+            <a:lnRef idx="1">
+              <a:schemeClr val="accent1"/>
+            </a:lnRef>
+            <a:fillRef idx="0">
+              <a:schemeClr val="accent1"/>
+            </a:fillRef>
+            <a:effectRef idx="0">
+              <a:schemeClr val="accent1"/>
+            </a:effectRef>
+            <a:fontRef idx="minor">
+              <a:schemeClr val="tx1"/>
+            </a:fontRef>
+          </p:style>
+        </p:cxnSp>
+        <p:cxnSp>
+          <p:nvCxnSpPr>
+            <p:cNvPr id="45" name="Соединитель: уступ 44">
+              <a:extLst>
+                <a:ext uri="{FF2B5EF4-FFF2-40B4-BE49-F238E27FC236}">
+                  <a16:creationId xmlns:a16="http://schemas.microsoft.com/office/drawing/2014/main" id="{AD5F884D-45EC-46B6-8BEB-4ED40F708C1F}"/>
+                </a:ext>
+              </a:extLst>
+            </p:cNvPr>
+            <p:cNvCxnSpPr>
+              <a:stCxn id="121" idx="3"/>
+              <a:endCxn id="109" idx="3"/>
+            </p:cNvCxnSpPr>
+            <p:nvPr/>
+          </p:nvCxnSpPr>
+          <p:spPr>
+            <a:xfrm flipV="1">
+              <a:off x="8692404" y="1027736"/>
+              <a:ext cx="607868" cy="3029682"/>
+            </a:xfrm>
+            <a:prstGeom prst="bentConnector3">
+              <a:avLst>
+                <a:gd name="adj1" fmla="val 136132"/>
+              </a:avLst>
+            </a:prstGeom>
+            <a:ln>
+              <a:tailEnd type="triangle"/>
+            </a:ln>
+          </p:spPr>
+          <p:style>
+            <a:lnRef idx="1">
+              <a:schemeClr val="accent1"/>
+            </a:lnRef>
+            <a:fillRef idx="0">
+              <a:schemeClr val="accent1"/>
+            </a:fillRef>
+            <a:effectRef idx="0">
+              <a:schemeClr val="accent1"/>
+            </a:effectRef>
+            <a:fontRef idx="minor">
+              <a:schemeClr val="tx1"/>
+            </a:fontRef>
+          </p:style>
+        </p:cxnSp>
+      </p:grpSp>
+      <p:grpSp>
+        <p:nvGrpSpPr>
+          <p:cNvPr id="127" name="Группа 126">
+            <a:extLst>
+              <a:ext uri="{FF2B5EF4-FFF2-40B4-BE49-F238E27FC236}">
+                <a16:creationId xmlns:a16="http://schemas.microsoft.com/office/drawing/2014/main" id="{B5874895-087E-4832-957F-DF01328DB369}"/>
+              </a:ext>
+            </a:extLst>
+          </p:cNvPr>
+          <p:cNvGrpSpPr/>
+          <p:nvPr/>
+        </p:nvGrpSpPr>
+        <p:grpSpPr>
+          <a:xfrm>
+            <a:off x="4016188" y="1355777"/>
+            <a:ext cx="5423647" cy="3696884"/>
+            <a:chOff x="4016188" y="1357871"/>
+            <a:chExt cx="5423647" cy="3559901"/>
+          </a:xfrm>
+        </p:grpSpPr>
+        <p:sp>
+          <p:nvSpPr>
+            <p:cNvPr id="111" name="Прямоугольник 110">
+              <a:extLst>
+                <a:ext uri="{FF2B5EF4-FFF2-40B4-BE49-F238E27FC236}">
+                  <a16:creationId xmlns:a16="http://schemas.microsoft.com/office/drawing/2014/main" id="{18B9F31A-2AA2-476C-8E40-218AB658874C}"/>
+                </a:ext>
+              </a:extLst>
+            </p:cNvPr>
+            <p:cNvSpPr/>
+            <p:nvPr/>
+          </p:nvSpPr>
+          <p:spPr>
+            <a:xfrm>
+              <a:off x="4016188" y="1357871"/>
+              <a:ext cx="5423647" cy="3559901"/>
+            </a:xfrm>
+            <a:prstGeom prst="rect">
+              <a:avLst/>
+            </a:prstGeom>
+            <a:ln/>
+          </p:spPr>
+          <p:style>
+            <a:lnRef idx="2">
+              <a:schemeClr val="dk1"/>
+            </a:lnRef>
+            <a:fillRef idx="1">
+              <a:schemeClr val="lt1"/>
+            </a:fillRef>
+            <a:effectRef idx="0">
+              <a:schemeClr val="dk1"/>
+            </a:effectRef>
+            <a:fontRef idx="minor">
+              <a:schemeClr val="dk1"/>
+            </a:fontRef>
+          </p:style>
+          <p:txBody>
+            <a:bodyPr rtlCol="0" anchor="ctr"/>
+            <a:lstStyle/>
+            <a:p>
+              <a:pPr algn="ctr"/>
+              <a:endParaRPr lang="ru-RU" dirty="0"/>
+            </a:p>
+          </p:txBody>
+        </p:sp>
+        <p:sp>
+          <p:nvSpPr>
+            <p:cNvPr id="112" name="Прямоугольник: скругленные углы 111">
+              <a:extLst>
+                <a:ext uri="{FF2B5EF4-FFF2-40B4-BE49-F238E27FC236}">
+                  <a16:creationId xmlns:a16="http://schemas.microsoft.com/office/drawing/2014/main" id="{8F5DEB13-5EC1-4CD6-BF1D-5324DBB701A5}"/>
+                </a:ext>
+              </a:extLst>
+            </p:cNvPr>
+            <p:cNvSpPr/>
+            <p:nvPr/>
+          </p:nvSpPr>
+          <p:spPr>
+            <a:xfrm>
+              <a:off x="4472687" y="1427144"/>
+              <a:ext cx="2333744" cy="289877"/>
+            </a:xfrm>
+            <a:prstGeom prst="roundRect">
+              <a:avLst/>
+            </a:prstGeom>
+          </p:spPr>
+          <p:style>
+            <a:lnRef idx="2">
+              <a:schemeClr val="accent2">
+                <a:shade val="50000"/>
+              </a:schemeClr>
+            </a:lnRef>
+            <a:fillRef idx="1">
+              <a:schemeClr val="accent2"/>
+            </a:fillRef>
+            <a:effectRef idx="0">
+              <a:schemeClr val="accent2"/>
+            </a:effectRef>
+            <a:fontRef idx="minor">
+              <a:schemeClr val="lt1"/>
+            </a:fontRef>
+          </p:style>
+          <p:txBody>
+            <a:bodyPr rtlCol="0" anchor="ctr"/>
+            <a:lstStyle/>
+            <a:p>
+              <a:pPr algn="ctr"/>
+              <a:r>
+                <a:rPr lang="en-US" dirty="0" err="1"/>
+                <a:t>AUSubmodule</a:t>
+              </a:r>
+              <a:endParaRPr lang="ru-RU" dirty="0"/>
+            </a:p>
+          </p:txBody>
+        </p:sp>
+        <p:grpSp>
+          <p:nvGrpSpPr>
+            <p:cNvPr id="51" name="Группа 50">
+              <a:extLst>
+                <a:ext uri="{FF2B5EF4-FFF2-40B4-BE49-F238E27FC236}">
+                  <a16:creationId xmlns:a16="http://schemas.microsoft.com/office/drawing/2014/main" id="{7B28EF17-B0A5-4168-8470-38FEB685EAC7}"/>
+                </a:ext>
+              </a:extLst>
+            </p:cNvPr>
+            <p:cNvGrpSpPr/>
+            <p:nvPr/>
+          </p:nvGrpSpPr>
+          <p:grpSpPr>
+            <a:xfrm>
+              <a:off x="6459908" y="1874575"/>
+              <a:ext cx="2414454" cy="1899379"/>
+              <a:chOff x="5228051" y="2307624"/>
+              <a:chExt cx="1554995" cy="3500368"/>
+            </a:xfrm>
+          </p:grpSpPr>
+          <p:sp>
+            <p:nvSpPr>
+              <p:cNvPr id="136" name="Прямоугольник: скругленные углы 135">
+                <a:extLst>
+                  <a:ext uri="{FF2B5EF4-FFF2-40B4-BE49-F238E27FC236}">
+                    <a16:creationId xmlns:a16="http://schemas.microsoft.com/office/drawing/2014/main" id="{19E16DB5-09FF-41CF-B1A8-FAAF24FA725C}"/>
+                  </a:ext>
+                </a:extLst>
+              </p:cNvPr>
+              <p:cNvSpPr/>
+              <p:nvPr/>
+            </p:nvSpPr>
+            <p:spPr>
+              <a:xfrm>
+                <a:off x="5232149" y="3195193"/>
+                <a:ext cx="1550897" cy="767272"/>
+              </a:xfrm>
+              <a:prstGeom prst="roundRect">
+                <a:avLst/>
+              </a:prstGeom>
+            </p:spPr>
+            <p:style>
+              <a:lnRef idx="2">
+                <a:schemeClr val="accent1">
+                  <a:shade val="50000"/>
+                </a:schemeClr>
+              </a:lnRef>
+              <a:fillRef idx="1">
+                <a:schemeClr val="accent1"/>
+              </a:fillRef>
+              <a:effectRef idx="0">
+                <a:schemeClr val="accent1"/>
+              </a:effectRef>
+              <a:fontRef idx="minor">
+                <a:schemeClr val="lt1"/>
+              </a:fontRef>
+            </p:style>
+            <p:txBody>
+              <a:bodyPr rtlCol="0" anchor="ctr"/>
+              <a:lstStyle/>
+              <a:p>
+                <a:pPr algn="ctr"/>
+                <a:r>
+                  <a:rPr lang="ru-RU" dirty="0" err="1"/>
+                  <a:t>Вычитатель</a:t>
+                </a:r>
+                <a:endParaRPr lang="ru-RU" dirty="0"/>
+              </a:p>
+            </p:txBody>
+          </p:sp>
+          <p:sp>
+            <p:nvSpPr>
+              <p:cNvPr id="137" name="Прямоугольник: скругленные углы 136">
+                <a:extLst>
+                  <a:ext uri="{FF2B5EF4-FFF2-40B4-BE49-F238E27FC236}">
+                    <a16:creationId xmlns:a16="http://schemas.microsoft.com/office/drawing/2014/main" id="{49615F62-C6AB-42A6-B698-DD9A883C5991}"/>
+                  </a:ext>
+                </a:extLst>
+              </p:cNvPr>
+              <p:cNvSpPr/>
+              <p:nvPr/>
+            </p:nvSpPr>
+            <p:spPr>
+              <a:xfrm>
+                <a:off x="5231030" y="2307624"/>
+                <a:ext cx="1550897" cy="767273"/>
+              </a:xfrm>
+              <a:prstGeom prst="roundRect">
+                <a:avLst/>
+              </a:prstGeom>
+            </p:spPr>
+            <p:style>
+              <a:lnRef idx="2">
+                <a:schemeClr val="accent1">
+                  <a:shade val="50000"/>
+                </a:schemeClr>
+              </a:lnRef>
+              <a:fillRef idx="1">
+                <a:schemeClr val="accent1"/>
+              </a:fillRef>
+              <a:effectRef idx="0">
+                <a:schemeClr val="accent1"/>
+              </a:effectRef>
+              <a:fontRef idx="minor">
+                <a:schemeClr val="lt1"/>
+              </a:fontRef>
+            </p:style>
+            <p:txBody>
+              <a:bodyPr rtlCol="0" anchor="ctr"/>
+              <a:lstStyle/>
+              <a:p>
+                <a:pPr algn="ctr"/>
+                <a:r>
+                  <a:rPr lang="ru-RU" dirty="0"/>
+                  <a:t>Сумматор</a:t>
+                </a:r>
+              </a:p>
+            </p:txBody>
+          </p:sp>
+          <p:sp>
+            <p:nvSpPr>
+              <p:cNvPr id="139" name="Прямоугольник: скругленные углы 138">
+                <a:extLst>
+                  <a:ext uri="{FF2B5EF4-FFF2-40B4-BE49-F238E27FC236}">
+                    <a16:creationId xmlns:a16="http://schemas.microsoft.com/office/drawing/2014/main" id="{18A56B33-CD73-498E-8859-21EF5F19C585}"/>
+                  </a:ext>
+                </a:extLst>
+              </p:cNvPr>
+              <p:cNvSpPr/>
+              <p:nvPr/>
+            </p:nvSpPr>
+            <p:spPr>
+              <a:xfrm>
+                <a:off x="5228052" y="4153152"/>
+                <a:ext cx="1550897" cy="767272"/>
+              </a:xfrm>
+              <a:prstGeom prst="roundRect">
+                <a:avLst/>
+              </a:prstGeom>
+            </p:spPr>
+            <p:style>
+              <a:lnRef idx="2">
+                <a:schemeClr val="accent1">
+                  <a:shade val="50000"/>
+                </a:schemeClr>
+              </a:lnRef>
+              <a:fillRef idx="1">
+                <a:schemeClr val="accent1"/>
+              </a:fillRef>
+              <a:effectRef idx="0">
+                <a:schemeClr val="accent1"/>
+              </a:effectRef>
+              <a:fontRef idx="minor">
+                <a:schemeClr val="lt1"/>
+              </a:fontRef>
+            </p:style>
+            <p:txBody>
+              <a:bodyPr rtlCol="0" anchor="ctr"/>
+              <a:lstStyle/>
+              <a:p>
+                <a:pPr algn="ctr"/>
+                <a:r>
+                  <a:rPr lang="ru-RU" dirty="0"/>
+                  <a:t>Умножитель</a:t>
+                </a:r>
+              </a:p>
+            </p:txBody>
+          </p:sp>
+          <p:sp>
+            <p:nvSpPr>
+              <p:cNvPr id="140" name="Прямоугольник: скругленные углы 139">
+                <a:extLst>
+                  <a:ext uri="{FF2B5EF4-FFF2-40B4-BE49-F238E27FC236}">
+                    <a16:creationId xmlns:a16="http://schemas.microsoft.com/office/drawing/2014/main" id="{7DE25E90-55B3-416C-B8BC-2B30765DD4DD}"/>
+                  </a:ext>
+                </a:extLst>
+              </p:cNvPr>
+              <p:cNvSpPr/>
+              <p:nvPr/>
+            </p:nvSpPr>
+            <p:spPr>
+              <a:xfrm>
+                <a:off x="5228051" y="5040720"/>
+                <a:ext cx="1550897" cy="767272"/>
+              </a:xfrm>
+              <a:prstGeom prst="roundRect">
+                <a:avLst/>
+              </a:prstGeom>
+            </p:spPr>
+            <p:style>
+              <a:lnRef idx="2">
+                <a:schemeClr val="accent1">
+                  <a:shade val="50000"/>
+                </a:schemeClr>
+              </a:lnRef>
+              <a:fillRef idx="1">
+                <a:schemeClr val="accent1"/>
+              </a:fillRef>
+              <a:effectRef idx="0">
+                <a:schemeClr val="accent1"/>
+              </a:effectRef>
+              <a:fontRef idx="minor">
+                <a:schemeClr val="lt1"/>
+              </a:fontRef>
+            </p:style>
+            <p:txBody>
+              <a:bodyPr rtlCol="0" anchor="ctr"/>
+              <a:lstStyle/>
+              <a:p>
+                <a:pPr algn="ctr"/>
+                <a:r>
+                  <a:rPr lang="ru-RU" dirty="0"/>
+                  <a:t>Делитель</a:t>
+                </a:r>
+              </a:p>
+            </p:txBody>
+          </p:sp>
+        </p:grpSp>
+        <p:sp>
+          <p:nvSpPr>
+            <p:cNvPr id="142" name="Прямоугольник: скругленные углы 141">
+              <a:extLst>
+                <a:ext uri="{FF2B5EF4-FFF2-40B4-BE49-F238E27FC236}">
+                  <a16:creationId xmlns:a16="http://schemas.microsoft.com/office/drawing/2014/main" id="{B8215A39-A470-4F44-856D-D78E89F231FD}"/>
+                </a:ext>
+              </a:extLst>
+            </p:cNvPr>
+            <p:cNvSpPr/>
+            <p:nvPr/>
+          </p:nvSpPr>
+          <p:spPr>
+            <a:xfrm>
+              <a:off x="4472687" y="2290915"/>
+              <a:ext cx="1259404" cy="1066700"/>
+            </a:xfrm>
+            <a:prstGeom prst="roundRect">
+              <a:avLst/>
+            </a:prstGeom>
+          </p:spPr>
+          <p:style>
+            <a:lnRef idx="2">
+              <a:schemeClr val="accent1">
+                <a:shade val="50000"/>
+              </a:schemeClr>
+            </a:lnRef>
+            <a:fillRef idx="1">
+              <a:schemeClr val="accent1"/>
+            </a:fillRef>
+            <a:effectRef idx="0">
+              <a:schemeClr val="accent1"/>
+            </a:effectRef>
+            <a:fontRef idx="minor">
+              <a:schemeClr val="lt1"/>
+            </a:fontRef>
+          </p:style>
+          <p:txBody>
+            <a:bodyPr rtlCol="0" anchor="ctr"/>
+            <a:lstStyle/>
+            <a:p>
+              <a:pPr algn="ctr"/>
+              <a:r>
+                <a:rPr lang="ru-RU" dirty="0"/>
+                <a:t>Общая логика</a:t>
+              </a:r>
+            </a:p>
+          </p:txBody>
+        </p:sp>
+        <p:cxnSp>
+          <p:nvCxnSpPr>
+            <p:cNvPr id="58" name="Соединитель: уступ 57">
+              <a:extLst>
+                <a:ext uri="{FF2B5EF4-FFF2-40B4-BE49-F238E27FC236}">
+                  <a16:creationId xmlns:a16="http://schemas.microsoft.com/office/drawing/2014/main" id="{0C8C08B4-B094-4235-8FF1-46E950418DEE}"/>
+                </a:ext>
+              </a:extLst>
+            </p:cNvPr>
+            <p:cNvCxnSpPr>
+              <a:cxnSpLocks/>
+              <a:stCxn id="112" idx="1"/>
+              <a:endCxn id="142" idx="1"/>
+            </p:cNvCxnSpPr>
+            <p:nvPr/>
+          </p:nvCxnSpPr>
+          <p:spPr>
+            <a:xfrm rot="10800000" flipV="1">
+              <a:off x="4472687" y="1572083"/>
+              <a:ext cx="12700" cy="1252182"/>
+            </a:xfrm>
+            <a:prstGeom prst="bentConnector3">
+              <a:avLst>
+                <a:gd name="adj1" fmla="val 1800000"/>
+              </a:avLst>
+            </a:prstGeom>
+            <a:ln>
+              <a:tailEnd type="triangle"/>
+            </a:ln>
+          </p:spPr>
+          <p:style>
+            <a:lnRef idx="1">
+              <a:schemeClr val="accent1"/>
+            </a:lnRef>
+            <a:fillRef idx="0">
+              <a:schemeClr val="accent1"/>
+            </a:fillRef>
+            <a:effectRef idx="0">
+              <a:schemeClr val="accent1"/>
+            </a:effectRef>
+            <a:fontRef idx="minor">
+              <a:schemeClr val="tx1"/>
+            </a:fontRef>
+          </p:style>
+        </p:cxnSp>
+        <p:cxnSp>
+          <p:nvCxnSpPr>
+            <p:cNvPr id="74" name="Соединитель: уступ 73">
+              <a:extLst>
+                <a:ext uri="{FF2B5EF4-FFF2-40B4-BE49-F238E27FC236}">
+                  <a16:creationId xmlns:a16="http://schemas.microsoft.com/office/drawing/2014/main" id="{111EDB15-58C6-46AE-9CDC-6F01FC65BD42}"/>
+                </a:ext>
+              </a:extLst>
+            </p:cNvPr>
+            <p:cNvCxnSpPr>
+              <a:stCxn id="142" idx="3"/>
+              <a:endCxn id="137" idx="1"/>
+            </p:cNvCxnSpPr>
+            <p:nvPr/>
+          </p:nvCxnSpPr>
+          <p:spPr>
+            <a:xfrm flipV="1">
+              <a:off x="5732091" y="2082745"/>
+              <a:ext cx="732443" cy="741520"/>
+            </a:xfrm>
+            <a:prstGeom prst="bentConnector3">
+              <a:avLst/>
+            </a:prstGeom>
+            <a:ln>
+              <a:tailEnd type="triangle"/>
+            </a:ln>
+          </p:spPr>
+          <p:style>
+            <a:lnRef idx="1">
+              <a:schemeClr val="accent1"/>
+            </a:lnRef>
+            <a:fillRef idx="0">
+              <a:schemeClr val="accent1"/>
+            </a:fillRef>
+            <a:effectRef idx="0">
+              <a:schemeClr val="accent1"/>
+            </a:effectRef>
+            <a:fontRef idx="minor">
+              <a:schemeClr val="tx1"/>
+            </a:fontRef>
+          </p:style>
+        </p:cxnSp>
+        <p:cxnSp>
+          <p:nvCxnSpPr>
+            <p:cNvPr id="76" name="Соединитель: уступ 75">
+              <a:extLst>
+                <a:ext uri="{FF2B5EF4-FFF2-40B4-BE49-F238E27FC236}">
+                  <a16:creationId xmlns:a16="http://schemas.microsoft.com/office/drawing/2014/main" id="{31C59265-6C36-4DEF-9D7E-54185486E2BB}"/>
+                </a:ext>
+              </a:extLst>
+            </p:cNvPr>
+            <p:cNvCxnSpPr>
+              <a:stCxn id="142" idx="3"/>
+              <a:endCxn id="136" idx="1"/>
+            </p:cNvCxnSpPr>
+            <p:nvPr/>
+          </p:nvCxnSpPr>
+          <p:spPr>
+            <a:xfrm flipV="1">
+              <a:off x="5732091" y="2564360"/>
+              <a:ext cx="734180" cy="259905"/>
+            </a:xfrm>
+            <a:prstGeom prst="bentConnector3">
+              <a:avLst/>
+            </a:prstGeom>
+            <a:ln>
+              <a:tailEnd type="triangle"/>
+            </a:ln>
+          </p:spPr>
+          <p:style>
+            <a:lnRef idx="1">
+              <a:schemeClr val="accent1"/>
+            </a:lnRef>
+            <a:fillRef idx="0">
+              <a:schemeClr val="accent1"/>
+            </a:fillRef>
+            <a:effectRef idx="0">
+              <a:schemeClr val="accent1"/>
+            </a:effectRef>
+            <a:fontRef idx="minor">
+              <a:schemeClr val="tx1"/>
+            </a:fontRef>
+          </p:style>
+        </p:cxnSp>
+        <p:cxnSp>
+          <p:nvCxnSpPr>
+            <p:cNvPr id="78" name="Соединитель: уступ 77">
+              <a:extLst>
+                <a:ext uri="{FF2B5EF4-FFF2-40B4-BE49-F238E27FC236}">
+                  <a16:creationId xmlns:a16="http://schemas.microsoft.com/office/drawing/2014/main" id="{4A85AF60-6A57-48EA-870D-8A2507590EC7}"/>
+                </a:ext>
+              </a:extLst>
+            </p:cNvPr>
+            <p:cNvCxnSpPr>
+              <a:stCxn id="142" idx="3"/>
+              <a:endCxn id="139" idx="1"/>
+            </p:cNvCxnSpPr>
+            <p:nvPr/>
+          </p:nvCxnSpPr>
+          <p:spPr>
+            <a:xfrm>
+              <a:off x="5732091" y="2824265"/>
+              <a:ext cx="727819" cy="259905"/>
+            </a:xfrm>
+            <a:prstGeom prst="bentConnector3">
+              <a:avLst/>
+            </a:prstGeom>
+            <a:ln>
+              <a:tailEnd type="triangle"/>
+            </a:ln>
+          </p:spPr>
+          <p:style>
+            <a:lnRef idx="1">
+              <a:schemeClr val="accent1"/>
+            </a:lnRef>
+            <a:fillRef idx="0">
+              <a:schemeClr val="accent1"/>
+            </a:fillRef>
+            <a:effectRef idx="0">
+              <a:schemeClr val="accent1"/>
+            </a:effectRef>
+            <a:fontRef idx="minor">
+              <a:schemeClr val="tx1"/>
+            </a:fontRef>
+          </p:style>
+        </p:cxnSp>
+        <p:cxnSp>
+          <p:nvCxnSpPr>
+            <p:cNvPr id="80" name="Соединитель: уступ 79">
+              <a:extLst>
+                <a:ext uri="{FF2B5EF4-FFF2-40B4-BE49-F238E27FC236}">
+                  <a16:creationId xmlns:a16="http://schemas.microsoft.com/office/drawing/2014/main" id="{76CF73E7-3CD6-4A32-B549-8E5D47FC6037}"/>
+                </a:ext>
+              </a:extLst>
+            </p:cNvPr>
+            <p:cNvCxnSpPr>
+              <a:stCxn id="142" idx="3"/>
+              <a:endCxn id="140" idx="1"/>
+            </p:cNvCxnSpPr>
+            <p:nvPr/>
+          </p:nvCxnSpPr>
+          <p:spPr>
+            <a:xfrm>
+              <a:off x="5732091" y="2824265"/>
+              <a:ext cx="727817" cy="741520"/>
+            </a:xfrm>
+            <a:prstGeom prst="bentConnector3">
+              <a:avLst/>
+            </a:prstGeom>
+            <a:ln>
+              <a:tailEnd type="triangle"/>
+            </a:ln>
+          </p:spPr>
+          <p:style>
+            <a:lnRef idx="1">
+              <a:schemeClr val="accent1"/>
+            </a:lnRef>
+            <a:fillRef idx="0">
+              <a:schemeClr val="accent1"/>
+            </a:fillRef>
+            <a:effectRef idx="0">
+              <a:schemeClr val="accent1"/>
+            </a:effectRef>
+            <a:fontRef idx="minor">
+              <a:schemeClr val="tx1"/>
+            </a:fontRef>
+          </p:style>
+        </p:cxnSp>
+        <p:grpSp>
+          <p:nvGrpSpPr>
+            <p:cNvPr id="93" name="Группа 92">
+              <a:extLst>
+                <a:ext uri="{FF2B5EF4-FFF2-40B4-BE49-F238E27FC236}">
+                  <a16:creationId xmlns:a16="http://schemas.microsoft.com/office/drawing/2014/main" id="{EEDBFD8A-C2B5-418D-A8B5-EA1FA06446F6}"/>
+                </a:ext>
+              </a:extLst>
+            </p:cNvPr>
+            <p:cNvGrpSpPr/>
+            <p:nvPr/>
+          </p:nvGrpSpPr>
+          <p:grpSpPr>
+            <a:xfrm>
+              <a:off x="4472687" y="3985174"/>
+              <a:ext cx="4382612" cy="741520"/>
+              <a:chOff x="4485387" y="4061012"/>
+              <a:chExt cx="4382612" cy="741520"/>
+            </a:xfrm>
+          </p:grpSpPr>
+          <p:sp>
+            <p:nvSpPr>
+              <p:cNvPr id="91" name="Прямоугольник 90">
+                <a:extLst>
+                  <a:ext uri="{FF2B5EF4-FFF2-40B4-BE49-F238E27FC236}">
+                    <a16:creationId xmlns:a16="http://schemas.microsoft.com/office/drawing/2014/main" id="{D8F07A13-8963-4DF5-8C13-65B60BC667D6}"/>
+                  </a:ext>
+                </a:extLst>
+              </p:cNvPr>
+              <p:cNvSpPr/>
+              <p:nvPr/>
+            </p:nvSpPr>
+            <p:spPr>
+              <a:xfrm>
+                <a:off x="4485387" y="4061012"/>
+                <a:ext cx="4382612" cy="741520"/>
+              </a:xfrm>
+              <a:prstGeom prst="rect">
+                <a:avLst/>
+              </a:prstGeom>
+              <a:solidFill>
+                <a:schemeClr val="accent4">
+                  <a:lumMod val="40000"/>
+                  <a:lumOff val="60000"/>
+                </a:schemeClr>
+              </a:solidFill>
+            </p:spPr>
+            <p:style>
+              <a:lnRef idx="2">
+                <a:schemeClr val="accent4">
+                  <a:shade val="50000"/>
+                </a:schemeClr>
+              </a:lnRef>
+              <a:fillRef idx="1">
+                <a:schemeClr val="accent4"/>
+              </a:fillRef>
+              <a:effectRef idx="0">
+                <a:schemeClr val="accent4"/>
+              </a:effectRef>
+              <a:fontRef idx="minor">
+                <a:schemeClr val="lt1"/>
+              </a:fontRef>
+            </p:style>
+            <p:txBody>
+              <a:bodyPr rtlCol="0" anchor="ctr"/>
+              <a:lstStyle/>
+              <a:p>
+                <a:pPr algn="ctr"/>
+                <a:endParaRPr lang="ru-RU" dirty="0"/>
+              </a:p>
+            </p:txBody>
+          </p:sp>
+          <p:sp>
+            <p:nvSpPr>
+              <p:cNvPr id="165" name="Прямоугольник: скругленные углы 164">
+                <a:extLst>
+                  <a:ext uri="{FF2B5EF4-FFF2-40B4-BE49-F238E27FC236}">
+                    <a16:creationId xmlns:a16="http://schemas.microsoft.com/office/drawing/2014/main" id="{D330E176-EC2A-4790-9074-12ACEA589E33}"/>
+                  </a:ext>
+                </a:extLst>
+              </p:cNvPr>
+              <p:cNvSpPr/>
+              <p:nvPr/>
+            </p:nvSpPr>
+            <p:spPr>
+              <a:xfrm>
+                <a:off x="4565219" y="4160531"/>
+                <a:ext cx="1530781" cy="538913"/>
+              </a:xfrm>
+              <a:prstGeom prst="roundRect">
+                <a:avLst/>
+              </a:prstGeom>
+            </p:spPr>
+            <p:style>
+              <a:lnRef idx="2">
+                <a:schemeClr val="accent2">
+                  <a:shade val="50000"/>
+                </a:schemeClr>
+              </a:lnRef>
+              <a:fillRef idx="1">
+                <a:schemeClr val="accent2"/>
+              </a:fillRef>
+              <a:effectRef idx="0">
+                <a:schemeClr val="accent2"/>
+              </a:effectRef>
+              <a:fontRef idx="minor">
+                <a:schemeClr val="lt1"/>
+              </a:fontRef>
+            </p:style>
+            <p:txBody>
+              <a:bodyPr rtlCol="0" anchor="ctr"/>
+              <a:lstStyle/>
+              <a:p>
+                <a:pPr algn="ctr"/>
+                <a:r>
+                  <a:rPr lang="ru-RU" dirty="0"/>
+                  <a:t>Виртуальные функции</a:t>
+                </a:r>
+              </a:p>
+            </p:txBody>
+          </p:sp>
+        </p:grpSp>
+        <p:sp>
+          <p:nvSpPr>
+            <p:cNvPr id="94" name="Прямоугольник: скругленные углы 93">
+              <a:extLst>
+                <a:ext uri="{FF2B5EF4-FFF2-40B4-BE49-F238E27FC236}">
+                  <a16:creationId xmlns:a16="http://schemas.microsoft.com/office/drawing/2014/main" id="{52690763-EC7A-4556-9041-9A95245FD050}"/>
+                </a:ext>
+              </a:extLst>
+            </p:cNvPr>
+            <p:cNvSpPr/>
+            <p:nvPr/>
+          </p:nvSpPr>
+          <p:spPr>
+            <a:xfrm>
+              <a:off x="6246454" y="4082289"/>
+              <a:ext cx="1222845" cy="538912"/>
+            </a:xfrm>
+            <a:prstGeom prst="roundRect">
+              <a:avLst/>
+            </a:prstGeom>
+            <a:solidFill>
+              <a:schemeClr val="accent4">
+                <a:lumMod val="75000"/>
+              </a:schemeClr>
+            </a:solidFill>
+          </p:spPr>
+          <p:style>
+            <a:lnRef idx="2">
+              <a:schemeClr val="accent4">
+                <a:shade val="50000"/>
+              </a:schemeClr>
+            </a:lnRef>
+            <a:fillRef idx="1">
+              <a:schemeClr val="accent4"/>
+            </a:fillRef>
+            <a:effectRef idx="0">
+              <a:schemeClr val="accent4"/>
+            </a:effectRef>
+            <a:fontRef idx="minor">
+              <a:schemeClr val="lt1"/>
+            </a:fontRef>
+          </p:style>
+          <p:txBody>
+            <a:bodyPr rtlCol="0" anchor="ctr"/>
+            <a:lstStyle/>
+            <a:p>
+              <a:pPr algn="ctr"/>
+              <a:r>
+                <a:rPr lang="en-US" dirty="0"/>
+                <a:t>Operation</a:t>
+              </a:r>
+              <a:endParaRPr lang="ru-RU" dirty="0"/>
+            </a:p>
+          </p:txBody>
+        </p:sp>
+        <p:sp>
+          <p:nvSpPr>
+            <p:cNvPr id="168" name="Прямоугольник: скругленные углы 167">
+              <a:extLst>
+                <a:ext uri="{FF2B5EF4-FFF2-40B4-BE49-F238E27FC236}">
+                  <a16:creationId xmlns:a16="http://schemas.microsoft.com/office/drawing/2014/main" id="{9D89BA81-CBBC-4BEB-B9BF-904982485FA1}"/>
+                </a:ext>
+              </a:extLst>
+            </p:cNvPr>
+            <p:cNvSpPr/>
+            <p:nvPr/>
+          </p:nvSpPr>
+          <p:spPr>
+            <a:xfrm>
+              <a:off x="7545896" y="4082289"/>
+              <a:ext cx="1222845" cy="538912"/>
+            </a:xfrm>
+            <a:prstGeom prst="roundRect">
+              <a:avLst/>
+            </a:prstGeom>
+            <a:solidFill>
+              <a:schemeClr val="accent4">
+                <a:lumMod val="75000"/>
+              </a:schemeClr>
+            </a:solidFill>
+          </p:spPr>
+          <p:style>
+            <a:lnRef idx="2">
+              <a:schemeClr val="accent4">
+                <a:shade val="50000"/>
+              </a:schemeClr>
+            </a:lnRef>
+            <a:fillRef idx="1">
+              <a:schemeClr val="accent4"/>
+            </a:fillRef>
+            <a:effectRef idx="0">
+              <a:schemeClr val="accent4"/>
+            </a:effectRef>
+            <a:fontRef idx="minor">
+              <a:schemeClr val="lt1"/>
+            </a:fontRef>
+          </p:style>
+          <p:txBody>
+            <a:bodyPr rtlCol="0" anchor="ctr"/>
+            <a:lstStyle/>
+            <a:p>
+              <a:pPr algn="ctr"/>
+              <a:r>
+                <a:rPr lang="en-US" dirty="0"/>
+                <a:t>Overflow</a:t>
+              </a:r>
+              <a:endParaRPr lang="ru-RU" dirty="0"/>
+            </a:p>
+          </p:txBody>
+        </p:sp>
+        <p:cxnSp>
+          <p:nvCxnSpPr>
+            <p:cNvPr id="101" name="Соединитель: уступ 100">
+              <a:extLst>
+                <a:ext uri="{FF2B5EF4-FFF2-40B4-BE49-F238E27FC236}">
+                  <a16:creationId xmlns:a16="http://schemas.microsoft.com/office/drawing/2014/main" id="{AAA82DB4-604E-4884-97D7-FAC3601AD462}"/>
+                </a:ext>
+              </a:extLst>
+            </p:cNvPr>
+            <p:cNvCxnSpPr>
+              <a:cxnSpLocks/>
+              <a:stCxn id="137" idx="3"/>
+              <a:endCxn id="91" idx="3"/>
+            </p:cNvCxnSpPr>
+            <p:nvPr/>
+          </p:nvCxnSpPr>
+          <p:spPr>
+            <a:xfrm flipH="1">
+              <a:off x="8855299" y="2082745"/>
+              <a:ext cx="17326" cy="2273189"/>
+            </a:xfrm>
+            <a:prstGeom prst="bentConnector3">
+              <a:avLst>
+                <a:gd name="adj1" fmla="val -1319404"/>
+              </a:avLst>
+            </a:prstGeom>
+            <a:ln>
+              <a:tailEnd type="triangle"/>
+            </a:ln>
+          </p:spPr>
+          <p:style>
+            <a:lnRef idx="1">
+              <a:schemeClr val="accent1"/>
+            </a:lnRef>
+            <a:fillRef idx="0">
+              <a:schemeClr val="accent1"/>
+            </a:fillRef>
+            <a:effectRef idx="0">
+              <a:schemeClr val="accent1"/>
+            </a:effectRef>
+            <a:fontRef idx="minor">
+              <a:schemeClr val="tx1"/>
+            </a:fontRef>
+          </p:style>
+        </p:cxnSp>
+        <p:cxnSp>
+          <p:nvCxnSpPr>
+            <p:cNvPr id="122" name="Соединитель: уступ 121">
+              <a:extLst>
+                <a:ext uri="{FF2B5EF4-FFF2-40B4-BE49-F238E27FC236}">
+                  <a16:creationId xmlns:a16="http://schemas.microsoft.com/office/drawing/2014/main" id="{98580297-A9EC-4AAF-B8DD-5FDD81A6150C}"/>
+                </a:ext>
+              </a:extLst>
+            </p:cNvPr>
+            <p:cNvCxnSpPr>
+              <a:stCxn id="136" idx="3"/>
+              <a:endCxn id="91" idx="3"/>
+            </p:cNvCxnSpPr>
+            <p:nvPr/>
+          </p:nvCxnSpPr>
+          <p:spPr>
+            <a:xfrm flipH="1">
+              <a:off x="8855299" y="2564360"/>
+              <a:ext cx="19063" cy="1791574"/>
+            </a:xfrm>
+            <a:prstGeom prst="bentConnector3">
+              <a:avLst>
+                <a:gd name="adj1" fmla="val -1199182"/>
+              </a:avLst>
+            </a:prstGeom>
+            <a:ln>
+              <a:tailEnd type="triangle"/>
+            </a:ln>
+          </p:spPr>
+          <p:style>
+            <a:lnRef idx="1">
+              <a:schemeClr val="accent1"/>
+            </a:lnRef>
+            <a:fillRef idx="0">
+              <a:schemeClr val="accent1"/>
+            </a:fillRef>
+            <a:effectRef idx="0">
+              <a:schemeClr val="accent1"/>
+            </a:effectRef>
+            <a:fontRef idx="minor">
+              <a:schemeClr val="tx1"/>
+            </a:fontRef>
+          </p:style>
+        </p:cxnSp>
+        <p:cxnSp>
+          <p:nvCxnSpPr>
+            <p:cNvPr id="124" name="Соединитель: уступ 123">
+              <a:extLst>
+                <a:ext uri="{FF2B5EF4-FFF2-40B4-BE49-F238E27FC236}">
+                  <a16:creationId xmlns:a16="http://schemas.microsoft.com/office/drawing/2014/main" id="{C2949E35-054B-4CF7-8F2C-EE8C7F56D07B}"/>
+                </a:ext>
+              </a:extLst>
+            </p:cNvPr>
+            <p:cNvCxnSpPr>
+              <a:stCxn id="139" idx="3"/>
+              <a:endCxn id="91" idx="3"/>
+            </p:cNvCxnSpPr>
+            <p:nvPr/>
+          </p:nvCxnSpPr>
+          <p:spPr>
+            <a:xfrm flipH="1">
+              <a:off x="8855299" y="3084170"/>
+              <a:ext cx="12702" cy="1271764"/>
+            </a:xfrm>
+            <a:prstGeom prst="bentConnector3">
+              <a:avLst>
+                <a:gd name="adj1" fmla="val -1799717"/>
+              </a:avLst>
+            </a:prstGeom>
+            <a:ln>
+              <a:tailEnd type="triangle"/>
+            </a:ln>
+          </p:spPr>
+          <p:style>
+            <a:lnRef idx="1">
+              <a:schemeClr val="accent1"/>
+            </a:lnRef>
+            <a:fillRef idx="0">
+              <a:schemeClr val="accent1"/>
+            </a:fillRef>
+            <a:effectRef idx="0">
+              <a:schemeClr val="accent1"/>
+            </a:effectRef>
+            <a:fontRef idx="minor">
+              <a:schemeClr val="tx1"/>
+            </a:fontRef>
+          </p:style>
+        </p:cxnSp>
+        <p:cxnSp>
+          <p:nvCxnSpPr>
+            <p:cNvPr id="126" name="Соединитель: уступ 125">
+              <a:extLst>
+                <a:ext uri="{FF2B5EF4-FFF2-40B4-BE49-F238E27FC236}">
+                  <a16:creationId xmlns:a16="http://schemas.microsoft.com/office/drawing/2014/main" id="{B6EDEFE8-D343-4E51-A3FD-078987DFE6BE}"/>
+                </a:ext>
+              </a:extLst>
+            </p:cNvPr>
+            <p:cNvCxnSpPr>
+              <a:stCxn id="140" idx="3"/>
+              <a:endCxn id="91" idx="3"/>
+            </p:cNvCxnSpPr>
+            <p:nvPr/>
+          </p:nvCxnSpPr>
+          <p:spPr>
+            <a:xfrm flipH="1">
+              <a:off x="8855299" y="3565785"/>
+              <a:ext cx="12700" cy="790149"/>
+            </a:xfrm>
+            <a:prstGeom prst="bentConnector3">
+              <a:avLst>
+                <a:gd name="adj1" fmla="val -1800000"/>
+              </a:avLst>
+            </a:prstGeom>
+            <a:ln>
+              <a:tailEnd type="triangle"/>
+            </a:ln>
+          </p:spPr>
+          <p:style>
+            <a:lnRef idx="1">
+              <a:schemeClr val="accent1"/>
+            </a:lnRef>
+            <a:fillRef idx="0">
+              <a:schemeClr val="accent1"/>
+            </a:fillRef>
+            <a:effectRef idx="0">
+              <a:schemeClr val="accent1"/>
+            </a:effectRef>
+            <a:fontRef idx="minor">
+              <a:schemeClr val="tx1"/>
+            </a:fontRef>
+          </p:style>
+        </p:cxnSp>
+      </p:grpSp>
+      <p:grpSp>
+        <p:nvGrpSpPr>
+          <p:cNvPr id="129" name="Группа 128">
+            <a:extLst>
+              <a:ext uri="{FF2B5EF4-FFF2-40B4-BE49-F238E27FC236}">
+                <a16:creationId xmlns:a16="http://schemas.microsoft.com/office/drawing/2014/main" id="{7BAAE2C4-2C12-4352-A5CF-BB5C502CD59E}"/>
+              </a:ext>
+            </a:extLst>
+          </p:cNvPr>
+          <p:cNvGrpSpPr/>
+          <p:nvPr/>
+        </p:nvGrpSpPr>
+        <p:grpSpPr>
+          <a:xfrm>
+            <a:off x="1898101" y="5502223"/>
+            <a:ext cx="9816659" cy="737918"/>
+            <a:chOff x="376105" y="5472606"/>
+            <a:chExt cx="9816659" cy="737918"/>
+          </a:xfrm>
+        </p:grpSpPr>
+        <p:grpSp>
+          <p:nvGrpSpPr>
+            <p:cNvPr id="128" name="Группа 127">
+              <a:extLst>
+                <a:ext uri="{FF2B5EF4-FFF2-40B4-BE49-F238E27FC236}">
+                  <a16:creationId xmlns:a16="http://schemas.microsoft.com/office/drawing/2014/main" id="{2E70068B-8F8E-4D7D-B717-D8FC772CD2D4}"/>
+                </a:ext>
+              </a:extLst>
+            </p:cNvPr>
+            <p:cNvGrpSpPr/>
+            <p:nvPr/>
+          </p:nvGrpSpPr>
+          <p:grpSpPr>
+            <a:xfrm>
+              <a:off x="376105" y="5472606"/>
+              <a:ext cx="2230226" cy="727479"/>
+              <a:chOff x="351609" y="5488150"/>
+              <a:chExt cx="3016623" cy="727479"/>
+            </a:xfrm>
+          </p:grpSpPr>
+          <p:sp>
+            <p:nvSpPr>
+              <p:cNvPr id="185" name="Прямоугольник 184">
+                <a:extLst>
+                  <a:ext uri="{FF2B5EF4-FFF2-40B4-BE49-F238E27FC236}">
+                    <a16:creationId xmlns:a16="http://schemas.microsoft.com/office/drawing/2014/main" id="{1076ABB5-A135-4E8D-A1E6-D77D4913DE7C}"/>
+                  </a:ext>
+                </a:extLst>
+              </p:cNvPr>
+              <p:cNvSpPr/>
+              <p:nvPr/>
+            </p:nvSpPr>
+            <p:spPr>
+              <a:xfrm>
+                <a:off x="351609" y="5488150"/>
+                <a:ext cx="3016623" cy="727479"/>
+              </a:xfrm>
+              <a:prstGeom prst="rect">
+                <a:avLst/>
+              </a:prstGeom>
+              <a:ln/>
+            </p:spPr>
+            <p:style>
+              <a:lnRef idx="2">
+                <a:schemeClr val="dk1"/>
+              </a:lnRef>
+              <a:fillRef idx="1">
+                <a:schemeClr val="lt1"/>
+              </a:fillRef>
+              <a:effectRef idx="0">
+                <a:schemeClr val="dk1"/>
+              </a:effectRef>
+              <a:fontRef idx="minor">
+                <a:schemeClr val="dk1"/>
+              </a:fontRef>
+            </p:style>
+            <p:txBody>
+              <a:bodyPr rtlCol="0" anchor="ctr"/>
+              <a:lstStyle/>
+              <a:p>
+                <a:pPr algn="ctr"/>
+                <a:endParaRPr lang="ru-RU" dirty="0"/>
+              </a:p>
+            </p:txBody>
+          </p:sp>
+          <p:sp>
+            <p:nvSpPr>
+              <p:cNvPr id="186" name="Прямоугольник: скругленные углы 185">
+                <a:extLst>
+                  <a:ext uri="{FF2B5EF4-FFF2-40B4-BE49-F238E27FC236}">
+                    <a16:creationId xmlns:a16="http://schemas.microsoft.com/office/drawing/2014/main" id="{ECCC0917-1EB4-42D7-9119-F8AA41F73252}"/>
+                  </a:ext>
+                </a:extLst>
+              </p:cNvPr>
+              <p:cNvSpPr/>
+              <p:nvPr/>
+            </p:nvSpPr>
+            <p:spPr>
+              <a:xfrm>
+                <a:off x="553544" y="5696270"/>
+                <a:ext cx="2580093" cy="301031"/>
+              </a:xfrm>
+              <a:prstGeom prst="roundRect">
+                <a:avLst/>
+              </a:prstGeom>
+            </p:spPr>
+            <p:style>
+              <a:lnRef idx="2">
+                <a:schemeClr val="accent2">
+                  <a:shade val="50000"/>
+                </a:schemeClr>
+              </a:lnRef>
+              <a:fillRef idx="1">
+                <a:schemeClr val="accent2"/>
+              </a:fillRef>
+              <a:effectRef idx="0">
+                <a:schemeClr val="accent2"/>
+              </a:effectRef>
+              <a:fontRef idx="minor">
+                <a:schemeClr val="lt1"/>
+              </a:fontRef>
+            </p:style>
+            <p:txBody>
+              <a:bodyPr rtlCol="0" anchor="ctr"/>
+              <a:lstStyle/>
+              <a:p>
+                <a:pPr algn="ctr"/>
+                <a:r>
+                  <a:rPr lang="en-US" dirty="0"/>
+                  <a:t>Addition</a:t>
+                </a:r>
+                <a:endParaRPr lang="ru-RU" dirty="0"/>
+              </a:p>
+            </p:txBody>
+          </p:sp>
+        </p:grpSp>
+        <p:grpSp>
+          <p:nvGrpSpPr>
+            <p:cNvPr id="191" name="Группа 190">
+              <a:extLst>
+                <a:ext uri="{FF2B5EF4-FFF2-40B4-BE49-F238E27FC236}">
+                  <a16:creationId xmlns:a16="http://schemas.microsoft.com/office/drawing/2014/main" id="{70878BD9-F120-4935-AE0F-642026906AA8}"/>
+                </a:ext>
+              </a:extLst>
+            </p:cNvPr>
+            <p:cNvGrpSpPr/>
+            <p:nvPr/>
+          </p:nvGrpSpPr>
+          <p:grpSpPr>
+            <a:xfrm>
+              <a:off x="2904916" y="5483045"/>
+              <a:ext cx="2230226" cy="727479"/>
+              <a:chOff x="351609" y="5488150"/>
+              <a:chExt cx="3016623" cy="727479"/>
+            </a:xfrm>
+          </p:grpSpPr>
+          <p:sp>
+            <p:nvSpPr>
+              <p:cNvPr id="202" name="Прямоугольник 201">
+                <a:extLst>
+                  <a:ext uri="{FF2B5EF4-FFF2-40B4-BE49-F238E27FC236}">
+                    <a16:creationId xmlns:a16="http://schemas.microsoft.com/office/drawing/2014/main" id="{CBB282B2-7514-4429-8A9B-1C09555EA774}"/>
+                  </a:ext>
+                </a:extLst>
+              </p:cNvPr>
+              <p:cNvSpPr/>
+              <p:nvPr/>
+            </p:nvSpPr>
+            <p:spPr>
+              <a:xfrm>
+                <a:off x="351609" y="5488150"/>
+                <a:ext cx="3016623" cy="727479"/>
+              </a:xfrm>
+              <a:prstGeom prst="rect">
+                <a:avLst/>
+              </a:prstGeom>
+              <a:ln/>
+            </p:spPr>
+            <p:style>
+              <a:lnRef idx="2">
+                <a:schemeClr val="dk1"/>
+              </a:lnRef>
+              <a:fillRef idx="1">
+                <a:schemeClr val="lt1"/>
+              </a:fillRef>
+              <a:effectRef idx="0">
+                <a:schemeClr val="dk1"/>
+              </a:effectRef>
+              <a:fontRef idx="minor">
+                <a:schemeClr val="dk1"/>
+              </a:fontRef>
+            </p:style>
+            <p:txBody>
+              <a:bodyPr rtlCol="0" anchor="ctr"/>
+              <a:lstStyle/>
+              <a:p>
+                <a:pPr algn="ctr"/>
+                <a:endParaRPr lang="ru-RU" dirty="0"/>
+              </a:p>
+            </p:txBody>
+          </p:sp>
+          <p:sp>
+            <p:nvSpPr>
+              <p:cNvPr id="204" name="Прямоугольник: скругленные углы 203">
+                <a:extLst>
+                  <a:ext uri="{FF2B5EF4-FFF2-40B4-BE49-F238E27FC236}">
+                    <a16:creationId xmlns:a16="http://schemas.microsoft.com/office/drawing/2014/main" id="{D7A6609B-F536-4DAD-82E0-33D4BAAAFB5E}"/>
+                  </a:ext>
+                </a:extLst>
+              </p:cNvPr>
+              <p:cNvSpPr/>
+              <p:nvPr/>
+            </p:nvSpPr>
+            <p:spPr>
+              <a:xfrm>
+                <a:off x="553544" y="5696270"/>
+                <a:ext cx="2580093" cy="301031"/>
+              </a:xfrm>
+              <a:prstGeom prst="roundRect">
+                <a:avLst/>
+              </a:prstGeom>
+            </p:spPr>
+            <p:style>
+              <a:lnRef idx="2">
+                <a:schemeClr val="accent2">
+                  <a:shade val="50000"/>
+                </a:schemeClr>
+              </a:lnRef>
+              <a:fillRef idx="1">
+                <a:schemeClr val="accent2"/>
+              </a:fillRef>
+              <a:effectRef idx="0">
+                <a:schemeClr val="accent2"/>
+              </a:effectRef>
+              <a:fontRef idx="minor">
+                <a:schemeClr val="lt1"/>
+              </a:fontRef>
+            </p:style>
+            <p:txBody>
+              <a:bodyPr rtlCol="0" anchor="ctr"/>
+              <a:lstStyle/>
+              <a:p>
+                <a:pPr algn="ctr"/>
+                <a:r>
+                  <a:rPr lang="en-US" dirty="0" err="1"/>
+                  <a:t>Substruction</a:t>
+                </a:r>
+                <a:endParaRPr lang="ru-RU" dirty="0"/>
+              </a:p>
+            </p:txBody>
+          </p:sp>
+        </p:grpSp>
+        <p:grpSp>
+          <p:nvGrpSpPr>
+            <p:cNvPr id="205" name="Группа 204">
+              <a:extLst>
+                <a:ext uri="{FF2B5EF4-FFF2-40B4-BE49-F238E27FC236}">
+                  <a16:creationId xmlns:a16="http://schemas.microsoft.com/office/drawing/2014/main" id="{54A3BE2D-3094-4F8D-9895-D68D80A07F35}"/>
+                </a:ext>
+              </a:extLst>
+            </p:cNvPr>
+            <p:cNvGrpSpPr/>
+            <p:nvPr/>
+          </p:nvGrpSpPr>
+          <p:grpSpPr>
+            <a:xfrm>
+              <a:off x="5433727" y="5477711"/>
+              <a:ext cx="2230226" cy="727479"/>
+              <a:chOff x="351609" y="5488150"/>
+              <a:chExt cx="3016623" cy="727479"/>
+            </a:xfrm>
+          </p:grpSpPr>
+          <p:sp>
+            <p:nvSpPr>
+              <p:cNvPr id="206" name="Прямоугольник 205">
+                <a:extLst>
+                  <a:ext uri="{FF2B5EF4-FFF2-40B4-BE49-F238E27FC236}">
+                    <a16:creationId xmlns:a16="http://schemas.microsoft.com/office/drawing/2014/main" id="{D2E6BFAE-6862-458E-9F2C-29588FDC131E}"/>
+                  </a:ext>
+                </a:extLst>
+              </p:cNvPr>
+              <p:cNvSpPr/>
+              <p:nvPr/>
+            </p:nvSpPr>
+            <p:spPr>
+              <a:xfrm>
+                <a:off x="351609" y="5488150"/>
+                <a:ext cx="3016623" cy="727479"/>
+              </a:xfrm>
+              <a:prstGeom prst="rect">
+                <a:avLst/>
+              </a:prstGeom>
+              <a:ln/>
+            </p:spPr>
+            <p:style>
+              <a:lnRef idx="2">
+                <a:schemeClr val="dk1"/>
+              </a:lnRef>
+              <a:fillRef idx="1">
+                <a:schemeClr val="lt1"/>
+              </a:fillRef>
+              <a:effectRef idx="0">
+                <a:schemeClr val="dk1"/>
+              </a:effectRef>
+              <a:fontRef idx="minor">
+                <a:schemeClr val="dk1"/>
+              </a:fontRef>
+            </p:style>
+            <p:txBody>
+              <a:bodyPr rtlCol="0" anchor="ctr"/>
+              <a:lstStyle/>
+              <a:p>
+                <a:pPr algn="ctr"/>
+                <a:endParaRPr lang="ru-RU" dirty="0"/>
+              </a:p>
+            </p:txBody>
+          </p:sp>
+          <p:sp>
+            <p:nvSpPr>
+              <p:cNvPr id="207" name="Прямоугольник: скругленные углы 206">
+                <a:extLst>
+                  <a:ext uri="{FF2B5EF4-FFF2-40B4-BE49-F238E27FC236}">
+                    <a16:creationId xmlns:a16="http://schemas.microsoft.com/office/drawing/2014/main" id="{8DE73FB6-AB81-489B-942F-207AC5F73B99}"/>
+                  </a:ext>
+                </a:extLst>
+              </p:cNvPr>
+              <p:cNvSpPr/>
+              <p:nvPr/>
+            </p:nvSpPr>
+            <p:spPr>
+              <a:xfrm>
+                <a:off x="553544" y="5696270"/>
+                <a:ext cx="2580093" cy="301031"/>
+              </a:xfrm>
+              <a:prstGeom prst="roundRect">
+                <a:avLst/>
+              </a:prstGeom>
+            </p:spPr>
+            <p:style>
+              <a:lnRef idx="2">
+                <a:schemeClr val="accent2">
+                  <a:shade val="50000"/>
+                </a:schemeClr>
+              </a:lnRef>
+              <a:fillRef idx="1">
+                <a:schemeClr val="accent2"/>
+              </a:fillRef>
+              <a:effectRef idx="0">
+                <a:schemeClr val="accent2"/>
+              </a:effectRef>
+              <a:fontRef idx="minor">
+                <a:schemeClr val="lt1"/>
+              </a:fontRef>
+            </p:style>
+            <p:txBody>
+              <a:bodyPr rtlCol="0" anchor="ctr"/>
+              <a:lstStyle/>
+              <a:p>
+                <a:pPr algn="ctr"/>
+                <a:r>
+                  <a:rPr lang="en-US" dirty="0"/>
+                  <a:t>Multiplication</a:t>
+                </a:r>
+                <a:endParaRPr lang="ru-RU" dirty="0"/>
+              </a:p>
+            </p:txBody>
+          </p:sp>
+        </p:grpSp>
+        <p:grpSp>
+          <p:nvGrpSpPr>
+            <p:cNvPr id="208" name="Группа 207">
+              <a:extLst>
+                <a:ext uri="{FF2B5EF4-FFF2-40B4-BE49-F238E27FC236}">
+                  <a16:creationId xmlns:a16="http://schemas.microsoft.com/office/drawing/2014/main" id="{D76B6D11-37CC-4444-8D8F-AA5695C4C63A}"/>
+                </a:ext>
+              </a:extLst>
+            </p:cNvPr>
+            <p:cNvGrpSpPr/>
+            <p:nvPr/>
+          </p:nvGrpSpPr>
+          <p:grpSpPr>
+            <a:xfrm>
+              <a:off x="7962538" y="5472606"/>
+              <a:ext cx="2230226" cy="727479"/>
+              <a:chOff x="351609" y="5488150"/>
+              <a:chExt cx="3016623" cy="727479"/>
+            </a:xfrm>
+          </p:grpSpPr>
+          <p:sp>
+            <p:nvSpPr>
+              <p:cNvPr id="209" name="Прямоугольник 208">
+                <a:extLst>
+                  <a:ext uri="{FF2B5EF4-FFF2-40B4-BE49-F238E27FC236}">
+                    <a16:creationId xmlns:a16="http://schemas.microsoft.com/office/drawing/2014/main" id="{689AB48A-C682-45CC-A537-28C7A6276F3E}"/>
+                  </a:ext>
+                </a:extLst>
+              </p:cNvPr>
+              <p:cNvSpPr/>
+              <p:nvPr/>
+            </p:nvSpPr>
+            <p:spPr>
+              <a:xfrm>
+                <a:off x="351609" y="5488150"/>
+                <a:ext cx="3016623" cy="727479"/>
+              </a:xfrm>
+              <a:prstGeom prst="rect">
+                <a:avLst/>
+              </a:prstGeom>
+              <a:ln/>
+            </p:spPr>
+            <p:style>
+              <a:lnRef idx="2">
+                <a:schemeClr val="dk1"/>
+              </a:lnRef>
+              <a:fillRef idx="1">
+                <a:schemeClr val="lt1"/>
+              </a:fillRef>
+              <a:effectRef idx="0">
+                <a:schemeClr val="dk1"/>
+              </a:effectRef>
+              <a:fontRef idx="minor">
+                <a:schemeClr val="dk1"/>
+              </a:fontRef>
+            </p:style>
+            <p:txBody>
+              <a:bodyPr rtlCol="0" anchor="ctr"/>
+              <a:lstStyle/>
+              <a:p>
+                <a:pPr algn="ctr"/>
+                <a:endParaRPr lang="ru-RU" dirty="0"/>
+              </a:p>
+            </p:txBody>
+          </p:sp>
+          <p:sp>
+            <p:nvSpPr>
+              <p:cNvPr id="210" name="Прямоугольник: скругленные углы 209">
+                <a:extLst>
+                  <a:ext uri="{FF2B5EF4-FFF2-40B4-BE49-F238E27FC236}">
+                    <a16:creationId xmlns:a16="http://schemas.microsoft.com/office/drawing/2014/main" id="{B31FF9C2-CB06-44FC-A1BD-315CE09C9139}"/>
+                  </a:ext>
+                </a:extLst>
+              </p:cNvPr>
+              <p:cNvSpPr/>
+              <p:nvPr/>
+            </p:nvSpPr>
+            <p:spPr>
+              <a:xfrm>
+                <a:off x="553544" y="5696270"/>
+                <a:ext cx="2580093" cy="301031"/>
+              </a:xfrm>
+              <a:prstGeom prst="roundRect">
+                <a:avLst/>
+              </a:prstGeom>
+            </p:spPr>
+            <p:style>
+              <a:lnRef idx="2">
+                <a:schemeClr val="accent2">
+                  <a:shade val="50000"/>
+                </a:schemeClr>
+              </a:lnRef>
+              <a:fillRef idx="1">
+                <a:schemeClr val="accent2"/>
+              </a:fillRef>
+              <a:effectRef idx="0">
+                <a:schemeClr val="accent2"/>
+              </a:effectRef>
+              <a:fontRef idx="minor">
+                <a:schemeClr val="lt1"/>
+              </a:fontRef>
+            </p:style>
+            <p:txBody>
+              <a:bodyPr rtlCol="0" anchor="ctr"/>
+              <a:lstStyle/>
+              <a:p>
+                <a:pPr algn="ctr"/>
+                <a:r>
+                  <a:rPr lang="en-US" dirty="0"/>
+                  <a:t>Division</a:t>
+                </a:r>
+                <a:endParaRPr lang="ru-RU" dirty="0"/>
+              </a:p>
+            </p:txBody>
+          </p:sp>
+        </p:grpSp>
+      </p:grpSp>
+      <p:cxnSp>
+        <p:nvCxnSpPr>
+          <p:cNvPr id="134" name="Соединитель: уступ 133">
+            <a:extLst>
+              <a:ext uri="{FF2B5EF4-FFF2-40B4-BE49-F238E27FC236}">
+                <a16:creationId xmlns:a16="http://schemas.microsoft.com/office/drawing/2014/main" id="{0A0F9ABA-7190-4BC4-A746-5FC0A22E654E}"/>
+              </a:ext>
+            </a:extLst>
+          </p:cNvPr>
+          <p:cNvCxnSpPr>
+            <a:stCxn id="111" idx="2"/>
+            <a:endCxn id="185" idx="0"/>
+          </p:cNvCxnSpPr>
+          <p:nvPr/>
+        </p:nvCxnSpPr>
+        <p:spPr>
+          <a:xfrm rot="5400000">
+            <a:off x="4645832" y="3420043"/>
+            <a:ext cx="449562" cy="3714798"/>
+          </a:xfrm>
+          <a:prstGeom prst="bentConnector3">
+            <a:avLst/>
+          </a:prstGeom>
+          <a:ln>
+            <a:tailEnd type="triangle"/>
+          </a:ln>
+        </p:spPr>
+        <p:style>
+          <a:lnRef idx="1">
+            <a:schemeClr val="accent1"/>
+          </a:lnRef>
+          <a:fillRef idx="0">
+            <a:schemeClr val="accent1"/>
+          </a:fillRef>
+          <a:effectRef idx="0">
+            <a:schemeClr val="accent1"/>
+          </a:effectRef>
+          <a:fontRef idx="minor">
+            <a:schemeClr val="tx1"/>
+          </a:fontRef>
+        </p:style>
+      </p:cxnSp>
+      <p:cxnSp>
+        <p:nvCxnSpPr>
+          <p:cNvPr id="143" name="Соединитель: уступ 142">
+            <a:extLst>
+              <a:ext uri="{FF2B5EF4-FFF2-40B4-BE49-F238E27FC236}">
+                <a16:creationId xmlns:a16="http://schemas.microsoft.com/office/drawing/2014/main" id="{DA633101-139C-488A-B71B-EED6FA5D48BF}"/>
+              </a:ext>
+            </a:extLst>
+          </p:cNvPr>
+          <p:cNvCxnSpPr>
+            <a:stCxn id="111" idx="2"/>
+            <a:endCxn id="202" idx="0"/>
+          </p:cNvCxnSpPr>
+          <p:nvPr/>
+        </p:nvCxnSpPr>
+        <p:spPr>
+          <a:xfrm rot="5400000">
+            <a:off x="5905019" y="4689668"/>
+            <a:ext cx="460001" cy="1185987"/>
+          </a:xfrm>
+          <a:prstGeom prst="bentConnector3">
+            <a:avLst/>
+          </a:prstGeom>
+          <a:ln>
+            <a:tailEnd type="triangle"/>
+          </a:ln>
+        </p:spPr>
+        <p:style>
+          <a:lnRef idx="1">
+            <a:schemeClr val="accent1"/>
+          </a:lnRef>
+          <a:fillRef idx="0">
+            <a:schemeClr val="accent1"/>
+          </a:fillRef>
+          <a:effectRef idx="0">
+            <a:schemeClr val="accent1"/>
+          </a:effectRef>
+          <a:fontRef idx="minor">
+            <a:schemeClr val="tx1"/>
+          </a:fontRef>
+        </p:style>
+      </p:cxnSp>
+      <p:cxnSp>
+        <p:nvCxnSpPr>
+          <p:cNvPr id="146" name="Соединитель: уступ 145">
+            <a:extLst>
+              <a:ext uri="{FF2B5EF4-FFF2-40B4-BE49-F238E27FC236}">
+                <a16:creationId xmlns:a16="http://schemas.microsoft.com/office/drawing/2014/main" id="{571A9FED-F252-4CF7-A074-6D8E9A236590}"/>
+              </a:ext>
+            </a:extLst>
+          </p:cNvPr>
+          <p:cNvCxnSpPr>
+            <a:stCxn id="111" idx="2"/>
+            <a:endCxn id="206" idx="0"/>
+          </p:cNvCxnSpPr>
+          <p:nvPr/>
+        </p:nvCxnSpPr>
+        <p:spPr>
+          <a:xfrm rot="16200000" flipH="1">
+            <a:off x="7172091" y="4608582"/>
+            <a:ext cx="454667" cy="1342824"/>
+          </a:xfrm>
+          <a:prstGeom prst="bentConnector3">
+            <a:avLst/>
+          </a:prstGeom>
+          <a:ln>
+            <a:tailEnd type="triangle"/>
+          </a:ln>
+        </p:spPr>
+        <p:style>
+          <a:lnRef idx="1">
+            <a:schemeClr val="accent1"/>
+          </a:lnRef>
+          <a:fillRef idx="0">
+            <a:schemeClr val="accent1"/>
+          </a:fillRef>
+          <a:effectRef idx="0">
+            <a:schemeClr val="accent1"/>
+          </a:effectRef>
+          <a:fontRef idx="minor">
+            <a:schemeClr val="tx1"/>
+          </a:fontRef>
+        </p:style>
+      </p:cxnSp>
+      <p:cxnSp>
+        <p:nvCxnSpPr>
+          <p:cNvPr id="151" name="Соединитель: уступ 150">
+            <a:extLst>
+              <a:ext uri="{FF2B5EF4-FFF2-40B4-BE49-F238E27FC236}">
+                <a16:creationId xmlns:a16="http://schemas.microsoft.com/office/drawing/2014/main" id="{67BF11D6-95FB-4D58-AC20-1D1BE86963CF}"/>
+              </a:ext>
+            </a:extLst>
+          </p:cNvPr>
+          <p:cNvCxnSpPr>
+            <a:cxnSpLocks/>
+            <a:stCxn id="111" idx="2"/>
+            <a:endCxn id="209" idx="0"/>
+          </p:cNvCxnSpPr>
+          <p:nvPr/>
+        </p:nvCxnSpPr>
+        <p:spPr>
+          <a:xfrm rot="16200000" flipH="1">
+            <a:off x="8439048" y="3341624"/>
+            <a:ext cx="449562" cy="3871635"/>
+          </a:xfrm>
+          <a:prstGeom prst="bentConnector3">
+            <a:avLst/>
+          </a:prstGeom>
+          <a:ln>
+            <a:tailEnd type="triangle"/>
+          </a:ln>
+        </p:spPr>
+        <p:style>
+          <a:lnRef idx="1">
+            <a:schemeClr val="accent1"/>
+          </a:lnRef>
+          <a:fillRef idx="0">
+            <a:schemeClr val="accent1"/>
+          </a:fillRef>
+          <a:effectRef idx="0">
+            <a:schemeClr val="accent1"/>
+          </a:effectRef>
+          <a:fontRef idx="minor">
+            <a:schemeClr val="tx1"/>
+          </a:fontRef>
+        </p:style>
+      </p:cxnSp>
+    </p:spTree>
+    <p:extLst>
+      <p:ext uri="{BB962C8B-B14F-4D97-AF65-F5344CB8AC3E}">
+        <p14:creationId xmlns:p14="http://schemas.microsoft.com/office/powerpoint/2010/main" val="742526163"/>
+      </p:ext>
+    </p:extLst>
+  </p:cSld>
+  <p:clrMapOvr>
+    <a:masterClrMapping/>
+  </p:clrMapOvr>
+</p:sld>
+</file>
+
+<file path=ppt/slides/slide8.xml><?xml version="1.0" encoding="utf-8"?>
 <p:sld xmlns:a="http://schemas.openxmlformats.org/drawingml/2006/main" xmlns:r="http://schemas.openxmlformats.org/officeDocument/2006/relationships" xmlns:p="http://schemas.openxmlformats.org/presentationml/2006/main">
   <p:cSld>
     <p:spTree>
@@ -14407,19 +20617,56 @@
                 <a:effectLst/>
                 <a:latin typeface="Consolas" panose="020B0609020204030204" pitchFamily="49" charset="0"/>
               </a:rPr>
-              <a:t>()</a:t>
-            </a:r>
-          </a:p>
-          <a:p>
+              <a:t>()    </a:t>
+            </a:r>
             <a:r>
               <a:rPr lang="en-US" sz="1600" b="0" dirty="0">
                 <a:solidFill>
-                  <a:srgbClr val="000000"/>
+                  <a:srgbClr val="008000"/>
                 </a:solidFill>
                 <a:effectLst/>
                 <a:latin typeface="Consolas" panose="020B0609020204030204" pitchFamily="49" charset="0"/>
               </a:rPr>
-              <a:t>    test(</a:t>
+              <a:t>//</a:t>
+            </a:r>
+            <a:r>
+              <a:rPr lang="ru-RU" sz="1600" b="0" dirty="0">
+                <a:solidFill>
+                  <a:srgbClr val="008000"/>
+                </a:solidFill>
+                <a:effectLst/>
+                <a:latin typeface="Consolas" panose="020B0609020204030204" pitchFamily="49" charset="0"/>
+              </a:rPr>
+              <a:t>Создали экземпляр параметров</a:t>
+            </a:r>
+            <a:endParaRPr lang="ru-RU" sz="1600" b="0" dirty="0">
+              <a:solidFill>
+                <a:srgbClr val="000000"/>
+              </a:solidFill>
+              <a:effectLst/>
+              <a:latin typeface="Consolas" panose="020B0609020204030204" pitchFamily="49" charset="0"/>
+            </a:endParaRPr>
+          </a:p>
+          <a:p>
+            <a:r>
+              <a:rPr lang="ru-RU" sz="1600" b="0" dirty="0">
+                <a:solidFill>
+                  <a:srgbClr val="000000"/>
+                </a:solidFill>
+                <a:effectLst/>
+                <a:latin typeface="Consolas" panose="020B0609020204030204" pitchFamily="49" charset="0"/>
+              </a:rPr>
+              <a:t>    </a:t>
+            </a:r>
+            <a:r>
+              <a:rPr lang="en-US" sz="1600" b="0" dirty="0">
+                <a:solidFill>
+                  <a:srgbClr val="000000"/>
+                </a:solidFill>
+                <a:effectLst/>
+                <a:latin typeface="Consolas" panose="020B0609020204030204" pitchFamily="49" charset="0"/>
+              </a:rPr>
+              <a:t>test(</a:t>
             </a:r>
             <a:r>
               <a:rPr lang="en-US" sz="1600" b="0" dirty="0">
@@ -14459,12 +20706,39 @@
                 <a:effectLst/>
                 <a:latin typeface="Consolas" panose="020B0609020204030204" pitchFamily="49" charset="0"/>
               </a:rPr>
-              <a:t>()) { au =&gt;</a:t>
-            </a:r>
+              <a:t>()) { au =&gt; </a:t>
+            </a:r>
+            <a:r>
+              <a:rPr lang="en-US" sz="1600" b="0" dirty="0">
+                <a:solidFill>
+                  <a:srgbClr val="008000"/>
+                </a:solidFill>
+                <a:effectLst/>
+                <a:latin typeface="Consolas" panose="020B0609020204030204" pitchFamily="49" charset="0"/>
+              </a:rPr>
+              <a:t>//</a:t>
+            </a:r>
+            <a:r>
+              <a:rPr lang="ru-RU" sz="1600" b="0" dirty="0">
+                <a:solidFill>
+                  <a:srgbClr val="008000"/>
+                </a:solidFill>
+                <a:effectLst/>
+                <a:latin typeface="Consolas" panose="020B0609020204030204" pitchFamily="49" charset="0"/>
+              </a:rPr>
+              <a:t>Начало теста</a:t>
+            </a:r>
+            <a:endParaRPr lang="ru-RU" sz="1600" b="0" dirty="0">
+              <a:solidFill>
+                <a:srgbClr val="000000"/>
+              </a:solidFill>
+              <a:effectLst/>
+              <a:latin typeface="Consolas" panose="020B0609020204030204" pitchFamily="49" charset="0"/>
+            </a:endParaRPr>
           </a:p>
           <a:p>
             <a:r>
-              <a:rPr lang="en-US" sz="1600" b="0" dirty="0">
+              <a:rPr lang="ru-RU" sz="1600" b="0" dirty="0">
                 <a:solidFill>
                   <a:srgbClr val="000000"/>
                 </a:solidFill>
@@ -14511,12 +20785,39 @@
                 <a:effectLst/>
                 <a:latin typeface="Consolas" panose="020B0609020204030204" pitchFamily="49" charset="0"/>
               </a:rPr>
-              <a:t>)</a:t>
-            </a:r>
+              <a:t>)           </a:t>
+            </a:r>
+            <a:r>
+              <a:rPr lang="en-US" sz="1600" b="0" dirty="0">
+                <a:solidFill>
+                  <a:srgbClr val="008000"/>
+                </a:solidFill>
+                <a:effectLst/>
+                <a:latin typeface="Consolas" panose="020B0609020204030204" pitchFamily="49" charset="0"/>
+              </a:rPr>
+              <a:t>//</a:t>
+            </a:r>
+            <a:r>
+              <a:rPr lang="ru-RU" sz="1600" b="0" dirty="0">
+                <a:solidFill>
+                  <a:srgbClr val="008000"/>
+                </a:solidFill>
+                <a:effectLst/>
+                <a:latin typeface="Consolas" panose="020B0609020204030204" pitchFamily="49" charset="0"/>
+              </a:rPr>
+              <a:t>Подали разрешающий сигнал</a:t>
+            </a:r>
+            <a:endParaRPr lang="ru-RU" sz="1600" b="0" dirty="0">
+              <a:solidFill>
+                <a:srgbClr val="000000"/>
+              </a:solidFill>
+              <a:effectLst/>
+              <a:latin typeface="Consolas" panose="020B0609020204030204" pitchFamily="49" charset="0"/>
+            </a:endParaRPr>
           </a:p>
           <a:p>
             <a:r>
-              <a:rPr lang="en-US" sz="1600" b="0" dirty="0">
+              <a:rPr lang="ru-RU" sz="1600" b="0" dirty="0">
                 <a:solidFill>
                   <a:srgbClr val="000000"/>
                 </a:solidFill>
@@ -14563,19 +20864,56 @@
                 <a:effectLst/>
                 <a:latin typeface="Consolas" panose="020B0609020204030204" pitchFamily="49" charset="0"/>
               </a:rPr>
-              <a:t>)</a:t>
-            </a:r>
-          </a:p>
-          <a:p>
+              <a:t>) </a:t>
+            </a:r>
             <a:r>
               <a:rPr lang="en-US" sz="1600" b="0" dirty="0">
                 <a:solidFill>
-                  <a:srgbClr val="000000"/>
+                  <a:srgbClr val="008000"/>
                 </a:solidFill>
                 <a:effectLst/>
                 <a:latin typeface="Consolas" panose="020B0609020204030204" pitchFamily="49" charset="0"/>
               </a:rPr>
-              <a:t>      au.io.op1.poke(</a:t>
+              <a:t>//</a:t>
+            </a:r>
+            <a:r>
+              <a:rPr lang="ru-RU" sz="1600" b="0" dirty="0">
+                <a:solidFill>
+                  <a:srgbClr val="008000"/>
+                </a:solidFill>
+                <a:effectLst/>
+                <a:latin typeface="Consolas" panose="020B0609020204030204" pitchFamily="49" charset="0"/>
+              </a:rPr>
+              <a:t>Подали код команды</a:t>
+            </a:r>
+            <a:endParaRPr lang="ru-RU" sz="1600" b="0" dirty="0">
+              <a:solidFill>
+                <a:srgbClr val="000000"/>
+              </a:solidFill>
+              <a:effectLst/>
+              <a:latin typeface="Consolas" panose="020B0609020204030204" pitchFamily="49" charset="0"/>
+            </a:endParaRPr>
+          </a:p>
+          <a:p>
+            <a:r>
+              <a:rPr lang="ru-RU" sz="1600" b="0" dirty="0">
+                <a:solidFill>
+                  <a:srgbClr val="000000"/>
+                </a:solidFill>
+                <a:effectLst/>
+                <a:latin typeface="Consolas" panose="020B0609020204030204" pitchFamily="49" charset="0"/>
+              </a:rPr>
+              <a:t>      </a:t>
+            </a:r>
+            <a:r>
+              <a:rPr lang="en-US" sz="1600" b="0" dirty="0">
+                <a:solidFill>
+                  <a:srgbClr val="000000"/>
+                </a:solidFill>
+                <a:effectLst/>
+                <a:latin typeface="Consolas" panose="020B0609020204030204" pitchFamily="49" charset="0"/>
+              </a:rPr>
+              <a:t>au.io.op1.poke(</a:t>
             </a:r>
             <a:r>
               <a:rPr lang="en-US" sz="1600" b="0" dirty="0">
@@ -14595,19 +20933,56 @@
                 <a:effectLst/>
                 <a:latin typeface="Consolas" panose="020B0609020204030204" pitchFamily="49" charset="0"/>
               </a:rPr>
-              <a:t>)</a:t>
-            </a:r>
-          </a:p>
-          <a:p>
+              <a:t>)                </a:t>
+            </a:r>
             <a:r>
               <a:rPr lang="en-US" sz="1600" b="0" dirty="0">
                 <a:solidFill>
-                  <a:srgbClr val="000000"/>
+                  <a:srgbClr val="008000"/>
                 </a:solidFill>
                 <a:effectLst/>
                 <a:latin typeface="Consolas" panose="020B0609020204030204" pitchFamily="49" charset="0"/>
               </a:rPr>
-              <a:t>      au.io.op2.poke(</a:t>
+              <a:t>//</a:t>
+            </a:r>
+            <a:r>
+              <a:rPr lang="ru-RU" sz="1600" b="0" dirty="0">
+                <a:solidFill>
+                  <a:srgbClr val="008000"/>
+                </a:solidFill>
+                <a:effectLst/>
+                <a:latin typeface="Consolas" panose="020B0609020204030204" pitchFamily="49" charset="0"/>
+              </a:rPr>
+              <a:t>Подали 1-ый операнд</a:t>
+            </a:r>
+            <a:endParaRPr lang="ru-RU" sz="1600" b="0" dirty="0">
+              <a:solidFill>
+                <a:srgbClr val="000000"/>
+              </a:solidFill>
+              <a:effectLst/>
+              <a:latin typeface="Consolas" panose="020B0609020204030204" pitchFamily="49" charset="0"/>
+            </a:endParaRPr>
+          </a:p>
+          <a:p>
+            <a:r>
+              <a:rPr lang="ru-RU" sz="1600" b="0" dirty="0">
+                <a:solidFill>
+                  <a:srgbClr val="000000"/>
+                </a:solidFill>
+                <a:effectLst/>
+                <a:latin typeface="Consolas" panose="020B0609020204030204" pitchFamily="49" charset="0"/>
+              </a:rPr>
+              <a:t>      </a:t>
+            </a:r>
+            <a:r>
+              <a:rPr lang="en-US" sz="1600" b="0" dirty="0">
+                <a:solidFill>
+                  <a:srgbClr val="000000"/>
+                </a:solidFill>
+                <a:effectLst/>
+                <a:latin typeface="Consolas" panose="020B0609020204030204" pitchFamily="49" charset="0"/>
+              </a:rPr>
+              <a:t>au.io.op2.poke(</a:t>
             </a:r>
             <a:r>
               <a:rPr lang="en-US" sz="1600" b="0" dirty="0">
@@ -14627,12 +21002,39 @@
                 <a:effectLst/>
                 <a:latin typeface="Consolas" panose="020B0609020204030204" pitchFamily="49" charset="0"/>
               </a:rPr>
-              <a:t>)</a:t>
-            </a:r>
+              <a:t>)                </a:t>
+            </a:r>
+            <a:r>
+              <a:rPr lang="en-US" sz="1600" b="0" dirty="0">
+                <a:solidFill>
+                  <a:srgbClr val="008000"/>
+                </a:solidFill>
+                <a:effectLst/>
+                <a:latin typeface="Consolas" panose="020B0609020204030204" pitchFamily="49" charset="0"/>
+              </a:rPr>
+              <a:t>//</a:t>
+            </a:r>
+            <a:r>
+              <a:rPr lang="ru-RU" sz="1600" b="0" dirty="0">
+                <a:solidFill>
+                  <a:srgbClr val="008000"/>
+                </a:solidFill>
+                <a:effectLst/>
+                <a:latin typeface="Consolas" panose="020B0609020204030204" pitchFamily="49" charset="0"/>
+              </a:rPr>
+              <a:t>Подали 2-ой операнд</a:t>
+            </a:r>
+            <a:endParaRPr lang="ru-RU" sz="1600" b="0" dirty="0">
+              <a:solidFill>
+                <a:srgbClr val="000000"/>
+              </a:solidFill>
+              <a:effectLst/>
+              <a:latin typeface="Consolas" panose="020B0609020204030204" pitchFamily="49" charset="0"/>
+            </a:endParaRPr>
           </a:p>
           <a:p>
             <a:r>
-              <a:rPr lang="en-US" sz="1600" b="0" dirty="0">
+              <a:rPr lang="ru-RU" sz="1600" b="0" dirty="0">
                 <a:solidFill>
                   <a:srgbClr val="000000"/>
                 </a:solidFill>
@@ -14659,12 +21061,39 @@
                 <a:effectLst/>
                 <a:latin typeface="Consolas" panose="020B0609020204030204" pitchFamily="49" charset="0"/>
               </a:rPr>
-              <a:t>()</a:t>
-            </a:r>
+              <a:t>()                  </a:t>
+            </a:r>
+            <a:r>
+              <a:rPr lang="en-US" sz="1600" b="0" dirty="0">
+                <a:solidFill>
+                  <a:srgbClr val="008000"/>
+                </a:solidFill>
+                <a:effectLst/>
+                <a:latin typeface="Consolas" panose="020B0609020204030204" pitchFamily="49" charset="0"/>
+              </a:rPr>
+              <a:t>//</a:t>
+            </a:r>
+            <a:r>
+              <a:rPr lang="ru-RU" sz="1600" b="0" dirty="0">
+                <a:solidFill>
+                  <a:srgbClr val="008000"/>
+                </a:solidFill>
+                <a:effectLst/>
+                <a:latin typeface="Consolas" panose="020B0609020204030204" pitchFamily="49" charset="0"/>
+              </a:rPr>
+              <a:t>Шаг по времени</a:t>
+            </a:r>
+            <a:endParaRPr lang="ru-RU" sz="1600" b="0" dirty="0">
+              <a:solidFill>
+                <a:srgbClr val="000000"/>
+              </a:solidFill>
+              <a:effectLst/>
+              <a:latin typeface="Consolas" panose="020B0609020204030204" pitchFamily="49" charset="0"/>
+            </a:endParaRPr>
           </a:p>
           <a:p>
             <a:br>
-              <a:rPr lang="en-US" sz="1600" b="0" dirty="0">
+              <a:rPr lang="ru-RU" sz="1600" b="0" dirty="0">
                 <a:solidFill>
                   <a:srgbClr val="000000"/>
                 </a:solidFill>
@@ -14673,7 +21102,7 @@
               </a:rPr>
             </a:br>
             <a:r>
-              <a:rPr lang="en-US" sz="1600" b="0" dirty="0">
+              <a:rPr lang="ru-RU" sz="1600" b="0" dirty="0">
                 <a:solidFill>
                   <a:srgbClr val="000000"/>
                 </a:solidFill>
@@ -14720,12 +21149,49 @@
                 <a:effectLst/>
                 <a:latin typeface="Consolas" panose="020B0609020204030204" pitchFamily="49" charset="0"/>
               </a:rPr>
-              <a:t>)</a:t>
-            </a:r>
+              <a:t>)          </a:t>
+            </a:r>
+            <a:r>
+              <a:rPr lang="en-US" sz="1600" b="0" dirty="0">
+                <a:solidFill>
+                  <a:srgbClr val="008000"/>
+                </a:solidFill>
+                <a:effectLst/>
+                <a:latin typeface="Consolas" panose="020B0609020204030204" pitchFamily="49" charset="0"/>
+              </a:rPr>
+              <a:t>//</a:t>
+            </a:r>
+            <a:r>
+              <a:rPr lang="ru-RU" sz="1600" b="0">
+                <a:solidFill>
+                  <a:srgbClr val="008000"/>
+                </a:solidFill>
+                <a:effectLst/>
+                <a:latin typeface="Consolas" panose="020B0609020204030204" pitchFamily="49" charset="0"/>
+              </a:rPr>
+              <a:t>Убрали разрешающий </a:t>
+            </a:r>
+            <a:r>
+              <a:rPr lang="ru-RU" sz="1600" b="0" dirty="0">
+                <a:solidFill>
+                  <a:srgbClr val="008000"/>
+                </a:solidFill>
+                <a:effectLst/>
+                <a:latin typeface="Consolas" panose="020B0609020204030204" pitchFamily="49" charset="0"/>
+              </a:rPr>
+              <a:t>сигнал</a:t>
+            </a:r>
+            <a:endParaRPr lang="ru-RU" sz="1600" b="0" dirty="0">
+              <a:solidFill>
+                <a:srgbClr val="000000"/>
+              </a:solidFill>
+              <a:effectLst/>
+              <a:latin typeface="Consolas" panose="020B0609020204030204" pitchFamily="49" charset="0"/>
+            </a:endParaRPr>
           </a:p>
           <a:p>
             <a:r>
-              <a:rPr lang="en-US" sz="1600" b="0" dirty="0">
+              <a:rPr lang="ru-RU" sz="1600" b="0" dirty="0">
                 <a:solidFill>
                   <a:srgbClr val="000000"/>
                 </a:solidFill>
@@ -14772,12 +21238,39 @@
                 <a:effectLst/>
                 <a:latin typeface="Consolas" panose="020B0609020204030204" pitchFamily="49" charset="0"/>
               </a:rPr>
-              <a:t>)</a:t>
-            </a:r>
+              <a:t>)              </a:t>
+            </a:r>
+            <a:r>
+              <a:rPr lang="en-US" sz="1600" b="0" dirty="0">
+                <a:solidFill>
+                  <a:srgbClr val="008000"/>
+                </a:solidFill>
+                <a:effectLst/>
+                <a:latin typeface="Consolas" panose="020B0609020204030204" pitchFamily="49" charset="0"/>
+              </a:rPr>
+              <a:t>//</a:t>
+            </a:r>
+            <a:r>
+              <a:rPr lang="ru-RU" sz="1600" b="0" dirty="0">
+                <a:solidFill>
+                  <a:srgbClr val="008000"/>
+                </a:solidFill>
+                <a:effectLst/>
+                <a:latin typeface="Consolas" panose="020B0609020204030204" pitchFamily="49" charset="0"/>
+              </a:rPr>
+              <a:t>Проверили результат операции</a:t>
+            </a:r>
+            <a:endParaRPr lang="ru-RU" sz="1600" b="0" dirty="0">
+              <a:solidFill>
+                <a:srgbClr val="000000"/>
+              </a:solidFill>
+              <a:effectLst/>
+              <a:latin typeface="Consolas" panose="020B0609020204030204" pitchFamily="49" charset="0"/>
+            </a:endParaRPr>
           </a:p>
           <a:p>
             <a:r>
-              <a:rPr lang="en-US" sz="1600" b="0" dirty="0">
+              <a:rPr lang="ru-RU" sz="1600" b="0" dirty="0">
                 <a:solidFill>
                   <a:srgbClr val="000000"/>
                 </a:solidFill>
@@ -14824,12 +21317,39 @@
                 <a:effectLst/>
                 <a:latin typeface="Consolas" panose="020B0609020204030204" pitchFamily="49" charset="0"/>
               </a:rPr>
-              <a:t>)</a:t>
-            </a:r>
+              <a:t>)         </a:t>
+            </a:r>
+            <a:r>
+              <a:rPr lang="en-US" sz="1600" b="0" dirty="0">
+                <a:solidFill>
+                  <a:srgbClr val="008000"/>
+                </a:solidFill>
+                <a:effectLst/>
+                <a:latin typeface="Consolas" panose="020B0609020204030204" pitchFamily="49" charset="0"/>
+              </a:rPr>
+              <a:t>//</a:t>
+            </a:r>
+            <a:r>
+              <a:rPr lang="ru-RU" sz="1600" b="0" dirty="0">
+                <a:solidFill>
+                  <a:srgbClr val="008000"/>
+                </a:solidFill>
+                <a:effectLst/>
+                <a:latin typeface="Consolas" panose="020B0609020204030204" pitchFamily="49" charset="0"/>
+              </a:rPr>
+              <a:t>Проверили готовность</a:t>
+            </a:r>
+            <a:endParaRPr lang="ru-RU" sz="1600" b="0" dirty="0">
+              <a:solidFill>
+                <a:srgbClr val="000000"/>
+              </a:solidFill>
+              <a:effectLst/>
+              <a:latin typeface="Consolas" panose="020B0609020204030204" pitchFamily="49" charset="0"/>
+            </a:endParaRPr>
           </a:p>
           <a:p>
             <a:r>
-              <a:rPr lang="en-US" sz="1600" b="0" dirty="0">
+              <a:rPr lang="ru-RU" sz="1600" b="0" dirty="0">
                 <a:solidFill>
                   <a:srgbClr val="000000"/>
                 </a:solidFill>
@@ -14876,12 +21396,39 @@
                 <a:effectLst/>
                 <a:latin typeface="Consolas" panose="020B0609020204030204" pitchFamily="49" charset="0"/>
               </a:rPr>
-              <a:t>)</a:t>
-            </a:r>
+              <a:t>)     </a:t>
+            </a:r>
+            <a:r>
+              <a:rPr lang="en-US" sz="1600" b="0" dirty="0">
+                <a:solidFill>
+                  <a:srgbClr val="008000"/>
+                </a:solidFill>
+                <a:effectLst/>
+                <a:latin typeface="Consolas" panose="020B0609020204030204" pitchFamily="49" charset="0"/>
+              </a:rPr>
+              <a:t>//</a:t>
+            </a:r>
+            <a:r>
+              <a:rPr lang="ru-RU" sz="1600" b="0" dirty="0">
+                <a:solidFill>
+                  <a:srgbClr val="008000"/>
+                </a:solidFill>
+                <a:effectLst/>
+                <a:latin typeface="Consolas" panose="020B0609020204030204" pitchFamily="49" charset="0"/>
+              </a:rPr>
+              <a:t>Проверили переполнение</a:t>
+            </a:r>
+            <a:endParaRPr lang="ru-RU" sz="1600" b="0" dirty="0">
+              <a:solidFill>
+                <a:srgbClr val="000000"/>
+              </a:solidFill>
+              <a:effectLst/>
+              <a:latin typeface="Consolas" panose="020B0609020204030204" pitchFamily="49" charset="0"/>
+            </a:endParaRPr>
           </a:p>
           <a:p>
             <a:br>
-              <a:rPr lang="en-US" sz="1600" b="0" dirty="0">
+              <a:rPr lang="ru-RU" sz="1600" b="0" dirty="0">
                 <a:solidFill>
                   <a:srgbClr val="000000"/>
                 </a:solidFill>
@@ -14890,7 +21437,7 @@
               </a:rPr>
             </a:br>
             <a:r>
-              <a:rPr lang="en-US" sz="1600" b="0" dirty="0">
+              <a:rPr lang="ru-RU" sz="1600" b="0" dirty="0">
                 <a:solidFill>
                   <a:srgbClr val="000000"/>
                 </a:solidFill>
@@ -14917,12 +21464,39 @@
                 <a:effectLst/>
                 <a:latin typeface="Consolas" panose="020B0609020204030204" pitchFamily="49" charset="0"/>
               </a:rPr>
-              <a:t>()</a:t>
-            </a:r>
+              <a:t>()                  </a:t>
+            </a:r>
+            <a:r>
+              <a:rPr lang="en-US" sz="1600" b="0" dirty="0">
+                <a:solidFill>
+                  <a:srgbClr val="008000"/>
+                </a:solidFill>
+                <a:effectLst/>
+                <a:latin typeface="Consolas" panose="020B0609020204030204" pitchFamily="49" charset="0"/>
+              </a:rPr>
+              <a:t>//</a:t>
+            </a:r>
+            <a:r>
+              <a:rPr lang="ru-RU" sz="1600" b="0" dirty="0">
+                <a:solidFill>
+                  <a:srgbClr val="008000"/>
+                </a:solidFill>
+                <a:effectLst/>
+                <a:latin typeface="Consolas" panose="020B0609020204030204" pitchFamily="49" charset="0"/>
+              </a:rPr>
+              <a:t>Шаг по времени</a:t>
+            </a:r>
+            <a:endParaRPr lang="ru-RU" sz="1600" b="0" dirty="0">
+              <a:solidFill>
+                <a:srgbClr val="000000"/>
+              </a:solidFill>
+              <a:effectLst/>
+              <a:latin typeface="Consolas" panose="020B0609020204030204" pitchFamily="49" charset="0"/>
+            </a:endParaRPr>
           </a:p>
           <a:p>
             <a:r>
-              <a:rPr lang="en-US" sz="1600" b="0" dirty="0">
+              <a:rPr lang="ru-RU" sz="1600" b="0" dirty="0">
                 <a:solidFill>
                   <a:srgbClr val="000000"/>
                 </a:solidFill>
@@ -14934,7 +21508,7 @@
           </a:p>
           <a:p>
             <a:r>
-              <a:rPr lang="en-US" sz="1600" b="0" dirty="0">
+              <a:rPr lang="ru-RU" sz="1600" b="0" dirty="0">
                 <a:solidFill>
                   <a:srgbClr val="000000"/>
                 </a:solidFill>
@@ -14946,7 +21520,7 @@
           </a:p>
           <a:p>
             <a:r>
-              <a:rPr lang="en-US" sz="1600" b="0" dirty="0">
+              <a:rPr lang="ru-RU" sz="1600" b="0" dirty="0">
                 <a:solidFill>
                   <a:srgbClr val="000000"/>
                 </a:solidFill>
@@ -14974,7 +21548,7 @@
 </p:sld>
 </file>
 
-<file path=ppt/slides/slide7.xml><?xml version="1.0" encoding="utf-8"?>
+<file path=ppt/slides/slide9.xml><?xml version="1.0" encoding="utf-8"?>
 <p:sld xmlns:a="http://schemas.openxmlformats.org/drawingml/2006/main" xmlns:r="http://schemas.openxmlformats.org/officeDocument/2006/relationships" xmlns:p="http://schemas.openxmlformats.org/presentationml/2006/main">
   <p:cSld>
     <p:spTree>

--- a/Тестрирование на чизеле.pptx
+++ b/Тестрирование на чизеле.pptx
@@ -12496,749 +12496,6 @@
       </p:sp>
       <p:sp>
         <p:nvSpPr>
-          <p:cNvPr id="3" name="TextBox 2">
-            <a:extLst>
-              <a:ext uri="{FF2B5EF4-FFF2-40B4-BE49-F238E27FC236}">
-                <a16:creationId xmlns:a16="http://schemas.microsoft.com/office/drawing/2014/main" id="{72CF5E7A-73F1-445A-B0B7-C4AE0F4A09D0}"/>
-              </a:ext>
-            </a:extLst>
-          </p:cNvPr>
-          <p:cNvSpPr txBox="1"/>
-          <p:nvPr/>
-        </p:nvSpPr>
-        <p:spPr>
-          <a:xfrm>
-            <a:off x="5867153" y="1676470"/>
-            <a:ext cx="7646647" cy="4524315"/>
-          </a:xfrm>
-          <a:prstGeom prst="rect">
-            <a:avLst/>
-          </a:prstGeom>
-          <a:noFill/>
-        </p:spPr>
-        <p:txBody>
-          <a:bodyPr wrap="square" rtlCol="0">
-            <a:spAutoFit/>
-          </a:bodyPr>
-          <a:lstStyle/>
-          <a:p>
-            <a:r>
-              <a:rPr lang="en-US" b="0" dirty="0">
-                <a:solidFill>
-                  <a:srgbClr val="0000FF"/>
-                </a:solidFill>
-                <a:effectLst/>
-                <a:latin typeface="Consolas" panose="020B0609020204030204" pitchFamily="49" charset="0"/>
-              </a:rPr>
-              <a:t>class</a:t>
-            </a:r>
-            <a:r>
-              <a:rPr lang="en-US" b="0" dirty="0">
-                <a:solidFill>
-                  <a:srgbClr val="000000"/>
-                </a:solidFill>
-                <a:effectLst/>
-                <a:latin typeface="Consolas" panose="020B0609020204030204" pitchFamily="49" charset="0"/>
-              </a:rPr>
-              <a:t> </a:t>
-            </a:r>
-            <a:r>
-              <a:rPr lang="en-US" b="0" dirty="0" err="1">
-                <a:solidFill>
-                  <a:srgbClr val="000000"/>
-                </a:solidFill>
-                <a:effectLst/>
-                <a:latin typeface="Consolas" panose="020B0609020204030204" pitchFamily="49" charset="0"/>
-              </a:rPr>
-              <a:t>MyModule</a:t>
-            </a:r>
-            <a:r>
-              <a:rPr lang="en-US" b="0" dirty="0">
-                <a:solidFill>
-                  <a:srgbClr val="000000"/>
-                </a:solidFill>
-                <a:effectLst/>
-                <a:latin typeface="Consolas" panose="020B0609020204030204" pitchFamily="49" charset="0"/>
-              </a:rPr>
-              <a:t> </a:t>
-            </a:r>
-            <a:r>
-              <a:rPr lang="en-US" b="0" dirty="0">
-                <a:solidFill>
-                  <a:srgbClr val="0000FF"/>
-                </a:solidFill>
-                <a:effectLst/>
-                <a:latin typeface="Consolas" panose="020B0609020204030204" pitchFamily="49" charset="0"/>
-              </a:rPr>
-              <a:t>extends</a:t>
-            </a:r>
-            <a:r>
-              <a:rPr lang="en-US" b="0" dirty="0">
-                <a:solidFill>
-                  <a:srgbClr val="000000"/>
-                </a:solidFill>
-                <a:effectLst/>
-                <a:latin typeface="Consolas" panose="020B0609020204030204" pitchFamily="49" charset="0"/>
-              </a:rPr>
-              <a:t> Module</a:t>
-            </a:r>
-          </a:p>
-          <a:p>
-            <a:r>
-              <a:rPr lang="en-US" b="0" dirty="0">
-                <a:solidFill>
-                  <a:srgbClr val="000000"/>
-                </a:solidFill>
-                <a:effectLst/>
-                <a:latin typeface="Consolas" panose="020B0609020204030204" pitchFamily="49" charset="0"/>
-              </a:rPr>
-              <a:t>{</a:t>
-            </a:r>
-          </a:p>
-          <a:p>
-            <a:r>
-              <a:rPr lang="en-US" b="0" dirty="0">
-                <a:solidFill>
-                  <a:srgbClr val="000000"/>
-                </a:solidFill>
-                <a:effectLst/>
-                <a:latin typeface="Consolas" panose="020B0609020204030204" pitchFamily="49" charset="0"/>
-              </a:rPr>
-              <a:t>    </a:t>
-            </a:r>
-            <a:r>
-              <a:rPr lang="en-US" b="0" dirty="0">
-                <a:solidFill>
-                  <a:srgbClr val="008000"/>
-                </a:solidFill>
-                <a:effectLst/>
-                <a:latin typeface="Consolas" panose="020B0609020204030204" pitchFamily="49" charset="0"/>
-              </a:rPr>
-              <a:t>//</a:t>
-            </a:r>
-            <a:r>
-              <a:rPr lang="ru-RU" b="0" dirty="0">
-                <a:solidFill>
-                  <a:srgbClr val="008000"/>
-                </a:solidFill>
-                <a:effectLst/>
-                <a:latin typeface="Consolas" panose="020B0609020204030204" pitchFamily="49" charset="0"/>
-              </a:rPr>
-              <a:t>Добавили входной и выходной сигналы</a:t>
-            </a:r>
-            <a:endParaRPr lang="ru-RU" b="0" dirty="0">
-              <a:solidFill>
-                <a:srgbClr val="000000"/>
-              </a:solidFill>
-              <a:effectLst/>
-              <a:latin typeface="Consolas" panose="020B0609020204030204" pitchFamily="49" charset="0"/>
-            </a:endParaRPr>
-          </a:p>
-          <a:p>
-            <a:r>
-              <a:rPr lang="ru-RU" b="0" dirty="0">
-                <a:solidFill>
-                  <a:srgbClr val="000000"/>
-                </a:solidFill>
-                <a:effectLst/>
-                <a:latin typeface="Consolas" panose="020B0609020204030204" pitchFamily="49" charset="0"/>
-              </a:rPr>
-              <a:t>    </a:t>
-            </a:r>
-            <a:r>
-              <a:rPr lang="en-US" b="0" dirty="0" err="1">
-                <a:solidFill>
-                  <a:srgbClr val="0000FF"/>
-                </a:solidFill>
-                <a:effectLst/>
-                <a:latin typeface="Consolas" panose="020B0609020204030204" pitchFamily="49" charset="0"/>
-              </a:rPr>
-              <a:t>val</a:t>
-            </a:r>
-            <a:r>
-              <a:rPr lang="en-US" b="0" dirty="0">
-                <a:solidFill>
-                  <a:srgbClr val="000000"/>
-                </a:solidFill>
-                <a:effectLst/>
-                <a:latin typeface="Consolas" panose="020B0609020204030204" pitchFamily="49" charset="0"/>
-              </a:rPr>
-              <a:t> </a:t>
-            </a:r>
-            <a:r>
-              <a:rPr lang="en-US" b="0" dirty="0" err="1">
-                <a:solidFill>
-                  <a:srgbClr val="000000"/>
-                </a:solidFill>
-                <a:effectLst/>
-                <a:latin typeface="Consolas" panose="020B0609020204030204" pitchFamily="49" charset="0"/>
-              </a:rPr>
-              <a:t>io</a:t>
-            </a:r>
-            <a:r>
-              <a:rPr lang="en-US" b="0" dirty="0">
-                <a:solidFill>
-                  <a:srgbClr val="000000"/>
-                </a:solidFill>
-                <a:effectLst/>
-                <a:latin typeface="Consolas" panose="020B0609020204030204" pitchFamily="49" charset="0"/>
-              </a:rPr>
-              <a:t> = </a:t>
-            </a:r>
-            <a:r>
-              <a:rPr lang="en-US" b="0" dirty="0">
-                <a:solidFill>
-                  <a:srgbClr val="0000FF"/>
-                </a:solidFill>
-                <a:effectLst/>
-                <a:latin typeface="Consolas" panose="020B0609020204030204" pitchFamily="49" charset="0"/>
-              </a:rPr>
-              <a:t>new</a:t>
-            </a:r>
-            <a:r>
-              <a:rPr lang="en-US" b="0" dirty="0">
-                <a:solidFill>
-                  <a:srgbClr val="000000"/>
-                </a:solidFill>
-                <a:effectLst/>
-                <a:latin typeface="Consolas" panose="020B0609020204030204" pitchFamily="49" charset="0"/>
-              </a:rPr>
-              <a:t> Bundle {</a:t>
-            </a:r>
-          </a:p>
-          <a:p>
-            <a:r>
-              <a:rPr lang="en-US" b="0" dirty="0">
-                <a:solidFill>
-                  <a:srgbClr val="000000"/>
-                </a:solidFill>
-                <a:effectLst/>
-                <a:latin typeface="Consolas" panose="020B0609020204030204" pitchFamily="49" charset="0"/>
-              </a:rPr>
-              <a:t>        </a:t>
-            </a:r>
-            <a:r>
-              <a:rPr lang="en-US" b="0" dirty="0">
-                <a:solidFill>
-                  <a:srgbClr val="008000"/>
-                </a:solidFill>
-                <a:effectLst/>
-                <a:latin typeface="Consolas" panose="020B0609020204030204" pitchFamily="49" charset="0"/>
-              </a:rPr>
-              <a:t>//</a:t>
-            </a:r>
-            <a:r>
-              <a:rPr lang="ru-RU" b="0" dirty="0">
-                <a:solidFill>
-                  <a:srgbClr val="008000"/>
-                </a:solidFill>
-                <a:effectLst/>
-                <a:latin typeface="Consolas" panose="020B0609020204030204" pitchFamily="49" charset="0"/>
-              </a:rPr>
-              <a:t>Вход</a:t>
-            </a:r>
-            <a:endParaRPr lang="ru-RU" b="0" dirty="0">
-              <a:solidFill>
-                <a:srgbClr val="000000"/>
-              </a:solidFill>
-              <a:effectLst/>
-              <a:latin typeface="Consolas" panose="020B0609020204030204" pitchFamily="49" charset="0"/>
-            </a:endParaRPr>
-          </a:p>
-          <a:p>
-            <a:r>
-              <a:rPr lang="ru-RU" b="0" dirty="0">
-                <a:solidFill>
-                  <a:srgbClr val="000000"/>
-                </a:solidFill>
-                <a:effectLst/>
-                <a:latin typeface="Consolas" panose="020B0609020204030204" pitchFamily="49" charset="0"/>
-              </a:rPr>
-              <a:t>        </a:t>
-            </a:r>
-            <a:r>
-              <a:rPr lang="en-US" b="0" dirty="0" err="1">
-                <a:solidFill>
-                  <a:srgbClr val="0000FF"/>
-                </a:solidFill>
-                <a:effectLst/>
-                <a:latin typeface="Consolas" panose="020B0609020204030204" pitchFamily="49" charset="0"/>
-              </a:rPr>
-              <a:t>val</a:t>
-            </a:r>
-            <a:r>
-              <a:rPr lang="en-US" b="0" dirty="0">
-                <a:solidFill>
-                  <a:srgbClr val="000000"/>
-                </a:solidFill>
-                <a:effectLst/>
-                <a:latin typeface="Consolas" panose="020B0609020204030204" pitchFamily="49" charset="0"/>
-              </a:rPr>
-              <a:t> in = Input(</a:t>
-            </a:r>
-            <a:r>
-              <a:rPr lang="en-US" b="0" dirty="0" err="1">
-                <a:solidFill>
-                  <a:srgbClr val="000000"/>
-                </a:solidFill>
-                <a:effectLst/>
-                <a:latin typeface="Consolas" panose="020B0609020204030204" pitchFamily="49" charset="0"/>
-              </a:rPr>
-              <a:t>SInt</a:t>
-            </a:r>
-            <a:r>
-              <a:rPr lang="en-US" b="0" dirty="0">
-                <a:solidFill>
-                  <a:srgbClr val="000000"/>
-                </a:solidFill>
-                <a:effectLst/>
-                <a:latin typeface="Consolas" panose="020B0609020204030204" pitchFamily="49" charset="0"/>
-              </a:rPr>
-              <a:t>(</a:t>
-            </a:r>
-            <a:r>
-              <a:rPr lang="en-US" b="0" dirty="0">
-                <a:solidFill>
-                  <a:srgbClr val="098658"/>
-                </a:solidFill>
-                <a:effectLst/>
-                <a:latin typeface="Consolas" panose="020B0609020204030204" pitchFamily="49" charset="0"/>
-              </a:rPr>
-              <a:t>8</a:t>
-            </a:r>
-            <a:r>
-              <a:rPr lang="en-US" b="0" dirty="0">
-                <a:solidFill>
-                  <a:srgbClr val="000000"/>
-                </a:solidFill>
-                <a:effectLst/>
-                <a:latin typeface="Consolas" panose="020B0609020204030204" pitchFamily="49" charset="0"/>
-              </a:rPr>
-              <a:t>.W))     </a:t>
-            </a:r>
-          </a:p>
-          <a:p>
-            <a:r>
-              <a:rPr lang="en-US" b="0" dirty="0">
-                <a:solidFill>
-                  <a:srgbClr val="000000"/>
-                </a:solidFill>
-                <a:effectLst/>
-                <a:latin typeface="Consolas" panose="020B0609020204030204" pitchFamily="49" charset="0"/>
-              </a:rPr>
-              <a:t>        </a:t>
-            </a:r>
-            <a:r>
-              <a:rPr lang="en-US" b="0" dirty="0">
-                <a:solidFill>
-                  <a:srgbClr val="008000"/>
-                </a:solidFill>
-                <a:effectLst/>
-                <a:latin typeface="Consolas" panose="020B0609020204030204" pitchFamily="49" charset="0"/>
-              </a:rPr>
-              <a:t>//</a:t>
-            </a:r>
-            <a:r>
-              <a:rPr lang="ru-RU" b="0" dirty="0">
-                <a:solidFill>
-                  <a:srgbClr val="008000"/>
-                </a:solidFill>
-                <a:effectLst/>
-                <a:latin typeface="Consolas" panose="020B0609020204030204" pitchFamily="49" charset="0"/>
-              </a:rPr>
-              <a:t>Выход</a:t>
-            </a:r>
-            <a:endParaRPr lang="ru-RU" b="0" dirty="0">
-              <a:solidFill>
-                <a:srgbClr val="000000"/>
-              </a:solidFill>
-              <a:effectLst/>
-              <a:latin typeface="Consolas" panose="020B0609020204030204" pitchFamily="49" charset="0"/>
-            </a:endParaRPr>
-          </a:p>
-          <a:p>
-            <a:r>
-              <a:rPr lang="ru-RU" b="0" dirty="0">
-                <a:solidFill>
-                  <a:srgbClr val="000000"/>
-                </a:solidFill>
-                <a:effectLst/>
-                <a:latin typeface="Consolas" panose="020B0609020204030204" pitchFamily="49" charset="0"/>
-              </a:rPr>
-              <a:t>        </a:t>
-            </a:r>
-            <a:r>
-              <a:rPr lang="en-US" b="0" dirty="0" err="1">
-                <a:solidFill>
-                  <a:srgbClr val="0000FF"/>
-                </a:solidFill>
-                <a:effectLst/>
-                <a:latin typeface="Consolas" panose="020B0609020204030204" pitchFamily="49" charset="0"/>
-              </a:rPr>
-              <a:t>val</a:t>
-            </a:r>
-            <a:r>
-              <a:rPr lang="en-US" b="0" dirty="0">
-                <a:solidFill>
-                  <a:srgbClr val="000000"/>
-                </a:solidFill>
-                <a:effectLst/>
-                <a:latin typeface="Consolas" panose="020B0609020204030204" pitchFamily="49" charset="0"/>
-              </a:rPr>
-              <a:t> out = Output(</a:t>
-            </a:r>
-            <a:r>
-              <a:rPr lang="en-US" b="0" dirty="0" err="1">
-                <a:solidFill>
-                  <a:srgbClr val="000000"/>
-                </a:solidFill>
-                <a:effectLst/>
-                <a:latin typeface="Consolas" panose="020B0609020204030204" pitchFamily="49" charset="0"/>
-              </a:rPr>
-              <a:t>SInt</a:t>
-            </a:r>
-            <a:r>
-              <a:rPr lang="en-US" b="0" dirty="0">
-                <a:solidFill>
-                  <a:srgbClr val="000000"/>
-                </a:solidFill>
-                <a:effectLst/>
-                <a:latin typeface="Consolas" panose="020B0609020204030204" pitchFamily="49" charset="0"/>
-              </a:rPr>
-              <a:t>(</a:t>
-            </a:r>
-            <a:r>
-              <a:rPr lang="en-US" b="0" dirty="0">
-                <a:solidFill>
-                  <a:srgbClr val="098658"/>
-                </a:solidFill>
-                <a:effectLst/>
-                <a:latin typeface="Consolas" panose="020B0609020204030204" pitchFamily="49" charset="0"/>
-              </a:rPr>
-              <a:t>16</a:t>
-            </a:r>
-            <a:r>
-              <a:rPr lang="en-US" b="0" dirty="0">
-                <a:solidFill>
-                  <a:srgbClr val="000000"/>
-                </a:solidFill>
-                <a:effectLst/>
-                <a:latin typeface="Consolas" panose="020B0609020204030204" pitchFamily="49" charset="0"/>
-              </a:rPr>
-              <a:t>.W))  </a:t>
-            </a:r>
-          </a:p>
-          <a:p>
-            <a:r>
-              <a:rPr lang="en-US" b="0" dirty="0">
-                <a:solidFill>
-                  <a:srgbClr val="000000"/>
-                </a:solidFill>
-                <a:effectLst/>
-                <a:latin typeface="Consolas" panose="020B0609020204030204" pitchFamily="49" charset="0"/>
-              </a:rPr>
-              <a:t>    }</a:t>
-            </a:r>
-          </a:p>
-          <a:p>
-            <a:r>
-              <a:rPr lang="en-US" b="0" dirty="0">
-                <a:solidFill>
-                  <a:srgbClr val="000000"/>
-                </a:solidFill>
-                <a:effectLst/>
-                <a:latin typeface="Consolas" panose="020B0609020204030204" pitchFamily="49" charset="0"/>
-              </a:rPr>
-              <a:t>    </a:t>
-            </a:r>
-            <a:r>
-              <a:rPr lang="en-US" b="0" dirty="0">
-                <a:solidFill>
-                  <a:srgbClr val="008000"/>
-                </a:solidFill>
-                <a:effectLst/>
-                <a:latin typeface="Consolas" panose="020B0609020204030204" pitchFamily="49" charset="0"/>
-              </a:rPr>
-              <a:t>//</a:t>
-            </a:r>
-            <a:r>
-              <a:rPr lang="ru-RU" b="0" dirty="0">
-                <a:solidFill>
-                  <a:srgbClr val="008000"/>
-                </a:solidFill>
-                <a:effectLst/>
-                <a:latin typeface="Consolas" panose="020B0609020204030204" pitchFamily="49" charset="0"/>
-              </a:rPr>
-              <a:t>Создали регистр</a:t>
-            </a:r>
-            <a:endParaRPr lang="ru-RU" b="0" dirty="0">
-              <a:solidFill>
-                <a:srgbClr val="000000"/>
-              </a:solidFill>
-              <a:effectLst/>
-              <a:latin typeface="Consolas" panose="020B0609020204030204" pitchFamily="49" charset="0"/>
-            </a:endParaRPr>
-          </a:p>
-          <a:p>
-            <a:r>
-              <a:rPr lang="ru-RU" b="0" dirty="0">
-                <a:solidFill>
-                  <a:srgbClr val="000000"/>
-                </a:solidFill>
-                <a:effectLst/>
-                <a:latin typeface="Consolas" panose="020B0609020204030204" pitchFamily="49" charset="0"/>
-              </a:rPr>
-              <a:t>    </a:t>
-            </a:r>
-            <a:r>
-              <a:rPr lang="en-US" b="0" dirty="0" err="1">
-                <a:solidFill>
-                  <a:srgbClr val="0000FF"/>
-                </a:solidFill>
-                <a:effectLst/>
-                <a:latin typeface="Consolas" panose="020B0609020204030204" pitchFamily="49" charset="0"/>
-              </a:rPr>
-              <a:t>val</a:t>
-            </a:r>
-            <a:r>
-              <a:rPr lang="en-US" b="0" dirty="0">
-                <a:solidFill>
-                  <a:srgbClr val="000000"/>
-                </a:solidFill>
-                <a:effectLst/>
-                <a:latin typeface="Consolas" panose="020B0609020204030204" pitchFamily="49" charset="0"/>
-              </a:rPr>
-              <a:t> out = </a:t>
-            </a:r>
-            <a:r>
-              <a:rPr lang="en-US" b="0" dirty="0" err="1">
-                <a:solidFill>
-                  <a:srgbClr val="000000"/>
-                </a:solidFill>
-                <a:effectLst/>
-                <a:latin typeface="Consolas" panose="020B0609020204030204" pitchFamily="49" charset="0"/>
-              </a:rPr>
-              <a:t>RegInit</a:t>
-            </a:r>
-            <a:r>
-              <a:rPr lang="en-US" b="0" dirty="0">
-                <a:solidFill>
-                  <a:srgbClr val="000000"/>
-                </a:solidFill>
-                <a:effectLst/>
-                <a:latin typeface="Consolas" panose="020B0609020204030204" pitchFamily="49" charset="0"/>
-              </a:rPr>
-              <a:t>(</a:t>
-            </a:r>
-            <a:r>
-              <a:rPr lang="en-US" b="0" dirty="0">
-                <a:solidFill>
-                  <a:srgbClr val="098658"/>
-                </a:solidFill>
-                <a:effectLst/>
-                <a:latin typeface="Consolas" panose="020B0609020204030204" pitchFamily="49" charset="0"/>
-              </a:rPr>
-              <a:t>0</a:t>
-            </a:r>
-            <a:r>
-              <a:rPr lang="en-US" b="0" dirty="0">
-                <a:solidFill>
-                  <a:srgbClr val="000000"/>
-                </a:solidFill>
-                <a:effectLst/>
-                <a:latin typeface="Consolas" panose="020B0609020204030204" pitchFamily="49" charset="0"/>
-              </a:rPr>
-              <a:t>.U(</a:t>
-            </a:r>
-            <a:r>
-              <a:rPr lang="en-US" b="0" dirty="0">
-                <a:solidFill>
-                  <a:srgbClr val="098658"/>
-                </a:solidFill>
-                <a:effectLst/>
-                <a:latin typeface="Consolas" panose="020B0609020204030204" pitchFamily="49" charset="0"/>
-              </a:rPr>
-              <a:t>16</a:t>
-            </a:r>
-            <a:r>
-              <a:rPr lang="en-US" b="0" dirty="0">
-                <a:solidFill>
-                  <a:srgbClr val="000000"/>
-                </a:solidFill>
-                <a:effectLst/>
-                <a:latin typeface="Consolas" panose="020B0609020204030204" pitchFamily="49" charset="0"/>
-              </a:rPr>
-              <a:t>.W)) </a:t>
-            </a:r>
-          </a:p>
-          <a:p>
-            <a:r>
-              <a:rPr lang="en-US" b="0" dirty="0">
-                <a:solidFill>
-                  <a:srgbClr val="000000"/>
-                </a:solidFill>
-                <a:effectLst/>
-                <a:latin typeface="Consolas" panose="020B0609020204030204" pitchFamily="49" charset="0"/>
-              </a:rPr>
-              <a:t>    </a:t>
-            </a:r>
-            <a:r>
-              <a:rPr lang="en-US" b="0" dirty="0">
-                <a:solidFill>
-                  <a:srgbClr val="008000"/>
-                </a:solidFill>
-                <a:effectLst/>
-                <a:latin typeface="Consolas" panose="020B0609020204030204" pitchFamily="49" charset="0"/>
-              </a:rPr>
-              <a:t>//</a:t>
-            </a:r>
-            <a:r>
-              <a:rPr lang="ru-RU" b="0" dirty="0">
-                <a:solidFill>
-                  <a:srgbClr val="008000"/>
-                </a:solidFill>
-                <a:effectLst/>
-                <a:latin typeface="Consolas" panose="020B0609020204030204" pitchFamily="49" charset="0"/>
-              </a:rPr>
-              <a:t>Присвоили новое значение регистру</a:t>
-            </a:r>
-            <a:endParaRPr lang="ru-RU" b="0" dirty="0">
-              <a:solidFill>
-                <a:srgbClr val="000000"/>
-              </a:solidFill>
-              <a:effectLst/>
-              <a:latin typeface="Consolas" panose="020B0609020204030204" pitchFamily="49" charset="0"/>
-            </a:endParaRPr>
-          </a:p>
-          <a:p>
-            <a:r>
-              <a:rPr lang="ru-RU" b="0" dirty="0">
-                <a:solidFill>
-                  <a:srgbClr val="000000"/>
-                </a:solidFill>
-                <a:effectLst/>
-                <a:latin typeface="Consolas" panose="020B0609020204030204" pitchFamily="49" charset="0"/>
-              </a:rPr>
-              <a:t>    </a:t>
-            </a:r>
-            <a:r>
-              <a:rPr lang="en-US" b="0" dirty="0">
-                <a:solidFill>
-                  <a:srgbClr val="000000"/>
-                </a:solidFill>
-                <a:effectLst/>
-                <a:latin typeface="Consolas" panose="020B0609020204030204" pitchFamily="49" charset="0"/>
-              </a:rPr>
-              <a:t>out := </a:t>
-            </a:r>
-            <a:r>
-              <a:rPr lang="en-US" b="0" dirty="0">
-                <a:solidFill>
-                  <a:srgbClr val="098658"/>
-                </a:solidFill>
-                <a:effectLst/>
-                <a:latin typeface="Consolas" panose="020B0609020204030204" pitchFamily="49" charset="0"/>
-              </a:rPr>
-              <a:t>2</a:t>
-            </a:r>
-            <a:r>
-              <a:rPr lang="en-US" b="0" dirty="0">
-                <a:solidFill>
-                  <a:srgbClr val="000000"/>
-                </a:solidFill>
-                <a:effectLst/>
-                <a:latin typeface="Consolas" panose="020B0609020204030204" pitchFamily="49" charset="0"/>
-              </a:rPr>
-              <a:t> * io.in</a:t>
-            </a:r>
-          </a:p>
-          <a:p>
-            <a:r>
-              <a:rPr lang="en-US" b="0" dirty="0">
-                <a:solidFill>
-                  <a:srgbClr val="000000"/>
-                </a:solidFill>
-                <a:effectLst/>
-                <a:latin typeface="Consolas" panose="020B0609020204030204" pitchFamily="49" charset="0"/>
-              </a:rPr>
-              <a:t>    </a:t>
-            </a:r>
-            <a:r>
-              <a:rPr lang="en-US" b="0" dirty="0">
-                <a:solidFill>
-                  <a:srgbClr val="008000"/>
-                </a:solidFill>
-                <a:effectLst/>
-                <a:latin typeface="Consolas" panose="020B0609020204030204" pitchFamily="49" charset="0"/>
-              </a:rPr>
-              <a:t>//</a:t>
-            </a:r>
-            <a:r>
-              <a:rPr lang="ru-RU" b="0" dirty="0">
-                <a:solidFill>
-                  <a:srgbClr val="008000"/>
-                </a:solidFill>
-                <a:effectLst/>
-                <a:latin typeface="Consolas" panose="020B0609020204030204" pitchFamily="49" charset="0"/>
-              </a:rPr>
-              <a:t>Передали значение регистра на выход    </a:t>
-            </a:r>
-            <a:endParaRPr lang="ru-RU" b="0" dirty="0">
-              <a:solidFill>
-                <a:srgbClr val="000000"/>
-              </a:solidFill>
-              <a:effectLst/>
-              <a:latin typeface="Consolas" panose="020B0609020204030204" pitchFamily="49" charset="0"/>
-            </a:endParaRPr>
-          </a:p>
-          <a:p>
-            <a:r>
-              <a:rPr lang="ru-RU" b="0" dirty="0">
-                <a:solidFill>
-                  <a:srgbClr val="000000"/>
-                </a:solidFill>
-                <a:effectLst/>
-                <a:latin typeface="Consolas" panose="020B0609020204030204" pitchFamily="49" charset="0"/>
-              </a:rPr>
-              <a:t>    </a:t>
-            </a:r>
-            <a:r>
-              <a:rPr lang="en-US" b="0" dirty="0" err="1">
-                <a:solidFill>
-                  <a:srgbClr val="000000"/>
-                </a:solidFill>
-                <a:effectLst/>
-                <a:latin typeface="Consolas" panose="020B0609020204030204" pitchFamily="49" charset="0"/>
-              </a:rPr>
-              <a:t>io.out</a:t>
-            </a:r>
-            <a:r>
-              <a:rPr lang="en-US" b="0" dirty="0">
-                <a:solidFill>
-                  <a:srgbClr val="000000"/>
-                </a:solidFill>
-                <a:effectLst/>
-                <a:latin typeface="Consolas" panose="020B0609020204030204" pitchFamily="49" charset="0"/>
-              </a:rPr>
-              <a:t> := out  </a:t>
-            </a:r>
-          </a:p>
-          <a:p>
-            <a:r>
-              <a:rPr lang="en-US" b="0" dirty="0">
-                <a:solidFill>
-                  <a:srgbClr val="000000"/>
-                </a:solidFill>
-                <a:effectLst/>
-                <a:latin typeface="Consolas" panose="020B0609020204030204" pitchFamily="49" charset="0"/>
-              </a:rPr>
-              <a:t>}</a:t>
-            </a:r>
-          </a:p>
-        </p:txBody>
-      </p:sp>
-      <p:sp>
-        <p:nvSpPr>
           <p:cNvPr id="5" name="Прямоугольник: скругленные углы 4">
             <a:extLst>
               <a:ext uri="{FF2B5EF4-FFF2-40B4-BE49-F238E27FC236}">
@@ -13727,6 +12984,1062 @@
           </a:fontRef>
         </p:style>
       </p:cxnSp>
+      <p:grpSp>
+        <p:nvGrpSpPr>
+          <p:cNvPr id="10" name="Группа 9">
+            <a:extLst>
+              <a:ext uri="{FF2B5EF4-FFF2-40B4-BE49-F238E27FC236}">
+                <a16:creationId xmlns:a16="http://schemas.microsoft.com/office/drawing/2014/main" id="{6CC23131-BB95-4C7E-A413-BF8CBAF8DC2F}"/>
+              </a:ext>
+            </a:extLst>
+          </p:cNvPr>
+          <p:cNvGrpSpPr/>
+          <p:nvPr/>
+        </p:nvGrpSpPr>
+        <p:grpSpPr>
+          <a:xfrm>
+            <a:off x="5792535" y="1690688"/>
+            <a:ext cx="8228097" cy="4524315"/>
+            <a:chOff x="7191567" y="1690688"/>
+            <a:chExt cx="8228097" cy="4524315"/>
+          </a:xfrm>
+        </p:grpSpPr>
+        <p:sp>
+          <p:nvSpPr>
+            <p:cNvPr id="3" name="TextBox 2">
+              <a:extLst>
+                <a:ext uri="{FF2B5EF4-FFF2-40B4-BE49-F238E27FC236}">
+                  <a16:creationId xmlns:a16="http://schemas.microsoft.com/office/drawing/2014/main" id="{72CF5E7A-73F1-445A-B0B7-C4AE0F4A09D0}"/>
+                </a:ext>
+              </a:extLst>
+            </p:cNvPr>
+            <p:cNvSpPr txBox="1"/>
+            <p:nvPr/>
+          </p:nvSpPr>
+          <p:spPr>
+            <a:xfrm>
+              <a:off x="7773017" y="1690688"/>
+              <a:ext cx="7646647" cy="4524315"/>
+            </a:xfrm>
+            <a:prstGeom prst="rect">
+              <a:avLst/>
+            </a:prstGeom>
+            <a:noFill/>
+          </p:spPr>
+          <p:txBody>
+            <a:bodyPr wrap="square" rtlCol="0">
+              <a:spAutoFit/>
+            </a:bodyPr>
+            <a:lstStyle/>
+            <a:p>
+              <a:r>
+                <a:rPr lang="en-US" b="0" dirty="0">
+                  <a:solidFill>
+                    <a:srgbClr val="0000FF"/>
+                  </a:solidFill>
+                  <a:effectLst/>
+                  <a:latin typeface="Consolas" panose="020B0609020204030204" pitchFamily="49" charset="0"/>
+                </a:rPr>
+                <a:t>class</a:t>
+              </a:r>
+              <a:r>
+                <a:rPr lang="en-US" b="0" dirty="0">
+                  <a:solidFill>
+                    <a:srgbClr val="000000"/>
+                  </a:solidFill>
+                  <a:effectLst/>
+                  <a:latin typeface="Consolas" panose="020B0609020204030204" pitchFamily="49" charset="0"/>
+                </a:rPr>
+                <a:t> </a:t>
+              </a:r>
+              <a:r>
+                <a:rPr lang="en-US" b="0" dirty="0" err="1">
+                  <a:solidFill>
+                    <a:srgbClr val="000000"/>
+                  </a:solidFill>
+                  <a:effectLst/>
+                  <a:latin typeface="Consolas" panose="020B0609020204030204" pitchFamily="49" charset="0"/>
+                </a:rPr>
+                <a:t>MyModule</a:t>
+              </a:r>
+              <a:r>
+                <a:rPr lang="en-US" b="0" dirty="0">
+                  <a:solidFill>
+                    <a:srgbClr val="000000"/>
+                  </a:solidFill>
+                  <a:effectLst/>
+                  <a:latin typeface="Consolas" panose="020B0609020204030204" pitchFamily="49" charset="0"/>
+                </a:rPr>
+                <a:t> </a:t>
+              </a:r>
+              <a:r>
+                <a:rPr lang="en-US" b="0" dirty="0">
+                  <a:solidFill>
+                    <a:srgbClr val="0000FF"/>
+                  </a:solidFill>
+                  <a:effectLst/>
+                  <a:latin typeface="Consolas" panose="020B0609020204030204" pitchFamily="49" charset="0"/>
+                </a:rPr>
+                <a:t>extends</a:t>
+              </a:r>
+              <a:r>
+                <a:rPr lang="en-US" b="0" dirty="0">
+                  <a:solidFill>
+                    <a:srgbClr val="000000"/>
+                  </a:solidFill>
+                  <a:effectLst/>
+                  <a:latin typeface="Consolas" panose="020B0609020204030204" pitchFamily="49" charset="0"/>
+                </a:rPr>
+                <a:t> Module</a:t>
+              </a:r>
+            </a:p>
+            <a:p>
+              <a:r>
+                <a:rPr lang="en-US" b="0" dirty="0">
+                  <a:solidFill>
+                    <a:srgbClr val="000000"/>
+                  </a:solidFill>
+                  <a:effectLst/>
+                  <a:latin typeface="Consolas" panose="020B0609020204030204" pitchFamily="49" charset="0"/>
+                </a:rPr>
+                <a:t>{</a:t>
+              </a:r>
+            </a:p>
+            <a:p>
+              <a:r>
+                <a:rPr lang="en-US" b="0" dirty="0">
+                  <a:solidFill>
+                    <a:srgbClr val="000000"/>
+                  </a:solidFill>
+                  <a:effectLst/>
+                  <a:latin typeface="Consolas" panose="020B0609020204030204" pitchFamily="49" charset="0"/>
+                </a:rPr>
+                <a:t>    </a:t>
+              </a:r>
+              <a:r>
+                <a:rPr lang="en-US" b="0" dirty="0">
+                  <a:solidFill>
+                    <a:srgbClr val="008000"/>
+                  </a:solidFill>
+                  <a:effectLst/>
+                  <a:latin typeface="Consolas" panose="020B0609020204030204" pitchFamily="49" charset="0"/>
+                </a:rPr>
+                <a:t>//</a:t>
+              </a:r>
+              <a:r>
+                <a:rPr lang="ru-RU" b="0" dirty="0">
+                  <a:solidFill>
+                    <a:srgbClr val="008000"/>
+                  </a:solidFill>
+                  <a:effectLst/>
+                  <a:latin typeface="Consolas" panose="020B0609020204030204" pitchFamily="49" charset="0"/>
+                </a:rPr>
+                <a:t>Добавили входной и выходной сигналы</a:t>
+              </a:r>
+              <a:endParaRPr lang="ru-RU" b="0" dirty="0">
+                <a:solidFill>
+                  <a:srgbClr val="000000"/>
+                </a:solidFill>
+                <a:effectLst/>
+                <a:latin typeface="Consolas" panose="020B0609020204030204" pitchFamily="49" charset="0"/>
+              </a:endParaRPr>
+            </a:p>
+            <a:p>
+              <a:r>
+                <a:rPr lang="ru-RU" b="0" dirty="0">
+                  <a:solidFill>
+                    <a:srgbClr val="000000"/>
+                  </a:solidFill>
+                  <a:effectLst/>
+                  <a:latin typeface="Consolas" panose="020B0609020204030204" pitchFamily="49" charset="0"/>
+                </a:rPr>
+                <a:t>    </a:t>
+              </a:r>
+              <a:r>
+                <a:rPr lang="en-US" b="0" dirty="0" err="1">
+                  <a:solidFill>
+                    <a:srgbClr val="0000FF"/>
+                  </a:solidFill>
+                  <a:effectLst/>
+                  <a:latin typeface="Consolas" panose="020B0609020204030204" pitchFamily="49" charset="0"/>
+                </a:rPr>
+                <a:t>val</a:t>
+              </a:r>
+              <a:r>
+                <a:rPr lang="en-US" b="0" dirty="0">
+                  <a:solidFill>
+                    <a:srgbClr val="000000"/>
+                  </a:solidFill>
+                  <a:effectLst/>
+                  <a:latin typeface="Consolas" panose="020B0609020204030204" pitchFamily="49" charset="0"/>
+                </a:rPr>
+                <a:t> </a:t>
+              </a:r>
+              <a:r>
+                <a:rPr lang="en-US" b="0" dirty="0" err="1">
+                  <a:solidFill>
+                    <a:srgbClr val="000000"/>
+                  </a:solidFill>
+                  <a:effectLst/>
+                  <a:latin typeface="Consolas" panose="020B0609020204030204" pitchFamily="49" charset="0"/>
+                </a:rPr>
+                <a:t>io</a:t>
+              </a:r>
+              <a:r>
+                <a:rPr lang="en-US" b="0" dirty="0">
+                  <a:solidFill>
+                    <a:srgbClr val="000000"/>
+                  </a:solidFill>
+                  <a:effectLst/>
+                  <a:latin typeface="Consolas" panose="020B0609020204030204" pitchFamily="49" charset="0"/>
+                </a:rPr>
+                <a:t> = </a:t>
+              </a:r>
+              <a:r>
+                <a:rPr lang="en-US" b="0" dirty="0">
+                  <a:solidFill>
+                    <a:srgbClr val="0000FF"/>
+                  </a:solidFill>
+                  <a:effectLst/>
+                  <a:latin typeface="Consolas" panose="020B0609020204030204" pitchFamily="49" charset="0"/>
+                </a:rPr>
+                <a:t>new</a:t>
+              </a:r>
+              <a:r>
+                <a:rPr lang="en-US" b="0" dirty="0">
+                  <a:solidFill>
+                    <a:srgbClr val="000000"/>
+                  </a:solidFill>
+                  <a:effectLst/>
+                  <a:latin typeface="Consolas" panose="020B0609020204030204" pitchFamily="49" charset="0"/>
+                </a:rPr>
+                <a:t> Bundle {</a:t>
+              </a:r>
+            </a:p>
+            <a:p>
+              <a:r>
+                <a:rPr lang="en-US" b="0" dirty="0">
+                  <a:solidFill>
+                    <a:srgbClr val="000000"/>
+                  </a:solidFill>
+                  <a:effectLst/>
+                  <a:latin typeface="Consolas" panose="020B0609020204030204" pitchFamily="49" charset="0"/>
+                </a:rPr>
+                <a:t>        </a:t>
+              </a:r>
+              <a:r>
+                <a:rPr lang="en-US" b="0" dirty="0">
+                  <a:solidFill>
+                    <a:srgbClr val="008000"/>
+                  </a:solidFill>
+                  <a:effectLst/>
+                  <a:latin typeface="Consolas" panose="020B0609020204030204" pitchFamily="49" charset="0"/>
+                </a:rPr>
+                <a:t>//</a:t>
+              </a:r>
+              <a:r>
+                <a:rPr lang="ru-RU" b="0" dirty="0">
+                  <a:solidFill>
+                    <a:srgbClr val="008000"/>
+                  </a:solidFill>
+                  <a:effectLst/>
+                  <a:latin typeface="Consolas" panose="020B0609020204030204" pitchFamily="49" charset="0"/>
+                </a:rPr>
+                <a:t>Вход</a:t>
+              </a:r>
+              <a:endParaRPr lang="ru-RU" b="0" dirty="0">
+                <a:solidFill>
+                  <a:srgbClr val="000000"/>
+                </a:solidFill>
+                <a:effectLst/>
+                <a:latin typeface="Consolas" panose="020B0609020204030204" pitchFamily="49" charset="0"/>
+              </a:endParaRPr>
+            </a:p>
+            <a:p>
+              <a:r>
+                <a:rPr lang="ru-RU" b="0" dirty="0">
+                  <a:solidFill>
+                    <a:srgbClr val="000000"/>
+                  </a:solidFill>
+                  <a:effectLst/>
+                  <a:latin typeface="Consolas" panose="020B0609020204030204" pitchFamily="49" charset="0"/>
+                </a:rPr>
+                <a:t>        </a:t>
+              </a:r>
+              <a:r>
+                <a:rPr lang="en-US" b="0" dirty="0" err="1">
+                  <a:solidFill>
+                    <a:srgbClr val="0000FF"/>
+                  </a:solidFill>
+                  <a:effectLst/>
+                  <a:latin typeface="Consolas" panose="020B0609020204030204" pitchFamily="49" charset="0"/>
+                </a:rPr>
+                <a:t>val</a:t>
+              </a:r>
+              <a:r>
+                <a:rPr lang="en-US" b="0" dirty="0">
+                  <a:solidFill>
+                    <a:srgbClr val="000000"/>
+                  </a:solidFill>
+                  <a:effectLst/>
+                  <a:latin typeface="Consolas" panose="020B0609020204030204" pitchFamily="49" charset="0"/>
+                </a:rPr>
+                <a:t> in = Input(</a:t>
+              </a:r>
+              <a:r>
+                <a:rPr lang="en-US" b="0" dirty="0" err="1">
+                  <a:solidFill>
+                    <a:srgbClr val="000000"/>
+                  </a:solidFill>
+                  <a:effectLst/>
+                  <a:latin typeface="Consolas" panose="020B0609020204030204" pitchFamily="49" charset="0"/>
+                </a:rPr>
+                <a:t>SInt</a:t>
+              </a:r>
+              <a:r>
+                <a:rPr lang="en-US" b="0" dirty="0">
+                  <a:solidFill>
+                    <a:srgbClr val="000000"/>
+                  </a:solidFill>
+                  <a:effectLst/>
+                  <a:latin typeface="Consolas" panose="020B0609020204030204" pitchFamily="49" charset="0"/>
+                </a:rPr>
+                <a:t>(</a:t>
+              </a:r>
+              <a:r>
+                <a:rPr lang="en-US" b="0" dirty="0">
+                  <a:solidFill>
+                    <a:srgbClr val="098658"/>
+                  </a:solidFill>
+                  <a:effectLst/>
+                  <a:latin typeface="Consolas" panose="020B0609020204030204" pitchFamily="49" charset="0"/>
+                </a:rPr>
+                <a:t>8</a:t>
+              </a:r>
+              <a:r>
+                <a:rPr lang="en-US" b="0" dirty="0">
+                  <a:solidFill>
+                    <a:srgbClr val="000000"/>
+                  </a:solidFill>
+                  <a:effectLst/>
+                  <a:latin typeface="Consolas" panose="020B0609020204030204" pitchFamily="49" charset="0"/>
+                </a:rPr>
+                <a:t>.W))     </a:t>
+              </a:r>
+            </a:p>
+            <a:p>
+              <a:r>
+                <a:rPr lang="en-US" b="0" dirty="0">
+                  <a:solidFill>
+                    <a:srgbClr val="000000"/>
+                  </a:solidFill>
+                  <a:effectLst/>
+                  <a:latin typeface="Consolas" panose="020B0609020204030204" pitchFamily="49" charset="0"/>
+                </a:rPr>
+                <a:t>        </a:t>
+              </a:r>
+              <a:r>
+                <a:rPr lang="en-US" b="0" dirty="0">
+                  <a:solidFill>
+                    <a:srgbClr val="008000"/>
+                  </a:solidFill>
+                  <a:effectLst/>
+                  <a:latin typeface="Consolas" panose="020B0609020204030204" pitchFamily="49" charset="0"/>
+                </a:rPr>
+                <a:t>//</a:t>
+              </a:r>
+              <a:r>
+                <a:rPr lang="ru-RU" b="0" dirty="0">
+                  <a:solidFill>
+                    <a:srgbClr val="008000"/>
+                  </a:solidFill>
+                  <a:effectLst/>
+                  <a:latin typeface="Consolas" panose="020B0609020204030204" pitchFamily="49" charset="0"/>
+                </a:rPr>
+                <a:t>Выход</a:t>
+              </a:r>
+              <a:endParaRPr lang="ru-RU" b="0" dirty="0">
+                <a:solidFill>
+                  <a:srgbClr val="000000"/>
+                </a:solidFill>
+                <a:effectLst/>
+                <a:latin typeface="Consolas" panose="020B0609020204030204" pitchFamily="49" charset="0"/>
+              </a:endParaRPr>
+            </a:p>
+            <a:p>
+              <a:r>
+                <a:rPr lang="ru-RU" b="0" dirty="0">
+                  <a:solidFill>
+                    <a:srgbClr val="000000"/>
+                  </a:solidFill>
+                  <a:effectLst/>
+                  <a:latin typeface="Consolas" panose="020B0609020204030204" pitchFamily="49" charset="0"/>
+                </a:rPr>
+                <a:t>        </a:t>
+              </a:r>
+              <a:r>
+                <a:rPr lang="en-US" b="0" dirty="0" err="1">
+                  <a:solidFill>
+                    <a:srgbClr val="0000FF"/>
+                  </a:solidFill>
+                  <a:effectLst/>
+                  <a:latin typeface="Consolas" panose="020B0609020204030204" pitchFamily="49" charset="0"/>
+                </a:rPr>
+                <a:t>val</a:t>
+              </a:r>
+              <a:r>
+                <a:rPr lang="en-US" b="0" dirty="0">
+                  <a:solidFill>
+                    <a:srgbClr val="000000"/>
+                  </a:solidFill>
+                  <a:effectLst/>
+                  <a:latin typeface="Consolas" panose="020B0609020204030204" pitchFamily="49" charset="0"/>
+                </a:rPr>
+                <a:t> out = Output(</a:t>
+              </a:r>
+              <a:r>
+                <a:rPr lang="en-US" b="0" dirty="0" err="1">
+                  <a:solidFill>
+                    <a:srgbClr val="000000"/>
+                  </a:solidFill>
+                  <a:effectLst/>
+                  <a:latin typeface="Consolas" panose="020B0609020204030204" pitchFamily="49" charset="0"/>
+                </a:rPr>
+                <a:t>SInt</a:t>
+              </a:r>
+              <a:r>
+                <a:rPr lang="en-US" b="0" dirty="0">
+                  <a:solidFill>
+                    <a:srgbClr val="000000"/>
+                  </a:solidFill>
+                  <a:effectLst/>
+                  <a:latin typeface="Consolas" panose="020B0609020204030204" pitchFamily="49" charset="0"/>
+                </a:rPr>
+                <a:t>(</a:t>
+              </a:r>
+              <a:r>
+                <a:rPr lang="en-US" b="0" dirty="0">
+                  <a:solidFill>
+                    <a:srgbClr val="098658"/>
+                  </a:solidFill>
+                  <a:effectLst/>
+                  <a:latin typeface="Consolas" panose="020B0609020204030204" pitchFamily="49" charset="0"/>
+                </a:rPr>
+                <a:t>16</a:t>
+              </a:r>
+              <a:r>
+                <a:rPr lang="en-US" b="0" dirty="0">
+                  <a:solidFill>
+                    <a:srgbClr val="000000"/>
+                  </a:solidFill>
+                  <a:effectLst/>
+                  <a:latin typeface="Consolas" panose="020B0609020204030204" pitchFamily="49" charset="0"/>
+                </a:rPr>
+                <a:t>.W))  </a:t>
+              </a:r>
+            </a:p>
+            <a:p>
+              <a:r>
+                <a:rPr lang="en-US" b="0" dirty="0">
+                  <a:solidFill>
+                    <a:srgbClr val="000000"/>
+                  </a:solidFill>
+                  <a:effectLst/>
+                  <a:latin typeface="Consolas" panose="020B0609020204030204" pitchFamily="49" charset="0"/>
+                </a:rPr>
+                <a:t>    }</a:t>
+              </a:r>
+            </a:p>
+            <a:p>
+              <a:r>
+                <a:rPr lang="en-US" b="0" dirty="0">
+                  <a:solidFill>
+                    <a:srgbClr val="000000"/>
+                  </a:solidFill>
+                  <a:effectLst/>
+                  <a:latin typeface="Consolas" panose="020B0609020204030204" pitchFamily="49" charset="0"/>
+                </a:rPr>
+                <a:t>    </a:t>
+              </a:r>
+              <a:r>
+                <a:rPr lang="en-US" b="0" dirty="0">
+                  <a:solidFill>
+                    <a:srgbClr val="008000"/>
+                  </a:solidFill>
+                  <a:effectLst/>
+                  <a:latin typeface="Consolas" panose="020B0609020204030204" pitchFamily="49" charset="0"/>
+                </a:rPr>
+                <a:t>//</a:t>
+              </a:r>
+              <a:r>
+                <a:rPr lang="ru-RU" b="0" dirty="0">
+                  <a:solidFill>
+                    <a:srgbClr val="008000"/>
+                  </a:solidFill>
+                  <a:effectLst/>
+                  <a:latin typeface="Consolas" panose="020B0609020204030204" pitchFamily="49" charset="0"/>
+                </a:rPr>
+                <a:t>Создали регистр</a:t>
+              </a:r>
+              <a:endParaRPr lang="ru-RU" b="0" dirty="0">
+                <a:solidFill>
+                  <a:srgbClr val="000000"/>
+                </a:solidFill>
+                <a:effectLst/>
+                <a:latin typeface="Consolas" panose="020B0609020204030204" pitchFamily="49" charset="0"/>
+              </a:endParaRPr>
+            </a:p>
+            <a:p>
+              <a:r>
+                <a:rPr lang="ru-RU" b="0" dirty="0">
+                  <a:solidFill>
+                    <a:srgbClr val="000000"/>
+                  </a:solidFill>
+                  <a:effectLst/>
+                  <a:latin typeface="Consolas" panose="020B0609020204030204" pitchFamily="49" charset="0"/>
+                </a:rPr>
+                <a:t>    </a:t>
+              </a:r>
+              <a:r>
+                <a:rPr lang="en-US" b="0" dirty="0" err="1">
+                  <a:solidFill>
+                    <a:srgbClr val="0000FF"/>
+                  </a:solidFill>
+                  <a:effectLst/>
+                  <a:latin typeface="Consolas" panose="020B0609020204030204" pitchFamily="49" charset="0"/>
+                </a:rPr>
+                <a:t>val</a:t>
+              </a:r>
+              <a:r>
+                <a:rPr lang="en-US" b="0" dirty="0">
+                  <a:solidFill>
+                    <a:srgbClr val="000000"/>
+                  </a:solidFill>
+                  <a:effectLst/>
+                  <a:latin typeface="Consolas" panose="020B0609020204030204" pitchFamily="49" charset="0"/>
+                </a:rPr>
+                <a:t> out = </a:t>
+              </a:r>
+              <a:r>
+                <a:rPr lang="en-US" b="0" dirty="0" err="1">
+                  <a:solidFill>
+                    <a:srgbClr val="000000"/>
+                  </a:solidFill>
+                  <a:effectLst/>
+                  <a:latin typeface="Consolas" panose="020B0609020204030204" pitchFamily="49" charset="0"/>
+                </a:rPr>
+                <a:t>RegInit</a:t>
+              </a:r>
+              <a:r>
+                <a:rPr lang="en-US" b="0" dirty="0">
+                  <a:solidFill>
+                    <a:srgbClr val="000000"/>
+                  </a:solidFill>
+                  <a:effectLst/>
+                  <a:latin typeface="Consolas" panose="020B0609020204030204" pitchFamily="49" charset="0"/>
+                </a:rPr>
+                <a:t>(</a:t>
+              </a:r>
+              <a:r>
+                <a:rPr lang="en-US" b="0" dirty="0">
+                  <a:solidFill>
+                    <a:srgbClr val="098658"/>
+                  </a:solidFill>
+                  <a:effectLst/>
+                  <a:latin typeface="Consolas" panose="020B0609020204030204" pitchFamily="49" charset="0"/>
+                </a:rPr>
+                <a:t>0</a:t>
+              </a:r>
+              <a:r>
+                <a:rPr lang="en-US" b="0" dirty="0">
+                  <a:solidFill>
+                    <a:srgbClr val="000000"/>
+                  </a:solidFill>
+                  <a:effectLst/>
+                  <a:latin typeface="Consolas" panose="020B0609020204030204" pitchFamily="49" charset="0"/>
+                </a:rPr>
+                <a:t>.U(</a:t>
+              </a:r>
+              <a:r>
+                <a:rPr lang="en-US" b="0" dirty="0">
+                  <a:solidFill>
+                    <a:srgbClr val="098658"/>
+                  </a:solidFill>
+                  <a:effectLst/>
+                  <a:latin typeface="Consolas" panose="020B0609020204030204" pitchFamily="49" charset="0"/>
+                </a:rPr>
+                <a:t>16</a:t>
+              </a:r>
+              <a:r>
+                <a:rPr lang="en-US" b="0" dirty="0">
+                  <a:solidFill>
+                    <a:srgbClr val="000000"/>
+                  </a:solidFill>
+                  <a:effectLst/>
+                  <a:latin typeface="Consolas" panose="020B0609020204030204" pitchFamily="49" charset="0"/>
+                </a:rPr>
+                <a:t>.W)) </a:t>
+              </a:r>
+            </a:p>
+            <a:p>
+              <a:r>
+                <a:rPr lang="en-US" b="0" dirty="0">
+                  <a:solidFill>
+                    <a:srgbClr val="000000"/>
+                  </a:solidFill>
+                  <a:effectLst/>
+                  <a:latin typeface="Consolas" panose="020B0609020204030204" pitchFamily="49" charset="0"/>
+                </a:rPr>
+                <a:t>    </a:t>
+              </a:r>
+              <a:r>
+                <a:rPr lang="en-US" b="0" dirty="0">
+                  <a:solidFill>
+                    <a:srgbClr val="008000"/>
+                  </a:solidFill>
+                  <a:effectLst/>
+                  <a:latin typeface="Consolas" panose="020B0609020204030204" pitchFamily="49" charset="0"/>
+                </a:rPr>
+                <a:t>//</a:t>
+              </a:r>
+              <a:r>
+                <a:rPr lang="ru-RU" b="0" dirty="0">
+                  <a:solidFill>
+                    <a:srgbClr val="008000"/>
+                  </a:solidFill>
+                  <a:effectLst/>
+                  <a:latin typeface="Consolas" panose="020B0609020204030204" pitchFamily="49" charset="0"/>
+                </a:rPr>
+                <a:t>Присвоили новое значение регистру</a:t>
+              </a:r>
+              <a:endParaRPr lang="ru-RU" b="0" dirty="0">
+                <a:solidFill>
+                  <a:srgbClr val="000000"/>
+                </a:solidFill>
+                <a:effectLst/>
+                <a:latin typeface="Consolas" panose="020B0609020204030204" pitchFamily="49" charset="0"/>
+              </a:endParaRPr>
+            </a:p>
+            <a:p>
+              <a:r>
+                <a:rPr lang="ru-RU" b="0" dirty="0">
+                  <a:solidFill>
+                    <a:srgbClr val="000000"/>
+                  </a:solidFill>
+                  <a:effectLst/>
+                  <a:latin typeface="Consolas" panose="020B0609020204030204" pitchFamily="49" charset="0"/>
+                </a:rPr>
+                <a:t>    </a:t>
+              </a:r>
+              <a:r>
+                <a:rPr lang="en-US" b="0" dirty="0">
+                  <a:solidFill>
+                    <a:srgbClr val="000000"/>
+                  </a:solidFill>
+                  <a:effectLst/>
+                  <a:latin typeface="Consolas" panose="020B0609020204030204" pitchFamily="49" charset="0"/>
+                </a:rPr>
+                <a:t>out := </a:t>
+              </a:r>
+              <a:r>
+                <a:rPr lang="en-US" b="0" dirty="0">
+                  <a:solidFill>
+                    <a:srgbClr val="098658"/>
+                  </a:solidFill>
+                  <a:effectLst/>
+                  <a:latin typeface="Consolas" panose="020B0609020204030204" pitchFamily="49" charset="0"/>
+                </a:rPr>
+                <a:t>2</a:t>
+              </a:r>
+              <a:r>
+                <a:rPr lang="en-US" b="0" dirty="0">
+                  <a:solidFill>
+                    <a:srgbClr val="000000"/>
+                  </a:solidFill>
+                  <a:effectLst/>
+                  <a:latin typeface="Consolas" panose="020B0609020204030204" pitchFamily="49" charset="0"/>
+                </a:rPr>
+                <a:t> * io.in</a:t>
+              </a:r>
+            </a:p>
+            <a:p>
+              <a:r>
+                <a:rPr lang="en-US" b="0" dirty="0">
+                  <a:solidFill>
+                    <a:srgbClr val="000000"/>
+                  </a:solidFill>
+                  <a:effectLst/>
+                  <a:latin typeface="Consolas" panose="020B0609020204030204" pitchFamily="49" charset="0"/>
+                </a:rPr>
+                <a:t>    </a:t>
+              </a:r>
+              <a:r>
+                <a:rPr lang="en-US" b="0" dirty="0">
+                  <a:solidFill>
+                    <a:srgbClr val="008000"/>
+                  </a:solidFill>
+                  <a:effectLst/>
+                  <a:latin typeface="Consolas" panose="020B0609020204030204" pitchFamily="49" charset="0"/>
+                </a:rPr>
+                <a:t>//</a:t>
+              </a:r>
+              <a:r>
+                <a:rPr lang="ru-RU" b="0" dirty="0">
+                  <a:solidFill>
+                    <a:srgbClr val="008000"/>
+                  </a:solidFill>
+                  <a:effectLst/>
+                  <a:latin typeface="Consolas" panose="020B0609020204030204" pitchFamily="49" charset="0"/>
+                </a:rPr>
+                <a:t>Передали значение регистра на выход    </a:t>
+              </a:r>
+              <a:endParaRPr lang="ru-RU" b="0" dirty="0">
+                <a:solidFill>
+                  <a:srgbClr val="000000"/>
+                </a:solidFill>
+                <a:effectLst/>
+                <a:latin typeface="Consolas" panose="020B0609020204030204" pitchFamily="49" charset="0"/>
+              </a:endParaRPr>
+            </a:p>
+            <a:p>
+              <a:r>
+                <a:rPr lang="ru-RU" b="0" dirty="0">
+                  <a:solidFill>
+                    <a:srgbClr val="000000"/>
+                  </a:solidFill>
+                  <a:effectLst/>
+                  <a:latin typeface="Consolas" panose="020B0609020204030204" pitchFamily="49" charset="0"/>
+                </a:rPr>
+                <a:t>    </a:t>
+              </a:r>
+              <a:r>
+                <a:rPr lang="en-US" b="0" dirty="0" err="1">
+                  <a:solidFill>
+                    <a:srgbClr val="000000"/>
+                  </a:solidFill>
+                  <a:effectLst/>
+                  <a:latin typeface="Consolas" panose="020B0609020204030204" pitchFamily="49" charset="0"/>
+                </a:rPr>
+                <a:t>io.out</a:t>
+              </a:r>
+              <a:r>
+                <a:rPr lang="en-US" b="0" dirty="0">
+                  <a:solidFill>
+                    <a:srgbClr val="000000"/>
+                  </a:solidFill>
+                  <a:effectLst/>
+                  <a:latin typeface="Consolas" panose="020B0609020204030204" pitchFamily="49" charset="0"/>
+                </a:rPr>
+                <a:t> := out  </a:t>
+              </a:r>
+            </a:p>
+            <a:p>
+              <a:r>
+                <a:rPr lang="en-US" b="0" dirty="0">
+                  <a:solidFill>
+                    <a:srgbClr val="000000"/>
+                  </a:solidFill>
+                  <a:effectLst/>
+                  <a:latin typeface="Consolas" panose="020B0609020204030204" pitchFamily="49" charset="0"/>
+                </a:rPr>
+                <a:t>}</a:t>
+              </a:r>
+            </a:p>
+          </p:txBody>
+        </p:sp>
+        <p:sp>
+          <p:nvSpPr>
+            <p:cNvPr id="18" name="TextBox 17">
+              <a:extLst>
+                <a:ext uri="{FF2B5EF4-FFF2-40B4-BE49-F238E27FC236}">
+                  <a16:creationId xmlns:a16="http://schemas.microsoft.com/office/drawing/2014/main" id="{01BDDB86-0862-4B2F-AECA-3289DFF771A9}"/>
+                </a:ext>
+              </a:extLst>
+            </p:cNvPr>
+            <p:cNvSpPr txBox="1"/>
+            <p:nvPr/>
+          </p:nvSpPr>
+          <p:spPr>
+            <a:xfrm>
+              <a:off x="7191567" y="1690688"/>
+              <a:ext cx="583814" cy="4524315"/>
+            </a:xfrm>
+            <a:prstGeom prst="rect">
+              <a:avLst/>
+            </a:prstGeom>
+            <a:noFill/>
+          </p:spPr>
+          <p:txBody>
+            <a:bodyPr wrap="none" rtlCol="0">
+              <a:spAutoFit/>
+            </a:bodyPr>
+            <a:lstStyle/>
+            <a:p>
+              <a:pPr marL="342900" indent="-342900">
+                <a:buFont typeface="+mj-lt"/>
+                <a:buAutoNum type="arabicPeriod"/>
+              </a:pPr>
+              <a:r>
+                <a:rPr lang="en-US" dirty="0">
+                  <a:solidFill>
+                    <a:schemeClr val="bg1">
+                      <a:lumMod val="50000"/>
+                    </a:schemeClr>
+                  </a:solidFill>
+                </a:rPr>
+                <a:t> </a:t>
+              </a:r>
+            </a:p>
+            <a:p>
+              <a:pPr marL="342900" indent="-342900">
+                <a:buFont typeface="+mj-lt"/>
+                <a:buAutoNum type="arabicPeriod"/>
+              </a:pPr>
+              <a:r>
+                <a:rPr lang="en-US" dirty="0">
+                  <a:solidFill>
+                    <a:schemeClr val="bg1">
+                      <a:lumMod val="50000"/>
+                    </a:schemeClr>
+                  </a:solidFill>
+                </a:rPr>
+                <a:t> </a:t>
+              </a:r>
+            </a:p>
+            <a:p>
+              <a:pPr marL="342900" indent="-342900">
+                <a:buFont typeface="+mj-lt"/>
+                <a:buAutoNum type="arabicPeriod"/>
+              </a:pPr>
+              <a:r>
+                <a:rPr lang="en-US" dirty="0">
+                  <a:solidFill>
+                    <a:schemeClr val="bg1">
+                      <a:lumMod val="50000"/>
+                    </a:schemeClr>
+                  </a:solidFill>
+                </a:rPr>
+                <a:t> </a:t>
+              </a:r>
+            </a:p>
+            <a:p>
+              <a:pPr marL="342900" indent="-342900">
+                <a:buFont typeface="+mj-lt"/>
+                <a:buAutoNum type="arabicPeriod"/>
+              </a:pPr>
+              <a:r>
+                <a:rPr lang="en-US" dirty="0">
+                  <a:solidFill>
+                    <a:schemeClr val="bg1">
+                      <a:lumMod val="50000"/>
+                    </a:schemeClr>
+                  </a:solidFill>
+                </a:rPr>
+                <a:t> </a:t>
+              </a:r>
+            </a:p>
+            <a:p>
+              <a:pPr marL="342900" indent="-342900">
+                <a:buFont typeface="+mj-lt"/>
+                <a:buAutoNum type="arabicPeriod"/>
+              </a:pPr>
+              <a:r>
+                <a:rPr lang="en-US" dirty="0">
+                  <a:solidFill>
+                    <a:schemeClr val="bg1">
+                      <a:lumMod val="50000"/>
+                    </a:schemeClr>
+                  </a:solidFill>
+                </a:rPr>
+                <a:t> </a:t>
+              </a:r>
+            </a:p>
+            <a:p>
+              <a:pPr marL="342900" indent="-342900">
+                <a:buFont typeface="+mj-lt"/>
+                <a:buAutoNum type="arabicPeriod"/>
+              </a:pPr>
+              <a:r>
+                <a:rPr lang="en-US" dirty="0">
+                  <a:solidFill>
+                    <a:schemeClr val="bg1">
+                      <a:lumMod val="50000"/>
+                    </a:schemeClr>
+                  </a:solidFill>
+                </a:rPr>
+                <a:t> </a:t>
+              </a:r>
+            </a:p>
+            <a:p>
+              <a:pPr marL="342900" indent="-342900">
+                <a:buFont typeface="+mj-lt"/>
+                <a:buAutoNum type="arabicPeriod"/>
+              </a:pPr>
+              <a:r>
+                <a:rPr lang="en-US" dirty="0">
+                  <a:solidFill>
+                    <a:schemeClr val="bg1">
+                      <a:lumMod val="50000"/>
+                    </a:schemeClr>
+                  </a:solidFill>
+                </a:rPr>
+                <a:t> </a:t>
+              </a:r>
+            </a:p>
+            <a:p>
+              <a:pPr marL="342900" indent="-342900">
+                <a:buFont typeface="+mj-lt"/>
+                <a:buAutoNum type="arabicPeriod"/>
+              </a:pPr>
+              <a:r>
+                <a:rPr lang="en-US" dirty="0">
+                  <a:solidFill>
+                    <a:schemeClr val="bg1">
+                      <a:lumMod val="50000"/>
+                    </a:schemeClr>
+                  </a:solidFill>
+                </a:rPr>
+                <a:t> </a:t>
+              </a:r>
+            </a:p>
+            <a:p>
+              <a:pPr marL="342900" indent="-342900">
+                <a:buFont typeface="+mj-lt"/>
+                <a:buAutoNum type="arabicPeriod"/>
+              </a:pPr>
+              <a:r>
+                <a:rPr lang="en-US" dirty="0">
+                  <a:solidFill>
+                    <a:schemeClr val="bg1">
+                      <a:lumMod val="50000"/>
+                    </a:schemeClr>
+                  </a:solidFill>
+                </a:rPr>
+                <a:t> </a:t>
+              </a:r>
+            </a:p>
+            <a:p>
+              <a:pPr marL="342900" indent="-342900">
+                <a:buFont typeface="+mj-lt"/>
+                <a:buAutoNum type="arabicPeriod"/>
+              </a:pPr>
+              <a:r>
+                <a:rPr lang="en-US" dirty="0">
+                  <a:solidFill>
+                    <a:schemeClr val="bg1">
+                      <a:lumMod val="50000"/>
+                    </a:schemeClr>
+                  </a:solidFill>
+                </a:rPr>
+                <a:t> </a:t>
+              </a:r>
+            </a:p>
+            <a:p>
+              <a:pPr marL="342900" indent="-342900">
+                <a:buFont typeface="+mj-lt"/>
+                <a:buAutoNum type="arabicPeriod"/>
+              </a:pPr>
+              <a:r>
+                <a:rPr lang="en-US" dirty="0">
+                  <a:solidFill>
+                    <a:schemeClr val="bg1">
+                      <a:lumMod val="50000"/>
+                    </a:schemeClr>
+                  </a:solidFill>
+                </a:rPr>
+                <a:t> </a:t>
+              </a:r>
+            </a:p>
+            <a:p>
+              <a:pPr marL="342900" indent="-342900">
+                <a:buFont typeface="+mj-lt"/>
+                <a:buAutoNum type="arabicPeriod"/>
+              </a:pPr>
+              <a:r>
+                <a:rPr lang="en-US" dirty="0">
+                  <a:solidFill>
+                    <a:schemeClr val="bg1">
+                      <a:lumMod val="50000"/>
+                    </a:schemeClr>
+                  </a:solidFill>
+                </a:rPr>
+                <a:t> </a:t>
+              </a:r>
+            </a:p>
+            <a:p>
+              <a:pPr marL="342900" indent="-342900">
+                <a:buFont typeface="+mj-lt"/>
+                <a:buAutoNum type="arabicPeriod"/>
+              </a:pPr>
+              <a:r>
+                <a:rPr lang="en-US" dirty="0">
+                  <a:solidFill>
+                    <a:schemeClr val="bg1">
+                      <a:lumMod val="50000"/>
+                    </a:schemeClr>
+                  </a:solidFill>
+                </a:rPr>
+                <a:t> </a:t>
+              </a:r>
+            </a:p>
+            <a:p>
+              <a:pPr marL="342900" indent="-342900">
+                <a:buFont typeface="+mj-lt"/>
+                <a:buAutoNum type="arabicPeriod"/>
+              </a:pPr>
+              <a:r>
+                <a:rPr lang="en-US" dirty="0">
+                  <a:solidFill>
+                    <a:schemeClr val="bg1">
+                      <a:lumMod val="50000"/>
+                    </a:schemeClr>
+                  </a:solidFill>
+                </a:rPr>
+                <a:t> </a:t>
+              </a:r>
+            </a:p>
+            <a:p>
+              <a:pPr marL="342900" indent="-342900">
+                <a:buFont typeface="+mj-lt"/>
+                <a:buAutoNum type="arabicPeriod"/>
+              </a:pPr>
+              <a:r>
+                <a:rPr lang="en-US" dirty="0">
+                  <a:solidFill>
+                    <a:schemeClr val="bg1">
+                      <a:lumMod val="50000"/>
+                    </a:schemeClr>
+                  </a:solidFill>
+                </a:rPr>
+                <a:t> </a:t>
+              </a:r>
+            </a:p>
+            <a:p>
+              <a:pPr marL="342900" indent="-342900">
+                <a:buFont typeface="+mj-lt"/>
+                <a:buAutoNum type="arabicPeriod"/>
+              </a:pPr>
+              <a:r>
+                <a:rPr lang="en-US" dirty="0">
+                  <a:solidFill>
+                    <a:schemeClr val="bg1">
+                      <a:lumMod val="50000"/>
+                    </a:schemeClr>
+                  </a:solidFill>
+                </a:rPr>
+                <a:t> </a:t>
+              </a:r>
+              <a:endParaRPr lang="ru-RU" dirty="0">
+                <a:solidFill>
+                  <a:schemeClr val="bg1">
+                    <a:lumMod val="50000"/>
+                  </a:schemeClr>
+                </a:solidFill>
+              </a:endParaRPr>
+            </a:p>
+          </p:txBody>
+        </p:sp>
+      </p:grpSp>
     </p:spTree>
     <p:extLst>
       <p:ext uri="{BB962C8B-B14F-4D97-AF65-F5344CB8AC3E}">
@@ -13787,697 +14100,6 @@
               <a:t>Chisel</a:t>
             </a:r>
             <a:endParaRPr lang="ru-RU" dirty="0"/>
-          </a:p>
-        </p:txBody>
-      </p:sp>
-      <p:sp>
-        <p:nvSpPr>
-          <p:cNvPr id="3" name="TextBox 2">
-            <a:extLst>
-              <a:ext uri="{FF2B5EF4-FFF2-40B4-BE49-F238E27FC236}">
-                <a16:creationId xmlns:a16="http://schemas.microsoft.com/office/drawing/2014/main" id="{72CF5E7A-73F1-445A-B0B7-C4AE0F4A09D0}"/>
-              </a:ext>
-            </a:extLst>
-          </p:cNvPr>
-          <p:cNvSpPr txBox="1"/>
-          <p:nvPr/>
-        </p:nvSpPr>
-        <p:spPr>
-          <a:xfrm>
-            <a:off x="3621741" y="1690688"/>
-            <a:ext cx="7732059" cy="4247317"/>
-          </a:xfrm>
-          <a:prstGeom prst="rect">
-            <a:avLst/>
-          </a:prstGeom>
-          <a:noFill/>
-        </p:spPr>
-        <p:txBody>
-          <a:bodyPr wrap="square" rtlCol="0">
-            <a:spAutoFit/>
-          </a:bodyPr>
-          <a:lstStyle/>
-          <a:p>
-            <a:r>
-              <a:rPr lang="en-US" b="0" dirty="0">
-                <a:solidFill>
-                  <a:srgbClr val="0000FF"/>
-                </a:solidFill>
-                <a:effectLst/>
-                <a:latin typeface="Consolas" panose="020B0609020204030204" pitchFamily="49" charset="0"/>
-              </a:rPr>
-              <a:t>class</a:t>
-            </a:r>
-            <a:r>
-              <a:rPr lang="en-US" b="0" dirty="0">
-                <a:solidFill>
-                  <a:srgbClr val="000000"/>
-                </a:solidFill>
-                <a:effectLst/>
-                <a:latin typeface="Consolas" panose="020B0609020204030204" pitchFamily="49" charset="0"/>
-              </a:rPr>
-              <a:t> Test </a:t>
-            </a:r>
-            <a:r>
-              <a:rPr lang="en-US" b="0" dirty="0">
-                <a:solidFill>
-                  <a:srgbClr val="0000FF"/>
-                </a:solidFill>
-                <a:effectLst/>
-                <a:latin typeface="Consolas" panose="020B0609020204030204" pitchFamily="49" charset="0"/>
-              </a:rPr>
-              <a:t>extends</a:t>
-            </a:r>
-            <a:r>
-              <a:rPr lang="en-US" b="0" dirty="0">
-                <a:solidFill>
-                  <a:srgbClr val="000000"/>
-                </a:solidFill>
-                <a:effectLst/>
-                <a:latin typeface="Consolas" panose="020B0609020204030204" pitchFamily="49" charset="0"/>
-              </a:rPr>
-              <a:t> </a:t>
-            </a:r>
-            <a:r>
-              <a:rPr lang="en-US" b="0" dirty="0" err="1">
-                <a:solidFill>
-                  <a:srgbClr val="000000"/>
-                </a:solidFill>
-                <a:effectLst/>
-                <a:latin typeface="Consolas" panose="020B0609020204030204" pitchFamily="49" charset="0"/>
-              </a:rPr>
-              <a:t>AnyFlatSpec</a:t>
-            </a:r>
-            <a:r>
-              <a:rPr lang="en-US" b="0" dirty="0">
-                <a:solidFill>
-                  <a:srgbClr val="000000"/>
-                </a:solidFill>
-                <a:effectLst/>
-                <a:latin typeface="Consolas" panose="020B0609020204030204" pitchFamily="49" charset="0"/>
-              </a:rPr>
-              <a:t> </a:t>
-            </a:r>
-            <a:r>
-              <a:rPr lang="en-US" b="0" dirty="0">
-                <a:solidFill>
-                  <a:srgbClr val="0000FF"/>
-                </a:solidFill>
-                <a:effectLst/>
-                <a:latin typeface="Consolas" panose="020B0609020204030204" pitchFamily="49" charset="0"/>
-              </a:rPr>
-              <a:t>with</a:t>
-            </a:r>
-            <a:r>
-              <a:rPr lang="en-US" b="0" dirty="0">
-                <a:solidFill>
-                  <a:srgbClr val="000000"/>
-                </a:solidFill>
-                <a:effectLst/>
-                <a:latin typeface="Consolas" panose="020B0609020204030204" pitchFamily="49" charset="0"/>
-              </a:rPr>
-              <a:t> </a:t>
-            </a:r>
-            <a:r>
-              <a:rPr lang="en-US" b="0" dirty="0" err="1">
-                <a:solidFill>
-                  <a:srgbClr val="000000"/>
-                </a:solidFill>
-                <a:effectLst/>
-                <a:latin typeface="Consolas" panose="020B0609020204030204" pitchFamily="49" charset="0"/>
-              </a:rPr>
-              <a:t>ChiselScalatestTester</a:t>
-            </a:r>
-            <a:endParaRPr lang="en-US" b="0" dirty="0">
-              <a:solidFill>
-                <a:srgbClr val="000000"/>
-              </a:solidFill>
-              <a:effectLst/>
-              <a:latin typeface="Consolas" panose="020B0609020204030204" pitchFamily="49" charset="0"/>
-            </a:endParaRPr>
-          </a:p>
-          <a:p>
-            <a:r>
-              <a:rPr lang="en-US" b="0" dirty="0">
-                <a:solidFill>
-                  <a:srgbClr val="000000"/>
-                </a:solidFill>
-                <a:effectLst/>
-                <a:latin typeface="Consolas" panose="020B0609020204030204" pitchFamily="49" charset="0"/>
-              </a:rPr>
-              <a:t>{</a:t>
-            </a:r>
-          </a:p>
-          <a:p>
-            <a:r>
-              <a:rPr lang="en-US" b="0" dirty="0">
-                <a:solidFill>
-                  <a:srgbClr val="000000"/>
-                </a:solidFill>
-                <a:effectLst/>
-                <a:latin typeface="Consolas" panose="020B0609020204030204" pitchFamily="49" charset="0"/>
-              </a:rPr>
-              <a:t>    </a:t>
-            </a:r>
-            <a:r>
-              <a:rPr lang="en-US" b="0" dirty="0">
-                <a:solidFill>
-                  <a:srgbClr val="008000"/>
-                </a:solidFill>
-                <a:effectLst/>
-                <a:latin typeface="Consolas" panose="020B0609020204030204" pitchFamily="49" charset="0"/>
-              </a:rPr>
-              <a:t>//</a:t>
-            </a:r>
-            <a:r>
-              <a:rPr lang="ru-RU" b="0" dirty="0">
-                <a:solidFill>
-                  <a:srgbClr val="008000"/>
-                </a:solidFill>
-                <a:effectLst/>
-                <a:latin typeface="Consolas" panose="020B0609020204030204" pitchFamily="49" charset="0"/>
-              </a:rPr>
-              <a:t>Объявление теста</a:t>
-            </a:r>
-            <a:endParaRPr lang="ru-RU" b="0" dirty="0">
-              <a:solidFill>
-                <a:srgbClr val="000000"/>
-              </a:solidFill>
-              <a:effectLst/>
-              <a:latin typeface="Consolas" panose="020B0609020204030204" pitchFamily="49" charset="0"/>
-            </a:endParaRPr>
-          </a:p>
-          <a:p>
-            <a:r>
-              <a:rPr lang="ru-RU" b="0" dirty="0">
-                <a:solidFill>
-                  <a:srgbClr val="000000"/>
-                </a:solidFill>
-                <a:effectLst/>
-                <a:latin typeface="Consolas" panose="020B0609020204030204" pitchFamily="49" charset="0"/>
-              </a:rPr>
-              <a:t>    </a:t>
-            </a:r>
-            <a:r>
-              <a:rPr lang="ru-RU" b="0" dirty="0">
-                <a:solidFill>
-                  <a:srgbClr val="A31515"/>
-                </a:solidFill>
-                <a:effectLst/>
-                <a:latin typeface="Consolas" panose="020B0609020204030204" pitchFamily="49" charset="0"/>
-              </a:rPr>
-              <a:t>"</a:t>
-            </a:r>
-            <a:r>
-              <a:rPr lang="en-US" b="0" dirty="0" err="1">
-                <a:solidFill>
-                  <a:srgbClr val="A31515"/>
-                </a:solidFill>
-                <a:effectLst/>
-                <a:latin typeface="Consolas" panose="020B0609020204030204" pitchFamily="49" charset="0"/>
-              </a:rPr>
-              <a:t>MyModule</a:t>
-            </a:r>
-            <a:r>
-              <a:rPr lang="en-US" b="0" dirty="0">
-                <a:solidFill>
-                  <a:srgbClr val="A31515"/>
-                </a:solidFill>
-                <a:effectLst/>
-                <a:latin typeface="Consolas" panose="020B0609020204030204" pitchFamily="49" charset="0"/>
-              </a:rPr>
-              <a:t>"</a:t>
-            </a:r>
-            <a:r>
-              <a:rPr lang="en-US" b="0" dirty="0">
-                <a:solidFill>
-                  <a:srgbClr val="000000"/>
-                </a:solidFill>
-                <a:effectLst/>
-                <a:latin typeface="Consolas" panose="020B0609020204030204" pitchFamily="49" charset="0"/>
-              </a:rPr>
-              <a:t> should </a:t>
-            </a:r>
-            <a:r>
-              <a:rPr lang="en-US" b="0" dirty="0">
-                <a:solidFill>
-                  <a:srgbClr val="A31515"/>
-                </a:solidFill>
-                <a:effectLst/>
-                <a:latin typeface="Consolas" panose="020B0609020204030204" pitchFamily="49" charset="0"/>
-              </a:rPr>
-              <a:t>"</a:t>
-            </a:r>
-            <a:r>
-              <a:rPr lang="ru-RU" b="0" dirty="0">
-                <a:solidFill>
-                  <a:srgbClr val="A31515"/>
-                </a:solidFill>
-                <a:effectLst/>
-                <a:latin typeface="Consolas" panose="020B0609020204030204" pitchFamily="49" charset="0"/>
-              </a:rPr>
-              <a:t>умножить входное значение на 2"</a:t>
-            </a:r>
-            <a:r>
-              <a:rPr lang="ru-RU" b="0" dirty="0">
-                <a:solidFill>
-                  <a:srgbClr val="000000"/>
-                </a:solidFill>
-                <a:effectLst/>
-                <a:latin typeface="Consolas" panose="020B0609020204030204" pitchFamily="49" charset="0"/>
-              </a:rPr>
-              <a:t> </a:t>
-            </a:r>
-            <a:r>
-              <a:rPr lang="en-US" b="0" dirty="0">
-                <a:solidFill>
-                  <a:srgbClr val="000000"/>
-                </a:solidFill>
-                <a:effectLst/>
-                <a:latin typeface="Consolas" panose="020B0609020204030204" pitchFamily="49" charset="0"/>
-              </a:rPr>
-              <a:t>in {</a:t>
-            </a:r>
-          </a:p>
-          <a:p>
-            <a:r>
-              <a:rPr lang="en-US" b="0" dirty="0">
-                <a:solidFill>
-                  <a:srgbClr val="000000"/>
-                </a:solidFill>
-                <a:effectLst/>
-                <a:latin typeface="Consolas" panose="020B0609020204030204" pitchFamily="49" charset="0"/>
-              </a:rPr>
-              <a:t>        </a:t>
-            </a:r>
-            <a:r>
-              <a:rPr lang="en-US" b="0" dirty="0">
-                <a:solidFill>
-                  <a:srgbClr val="008000"/>
-                </a:solidFill>
-                <a:effectLst/>
-                <a:latin typeface="Consolas" panose="020B0609020204030204" pitchFamily="49" charset="0"/>
-              </a:rPr>
-              <a:t>//</a:t>
-            </a:r>
-            <a:r>
-              <a:rPr lang="ru-RU" b="0" dirty="0">
-                <a:solidFill>
-                  <a:srgbClr val="008000"/>
-                </a:solidFill>
-                <a:effectLst/>
-                <a:latin typeface="Consolas" panose="020B0609020204030204" pitchFamily="49" charset="0"/>
-              </a:rPr>
-              <a:t>Начало теста</a:t>
-            </a:r>
-            <a:endParaRPr lang="ru-RU" b="0" dirty="0">
-              <a:solidFill>
-                <a:srgbClr val="000000"/>
-              </a:solidFill>
-              <a:effectLst/>
-              <a:latin typeface="Consolas" panose="020B0609020204030204" pitchFamily="49" charset="0"/>
-            </a:endParaRPr>
-          </a:p>
-          <a:p>
-            <a:r>
-              <a:rPr lang="ru-RU" b="0" dirty="0">
-                <a:solidFill>
-                  <a:srgbClr val="000000"/>
-                </a:solidFill>
-                <a:effectLst/>
-                <a:latin typeface="Consolas" panose="020B0609020204030204" pitchFamily="49" charset="0"/>
-              </a:rPr>
-              <a:t>        </a:t>
-            </a:r>
-            <a:r>
-              <a:rPr lang="en-US" b="0" dirty="0">
-                <a:solidFill>
-                  <a:srgbClr val="000000"/>
-                </a:solidFill>
-                <a:effectLst/>
-                <a:latin typeface="Consolas" panose="020B0609020204030204" pitchFamily="49" charset="0"/>
-              </a:rPr>
-              <a:t>test(</a:t>
-            </a:r>
-            <a:r>
-              <a:rPr lang="en-US" b="0" dirty="0">
-                <a:solidFill>
-                  <a:srgbClr val="0000FF"/>
-                </a:solidFill>
-                <a:effectLst/>
-                <a:latin typeface="Consolas" panose="020B0609020204030204" pitchFamily="49" charset="0"/>
-              </a:rPr>
-              <a:t>new</a:t>
-            </a:r>
-            <a:r>
-              <a:rPr lang="en-US" b="0" dirty="0">
-                <a:solidFill>
-                  <a:srgbClr val="000000"/>
-                </a:solidFill>
-                <a:effectLst/>
-                <a:latin typeface="Consolas" panose="020B0609020204030204" pitchFamily="49" charset="0"/>
-              </a:rPr>
-              <a:t> </a:t>
-            </a:r>
-            <a:r>
-              <a:rPr lang="en-US" b="0" dirty="0" err="1">
-                <a:solidFill>
-                  <a:srgbClr val="000000"/>
-                </a:solidFill>
-                <a:effectLst/>
-                <a:latin typeface="Consolas" panose="020B0609020204030204" pitchFamily="49" charset="0"/>
-              </a:rPr>
-              <a:t>MyModule</a:t>
-            </a:r>
-            <a:r>
-              <a:rPr lang="en-US" b="0" dirty="0">
-                <a:solidFill>
-                  <a:srgbClr val="000000"/>
-                </a:solidFill>
-                <a:effectLst/>
-                <a:latin typeface="Consolas" panose="020B0609020204030204" pitchFamily="49" charset="0"/>
-              </a:rPr>
-              <a:t>) {</a:t>
-            </a:r>
-            <a:r>
-              <a:rPr lang="en-US" b="0" dirty="0" err="1">
-                <a:solidFill>
-                  <a:srgbClr val="000000"/>
-                </a:solidFill>
-                <a:effectLst/>
-                <a:latin typeface="Consolas" panose="020B0609020204030204" pitchFamily="49" charset="0"/>
-              </a:rPr>
-              <a:t>mymodule</a:t>
-            </a:r>
-            <a:r>
-              <a:rPr lang="en-US" b="0" dirty="0">
-                <a:solidFill>
-                  <a:srgbClr val="000000"/>
-                </a:solidFill>
-                <a:effectLst/>
-                <a:latin typeface="Consolas" panose="020B0609020204030204" pitchFamily="49" charset="0"/>
-              </a:rPr>
-              <a:t> =&gt;</a:t>
-            </a:r>
-          </a:p>
-          <a:p>
-            <a:r>
-              <a:rPr lang="en-US" b="0" dirty="0">
-                <a:solidFill>
-                  <a:srgbClr val="000000"/>
-                </a:solidFill>
-                <a:effectLst/>
-                <a:latin typeface="Consolas" panose="020B0609020204030204" pitchFamily="49" charset="0"/>
-              </a:rPr>
-              <a:t>            </a:t>
-            </a:r>
-            <a:r>
-              <a:rPr lang="en-US" b="0" dirty="0">
-                <a:solidFill>
-                  <a:srgbClr val="008000"/>
-                </a:solidFill>
-                <a:effectLst/>
-                <a:latin typeface="Consolas" panose="020B0609020204030204" pitchFamily="49" charset="0"/>
-              </a:rPr>
-              <a:t>//</a:t>
-            </a:r>
-            <a:r>
-              <a:rPr lang="ru-RU" b="0" dirty="0">
-                <a:solidFill>
-                  <a:srgbClr val="008000"/>
-                </a:solidFill>
-                <a:effectLst/>
-                <a:latin typeface="Consolas" panose="020B0609020204030204" pitchFamily="49" charset="0"/>
-              </a:rPr>
-              <a:t>Подали на вход </a:t>
-            </a:r>
-            <a:r>
-              <a:rPr lang="en-US" b="0" dirty="0">
-                <a:solidFill>
-                  <a:srgbClr val="008000"/>
-                </a:solidFill>
-                <a:effectLst/>
-                <a:latin typeface="Consolas" panose="020B0609020204030204" pitchFamily="49" charset="0"/>
-              </a:rPr>
-              <a:t>in 1  </a:t>
-            </a:r>
-            <a:endParaRPr lang="en-US" b="0" dirty="0">
-              <a:solidFill>
-                <a:srgbClr val="000000"/>
-              </a:solidFill>
-              <a:effectLst/>
-              <a:latin typeface="Consolas" panose="020B0609020204030204" pitchFamily="49" charset="0"/>
-            </a:endParaRPr>
-          </a:p>
-          <a:p>
-            <a:r>
-              <a:rPr lang="en-US" b="0" dirty="0">
-                <a:solidFill>
-                  <a:srgbClr val="000000"/>
-                </a:solidFill>
-                <a:effectLst/>
-                <a:latin typeface="Consolas" panose="020B0609020204030204" pitchFamily="49" charset="0"/>
-              </a:rPr>
-              <a:t>            </a:t>
-            </a:r>
-            <a:r>
-              <a:rPr lang="en-US" b="0" dirty="0" err="1">
-                <a:solidFill>
-                  <a:srgbClr val="000000"/>
-                </a:solidFill>
-                <a:effectLst/>
-                <a:latin typeface="Consolas" panose="020B0609020204030204" pitchFamily="49" charset="0"/>
-              </a:rPr>
-              <a:t>mymodule.io.in.poke</a:t>
-            </a:r>
-            <a:r>
-              <a:rPr lang="en-US" b="0" dirty="0">
-                <a:solidFill>
-                  <a:srgbClr val="000000"/>
-                </a:solidFill>
-                <a:effectLst/>
-                <a:latin typeface="Consolas" panose="020B0609020204030204" pitchFamily="49" charset="0"/>
-              </a:rPr>
-              <a:t>(</a:t>
-            </a:r>
-            <a:r>
-              <a:rPr lang="en-US" b="0" dirty="0">
-                <a:solidFill>
-                  <a:srgbClr val="098658"/>
-                </a:solidFill>
-                <a:effectLst/>
-                <a:latin typeface="Consolas" panose="020B0609020204030204" pitchFamily="49" charset="0"/>
-              </a:rPr>
-              <a:t>1</a:t>
-            </a:r>
-            <a:r>
-              <a:rPr lang="en-US" b="0" dirty="0">
-                <a:solidFill>
-                  <a:srgbClr val="000000"/>
-                </a:solidFill>
-                <a:effectLst/>
-                <a:latin typeface="Consolas" panose="020B0609020204030204" pitchFamily="49" charset="0"/>
-              </a:rPr>
-              <a:t>)</a:t>
-            </a:r>
-          </a:p>
-          <a:p>
-            <a:r>
-              <a:rPr lang="en-US" b="0" dirty="0">
-                <a:solidFill>
-                  <a:srgbClr val="000000"/>
-                </a:solidFill>
-                <a:effectLst/>
-                <a:latin typeface="Consolas" panose="020B0609020204030204" pitchFamily="49" charset="0"/>
-              </a:rPr>
-              <a:t>            </a:t>
-            </a:r>
-            <a:r>
-              <a:rPr lang="en-US" b="0" dirty="0">
-                <a:solidFill>
-                  <a:srgbClr val="008000"/>
-                </a:solidFill>
-                <a:effectLst/>
-                <a:latin typeface="Consolas" panose="020B0609020204030204" pitchFamily="49" charset="0"/>
-              </a:rPr>
-              <a:t>//</a:t>
-            </a:r>
-            <a:r>
-              <a:rPr lang="ru-RU" b="0" dirty="0">
-                <a:solidFill>
-                  <a:srgbClr val="008000"/>
-                </a:solidFill>
-                <a:effectLst/>
-                <a:latin typeface="Consolas" panose="020B0609020204030204" pitchFamily="49" charset="0"/>
-              </a:rPr>
-              <a:t>Сделали шаг по времени (один тактовый импульс)</a:t>
-            </a:r>
-            <a:endParaRPr lang="ru-RU" b="0" dirty="0">
-              <a:solidFill>
-                <a:srgbClr val="000000"/>
-              </a:solidFill>
-              <a:effectLst/>
-              <a:latin typeface="Consolas" panose="020B0609020204030204" pitchFamily="49" charset="0"/>
-            </a:endParaRPr>
-          </a:p>
-          <a:p>
-            <a:r>
-              <a:rPr lang="ru-RU" b="0" dirty="0">
-                <a:solidFill>
-                  <a:srgbClr val="000000"/>
-                </a:solidFill>
-                <a:effectLst/>
-                <a:latin typeface="Consolas" panose="020B0609020204030204" pitchFamily="49" charset="0"/>
-              </a:rPr>
-              <a:t>            </a:t>
-            </a:r>
-            <a:r>
-              <a:rPr lang="en-US" b="0" dirty="0" err="1">
-                <a:solidFill>
-                  <a:srgbClr val="000000"/>
-                </a:solidFill>
-                <a:effectLst/>
-                <a:latin typeface="Consolas" panose="020B0609020204030204" pitchFamily="49" charset="0"/>
-              </a:rPr>
-              <a:t>mymodule.clock.step</a:t>
-            </a:r>
-            <a:r>
-              <a:rPr lang="en-US" b="0" dirty="0">
-                <a:solidFill>
-                  <a:srgbClr val="000000"/>
-                </a:solidFill>
-                <a:effectLst/>
-                <a:latin typeface="Consolas" panose="020B0609020204030204" pitchFamily="49" charset="0"/>
-              </a:rPr>
-              <a:t>()</a:t>
-            </a:r>
-          </a:p>
-          <a:p>
-            <a:r>
-              <a:rPr lang="en-US" b="0" dirty="0">
-                <a:solidFill>
-                  <a:srgbClr val="000000"/>
-                </a:solidFill>
-                <a:effectLst/>
-                <a:latin typeface="Consolas" panose="020B0609020204030204" pitchFamily="49" charset="0"/>
-              </a:rPr>
-              <a:t>            </a:t>
-            </a:r>
-            <a:r>
-              <a:rPr lang="en-US" b="0" dirty="0">
-                <a:solidFill>
-                  <a:srgbClr val="008000"/>
-                </a:solidFill>
-                <a:effectLst/>
-                <a:latin typeface="Consolas" panose="020B0609020204030204" pitchFamily="49" charset="0"/>
-              </a:rPr>
-              <a:t>//</a:t>
-            </a:r>
-            <a:r>
-              <a:rPr lang="ru-RU" b="0" dirty="0">
-                <a:solidFill>
-                  <a:srgbClr val="008000"/>
-                </a:solidFill>
-                <a:effectLst/>
-                <a:latin typeface="Consolas" panose="020B0609020204030204" pitchFamily="49" charset="0"/>
-              </a:rPr>
-              <a:t>Проверили результат</a:t>
-            </a:r>
-            <a:endParaRPr lang="ru-RU" b="0" dirty="0">
-              <a:solidFill>
-                <a:srgbClr val="000000"/>
-              </a:solidFill>
-              <a:effectLst/>
-              <a:latin typeface="Consolas" panose="020B0609020204030204" pitchFamily="49" charset="0"/>
-            </a:endParaRPr>
-          </a:p>
-          <a:p>
-            <a:r>
-              <a:rPr lang="ru-RU" b="0" dirty="0">
-                <a:solidFill>
-                  <a:srgbClr val="000000"/>
-                </a:solidFill>
-                <a:effectLst/>
-                <a:latin typeface="Consolas" panose="020B0609020204030204" pitchFamily="49" charset="0"/>
-              </a:rPr>
-              <a:t>            </a:t>
-            </a:r>
-            <a:r>
-              <a:rPr lang="en-US" b="0" dirty="0" err="1">
-                <a:solidFill>
-                  <a:srgbClr val="000000"/>
-                </a:solidFill>
-                <a:effectLst/>
-                <a:latin typeface="Consolas" panose="020B0609020204030204" pitchFamily="49" charset="0"/>
-              </a:rPr>
-              <a:t>mymodule.io.out.expect</a:t>
-            </a:r>
-            <a:r>
-              <a:rPr lang="en-US" b="0" dirty="0">
-                <a:solidFill>
-                  <a:srgbClr val="000000"/>
-                </a:solidFill>
-                <a:effectLst/>
-                <a:latin typeface="Consolas" panose="020B0609020204030204" pitchFamily="49" charset="0"/>
-              </a:rPr>
-              <a:t>(</a:t>
-            </a:r>
-            <a:r>
-              <a:rPr lang="en-US" b="0" dirty="0">
-                <a:solidFill>
-                  <a:srgbClr val="098658"/>
-                </a:solidFill>
-                <a:effectLst/>
-                <a:latin typeface="Consolas" panose="020B0609020204030204" pitchFamily="49" charset="0"/>
-              </a:rPr>
-              <a:t>2</a:t>
-            </a:r>
-            <a:r>
-              <a:rPr lang="en-US" b="0" dirty="0">
-                <a:solidFill>
-                  <a:srgbClr val="000000"/>
-                </a:solidFill>
-                <a:effectLst/>
-                <a:latin typeface="Consolas" panose="020B0609020204030204" pitchFamily="49" charset="0"/>
-              </a:rPr>
-              <a:t>)    </a:t>
-            </a:r>
-          </a:p>
-          <a:p>
-            <a:r>
-              <a:rPr lang="en-US" b="0" dirty="0">
-                <a:solidFill>
-                  <a:srgbClr val="000000"/>
-                </a:solidFill>
-                <a:effectLst/>
-                <a:latin typeface="Consolas" panose="020B0609020204030204" pitchFamily="49" charset="0"/>
-              </a:rPr>
-              <a:t>        }</a:t>
-            </a:r>
-          </a:p>
-          <a:p>
-            <a:r>
-              <a:rPr lang="en-US" b="0" dirty="0">
-                <a:solidFill>
-                  <a:srgbClr val="000000"/>
-                </a:solidFill>
-                <a:effectLst/>
-                <a:latin typeface="Consolas" panose="020B0609020204030204" pitchFamily="49" charset="0"/>
-              </a:rPr>
-              <a:t>    }</a:t>
-            </a:r>
-          </a:p>
-          <a:p>
-            <a:r>
-              <a:rPr lang="en-US" b="0" dirty="0">
-                <a:solidFill>
-                  <a:srgbClr val="000000"/>
-                </a:solidFill>
-                <a:effectLst/>
-                <a:latin typeface="Consolas" panose="020B0609020204030204" pitchFamily="49" charset="0"/>
-              </a:rPr>
-              <a:t>}</a:t>
-            </a:r>
           </a:p>
         </p:txBody>
       </p:sp>
@@ -14544,6 +14166,994 @@
           </a:p>
         </p:txBody>
       </p:sp>
+      <p:grpSp>
+        <p:nvGrpSpPr>
+          <p:cNvPr id="2" name="Группа 1">
+            <a:extLst>
+              <a:ext uri="{FF2B5EF4-FFF2-40B4-BE49-F238E27FC236}">
+                <a16:creationId xmlns:a16="http://schemas.microsoft.com/office/drawing/2014/main" id="{237FC4A2-02C9-4E87-BAEF-36B3F63428A0}"/>
+              </a:ext>
+            </a:extLst>
+          </p:cNvPr>
+          <p:cNvGrpSpPr/>
+          <p:nvPr/>
+        </p:nvGrpSpPr>
+        <p:grpSpPr>
+          <a:xfrm>
+            <a:off x="3539952" y="2245558"/>
+            <a:ext cx="8315873" cy="4247317"/>
+            <a:chOff x="5135669" y="1990923"/>
+            <a:chExt cx="8315873" cy="4247317"/>
+          </a:xfrm>
+        </p:grpSpPr>
+        <p:sp>
+          <p:nvSpPr>
+            <p:cNvPr id="3" name="TextBox 2">
+              <a:extLst>
+                <a:ext uri="{FF2B5EF4-FFF2-40B4-BE49-F238E27FC236}">
+                  <a16:creationId xmlns:a16="http://schemas.microsoft.com/office/drawing/2014/main" id="{72CF5E7A-73F1-445A-B0B7-C4AE0F4A09D0}"/>
+                </a:ext>
+              </a:extLst>
+            </p:cNvPr>
+            <p:cNvSpPr txBox="1"/>
+            <p:nvPr/>
+          </p:nvSpPr>
+          <p:spPr>
+            <a:xfrm>
+              <a:off x="5719483" y="1990923"/>
+              <a:ext cx="7732059" cy="4247317"/>
+            </a:xfrm>
+            <a:prstGeom prst="rect">
+              <a:avLst/>
+            </a:prstGeom>
+            <a:noFill/>
+          </p:spPr>
+          <p:txBody>
+            <a:bodyPr wrap="square" rtlCol="0">
+              <a:spAutoFit/>
+            </a:bodyPr>
+            <a:lstStyle/>
+            <a:p>
+              <a:r>
+                <a:rPr lang="en-US" b="0" dirty="0">
+                  <a:solidFill>
+                    <a:srgbClr val="0000FF"/>
+                  </a:solidFill>
+                  <a:effectLst/>
+                  <a:latin typeface="Consolas" panose="020B0609020204030204" pitchFamily="49" charset="0"/>
+                </a:rPr>
+                <a:t>class</a:t>
+              </a:r>
+              <a:r>
+                <a:rPr lang="en-US" b="0" dirty="0">
+                  <a:solidFill>
+                    <a:srgbClr val="000000"/>
+                  </a:solidFill>
+                  <a:effectLst/>
+                  <a:latin typeface="Consolas" panose="020B0609020204030204" pitchFamily="49" charset="0"/>
+                </a:rPr>
+                <a:t> Test </a:t>
+              </a:r>
+              <a:r>
+                <a:rPr lang="en-US" b="0" dirty="0">
+                  <a:solidFill>
+                    <a:srgbClr val="0000FF"/>
+                  </a:solidFill>
+                  <a:effectLst/>
+                  <a:latin typeface="Consolas" panose="020B0609020204030204" pitchFamily="49" charset="0"/>
+                </a:rPr>
+                <a:t>extends</a:t>
+              </a:r>
+              <a:r>
+                <a:rPr lang="en-US" b="0" dirty="0">
+                  <a:solidFill>
+                    <a:srgbClr val="000000"/>
+                  </a:solidFill>
+                  <a:effectLst/>
+                  <a:latin typeface="Consolas" panose="020B0609020204030204" pitchFamily="49" charset="0"/>
+                </a:rPr>
+                <a:t> </a:t>
+              </a:r>
+              <a:r>
+                <a:rPr lang="en-US" b="0" dirty="0" err="1">
+                  <a:solidFill>
+                    <a:srgbClr val="000000"/>
+                  </a:solidFill>
+                  <a:effectLst/>
+                  <a:latin typeface="Consolas" panose="020B0609020204030204" pitchFamily="49" charset="0"/>
+                </a:rPr>
+                <a:t>AnyFlatSpec</a:t>
+              </a:r>
+              <a:r>
+                <a:rPr lang="en-US" b="0" dirty="0">
+                  <a:solidFill>
+                    <a:srgbClr val="000000"/>
+                  </a:solidFill>
+                  <a:effectLst/>
+                  <a:latin typeface="Consolas" panose="020B0609020204030204" pitchFamily="49" charset="0"/>
+                </a:rPr>
+                <a:t> </a:t>
+              </a:r>
+              <a:r>
+                <a:rPr lang="en-US" b="0" dirty="0">
+                  <a:solidFill>
+                    <a:srgbClr val="0000FF"/>
+                  </a:solidFill>
+                  <a:effectLst/>
+                  <a:latin typeface="Consolas" panose="020B0609020204030204" pitchFamily="49" charset="0"/>
+                </a:rPr>
+                <a:t>with</a:t>
+              </a:r>
+              <a:r>
+                <a:rPr lang="en-US" b="0" dirty="0">
+                  <a:solidFill>
+                    <a:srgbClr val="000000"/>
+                  </a:solidFill>
+                  <a:effectLst/>
+                  <a:latin typeface="Consolas" panose="020B0609020204030204" pitchFamily="49" charset="0"/>
+                </a:rPr>
+                <a:t> </a:t>
+              </a:r>
+              <a:r>
+                <a:rPr lang="en-US" b="0" dirty="0" err="1">
+                  <a:solidFill>
+                    <a:srgbClr val="000000"/>
+                  </a:solidFill>
+                  <a:effectLst/>
+                  <a:latin typeface="Consolas" panose="020B0609020204030204" pitchFamily="49" charset="0"/>
+                </a:rPr>
+                <a:t>ChiselScalatestTester</a:t>
+              </a:r>
+              <a:endParaRPr lang="en-US" b="0" dirty="0">
+                <a:solidFill>
+                  <a:srgbClr val="000000"/>
+                </a:solidFill>
+                <a:effectLst/>
+                <a:latin typeface="Consolas" panose="020B0609020204030204" pitchFamily="49" charset="0"/>
+              </a:endParaRPr>
+            </a:p>
+            <a:p>
+              <a:r>
+                <a:rPr lang="en-US" b="0" dirty="0">
+                  <a:solidFill>
+                    <a:srgbClr val="000000"/>
+                  </a:solidFill>
+                  <a:effectLst/>
+                  <a:latin typeface="Consolas" panose="020B0609020204030204" pitchFamily="49" charset="0"/>
+                </a:rPr>
+                <a:t>{</a:t>
+              </a:r>
+            </a:p>
+            <a:p>
+              <a:r>
+                <a:rPr lang="en-US" b="0" dirty="0">
+                  <a:solidFill>
+                    <a:srgbClr val="000000"/>
+                  </a:solidFill>
+                  <a:effectLst/>
+                  <a:latin typeface="Consolas" panose="020B0609020204030204" pitchFamily="49" charset="0"/>
+                </a:rPr>
+                <a:t>    </a:t>
+              </a:r>
+              <a:r>
+                <a:rPr lang="en-US" b="0" dirty="0">
+                  <a:solidFill>
+                    <a:srgbClr val="008000"/>
+                  </a:solidFill>
+                  <a:effectLst/>
+                  <a:latin typeface="Consolas" panose="020B0609020204030204" pitchFamily="49" charset="0"/>
+                </a:rPr>
+                <a:t>//</a:t>
+              </a:r>
+              <a:r>
+                <a:rPr lang="ru-RU" b="0" dirty="0">
+                  <a:solidFill>
+                    <a:srgbClr val="008000"/>
+                  </a:solidFill>
+                  <a:effectLst/>
+                  <a:latin typeface="Consolas" panose="020B0609020204030204" pitchFamily="49" charset="0"/>
+                </a:rPr>
+                <a:t>Объявление теста</a:t>
+              </a:r>
+              <a:endParaRPr lang="ru-RU" b="0" dirty="0">
+                <a:solidFill>
+                  <a:srgbClr val="000000"/>
+                </a:solidFill>
+                <a:effectLst/>
+                <a:latin typeface="Consolas" panose="020B0609020204030204" pitchFamily="49" charset="0"/>
+              </a:endParaRPr>
+            </a:p>
+            <a:p>
+              <a:r>
+                <a:rPr lang="ru-RU" b="0" dirty="0">
+                  <a:solidFill>
+                    <a:srgbClr val="000000"/>
+                  </a:solidFill>
+                  <a:effectLst/>
+                  <a:latin typeface="Consolas" panose="020B0609020204030204" pitchFamily="49" charset="0"/>
+                </a:rPr>
+                <a:t>    </a:t>
+              </a:r>
+              <a:r>
+                <a:rPr lang="ru-RU" b="0" dirty="0">
+                  <a:solidFill>
+                    <a:srgbClr val="A31515"/>
+                  </a:solidFill>
+                  <a:effectLst/>
+                  <a:latin typeface="Consolas" panose="020B0609020204030204" pitchFamily="49" charset="0"/>
+                </a:rPr>
+                <a:t>"</a:t>
+              </a:r>
+              <a:r>
+                <a:rPr lang="en-US" b="0" dirty="0" err="1">
+                  <a:solidFill>
+                    <a:srgbClr val="A31515"/>
+                  </a:solidFill>
+                  <a:effectLst/>
+                  <a:latin typeface="Consolas" panose="020B0609020204030204" pitchFamily="49" charset="0"/>
+                </a:rPr>
+                <a:t>MyModule</a:t>
+              </a:r>
+              <a:r>
+                <a:rPr lang="en-US" b="0" dirty="0">
+                  <a:solidFill>
+                    <a:srgbClr val="A31515"/>
+                  </a:solidFill>
+                  <a:effectLst/>
+                  <a:latin typeface="Consolas" panose="020B0609020204030204" pitchFamily="49" charset="0"/>
+                </a:rPr>
+                <a:t>"</a:t>
+              </a:r>
+              <a:r>
+                <a:rPr lang="en-US" b="0" dirty="0">
+                  <a:solidFill>
+                    <a:srgbClr val="000000"/>
+                  </a:solidFill>
+                  <a:effectLst/>
+                  <a:latin typeface="Consolas" panose="020B0609020204030204" pitchFamily="49" charset="0"/>
+                </a:rPr>
+                <a:t> should </a:t>
+              </a:r>
+              <a:r>
+                <a:rPr lang="en-US" b="0" dirty="0">
+                  <a:solidFill>
+                    <a:srgbClr val="A31515"/>
+                  </a:solidFill>
+                  <a:effectLst/>
+                  <a:latin typeface="Consolas" panose="020B0609020204030204" pitchFamily="49" charset="0"/>
+                </a:rPr>
+                <a:t>"</a:t>
+              </a:r>
+              <a:r>
+                <a:rPr lang="ru-RU" b="0" dirty="0">
+                  <a:solidFill>
+                    <a:srgbClr val="A31515"/>
+                  </a:solidFill>
+                  <a:effectLst/>
+                  <a:latin typeface="Consolas" panose="020B0609020204030204" pitchFamily="49" charset="0"/>
+                </a:rPr>
+                <a:t>умножить входное значение на 2"</a:t>
+              </a:r>
+              <a:r>
+                <a:rPr lang="ru-RU" b="0" dirty="0">
+                  <a:solidFill>
+                    <a:srgbClr val="000000"/>
+                  </a:solidFill>
+                  <a:effectLst/>
+                  <a:latin typeface="Consolas" panose="020B0609020204030204" pitchFamily="49" charset="0"/>
+                </a:rPr>
+                <a:t> </a:t>
+              </a:r>
+              <a:r>
+                <a:rPr lang="en-US" b="0" dirty="0">
+                  <a:solidFill>
+                    <a:srgbClr val="000000"/>
+                  </a:solidFill>
+                  <a:effectLst/>
+                  <a:latin typeface="Consolas" panose="020B0609020204030204" pitchFamily="49" charset="0"/>
+                </a:rPr>
+                <a:t>in {</a:t>
+              </a:r>
+            </a:p>
+            <a:p>
+              <a:r>
+                <a:rPr lang="en-US" b="0" dirty="0">
+                  <a:solidFill>
+                    <a:srgbClr val="000000"/>
+                  </a:solidFill>
+                  <a:effectLst/>
+                  <a:latin typeface="Consolas" panose="020B0609020204030204" pitchFamily="49" charset="0"/>
+                </a:rPr>
+                <a:t>        </a:t>
+              </a:r>
+              <a:r>
+                <a:rPr lang="en-US" b="0" dirty="0">
+                  <a:solidFill>
+                    <a:srgbClr val="008000"/>
+                  </a:solidFill>
+                  <a:effectLst/>
+                  <a:latin typeface="Consolas" panose="020B0609020204030204" pitchFamily="49" charset="0"/>
+                </a:rPr>
+                <a:t>//</a:t>
+              </a:r>
+              <a:r>
+                <a:rPr lang="ru-RU" b="0" dirty="0">
+                  <a:solidFill>
+                    <a:srgbClr val="008000"/>
+                  </a:solidFill>
+                  <a:effectLst/>
+                  <a:latin typeface="Consolas" panose="020B0609020204030204" pitchFamily="49" charset="0"/>
+                </a:rPr>
+                <a:t>Начало теста</a:t>
+              </a:r>
+              <a:endParaRPr lang="ru-RU" b="0" dirty="0">
+                <a:solidFill>
+                  <a:srgbClr val="000000"/>
+                </a:solidFill>
+                <a:effectLst/>
+                <a:latin typeface="Consolas" panose="020B0609020204030204" pitchFamily="49" charset="0"/>
+              </a:endParaRPr>
+            </a:p>
+            <a:p>
+              <a:r>
+                <a:rPr lang="ru-RU" b="0" dirty="0">
+                  <a:solidFill>
+                    <a:srgbClr val="000000"/>
+                  </a:solidFill>
+                  <a:effectLst/>
+                  <a:latin typeface="Consolas" panose="020B0609020204030204" pitchFamily="49" charset="0"/>
+                </a:rPr>
+                <a:t>        </a:t>
+              </a:r>
+              <a:r>
+                <a:rPr lang="en-US" b="0" dirty="0">
+                  <a:solidFill>
+                    <a:srgbClr val="000000"/>
+                  </a:solidFill>
+                  <a:effectLst/>
+                  <a:latin typeface="Consolas" panose="020B0609020204030204" pitchFamily="49" charset="0"/>
+                </a:rPr>
+                <a:t>test(</a:t>
+              </a:r>
+              <a:r>
+                <a:rPr lang="en-US" b="0" dirty="0">
+                  <a:solidFill>
+                    <a:srgbClr val="0000FF"/>
+                  </a:solidFill>
+                  <a:effectLst/>
+                  <a:latin typeface="Consolas" panose="020B0609020204030204" pitchFamily="49" charset="0"/>
+                </a:rPr>
+                <a:t>new</a:t>
+              </a:r>
+              <a:r>
+                <a:rPr lang="en-US" b="0" dirty="0">
+                  <a:solidFill>
+                    <a:srgbClr val="000000"/>
+                  </a:solidFill>
+                  <a:effectLst/>
+                  <a:latin typeface="Consolas" panose="020B0609020204030204" pitchFamily="49" charset="0"/>
+                </a:rPr>
+                <a:t> </a:t>
+              </a:r>
+              <a:r>
+                <a:rPr lang="en-US" b="0" dirty="0" err="1">
+                  <a:solidFill>
+                    <a:srgbClr val="000000"/>
+                  </a:solidFill>
+                  <a:effectLst/>
+                  <a:latin typeface="Consolas" panose="020B0609020204030204" pitchFamily="49" charset="0"/>
+                </a:rPr>
+                <a:t>MyModule</a:t>
+              </a:r>
+              <a:r>
+                <a:rPr lang="en-US" b="0" dirty="0">
+                  <a:solidFill>
+                    <a:srgbClr val="000000"/>
+                  </a:solidFill>
+                  <a:effectLst/>
+                  <a:latin typeface="Consolas" panose="020B0609020204030204" pitchFamily="49" charset="0"/>
+                </a:rPr>
+                <a:t>) {</a:t>
+              </a:r>
+              <a:r>
+                <a:rPr lang="en-US" b="0" dirty="0" err="1">
+                  <a:solidFill>
+                    <a:srgbClr val="000000"/>
+                  </a:solidFill>
+                  <a:effectLst/>
+                  <a:latin typeface="Consolas" panose="020B0609020204030204" pitchFamily="49" charset="0"/>
+                </a:rPr>
+                <a:t>mymodule</a:t>
+              </a:r>
+              <a:r>
+                <a:rPr lang="en-US" b="0" dirty="0">
+                  <a:solidFill>
+                    <a:srgbClr val="000000"/>
+                  </a:solidFill>
+                  <a:effectLst/>
+                  <a:latin typeface="Consolas" panose="020B0609020204030204" pitchFamily="49" charset="0"/>
+                </a:rPr>
+                <a:t> =&gt;</a:t>
+              </a:r>
+            </a:p>
+            <a:p>
+              <a:r>
+                <a:rPr lang="en-US" b="0" dirty="0">
+                  <a:solidFill>
+                    <a:srgbClr val="000000"/>
+                  </a:solidFill>
+                  <a:effectLst/>
+                  <a:latin typeface="Consolas" panose="020B0609020204030204" pitchFamily="49" charset="0"/>
+                </a:rPr>
+                <a:t>            </a:t>
+              </a:r>
+              <a:r>
+                <a:rPr lang="en-US" b="0" dirty="0">
+                  <a:solidFill>
+                    <a:srgbClr val="008000"/>
+                  </a:solidFill>
+                  <a:effectLst/>
+                  <a:latin typeface="Consolas" panose="020B0609020204030204" pitchFamily="49" charset="0"/>
+                </a:rPr>
+                <a:t>//</a:t>
+              </a:r>
+              <a:r>
+                <a:rPr lang="ru-RU" b="0" dirty="0">
+                  <a:solidFill>
+                    <a:srgbClr val="008000"/>
+                  </a:solidFill>
+                  <a:effectLst/>
+                  <a:latin typeface="Consolas" panose="020B0609020204030204" pitchFamily="49" charset="0"/>
+                </a:rPr>
+                <a:t>Подали на вход </a:t>
+              </a:r>
+              <a:r>
+                <a:rPr lang="en-US" b="0" dirty="0">
+                  <a:solidFill>
+                    <a:srgbClr val="008000"/>
+                  </a:solidFill>
+                  <a:effectLst/>
+                  <a:latin typeface="Consolas" panose="020B0609020204030204" pitchFamily="49" charset="0"/>
+                </a:rPr>
+                <a:t>in 1  </a:t>
+              </a:r>
+              <a:endParaRPr lang="en-US" b="0" dirty="0">
+                <a:solidFill>
+                  <a:srgbClr val="000000"/>
+                </a:solidFill>
+                <a:effectLst/>
+                <a:latin typeface="Consolas" panose="020B0609020204030204" pitchFamily="49" charset="0"/>
+              </a:endParaRPr>
+            </a:p>
+            <a:p>
+              <a:r>
+                <a:rPr lang="en-US" b="0" dirty="0">
+                  <a:solidFill>
+                    <a:srgbClr val="000000"/>
+                  </a:solidFill>
+                  <a:effectLst/>
+                  <a:latin typeface="Consolas" panose="020B0609020204030204" pitchFamily="49" charset="0"/>
+                </a:rPr>
+                <a:t>            </a:t>
+              </a:r>
+              <a:r>
+                <a:rPr lang="en-US" b="0" dirty="0" err="1">
+                  <a:solidFill>
+                    <a:srgbClr val="000000"/>
+                  </a:solidFill>
+                  <a:effectLst/>
+                  <a:latin typeface="Consolas" panose="020B0609020204030204" pitchFamily="49" charset="0"/>
+                </a:rPr>
+                <a:t>mymodule.io.in.poke</a:t>
+              </a:r>
+              <a:r>
+                <a:rPr lang="en-US" b="0" dirty="0">
+                  <a:solidFill>
+                    <a:srgbClr val="000000"/>
+                  </a:solidFill>
+                  <a:effectLst/>
+                  <a:latin typeface="Consolas" panose="020B0609020204030204" pitchFamily="49" charset="0"/>
+                </a:rPr>
+                <a:t>(</a:t>
+              </a:r>
+              <a:r>
+                <a:rPr lang="en-US" b="0" dirty="0">
+                  <a:solidFill>
+                    <a:srgbClr val="098658"/>
+                  </a:solidFill>
+                  <a:effectLst/>
+                  <a:latin typeface="Consolas" panose="020B0609020204030204" pitchFamily="49" charset="0"/>
+                </a:rPr>
+                <a:t>1</a:t>
+              </a:r>
+              <a:r>
+                <a:rPr lang="en-US" b="0" dirty="0">
+                  <a:solidFill>
+                    <a:srgbClr val="000000"/>
+                  </a:solidFill>
+                  <a:effectLst/>
+                  <a:latin typeface="Consolas" panose="020B0609020204030204" pitchFamily="49" charset="0"/>
+                </a:rPr>
+                <a:t>)</a:t>
+              </a:r>
+            </a:p>
+            <a:p>
+              <a:r>
+                <a:rPr lang="en-US" b="0" dirty="0">
+                  <a:solidFill>
+                    <a:srgbClr val="000000"/>
+                  </a:solidFill>
+                  <a:effectLst/>
+                  <a:latin typeface="Consolas" panose="020B0609020204030204" pitchFamily="49" charset="0"/>
+                </a:rPr>
+                <a:t>            </a:t>
+              </a:r>
+              <a:r>
+                <a:rPr lang="en-US" b="0" dirty="0">
+                  <a:solidFill>
+                    <a:srgbClr val="008000"/>
+                  </a:solidFill>
+                  <a:effectLst/>
+                  <a:latin typeface="Consolas" panose="020B0609020204030204" pitchFamily="49" charset="0"/>
+                </a:rPr>
+                <a:t>//</a:t>
+              </a:r>
+              <a:r>
+                <a:rPr lang="ru-RU" b="0" dirty="0">
+                  <a:solidFill>
+                    <a:srgbClr val="008000"/>
+                  </a:solidFill>
+                  <a:effectLst/>
+                  <a:latin typeface="Consolas" panose="020B0609020204030204" pitchFamily="49" charset="0"/>
+                </a:rPr>
+                <a:t>Сделали шаг по времени (один тактовый импульс)</a:t>
+              </a:r>
+              <a:endParaRPr lang="ru-RU" b="0" dirty="0">
+                <a:solidFill>
+                  <a:srgbClr val="000000"/>
+                </a:solidFill>
+                <a:effectLst/>
+                <a:latin typeface="Consolas" panose="020B0609020204030204" pitchFamily="49" charset="0"/>
+              </a:endParaRPr>
+            </a:p>
+            <a:p>
+              <a:r>
+                <a:rPr lang="ru-RU" b="0" dirty="0">
+                  <a:solidFill>
+                    <a:srgbClr val="000000"/>
+                  </a:solidFill>
+                  <a:effectLst/>
+                  <a:latin typeface="Consolas" panose="020B0609020204030204" pitchFamily="49" charset="0"/>
+                </a:rPr>
+                <a:t>            </a:t>
+              </a:r>
+              <a:r>
+                <a:rPr lang="en-US" b="0" dirty="0" err="1">
+                  <a:solidFill>
+                    <a:srgbClr val="000000"/>
+                  </a:solidFill>
+                  <a:effectLst/>
+                  <a:latin typeface="Consolas" panose="020B0609020204030204" pitchFamily="49" charset="0"/>
+                </a:rPr>
+                <a:t>mymodule.clock.step</a:t>
+              </a:r>
+              <a:r>
+                <a:rPr lang="en-US" b="0" dirty="0">
+                  <a:solidFill>
+                    <a:srgbClr val="000000"/>
+                  </a:solidFill>
+                  <a:effectLst/>
+                  <a:latin typeface="Consolas" panose="020B0609020204030204" pitchFamily="49" charset="0"/>
+                </a:rPr>
+                <a:t>()</a:t>
+              </a:r>
+            </a:p>
+            <a:p>
+              <a:r>
+                <a:rPr lang="en-US" b="0" dirty="0">
+                  <a:solidFill>
+                    <a:srgbClr val="000000"/>
+                  </a:solidFill>
+                  <a:effectLst/>
+                  <a:latin typeface="Consolas" panose="020B0609020204030204" pitchFamily="49" charset="0"/>
+                </a:rPr>
+                <a:t>            </a:t>
+              </a:r>
+              <a:r>
+                <a:rPr lang="en-US" b="0" dirty="0">
+                  <a:solidFill>
+                    <a:srgbClr val="008000"/>
+                  </a:solidFill>
+                  <a:effectLst/>
+                  <a:latin typeface="Consolas" panose="020B0609020204030204" pitchFamily="49" charset="0"/>
+                </a:rPr>
+                <a:t>//</a:t>
+              </a:r>
+              <a:r>
+                <a:rPr lang="ru-RU" b="0" dirty="0">
+                  <a:solidFill>
+                    <a:srgbClr val="008000"/>
+                  </a:solidFill>
+                  <a:effectLst/>
+                  <a:latin typeface="Consolas" panose="020B0609020204030204" pitchFamily="49" charset="0"/>
+                </a:rPr>
+                <a:t>Проверили результат</a:t>
+              </a:r>
+              <a:endParaRPr lang="ru-RU" b="0" dirty="0">
+                <a:solidFill>
+                  <a:srgbClr val="000000"/>
+                </a:solidFill>
+                <a:effectLst/>
+                <a:latin typeface="Consolas" panose="020B0609020204030204" pitchFamily="49" charset="0"/>
+              </a:endParaRPr>
+            </a:p>
+            <a:p>
+              <a:r>
+                <a:rPr lang="ru-RU" b="0" dirty="0">
+                  <a:solidFill>
+                    <a:srgbClr val="000000"/>
+                  </a:solidFill>
+                  <a:effectLst/>
+                  <a:latin typeface="Consolas" panose="020B0609020204030204" pitchFamily="49" charset="0"/>
+                </a:rPr>
+                <a:t>            </a:t>
+              </a:r>
+              <a:r>
+                <a:rPr lang="en-US" b="0" dirty="0" err="1">
+                  <a:solidFill>
+                    <a:srgbClr val="000000"/>
+                  </a:solidFill>
+                  <a:effectLst/>
+                  <a:latin typeface="Consolas" panose="020B0609020204030204" pitchFamily="49" charset="0"/>
+                </a:rPr>
+                <a:t>mymodule.io.out.expect</a:t>
+              </a:r>
+              <a:r>
+                <a:rPr lang="en-US" b="0" dirty="0">
+                  <a:solidFill>
+                    <a:srgbClr val="000000"/>
+                  </a:solidFill>
+                  <a:effectLst/>
+                  <a:latin typeface="Consolas" panose="020B0609020204030204" pitchFamily="49" charset="0"/>
+                </a:rPr>
+                <a:t>(</a:t>
+              </a:r>
+              <a:r>
+                <a:rPr lang="en-US" b="0" dirty="0">
+                  <a:solidFill>
+                    <a:srgbClr val="098658"/>
+                  </a:solidFill>
+                  <a:effectLst/>
+                  <a:latin typeface="Consolas" panose="020B0609020204030204" pitchFamily="49" charset="0"/>
+                </a:rPr>
+                <a:t>2</a:t>
+              </a:r>
+              <a:r>
+                <a:rPr lang="en-US" b="0" dirty="0">
+                  <a:solidFill>
+                    <a:srgbClr val="000000"/>
+                  </a:solidFill>
+                  <a:effectLst/>
+                  <a:latin typeface="Consolas" panose="020B0609020204030204" pitchFamily="49" charset="0"/>
+                </a:rPr>
+                <a:t>)    </a:t>
+              </a:r>
+            </a:p>
+            <a:p>
+              <a:r>
+                <a:rPr lang="en-US" b="0" dirty="0">
+                  <a:solidFill>
+                    <a:srgbClr val="000000"/>
+                  </a:solidFill>
+                  <a:effectLst/>
+                  <a:latin typeface="Consolas" panose="020B0609020204030204" pitchFamily="49" charset="0"/>
+                </a:rPr>
+                <a:t>        }</a:t>
+              </a:r>
+            </a:p>
+            <a:p>
+              <a:r>
+                <a:rPr lang="en-US" b="0" dirty="0">
+                  <a:solidFill>
+                    <a:srgbClr val="000000"/>
+                  </a:solidFill>
+                  <a:effectLst/>
+                  <a:latin typeface="Consolas" panose="020B0609020204030204" pitchFamily="49" charset="0"/>
+                </a:rPr>
+                <a:t>    }</a:t>
+              </a:r>
+            </a:p>
+            <a:p>
+              <a:r>
+                <a:rPr lang="en-US" b="0" dirty="0">
+                  <a:solidFill>
+                    <a:srgbClr val="000000"/>
+                  </a:solidFill>
+                  <a:effectLst/>
+                  <a:latin typeface="Consolas" panose="020B0609020204030204" pitchFamily="49" charset="0"/>
+                </a:rPr>
+                <a:t>}</a:t>
+              </a:r>
+            </a:p>
+          </p:txBody>
+        </p:sp>
+        <p:sp>
+          <p:nvSpPr>
+            <p:cNvPr id="7" name="TextBox 6">
+              <a:extLst>
+                <a:ext uri="{FF2B5EF4-FFF2-40B4-BE49-F238E27FC236}">
+                  <a16:creationId xmlns:a16="http://schemas.microsoft.com/office/drawing/2014/main" id="{7D340319-7B38-4E85-9DD7-897A9D32460C}"/>
+                </a:ext>
+              </a:extLst>
+            </p:cNvPr>
+            <p:cNvSpPr txBox="1"/>
+            <p:nvPr/>
+          </p:nvSpPr>
+          <p:spPr>
+            <a:xfrm>
+              <a:off x="5135669" y="1990923"/>
+              <a:ext cx="583814" cy="4247317"/>
+            </a:xfrm>
+            <a:prstGeom prst="rect">
+              <a:avLst/>
+            </a:prstGeom>
+            <a:noFill/>
+          </p:spPr>
+          <p:txBody>
+            <a:bodyPr wrap="square" rtlCol="0">
+              <a:spAutoFit/>
+            </a:bodyPr>
+            <a:lstStyle/>
+            <a:p>
+              <a:pPr marL="342900" indent="-342900">
+                <a:buFont typeface="+mj-lt"/>
+                <a:buAutoNum type="arabicPeriod"/>
+              </a:pPr>
+              <a:r>
+                <a:rPr lang="en-US" dirty="0">
+                  <a:solidFill>
+                    <a:schemeClr val="bg1">
+                      <a:lumMod val="50000"/>
+                    </a:schemeClr>
+                  </a:solidFill>
+                </a:rPr>
+                <a:t> </a:t>
+              </a:r>
+            </a:p>
+            <a:p>
+              <a:pPr marL="342900" indent="-342900">
+                <a:buFont typeface="+mj-lt"/>
+                <a:buAutoNum type="arabicPeriod"/>
+              </a:pPr>
+              <a:r>
+                <a:rPr lang="en-US" dirty="0">
+                  <a:solidFill>
+                    <a:schemeClr val="bg1">
+                      <a:lumMod val="50000"/>
+                    </a:schemeClr>
+                  </a:solidFill>
+                </a:rPr>
+                <a:t> </a:t>
+              </a:r>
+            </a:p>
+            <a:p>
+              <a:pPr marL="342900" indent="-342900">
+                <a:buFont typeface="+mj-lt"/>
+                <a:buAutoNum type="arabicPeriod"/>
+              </a:pPr>
+              <a:r>
+                <a:rPr lang="en-US" dirty="0">
+                  <a:solidFill>
+                    <a:schemeClr val="bg1">
+                      <a:lumMod val="50000"/>
+                    </a:schemeClr>
+                  </a:solidFill>
+                </a:rPr>
+                <a:t> </a:t>
+              </a:r>
+            </a:p>
+            <a:p>
+              <a:pPr marL="342900" indent="-342900">
+                <a:buFont typeface="+mj-lt"/>
+                <a:buAutoNum type="arabicPeriod"/>
+              </a:pPr>
+              <a:r>
+                <a:rPr lang="en-US" dirty="0">
+                  <a:solidFill>
+                    <a:schemeClr val="bg1">
+                      <a:lumMod val="50000"/>
+                    </a:schemeClr>
+                  </a:solidFill>
+                </a:rPr>
+                <a:t> </a:t>
+              </a:r>
+            </a:p>
+            <a:p>
+              <a:pPr marL="342900" indent="-342900">
+                <a:buFont typeface="+mj-lt"/>
+                <a:buAutoNum type="arabicPeriod"/>
+              </a:pPr>
+              <a:r>
+                <a:rPr lang="en-US" dirty="0">
+                  <a:solidFill>
+                    <a:schemeClr val="bg1">
+                      <a:lumMod val="50000"/>
+                    </a:schemeClr>
+                  </a:solidFill>
+                </a:rPr>
+                <a:t> </a:t>
+              </a:r>
+            </a:p>
+            <a:p>
+              <a:pPr marL="342900" indent="-342900">
+                <a:buFont typeface="+mj-lt"/>
+                <a:buAutoNum type="arabicPeriod"/>
+              </a:pPr>
+              <a:r>
+                <a:rPr lang="en-US" dirty="0">
+                  <a:solidFill>
+                    <a:schemeClr val="bg1">
+                      <a:lumMod val="50000"/>
+                    </a:schemeClr>
+                  </a:solidFill>
+                </a:rPr>
+                <a:t> </a:t>
+              </a:r>
+            </a:p>
+            <a:p>
+              <a:pPr marL="342900" indent="-342900">
+                <a:buFont typeface="+mj-lt"/>
+                <a:buAutoNum type="arabicPeriod"/>
+              </a:pPr>
+              <a:r>
+                <a:rPr lang="en-US" dirty="0">
+                  <a:solidFill>
+                    <a:schemeClr val="bg1">
+                      <a:lumMod val="50000"/>
+                    </a:schemeClr>
+                  </a:solidFill>
+                </a:rPr>
+                <a:t> </a:t>
+              </a:r>
+            </a:p>
+            <a:p>
+              <a:pPr marL="342900" indent="-342900">
+                <a:buFont typeface="+mj-lt"/>
+                <a:buAutoNum type="arabicPeriod"/>
+              </a:pPr>
+              <a:r>
+                <a:rPr lang="en-US" dirty="0">
+                  <a:solidFill>
+                    <a:schemeClr val="bg1">
+                      <a:lumMod val="50000"/>
+                    </a:schemeClr>
+                  </a:solidFill>
+                </a:rPr>
+                <a:t> </a:t>
+              </a:r>
+            </a:p>
+            <a:p>
+              <a:pPr marL="342900" indent="-342900">
+                <a:buFont typeface="+mj-lt"/>
+                <a:buAutoNum type="arabicPeriod"/>
+              </a:pPr>
+              <a:r>
+                <a:rPr lang="en-US" dirty="0">
+                  <a:solidFill>
+                    <a:schemeClr val="bg1">
+                      <a:lumMod val="50000"/>
+                    </a:schemeClr>
+                  </a:solidFill>
+                </a:rPr>
+                <a:t> </a:t>
+              </a:r>
+            </a:p>
+            <a:p>
+              <a:pPr marL="342900" indent="-342900">
+                <a:buFont typeface="+mj-lt"/>
+                <a:buAutoNum type="arabicPeriod"/>
+              </a:pPr>
+              <a:r>
+                <a:rPr lang="en-US" dirty="0">
+                  <a:solidFill>
+                    <a:schemeClr val="bg1">
+                      <a:lumMod val="50000"/>
+                    </a:schemeClr>
+                  </a:solidFill>
+                </a:rPr>
+                <a:t> </a:t>
+              </a:r>
+            </a:p>
+            <a:p>
+              <a:pPr marL="342900" indent="-342900">
+                <a:buFont typeface="+mj-lt"/>
+                <a:buAutoNum type="arabicPeriod"/>
+              </a:pPr>
+              <a:r>
+                <a:rPr lang="en-US" dirty="0">
+                  <a:solidFill>
+                    <a:schemeClr val="bg1">
+                      <a:lumMod val="50000"/>
+                    </a:schemeClr>
+                  </a:solidFill>
+                </a:rPr>
+                <a:t> </a:t>
+              </a:r>
+            </a:p>
+            <a:p>
+              <a:pPr marL="342900" indent="-342900">
+                <a:buFont typeface="+mj-lt"/>
+                <a:buAutoNum type="arabicPeriod"/>
+              </a:pPr>
+              <a:r>
+                <a:rPr lang="en-US" dirty="0">
+                  <a:solidFill>
+                    <a:schemeClr val="bg1">
+                      <a:lumMod val="50000"/>
+                    </a:schemeClr>
+                  </a:solidFill>
+                </a:rPr>
+                <a:t> </a:t>
+              </a:r>
+            </a:p>
+            <a:p>
+              <a:pPr marL="342900" indent="-342900">
+                <a:buFont typeface="+mj-lt"/>
+                <a:buAutoNum type="arabicPeriod"/>
+              </a:pPr>
+              <a:r>
+                <a:rPr lang="en-US" dirty="0">
+                  <a:solidFill>
+                    <a:schemeClr val="bg1">
+                      <a:lumMod val="50000"/>
+                    </a:schemeClr>
+                  </a:solidFill>
+                </a:rPr>
+                <a:t> </a:t>
+              </a:r>
+            </a:p>
+            <a:p>
+              <a:pPr marL="342900" indent="-342900">
+                <a:buFont typeface="+mj-lt"/>
+                <a:buAutoNum type="arabicPeriod"/>
+              </a:pPr>
+              <a:r>
+                <a:rPr lang="en-US" dirty="0">
+                  <a:solidFill>
+                    <a:schemeClr val="bg1">
+                      <a:lumMod val="50000"/>
+                    </a:schemeClr>
+                  </a:solidFill>
+                </a:rPr>
+                <a:t> </a:t>
+              </a:r>
+            </a:p>
+            <a:p>
+              <a:pPr marL="342900" indent="-342900">
+                <a:buFont typeface="+mj-lt"/>
+                <a:buAutoNum type="arabicPeriod"/>
+              </a:pPr>
+              <a:r>
+                <a:rPr lang="en-US" dirty="0">
+                  <a:solidFill>
+                    <a:schemeClr val="bg1">
+                      <a:lumMod val="50000"/>
+                    </a:schemeClr>
+                  </a:solidFill>
+                </a:rPr>
+                <a:t>  </a:t>
+              </a:r>
+              <a:endParaRPr lang="ru-RU" dirty="0">
+                <a:solidFill>
+                  <a:schemeClr val="bg1">
+                    <a:lumMod val="50000"/>
+                  </a:schemeClr>
+                </a:solidFill>
+              </a:endParaRPr>
+            </a:p>
+          </p:txBody>
+        </p:sp>
+      </p:grpSp>
     </p:spTree>
     <p:extLst>
       <p:ext uri="{BB962C8B-B14F-4D97-AF65-F5344CB8AC3E}">
@@ -20347,1194 +20957,1513 @@
           </a:p>
         </p:txBody>
       </p:sp>
-      <p:sp>
-        <p:nvSpPr>
-          <p:cNvPr id="7" name="TextBox 6">
+      <p:grpSp>
+        <p:nvGrpSpPr>
+          <p:cNvPr id="2" name="Группа 1">
             <a:extLst>
               <a:ext uri="{FF2B5EF4-FFF2-40B4-BE49-F238E27FC236}">
-                <a16:creationId xmlns:a16="http://schemas.microsoft.com/office/drawing/2014/main" id="{ED5504E7-D115-4952-9926-8883BEEE85F1}"/>
+                <a16:creationId xmlns:a16="http://schemas.microsoft.com/office/drawing/2014/main" id="{0BEB4C05-01BB-4B4F-ACE2-89350D5CA969}"/>
               </a:ext>
             </a:extLst>
           </p:cNvPr>
-          <p:cNvSpPr txBox="1"/>
+          <p:cNvGrpSpPr/>
           <p:nvPr/>
-        </p:nvSpPr>
-        <p:spPr>
+        </p:nvGrpSpPr>
+        <p:grpSpPr>
           <a:xfrm>
             <a:off x="838200" y="1690688"/>
-            <a:ext cx="10515600" cy="5047536"/>
+            <a:ext cx="11099414" cy="5047536"/>
+            <a:chOff x="2414880" y="1690688"/>
+            <a:chExt cx="11099414" cy="5047536"/>
           </a:xfrm>
-          <a:prstGeom prst="rect">
-            <a:avLst/>
-          </a:prstGeom>
-          <a:noFill/>
-        </p:spPr>
-        <p:txBody>
-          <a:bodyPr wrap="square" rtlCol="0">
-            <a:spAutoFit/>
-          </a:bodyPr>
-          <a:lstStyle/>
-          <a:p>
-            <a:r>
-              <a:rPr lang="en-US" sz="1600" b="0" dirty="0">
-                <a:solidFill>
-                  <a:srgbClr val="0000FF"/>
-                </a:solidFill>
-                <a:effectLst/>
-                <a:latin typeface="Consolas" panose="020B0609020204030204" pitchFamily="49" charset="0"/>
-              </a:rPr>
-              <a:t>class</a:t>
-            </a:r>
-            <a:r>
-              <a:rPr lang="en-US" sz="1600" b="0" dirty="0">
+        </p:grpSpPr>
+        <p:sp>
+          <p:nvSpPr>
+            <p:cNvPr id="7" name="TextBox 6">
+              <a:extLst>
+                <a:ext uri="{FF2B5EF4-FFF2-40B4-BE49-F238E27FC236}">
+                  <a16:creationId xmlns:a16="http://schemas.microsoft.com/office/drawing/2014/main" id="{ED5504E7-D115-4952-9926-8883BEEE85F1}"/>
+                </a:ext>
+              </a:extLst>
+            </p:cNvPr>
+            <p:cNvSpPr txBox="1"/>
+            <p:nvPr/>
+          </p:nvSpPr>
+          <p:spPr>
+            <a:xfrm>
+              <a:off x="2998694" y="1690688"/>
+              <a:ext cx="10515600" cy="5047536"/>
+            </a:xfrm>
+            <a:prstGeom prst="rect">
+              <a:avLst/>
+            </a:prstGeom>
+            <a:noFill/>
+          </p:spPr>
+          <p:txBody>
+            <a:bodyPr wrap="square" rtlCol="0">
+              <a:spAutoFit/>
+            </a:bodyPr>
+            <a:lstStyle/>
+            <a:p>
+              <a:r>
+                <a:rPr lang="en-US" sz="1600" b="0" dirty="0">
+                  <a:solidFill>
+                    <a:srgbClr val="0000FF"/>
+                  </a:solidFill>
+                  <a:effectLst/>
+                  <a:latin typeface="Consolas" panose="020B0609020204030204" pitchFamily="49" charset="0"/>
+                </a:rPr>
+                <a:t>class</a:t>
+              </a:r>
+              <a:r>
+                <a:rPr lang="en-US" sz="1600" b="0" dirty="0">
+                  <a:solidFill>
+                    <a:srgbClr val="000000"/>
+                  </a:solidFill>
+                  <a:effectLst/>
+                  <a:latin typeface="Consolas" panose="020B0609020204030204" pitchFamily="49" charset="0"/>
+                </a:rPr>
+                <a:t> Test </a:t>
+              </a:r>
+              <a:r>
+                <a:rPr lang="en-US" sz="1600" b="0" dirty="0">
+                  <a:solidFill>
+                    <a:srgbClr val="0000FF"/>
+                  </a:solidFill>
+                  <a:effectLst/>
+                  <a:latin typeface="Consolas" panose="020B0609020204030204" pitchFamily="49" charset="0"/>
+                </a:rPr>
+                <a:t>extends</a:t>
+              </a:r>
+              <a:r>
+                <a:rPr lang="en-US" sz="1600" b="0" dirty="0">
+                  <a:solidFill>
+                    <a:srgbClr val="000000"/>
+                  </a:solidFill>
+                  <a:effectLst/>
+                  <a:latin typeface="Consolas" panose="020B0609020204030204" pitchFamily="49" charset="0"/>
+                </a:rPr>
+                <a:t> </a:t>
+              </a:r>
+              <a:r>
+                <a:rPr lang="en-US" sz="1600" b="0" dirty="0" err="1">
+                  <a:solidFill>
+                    <a:srgbClr val="000000"/>
+                  </a:solidFill>
+                  <a:effectLst/>
+                  <a:latin typeface="Consolas" panose="020B0609020204030204" pitchFamily="49" charset="0"/>
+                </a:rPr>
+                <a:t>AnyFlatSpec</a:t>
+              </a:r>
+              <a:r>
+                <a:rPr lang="en-US" sz="1600" b="0" dirty="0">
+                  <a:solidFill>
+                    <a:srgbClr val="000000"/>
+                  </a:solidFill>
+                  <a:effectLst/>
+                  <a:latin typeface="Consolas" panose="020B0609020204030204" pitchFamily="49" charset="0"/>
+                </a:rPr>
+                <a:t> </a:t>
+              </a:r>
+              <a:r>
+                <a:rPr lang="en-US" sz="1600" b="0" dirty="0">
+                  <a:solidFill>
+                    <a:srgbClr val="0000FF"/>
+                  </a:solidFill>
+                  <a:effectLst/>
+                  <a:latin typeface="Consolas" panose="020B0609020204030204" pitchFamily="49" charset="0"/>
+                </a:rPr>
+                <a:t>with</a:t>
+              </a:r>
+              <a:r>
+                <a:rPr lang="en-US" sz="1600" b="0" dirty="0">
+                  <a:solidFill>
+                    <a:srgbClr val="000000"/>
+                  </a:solidFill>
+                  <a:effectLst/>
+                  <a:latin typeface="Consolas" panose="020B0609020204030204" pitchFamily="49" charset="0"/>
+                </a:rPr>
+                <a:t> </a:t>
+              </a:r>
+              <a:r>
+                <a:rPr lang="en-US" sz="1600" b="0" dirty="0" err="1">
+                  <a:solidFill>
+                    <a:srgbClr val="000000"/>
+                  </a:solidFill>
+                  <a:effectLst/>
+                  <a:latin typeface="Consolas" panose="020B0609020204030204" pitchFamily="49" charset="0"/>
+                </a:rPr>
+                <a:t>ChiselScalatestTester</a:t>
+              </a:r>
+              <a:r>
+                <a:rPr lang="en-US" sz="1600" b="0" dirty="0">
+                  <a:solidFill>
+                    <a:srgbClr val="000000"/>
+                  </a:solidFill>
+                  <a:effectLst/>
+                  <a:latin typeface="Consolas" panose="020B0609020204030204" pitchFamily="49" charset="0"/>
+                </a:rPr>
+                <a:t> {</a:t>
+              </a:r>
+            </a:p>
+            <a:p>
+              <a:r>
+                <a:rPr lang="en-US" sz="1600" b="0" dirty="0">
+                  <a:solidFill>
+                    <a:srgbClr val="000000"/>
+                  </a:solidFill>
+                  <a:effectLst/>
+                  <a:latin typeface="Consolas" panose="020B0609020204030204" pitchFamily="49" charset="0"/>
+                </a:rPr>
+                <a:t>  </a:t>
+              </a:r>
+              <a:r>
+                <a:rPr lang="en-US" sz="1600" b="0" dirty="0">
+                  <a:solidFill>
+                    <a:srgbClr val="A31515"/>
+                  </a:solidFill>
+                  <a:effectLst/>
+                  <a:latin typeface="Consolas" panose="020B0609020204030204" pitchFamily="49" charset="0"/>
+                </a:rPr>
+                <a:t>"Arithmetic Unit"</a:t>
+              </a:r>
+              <a:r>
+                <a:rPr lang="en-US" sz="1600" b="0" dirty="0">
+                  <a:solidFill>
+                    <a:srgbClr val="000000"/>
+                  </a:solidFill>
+                  <a:effectLst/>
+                  <a:latin typeface="Consolas" panose="020B0609020204030204" pitchFamily="49" charset="0"/>
+                </a:rPr>
+                <a:t> should </a:t>
+              </a:r>
+              <a:r>
+                <a:rPr lang="en-US" sz="1600" b="0" dirty="0">
+                  <a:solidFill>
+                    <a:srgbClr val="A31515"/>
+                  </a:solidFill>
+                  <a:effectLst/>
+                  <a:latin typeface="Consolas" panose="020B0609020204030204" pitchFamily="49" charset="0"/>
+                </a:rPr>
+                <a:t>"do 1 + 2"</a:t>
+              </a:r>
+              <a:r>
+                <a:rPr lang="en-US" sz="1600" b="0" dirty="0">
+                  <a:solidFill>
+                    <a:srgbClr val="000000"/>
+                  </a:solidFill>
+                  <a:effectLst/>
+                  <a:latin typeface="Consolas" panose="020B0609020204030204" pitchFamily="49" charset="0"/>
+                </a:rPr>
+                <a:t> in {</a:t>
+              </a:r>
+            </a:p>
+            <a:p>
+              <a:r>
+                <a:rPr lang="en-US" sz="1600" b="0" dirty="0">
+                  <a:solidFill>
+                    <a:srgbClr val="000000"/>
+                  </a:solidFill>
+                  <a:effectLst/>
+                  <a:latin typeface="Consolas" panose="020B0609020204030204" pitchFamily="49" charset="0"/>
+                </a:rPr>
+                <a:t>    </a:t>
+              </a:r>
+              <a:r>
+                <a:rPr lang="en-US" sz="1600" b="0" dirty="0">
+                  <a:solidFill>
+                    <a:srgbClr val="0000FF"/>
+                  </a:solidFill>
+                  <a:effectLst/>
+                  <a:latin typeface="Consolas" panose="020B0609020204030204" pitchFamily="49" charset="0"/>
+                </a:rPr>
+                <a:t>implicit</a:t>
+              </a:r>
+              <a:r>
+                <a:rPr lang="en-US" sz="1600" b="0" dirty="0">
+                  <a:solidFill>
+                    <a:srgbClr val="000000"/>
+                  </a:solidFill>
+                  <a:effectLst/>
+                  <a:latin typeface="Consolas" panose="020B0609020204030204" pitchFamily="49" charset="0"/>
+                </a:rPr>
+                <a:t> </a:t>
+              </a:r>
+              <a:r>
+                <a:rPr lang="en-US" sz="1600" b="0" dirty="0" err="1">
+                  <a:solidFill>
+                    <a:srgbClr val="0000FF"/>
+                  </a:solidFill>
+                  <a:effectLst/>
+                  <a:latin typeface="Consolas" panose="020B0609020204030204" pitchFamily="49" charset="0"/>
+                </a:rPr>
+                <a:t>val</a:t>
+              </a:r>
+              <a:r>
+                <a:rPr lang="en-US" sz="1600" b="0" dirty="0">
+                  <a:solidFill>
+                    <a:srgbClr val="000000"/>
+                  </a:solidFill>
+                  <a:effectLst/>
+                  <a:latin typeface="Consolas" panose="020B0609020204030204" pitchFamily="49" charset="0"/>
+                </a:rPr>
+                <a:t> p = </a:t>
+              </a:r>
+              <a:r>
+                <a:rPr lang="en-US" sz="1600" b="0" dirty="0">
+                  <a:solidFill>
+                    <a:srgbClr val="0000FF"/>
+                  </a:solidFill>
+                  <a:effectLst/>
+                  <a:latin typeface="Consolas" panose="020B0609020204030204" pitchFamily="49" charset="0"/>
+                </a:rPr>
+                <a:t>new</a:t>
+              </a:r>
+              <a:r>
+                <a:rPr lang="en-US" sz="1600" b="0" dirty="0">
+                  <a:solidFill>
+                    <a:srgbClr val="000000"/>
+                  </a:solidFill>
+                  <a:effectLst/>
+                  <a:latin typeface="Consolas" panose="020B0609020204030204" pitchFamily="49" charset="0"/>
+                </a:rPr>
+                <a:t> </a:t>
+              </a:r>
+              <a:r>
+                <a:rPr lang="en-US" sz="1600" b="0" dirty="0" err="1">
+                  <a:solidFill>
+                    <a:srgbClr val="000000"/>
+                  </a:solidFill>
+                  <a:effectLst/>
+                  <a:latin typeface="Consolas" panose="020B0609020204030204" pitchFamily="49" charset="0"/>
+                </a:rPr>
+                <a:t>AUParams</a:t>
+              </a:r>
+              <a:r>
+                <a:rPr lang="en-US" sz="1600" b="0" dirty="0">
+                  <a:solidFill>
+                    <a:srgbClr val="000000"/>
+                  </a:solidFill>
+                  <a:effectLst/>
+                  <a:latin typeface="Consolas" panose="020B0609020204030204" pitchFamily="49" charset="0"/>
+                </a:rPr>
+                <a:t>()    </a:t>
+              </a:r>
+              <a:r>
+                <a:rPr lang="en-US" sz="1600" b="0" dirty="0">
+                  <a:solidFill>
+                    <a:srgbClr val="008000"/>
+                  </a:solidFill>
+                  <a:effectLst/>
+                  <a:latin typeface="Consolas" panose="020B0609020204030204" pitchFamily="49" charset="0"/>
+                </a:rPr>
+                <a:t>//</a:t>
+              </a:r>
+              <a:r>
+                <a:rPr lang="ru-RU" sz="1600" b="0" dirty="0">
+                  <a:solidFill>
+                    <a:srgbClr val="008000"/>
+                  </a:solidFill>
+                  <a:effectLst/>
+                  <a:latin typeface="Consolas" panose="020B0609020204030204" pitchFamily="49" charset="0"/>
+                </a:rPr>
+                <a:t>Создали экземпляр параметров</a:t>
+              </a:r>
+              <a:endParaRPr lang="ru-RU" sz="1600" b="0" dirty="0">
                 <a:solidFill>
                   <a:srgbClr val="000000"/>
                 </a:solidFill>
                 <a:effectLst/>
                 <a:latin typeface="Consolas" panose="020B0609020204030204" pitchFamily="49" charset="0"/>
-              </a:rPr>
-              <a:t> Test </a:t>
-            </a:r>
-            <a:r>
-              <a:rPr lang="en-US" sz="1600" b="0" dirty="0">
-                <a:solidFill>
-                  <a:srgbClr val="0000FF"/>
-                </a:solidFill>
-                <a:effectLst/>
-                <a:latin typeface="Consolas" panose="020B0609020204030204" pitchFamily="49" charset="0"/>
-              </a:rPr>
-              <a:t>extends</a:t>
-            </a:r>
-            <a:r>
-              <a:rPr lang="en-US" sz="1600" b="0" dirty="0">
+              </a:endParaRPr>
+            </a:p>
+            <a:p>
+              <a:r>
+                <a:rPr lang="ru-RU" sz="1600" b="0" dirty="0">
+                  <a:solidFill>
+                    <a:srgbClr val="000000"/>
+                  </a:solidFill>
+                  <a:effectLst/>
+                  <a:latin typeface="Consolas" panose="020B0609020204030204" pitchFamily="49" charset="0"/>
+                </a:rPr>
+                <a:t>    </a:t>
+              </a:r>
+              <a:r>
+                <a:rPr lang="en-US" sz="1600" b="0" dirty="0">
+                  <a:solidFill>
+                    <a:srgbClr val="000000"/>
+                  </a:solidFill>
+                  <a:effectLst/>
+                  <a:latin typeface="Consolas" panose="020B0609020204030204" pitchFamily="49" charset="0"/>
+                </a:rPr>
+                <a:t>test(</a:t>
+              </a:r>
+              <a:r>
+                <a:rPr lang="en-US" sz="1600" b="0" dirty="0">
+                  <a:solidFill>
+                    <a:srgbClr val="0000FF"/>
+                  </a:solidFill>
+                  <a:effectLst/>
+                  <a:latin typeface="Consolas" panose="020B0609020204030204" pitchFamily="49" charset="0"/>
+                </a:rPr>
+                <a:t>new</a:t>
+              </a:r>
+              <a:r>
+                <a:rPr lang="en-US" sz="1600" b="0" dirty="0">
+                  <a:solidFill>
+                    <a:srgbClr val="000000"/>
+                  </a:solidFill>
+                  <a:effectLst/>
+                  <a:latin typeface="Consolas" panose="020B0609020204030204" pitchFamily="49" charset="0"/>
+                </a:rPr>
+                <a:t> </a:t>
+              </a:r>
+              <a:r>
+                <a:rPr lang="en-US" sz="1600" b="0" dirty="0" err="1">
+                  <a:solidFill>
+                    <a:srgbClr val="000000"/>
+                  </a:solidFill>
+                  <a:effectLst/>
+                  <a:latin typeface="Consolas" panose="020B0609020204030204" pitchFamily="49" charset="0"/>
+                </a:rPr>
+                <a:t>ArithmeticUnit</a:t>
+              </a:r>
+              <a:r>
+                <a:rPr lang="en-US" sz="1600" b="0" dirty="0">
+                  <a:solidFill>
+                    <a:srgbClr val="000000"/>
+                  </a:solidFill>
+                  <a:effectLst/>
+                  <a:latin typeface="Consolas" panose="020B0609020204030204" pitchFamily="49" charset="0"/>
+                </a:rPr>
+                <a:t>()) { au =&gt; </a:t>
+              </a:r>
+              <a:r>
+                <a:rPr lang="en-US" sz="1600" b="0" dirty="0">
+                  <a:solidFill>
+                    <a:srgbClr val="008000"/>
+                  </a:solidFill>
+                  <a:effectLst/>
+                  <a:latin typeface="Consolas" panose="020B0609020204030204" pitchFamily="49" charset="0"/>
+                </a:rPr>
+                <a:t>//</a:t>
+              </a:r>
+              <a:r>
+                <a:rPr lang="ru-RU" sz="1600" b="0" dirty="0">
+                  <a:solidFill>
+                    <a:srgbClr val="008000"/>
+                  </a:solidFill>
+                  <a:effectLst/>
+                  <a:latin typeface="Consolas" panose="020B0609020204030204" pitchFamily="49" charset="0"/>
+                </a:rPr>
+                <a:t>Начало теста</a:t>
+              </a:r>
+              <a:endParaRPr lang="ru-RU" sz="1600" b="0" dirty="0">
                 <a:solidFill>
                   <a:srgbClr val="000000"/>
                 </a:solidFill>
                 <a:effectLst/>
                 <a:latin typeface="Consolas" panose="020B0609020204030204" pitchFamily="49" charset="0"/>
-              </a:rPr>
-              <a:t> </a:t>
-            </a:r>
-            <a:r>
-              <a:rPr lang="en-US" sz="1600" b="0" dirty="0" err="1">
+              </a:endParaRPr>
+            </a:p>
+            <a:p>
+              <a:r>
+                <a:rPr lang="ru-RU" sz="1600" b="0" dirty="0">
+                  <a:solidFill>
+                    <a:srgbClr val="000000"/>
+                  </a:solidFill>
+                  <a:effectLst/>
+                  <a:latin typeface="Consolas" panose="020B0609020204030204" pitchFamily="49" charset="0"/>
+                </a:rPr>
+                <a:t>      </a:t>
+              </a:r>
+              <a:r>
+                <a:rPr lang="en-US" sz="1600" b="0" dirty="0" err="1">
+                  <a:solidFill>
+                    <a:srgbClr val="000000"/>
+                  </a:solidFill>
+                  <a:effectLst/>
+                  <a:latin typeface="Consolas" panose="020B0609020204030204" pitchFamily="49" charset="0"/>
+                </a:rPr>
+                <a:t>au.io.valid.poke</a:t>
+              </a:r>
+              <a:r>
+                <a:rPr lang="en-US" sz="1600" b="0" dirty="0">
+                  <a:solidFill>
+                    <a:srgbClr val="000000"/>
+                  </a:solidFill>
+                  <a:effectLst/>
+                  <a:latin typeface="Consolas" panose="020B0609020204030204" pitchFamily="49" charset="0"/>
+                </a:rPr>
+                <a:t>(</a:t>
+              </a:r>
+              <a:r>
+                <a:rPr lang="en-US" sz="1600" b="0" dirty="0">
+                  <a:solidFill>
+                    <a:srgbClr val="0000FF"/>
+                  </a:solidFill>
+                  <a:effectLst/>
+                  <a:latin typeface="Consolas" panose="020B0609020204030204" pitchFamily="49" charset="0"/>
+                </a:rPr>
+                <a:t>true</a:t>
+              </a:r>
+              <a:r>
+                <a:rPr lang="en-US" sz="1600" b="0" dirty="0">
+                  <a:solidFill>
+                    <a:srgbClr val="000000"/>
+                  </a:solidFill>
+                  <a:effectLst/>
+                  <a:latin typeface="Consolas" panose="020B0609020204030204" pitchFamily="49" charset="0"/>
+                </a:rPr>
+                <a:t>)           </a:t>
+              </a:r>
+              <a:r>
+                <a:rPr lang="en-US" sz="1600" b="0" dirty="0">
+                  <a:solidFill>
+                    <a:srgbClr val="008000"/>
+                  </a:solidFill>
+                  <a:effectLst/>
+                  <a:latin typeface="Consolas" panose="020B0609020204030204" pitchFamily="49" charset="0"/>
+                </a:rPr>
+                <a:t>//</a:t>
+              </a:r>
+              <a:r>
+                <a:rPr lang="ru-RU" sz="1600" b="0" dirty="0">
+                  <a:solidFill>
+                    <a:srgbClr val="008000"/>
+                  </a:solidFill>
+                  <a:effectLst/>
+                  <a:latin typeface="Consolas" panose="020B0609020204030204" pitchFamily="49" charset="0"/>
+                </a:rPr>
+                <a:t>Подали разрешающий сигнал</a:t>
+              </a:r>
+              <a:endParaRPr lang="ru-RU" sz="1600" b="0" dirty="0">
                 <a:solidFill>
                   <a:srgbClr val="000000"/>
                 </a:solidFill>
                 <a:effectLst/>
                 <a:latin typeface="Consolas" panose="020B0609020204030204" pitchFamily="49" charset="0"/>
-              </a:rPr>
-              <a:t>AnyFlatSpec</a:t>
-            </a:r>
-            <a:r>
-              <a:rPr lang="en-US" sz="1600" b="0" dirty="0">
+              </a:endParaRPr>
+            </a:p>
+            <a:p>
+              <a:r>
+                <a:rPr lang="ru-RU" sz="1600" b="0" dirty="0">
+                  <a:solidFill>
+                    <a:srgbClr val="000000"/>
+                  </a:solidFill>
+                  <a:effectLst/>
+                  <a:latin typeface="Consolas" panose="020B0609020204030204" pitchFamily="49" charset="0"/>
+                </a:rPr>
+                <a:t>      </a:t>
+              </a:r>
+              <a:r>
+                <a:rPr lang="en-US" sz="1600" b="0" dirty="0" err="1">
+                  <a:solidFill>
+                    <a:srgbClr val="000000"/>
+                  </a:solidFill>
+                  <a:effectLst/>
+                  <a:latin typeface="Consolas" panose="020B0609020204030204" pitchFamily="49" charset="0"/>
+                </a:rPr>
+                <a:t>au.io.cmd.poke</a:t>
+              </a:r>
+              <a:r>
+                <a:rPr lang="en-US" sz="1600" b="0" dirty="0">
+                  <a:solidFill>
+                    <a:srgbClr val="000000"/>
+                  </a:solidFill>
+                  <a:effectLst/>
+                  <a:latin typeface="Consolas" panose="020B0609020204030204" pitchFamily="49" charset="0"/>
+                </a:rPr>
+                <a:t>(</a:t>
+              </a:r>
+              <a:r>
+                <a:rPr lang="en-US" sz="1600" b="0" dirty="0" err="1">
+                  <a:solidFill>
+                    <a:srgbClr val="000000"/>
+                  </a:solidFill>
+                  <a:effectLst/>
+                  <a:latin typeface="Consolas" panose="020B0609020204030204" pitchFamily="49" charset="0"/>
+                </a:rPr>
+                <a:t>CmdList.Addition</a:t>
+              </a:r>
+              <a:r>
+                <a:rPr lang="en-US" sz="1600" b="0" dirty="0">
+                  <a:solidFill>
+                    <a:srgbClr val="000000"/>
+                  </a:solidFill>
+                  <a:effectLst/>
+                  <a:latin typeface="Consolas" panose="020B0609020204030204" pitchFamily="49" charset="0"/>
+                </a:rPr>
+                <a:t>) </a:t>
+              </a:r>
+              <a:r>
+                <a:rPr lang="en-US" sz="1600" b="0" dirty="0">
+                  <a:solidFill>
+                    <a:srgbClr val="008000"/>
+                  </a:solidFill>
+                  <a:effectLst/>
+                  <a:latin typeface="Consolas" panose="020B0609020204030204" pitchFamily="49" charset="0"/>
+                </a:rPr>
+                <a:t>//</a:t>
+              </a:r>
+              <a:r>
+                <a:rPr lang="ru-RU" sz="1600" b="0" dirty="0">
+                  <a:solidFill>
+                    <a:srgbClr val="008000"/>
+                  </a:solidFill>
+                  <a:effectLst/>
+                  <a:latin typeface="Consolas" panose="020B0609020204030204" pitchFamily="49" charset="0"/>
+                </a:rPr>
+                <a:t>Подали код команды</a:t>
+              </a:r>
+              <a:endParaRPr lang="ru-RU" sz="1600" b="0" dirty="0">
                 <a:solidFill>
                   <a:srgbClr val="000000"/>
                 </a:solidFill>
                 <a:effectLst/>
                 <a:latin typeface="Consolas" panose="020B0609020204030204" pitchFamily="49" charset="0"/>
-              </a:rPr>
-              <a:t> </a:t>
-            </a:r>
-            <a:r>
-              <a:rPr lang="en-US" sz="1600" b="0" dirty="0">
-                <a:solidFill>
-                  <a:srgbClr val="0000FF"/>
-                </a:solidFill>
-                <a:effectLst/>
-                <a:latin typeface="Consolas" panose="020B0609020204030204" pitchFamily="49" charset="0"/>
-              </a:rPr>
-              <a:t>with</a:t>
-            </a:r>
-            <a:r>
-              <a:rPr lang="en-US" sz="1600" b="0" dirty="0">
+              </a:endParaRPr>
+            </a:p>
+            <a:p>
+              <a:r>
+                <a:rPr lang="ru-RU" sz="1600" b="0" dirty="0">
+                  <a:solidFill>
+                    <a:srgbClr val="000000"/>
+                  </a:solidFill>
+                  <a:effectLst/>
+                  <a:latin typeface="Consolas" panose="020B0609020204030204" pitchFamily="49" charset="0"/>
+                </a:rPr>
+                <a:t>      </a:t>
+              </a:r>
+              <a:r>
+                <a:rPr lang="en-US" sz="1600" b="0" dirty="0">
+                  <a:solidFill>
+                    <a:srgbClr val="000000"/>
+                  </a:solidFill>
+                  <a:effectLst/>
+                  <a:latin typeface="Consolas" panose="020B0609020204030204" pitchFamily="49" charset="0"/>
+                </a:rPr>
+                <a:t>au.io.op1.poke(</a:t>
+              </a:r>
+              <a:r>
+                <a:rPr lang="en-US" sz="1600" b="0" dirty="0">
+                  <a:solidFill>
+                    <a:srgbClr val="098658"/>
+                  </a:solidFill>
+                  <a:effectLst/>
+                  <a:latin typeface="Consolas" panose="020B0609020204030204" pitchFamily="49" charset="0"/>
+                </a:rPr>
+                <a:t>1</a:t>
+              </a:r>
+              <a:r>
+                <a:rPr lang="en-US" sz="1600" b="0" dirty="0">
+                  <a:solidFill>
+                    <a:srgbClr val="000000"/>
+                  </a:solidFill>
+                  <a:effectLst/>
+                  <a:latin typeface="Consolas" panose="020B0609020204030204" pitchFamily="49" charset="0"/>
+                </a:rPr>
+                <a:t>)                </a:t>
+              </a:r>
+              <a:r>
+                <a:rPr lang="en-US" sz="1600" b="0" dirty="0">
+                  <a:solidFill>
+                    <a:srgbClr val="008000"/>
+                  </a:solidFill>
+                  <a:effectLst/>
+                  <a:latin typeface="Consolas" panose="020B0609020204030204" pitchFamily="49" charset="0"/>
+                </a:rPr>
+                <a:t>//</a:t>
+              </a:r>
+              <a:r>
+                <a:rPr lang="ru-RU" sz="1600" b="0" dirty="0">
+                  <a:solidFill>
+                    <a:srgbClr val="008000"/>
+                  </a:solidFill>
+                  <a:effectLst/>
+                  <a:latin typeface="Consolas" panose="020B0609020204030204" pitchFamily="49" charset="0"/>
+                </a:rPr>
+                <a:t>Подали 1-ый операнд</a:t>
+              </a:r>
+              <a:endParaRPr lang="ru-RU" sz="1600" b="0" dirty="0">
                 <a:solidFill>
                   <a:srgbClr val="000000"/>
                 </a:solidFill>
                 <a:effectLst/>
                 <a:latin typeface="Consolas" panose="020B0609020204030204" pitchFamily="49" charset="0"/>
-              </a:rPr>
-              <a:t> </a:t>
-            </a:r>
-            <a:r>
-              <a:rPr lang="en-US" sz="1600" b="0" dirty="0" err="1">
+              </a:endParaRPr>
+            </a:p>
+            <a:p>
+              <a:r>
+                <a:rPr lang="ru-RU" sz="1600" b="0" dirty="0">
+                  <a:solidFill>
+                    <a:srgbClr val="000000"/>
+                  </a:solidFill>
+                  <a:effectLst/>
+                  <a:latin typeface="Consolas" panose="020B0609020204030204" pitchFamily="49" charset="0"/>
+                </a:rPr>
+                <a:t>      </a:t>
+              </a:r>
+              <a:r>
+                <a:rPr lang="en-US" sz="1600" b="0" dirty="0">
+                  <a:solidFill>
+                    <a:srgbClr val="000000"/>
+                  </a:solidFill>
+                  <a:effectLst/>
+                  <a:latin typeface="Consolas" panose="020B0609020204030204" pitchFamily="49" charset="0"/>
+                </a:rPr>
+                <a:t>au.io.op2.poke(</a:t>
+              </a:r>
+              <a:r>
+                <a:rPr lang="en-US" sz="1600" b="0" dirty="0">
+                  <a:solidFill>
+                    <a:srgbClr val="098658"/>
+                  </a:solidFill>
+                  <a:effectLst/>
+                  <a:latin typeface="Consolas" panose="020B0609020204030204" pitchFamily="49" charset="0"/>
+                </a:rPr>
+                <a:t>2</a:t>
+              </a:r>
+              <a:r>
+                <a:rPr lang="en-US" sz="1600" b="0" dirty="0">
+                  <a:solidFill>
+                    <a:srgbClr val="000000"/>
+                  </a:solidFill>
+                  <a:effectLst/>
+                  <a:latin typeface="Consolas" panose="020B0609020204030204" pitchFamily="49" charset="0"/>
+                </a:rPr>
+                <a:t>)                </a:t>
+              </a:r>
+              <a:r>
+                <a:rPr lang="en-US" sz="1600" b="0" dirty="0">
+                  <a:solidFill>
+                    <a:srgbClr val="008000"/>
+                  </a:solidFill>
+                  <a:effectLst/>
+                  <a:latin typeface="Consolas" panose="020B0609020204030204" pitchFamily="49" charset="0"/>
+                </a:rPr>
+                <a:t>//</a:t>
+              </a:r>
+              <a:r>
+                <a:rPr lang="ru-RU" sz="1600" b="0" dirty="0">
+                  <a:solidFill>
+                    <a:srgbClr val="008000"/>
+                  </a:solidFill>
+                  <a:effectLst/>
+                  <a:latin typeface="Consolas" panose="020B0609020204030204" pitchFamily="49" charset="0"/>
+                </a:rPr>
+                <a:t>Подали 2-ой операнд</a:t>
+              </a:r>
+              <a:endParaRPr lang="ru-RU" sz="1600" b="0" dirty="0">
                 <a:solidFill>
                   <a:srgbClr val="000000"/>
                 </a:solidFill>
                 <a:effectLst/>
                 <a:latin typeface="Consolas" panose="020B0609020204030204" pitchFamily="49" charset="0"/>
-              </a:rPr>
-              <a:t>ChiselScalatestTester</a:t>
-            </a:r>
-            <a:r>
-              <a:rPr lang="en-US" sz="1600" b="0" dirty="0">
+              </a:endParaRPr>
+            </a:p>
+            <a:p>
+              <a:r>
+                <a:rPr lang="ru-RU" sz="1600" b="0" dirty="0">
+                  <a:solidFill>
+                    <a:srgbClr val="000000"/>
+                  </a:solidFill>
+                  <a:effectLst/>
+                  <a:latin typeface="Consolas" panose="020B0609020204030204" pitchFamily="49" charset="0"/>
+                </a:rPr>
+                <a:t>      </a:t>
+              </a:r>
+              <a:r>
+                <a:rPr lang="en-US" sz="1600" b="0" dirty="0" err="1">
+                  <a:solidFill>
+                    <a:srgbClr val="000000"/>
+                  </a:solidFill>
+                  <a:effectLst/>
+                  <a:latin typeface="Consolas" panose="020B0609020204030204" pitchFamily="49" charset="0"/>
+                </a:rPr>
+                <a:t>au.clock.step</a:t>
+              </a:r>
+              <a:r>
+                <a:rPr lang="en-US" sz="1600" b="0" dirty="0">
+                  <a:solidFill>
+                    <a:srgbClr val="000000"/>
+                  </a:solidFill>
+                  <a:effectLst/>
+                  <a:latin typeface="Consolas" panose="020B0609020204030204" pitchFamily="49" charset="0"/>
+                </a:rPr>
+                <a:t>()                  </a:t>
+              </a:r>
+              <a:r>
+                <a:rPr lang="en-US" sz="1600" b="0" dirty="0">
+                  <a:solidFill>
+                    <a:srgbClr val="008000"/>
+                  </a:solidFill>
+                  <a:effectLst/>
+                  <a:latin typeface="Consolas" panose="020B0609020204030204" pitchFamily="49" charset="0"/>
+                </a:rPr>
+                <a:t>//</a:t>
+              </a:r>
+              <a:r>
+                <a:rPr lang="ru-RU" sz="1600" b="0" dirty="0">
+                  <a:solidFill>
+                    <a:srgbClr val="008000"/>
+                  </a:solidFill>
+                  <a:effectLst/>
+                  <a:latin typeface="Consolas" panose="020B0609020204030204" pitchFamily="49" charset="0"/>
+                </a:rPr>
+                <a:t>Шаг по времени</a:t>
+              </a:r>
+              <a:endParaRPr lang="ru-RU" sz="1600" b="0" dirty="0">
                 <a:solidFill>
                   <a:srgbClr val="000000"/>
                 </a:solidFill>
                 <a:effectLst/>
                 <a:latin typeface="Consolas" panose="020B0609020204030204" pitchFamily="49" charset="0"/>
-              </a:rPr>
-              <a:t> {</a:t>
-            </a:r>
-          </a:p>
-          <a:p>
-            <a:r>
-              <a:rPr lang="en-US" sz="1600" b="0" dirty="0">
+              </a:endParaRPr>
+            </a:p>
+            <a:p>
+              <a:br>
+                <a:rPr lang="ru-RU" sz="1600" b="0" dirty="0">
+                  <a:solidFill>
+                    <a:srgbClr val="000000"/>
+                  </a:solidFill>
+                  <a:effectLst/>
+                  <a:latin typeface="Consolas" panose="020B0609020204030204" pitchFamily="49" charset="0"/>
+                </a:rPr>
+              </a:br>
+              <a:r>
+                <a:rPr lang="ru-RU" sz="1600" b="0" dirty="0">
+                  <a:solidFill>
+                    <a:srgbClr val="000000"/>
+                  </a:solidFill>
+                  <a:effectLst/>
+                  <a:latin typeface="Consolas" panose="020B0609020204030204" pitchFamily="49" charset="0"/>
+                </a:rPr>
+                <a:t>      </a:t>
+              </a:r>
+              <a:r>
+                <a:rPr lang="en-US" sz="1600" b="0" dirty="0" err="1">
+                  <a:solidFill>
+                    <a:srgbClr val="000000"/>
+                  </a:solidFill>
+                  <a:effectLst/>
+                  <a:latin typeface="Consolas" panose="020B0609020204030204" pitchFamily="49" charset="0"/>
+                </a:rPr>
+                <a:t>au.io.valid.poke</a:t>
+              </a:r>
+              <a:r>
+                <a:rPr lang="en-US" sz="1600" b="0" dirty="0">
+                  <a:solidFill>
+                    <a:srgbClr val="000000"/>
+                  </a:solidFill>
+                  <a:effectLst/>
+                  <a:latin typeface="Consolas" panose="020B0609020204030204" pitchFamily="49" charset="0"/>
+                </a:rPr>
+                <a:t>(</a:t>
+              </a:r>
+              <a:r>
+                <a:rPr lang="en-US" sz="1600" b="0" dirty="0">
+                  <a:solidFill>
+                    <a:srgbClr val="0000FF"/>
+                  </a:solidFill>
+                  <a:effectLst/>
+                  <a:latin typeface="Consolas" panose="020B0609020204030204" pitchFamily="49" charset="0"/>
+                </a:rPr>
+                <a:t>false</a:t>
+              </a:r>
+              <a:r>
+                <a:rPr lang="en-US" sz="1600" b="0" dirty="0">
+                  <a:solidFill>
+                    <a:srgbClr val="000000"/>
+                  </a:solidFill>
+                  <a:effectLst/>
+                  <a:latin typeface="Consolas" panose="020B0609020204030204" pitchFamily="49" charset="0"/>
+                </a:rPr>
+                <a:t>)          </a:t>
+              </a:r>
+              <a:r>
+                <a:rPr lang="en-US" sz="1600" b="0" dirty="0">
+                  <a:solidFill>
+                    <a:srgbClr val="008000"/>
+                  </a:solidFill>
+                  <a:effectLst/>
+                  <a:latin typeface="Consolas" panose="020B0609020204030204" pitchFamily="49" charset="0"/>
+                </a:rPr>
+                <a:t>//</a:t>
+              </a:r>
+              <a:r>
+                <a:rPr lang="ru-RU" sz="1600" b="0" dirty="0">
+                  <a:solidFill>
+                    <a:srgbClr val="008000"/>
+                  </a:solidFill>
+                  <a:effectLst/>
+                  <a:latin typeface="Consolas" panose="020B0609020204030204" pitchFamily="49" charset="0"/>
+                </a:rPr>
+                <a:t>Убрали разрешающий сигнал</a:t>
+              </a:r>
+              <a:endParaRPr lang="ru-RU" sz="1600" b="0" dirty="0">
                 <a:solidFill>
                   <a:srgbClr val="000000"/>
                 </a:solidFill>
                 <a:effectLst/>
                 <a:latin typeface="Consolas" panose="020B0609020204030204" pitchFamily="49" charset="0"/>
-              </a:rPr>
-              <a:t>  </a:t>
-            </a:r>
-            <a:r>
-              <a:rPr lang="en-US" sz="1600" b="0" dirty="0">
-                <a:solidFill>
-                  <a:srgbClr val="A31515"/>
-                </a:solidFill>
-                <a:effectLst/>
-                <a:latin typeface="Consolas" panose="020B0609020204030204" pitchFamily="49" charset="0"/>
-              </a:rPr>
-              <a:t>"Arithmetic Unit"</a:t>
-            </a:r>
-            <a:r>
-              <a:rPr lang="en-US" sz="1600" b="0" dirty="0">
+              </a:endParaRPr>
+            </a:p>
+            <a:p>
+              <a:r>
+                <a:rPr lang="ru-RU" sz="1600" b="0" dirty="0">
+                  <a:solidFill>
+                    <a:srgbClr val="000000"/>
+                  </a:solidFill>
+                  <a:effectLst/>
+                  <a:latin typeface="Consolas" panose="020B0609020204030204" pitchFamily="49" charset="0"/>
+                </a:rPr>
+                <a:t>      </a:t>
+              </a:r>
+              <a:r>
+                <a:rPr lang="en-US" sz="1600" b="0" dirty="0" err="1">
+                  <a:solidFill>
+                    <a:srgbClr val="000000"/>
+                  </a:solidFill>
+                  <a:effectLst/>
+                  <a:latin typeface="Consolas" panose="020B0609020204030204" pitchFamily="49" charset="0"/>
+                </a:rPr>
+                <a:t>au.io.out.expect</a:t>
+              </a:r>
+              <a:r>
+                <a:rPr lang="en-US" sz="1600" b="0" dirty="0">
+                  <a:solidFill>
+                    <a:srgbClr val="000000"/>
+                  </a:solidFill>
+                  <a:effectLst/>
+                  <a:latin typeface="Consolas" panose="020B0609020204030204" pitchFamily="49" charset="0"/>
+                </a:rPr>
+                <a:t>(</a:t>
+              </a:r>
+              <a:r>
+                <a:rPr lang="en-US" sz="1600" b="0" dirty="0">
+                  <a:solidFill>
+                    <a:srgbClr val="098658"/>
+                  </a:solidFill>
+                  <a:effectLst/>
+                  <a:latin typeface="Consolas" panose="020B0609020204030204" pitchFamily="49" charset="0"/>
+                </a:rPr>
+                <a:t>3</a:t>
+              </a:r>
+              <a:r>
+                <a:rPr lang="en-US" sz="1600" b="0" dirty="0">
+                  <a:solidFill>
+                    <a:srgbClr val="000000"/>
+                  </a:solidFill>
+                  <a:effectLst/>
+                  <a:latin typeface="Consolas" panose="020B0609020204030204" pitchFamily="49" charset="0"/>
+                </a:rPr>
+                <a:t>)              </a:t>
+              </a:r>
+              <a:r>
+                <a:rPr lang="en-US" sz="1600" b="0" dirty="0">
+                  <a:solidFill>
+                    <a:srgbClr val="008000"/>
+                  </a:solidFill>
+                  <a:effectLst/>
+                  <a:latin typeface="Consolas" panose="020B0609020204030204" pitchFamily="49" charset="0"/>
+                </a:rPr>
+                <a:t>//</a:t>
+              </a:r>
+              <a:r>
+                <a:rPr lang="ru-RU" sz="1600" b="0" dirty="0">
+                  <a:solidFill>
+                    <a:srgbClr val="008000"/>
+                  </a:solidFill>
+                  <a:effectLst/>
+                  <a:latin typeface="Consolas" panose="020B0609020204030204" pitchFamily="49" charset="0"/>
+                </a:rPr>
+                <a:t>Проверили результат операции</a:t>
+              </a:r>
+              <a:endParaRPr lang="ru-RU" sz="1600" b="0" dirty="0">
                 <a:solidFill>
                   <a:srgbClr val="000000"/>
                 </a:solidFill>
                 <a:effectLst/>
                 <a:latin typeface="Consolas" panose="020B0609020204030204" pitchFamily="49" charset="0"/>
-              </a:rPr>
-              <a:t> should </a:t>
-            </a:r>
-            <a:r>
-              <a:rPr lang="en-US" sz="1600" b="0" dirty="0">
-                <a:solidFill>
-                  <a:srgbClr val="A31515"/>
-                </a:solidFill>
-                <a:effectLst/>
-                <a:latin typeface="Consolas" panose="020B0609020204030204" pitchFamily="49" charset="0"/>
-              </a:rPr>
-              <a:t>"do 1 + 2"</a:t>
-            </a:r>
-            <a:r>
-              <a:rPr lang="en-US" sz="1600" b="0" dirty="0">
+              </a:endParaRPr>
+            </a:p>
+            <a:p>
+              <a:r>
+                <a:rPr lang="ru-RU" sz="1600" b="0" dirty="0">
+                  <a:solidFill>
+                    <a:srgbClr val="000000"/>
+                  </a:solidFill>
+                  <a:effectLst/>
+                  <a:latin typeface="Consolas" panose="020B0609020204030204" pitchFamily="49" charset="0"/>
+                </a:rPr>
+                <a:t>      </a:t>
+              </a:r>
+              <a:r>
+                <a:rPr lang="en-US" sz="1600" b="0" dirty="0" err="1">
+                  <a:solidFill>
+                    <a:srgbClr val="000000"/>
+                  </a:solidFill>
+                  <a:effectLst/>
+                  <a:latin typeface="Consolas" panose="020B0609020204030204" pitchFamily="49" charset="0"/>
+                </a:rPr>
+                <a:t>au.io.ready.expect</a:t>
+              </a:r>
+              <a:r>
+                <a:rPr lang="en-US" sz="1600" b="0" dirty="0">
+                  <a:solidFill>
+                    <a:srgbClr val="000000"/>
+                  </a:solidFill>
+                  <a:effectLst/>
+                  <a:latin typeface="Consolas" panose="020B0609020204030204" pitchFamily="49" charset="0"/>
+                </a:rPr>
+                <a:t>(</a:t>
+              </a:r>
+              <a:r>
+                <a:rPr lang="en-US" sz="1600" b="0" dirty="0">
+                  <a:solidFill>
+                    <a:srgbClr val="0000FF"/>
+                  </a:solidFill>
+                  <a:effectLst/>
+                  <a:latin typeface="Consolas" panose="020B0609020204030204" pitchFamily="49" charset="0"/>
+                </a:rPr>
+                <a:t>true</a:t>
+              </a:r>
+              <a:r>
+                <a:rPr lang="en-US" sz="1600" b="0" dirty="0">
+                  <a:solidFill>
+                    <a:srgbClr val="000000"/>
+                  </a:solidFill>
+                  <a:effectLst/>
+                  <a:latin typeface="Consolas" panose="020B0609020204030204" pitchFamily="49" charset="0"/>
+                </a:rPr>
+                <a:t>)         </a:t>
+              </a:r>
+              <a:r>
+                <a:rPr lang="en-US" sz="1600" b="0" dirty="0">
+                  <a:solidFill>
+                    <a:srgbClr val="008000"/>
+                  </a:solidFill>
+                  <a:effectLst/>
+                  <a:latin typeface="Consolas" panose="020B0609020204030204" pitchFamily="49" charset="0"/>
+                </a:rPr>
+                <a:t>//</a:t>
+              </a:r>
+              <a:r>
+                <a:rPr lang="ru-RU" sz="1600" b="0" dirty="0">
+                  <a:solidFill>
+                    <a:srgbClr val="008000"/>
+                  </a:solidFill>
+                  <a:effectLst/>
+                  <a:latin typeface="Consolas" panose="020B0609020204030204" pitchFamily="49" charset="0"/>
+                </a:rPr>
+                <a:t>Проверили готовность</a:t>
+              </a:r>
+              <a:endParaRPr lang="ru-RU" sz="1600" b="0" dirty="0">
                 <a:solidFill>
                   <a:srgbClr val="000000"/>
                 </a:solidFill>
                 <a:effectLst/>
                 <a:latin typeface="Consolas" panose="020B0609020204030204" pitchFamily="49" charset="0"/>
-              </a:rPr>
-              <a:t> in {</a:t>
-            </a:r>
-          </a:p>
-          <a:p>
-            <a:r>
-              <a:rPr lang="en-US" sz="1600" b="0" dirty="0">
+              </a:endParaRPr>
+            </a:p>
+            <a:p>
+              <a:r>
+                <a:rPr lang="ru-RU" sz="1600" b="0" dirty="0">
+                  <a:solidFill>
+                    <a:srgbClr val="000000"/>
+                  </a:solidFill>
+                  <a:effectLst/>
+                  <a:latin typeface="Consolas" panose="020B0609020204030204" pitchFamily="49" charset="0"/>
+                </a:rPr>
+                <a:t>      </a:t>
+              </a:r>
+              <a:r>
+                <a:rPr lang="en-US" sz="1600" b="0" dirty="0" err="1">
+                  <a:solidFill>
+                    <a:srgbClr val="000000"/>
+                  </a:solidFill>
+                  <a:effectLst/>
+                  <a:latin typeface="Consolas" panose="020B0609020204030204" pitchFamily="49" charset="0"/>
+                </a:rPr>
+                <a:t>au.io.overflow.expect</a:t>
+              </a:r>
+              <a:r>
+                <a:rPr lang="en-US" sz="1600" b="0" dirty="0">
+                  <a:solidFill>
+                    <a:srgbClr val="000000"/>
+                  </a:solidFill>
+                  <a:effectLst/>
+                  <a:latin typeface="Consolas" panose="020B0609020204030204" pitchFamily="49" charset="0"/>
+                </a:rPr>
+                <a:t>(</a:t>
+              </a:r>
+              <a:r>
+                <a:rPr lang="en-US" sz="1600" b="0" dirty="0">
+                  <a:solidFill>
+                    <a:srgbClr val="0000FF"/>
+                  </a:solidFill>
+                  <a:effectLst/>
+                  <a:latin typeface="Consolas" panose="020B0609020204030204" pitchFamily="49" charset="0"/>
+                </a:rPr>
+                <a:t>false</a:t>
+              </a:r>
+              <a:r>
+                <a:rPr lang="en-US" sz="1600" b="0" dirty="0">
+                  <a:solidFill>
+                    <a:srgbClr val="000000"/>
+                  </a:solidFill>
+                  <a:effectLst/>
+                  <a:latin typeface="Consolas" panose="020B0609020204030204" pitchFamily="49" charset="0"/>
+                </a:rPr>
+                <a:t>)     </a:t>
+              </a:r>
+              <a:r>
+                <a:rPr lang="en-US" sz="1600" b="0" dirty="0">
+                  <a:solidFill>
+                    <a:srgbClr val="008000"/>
+                  </a:solidFill>
+                  <a:effectLst/>
+                  <a:latin typeface="Consolas" panose="020B0609020204030204" pitchFamily="49" charset="0"/>
+                </a:rPr>
+                <a:t>//</a:t>
+              </a:r>
+              <a:r>
+                <a:rPr lang="ru-RU" sz="1600" b="0" dirty="0">
+                  <a:solidFill>
+                    <a:srgbClr val="008000"/>
+                  </a:solidFill>
+                  <a:effectLst/>
+                  <a:latin typeface="Consolas" panose="020B0609020204030204" pitchFamily="49" charset="0"/>
+                </a:rPr>
+                <a:t>Проверили переполнение</a:t>
+              </a:r>
+              <a:endParaRPr lang="ru-RU" sz="1600" b="0" dirty="0">
                 <a:solidFill>
                   <a:srgbClr val="000000"/>
                 </a:solidFill>
                 <a:effectLst/>
                 <a:latin typeface="Consolas" panose="020B0609020204030204" pitchFamily="49" charset="0"/>
-              </a:rPr>
-              <a:t>    </a:t>
-            </a:r>
-            <a:r>
-              <a:rPr lang="en-US" sz="1600" b="0" dirty="0">
-                <a:solidFill>
-                  <a:srgbClr val="0000FF"/>
-                </a:solidFill>
-                <a:effectLst/>
-                <a:latin typeface="Consolas" panose="020B0609020204030204" pitchFamily="49" charset="0"/>
-              </a:rPr>
-              <a:t>implicit</a:t>
-            </a:r>
-            <a:r>
-              <a:rPr lang="en-US" sz="1600" b="0" dirty="0">
+              </a:endParaRPr>
+            </a:p>
+            <a:p>
+              <a:br>
+                <a:rPr lang="ru-RU" sz="1600" b="0" dirty="0">
+                  <a:solidFill>
+                    <a:srgbClr val="000000"/>
+                  </a:solidFill>
+                  <a:effectLst/>
+                  <a:latin typeface="Consolas" panose="020B0609020204030204" pitchFamily="49" charset="0"/>
+                </a:rPr>
+              </a:br>
+              <a:r>
+                <a:rPr lang="ru-RU" sz="1600" b="0" dirty="0">
+                  <a:solidFill>
+                    <a:srgbClr val="000000"/>
+                  </a:solidFill>
+                  <a:effectLst/>
+                  <a:latin typeface="Consolas" panose="020B0609020204030204" pitchFamily="49" charset="0"/>
+                </a:rPr>
+                <a:t>      </a:t>
+              </a:r>
+              <a:r>
+                <a:rPr lang="en-US" sz="1600" b="0" dirty="0" err="1">
+                  <a:solidFill>
+                    <a:srgbClr val="000000"/>
+                  </a:solidFill>
+                  <a:effectLst/>
+                  <a:latin typeface="Consolas" panose="020B0609020204030204" pitchFamily="49" charset="0"/>
+                </a:rPr>
+                <a:t>au.clock.step</a:t>
+              </a:r>
+              <a:r>
+                <a:rPr lang="en-US" sz="1600" b="0" dirty="0">
+                  <a:solidFill>
+                    <a:srgbClr val="000000"/>
+                  </a:solidFill>
+                  <a:effectLst/>
+                  <a:latin typeface="Consolas" panose="020B0609020204030204" pitchFamily="49" charset="0"/>
+                </a:rPr>
+                <a:t>()                  </a:t>
+              </a:r>
+              <a:r>
+                <a:rPr lang="en-US" sz="1600" b="0" dirty="0">
+                  <a:solidFill>
+                    <a:srgbClr val="008000"/>
+                  </a:solidFill>
+                  <a:effectLst/>
+                  <a:latin typeface="Consolas" panose="020B0609020204030204" pitchFamily="49" charset="0"/>
+                </a:rPr>
+                <a:t>//</a:t>
+              </a:r>
+              <a:r>
+                <a:rPr lang="ru-RU" sz="1600" b="0" dirty="0">
+                  <a:solidFill>
+                    <a:srgbClr val="008000"/>
+                  </a:solidFill>
+                  <a:effectLst/>
+                  <a:latin typeface="Consolas" panose="020B0609020204030204" pitchFamily="49" charset="0"/>
+                </a:rPr>
+                <a:t>Шаг по времени</a:t>
+              </a:r>
+              <a:endParaRPr lang="ru-RU" sz="1600" b="0" dirty="0">
                 <a:solidFill>
                   <a:srgbClr val="000000"/>
                 </a:solidFill>
                 <a:effectLst/>
                 <a:latin typeface="Consolas" panose="020B0609020204030204" pitchFamily="49" charset="0"/>
-              </a:rPr>
-              <a:t> </a:t>
-            </a:r>
-            <a:r>
-              <a:rPr lang="en-US" sz="1600" b="0" dirty="0" err="1">
+              </a:endParaRPr>
+            </a:p>
+            <a:p>
+              <a:r>
+                <a:rPr lang="ru-RU" sz="1600" b="0" dirty="0">
+                  <a:solidFill>
+                    <a:srgbClr val="000000"/>
+                  </a:solidFill>
+                  <a:effectLst/>
+                  <a:latin typeface="Consolas" panose="020B0609020204030204" pitchFamily="49" charset="0"/>
+                </a:rPr>
+                <a:t>    }</a:t>
+              </a:r>
+            </a:p>
+            <a:p>
+              <a:r>
+                <a:rPr lang="ru-RU" sz="1600" b="0" dirty="0">
+                  <a:solidFill>
+                    <a:srgbClr val="000000"/>
+                  </a:solidFill>
+                  <a:effectLst/>
+                  <a:latin typeface="Consolas" panose="020B0609020204030204" pitchFamily="49" charset="0"/>
+                </a:rPr>
+                <a:t>  }</a:t>
+              </a:r>
+            </a:p>
+            <a:p>
+              <a:r>
+                <a:rPr lang="ru-RU" sz="1600" b="0" dirty="0">
+                  <a:solidFill>
+                    <a:srgbClr val="000000"/>
+                  </a:solidFill>
+                  <a:effectLst/>
+                  <a:latin typeface="Consolas" panose="020B0609020204030204" pitchFamily="49" charset="0"/>
+                </a:rPr>
+                <a:t>}</a:t>
+              </a:r>
+            </a:p>
+            <a:p>
+              <a:endParaRPr lang="ru-RU" dirty="0"/>
+            </a:p>
+          </p:txBody>
+        </p:sp>
+        <p:sp>
+          <p:nvSpPr>
+            <p:cNvPr id="5" name="TextBox 4">
+              <a:extLst>
+                <a:ext uri="{FF2B5EF4-FFF2-40B4-BE49-F238E27FC236}">
+                  <a16:creationId xmlns:a16="http://schemas.microsoft.com/office/drawing/2014/main" id="{9DBB239E-9B5A-4E88-A1F2-8AE663D84026}"/>
+                </a:ext>
+              </a:extLst>
+            </p:cNvPr>
+            <p:cNvSpPr txBox="1"/>
+            <p:nvPr/>
+          </p:nvSpPr>
+          <p:spPr>
+            <a:xfrm>
+              <a:off x="2414880" y="1696011"/>
+              <a:ext cx="583814" cy="4801314"/>
+            </a:xfrm>
+            <a:prstGeom prst="rect">
+              <a:avLst/>
+            </a:prstGeom>
+            <a:noFill/>
+          </p:spPr>
+          <p:txBody>
+            <a:bodyPr wrap="none" rtlCol="0">
+              <a:spAutoFit/>
+            </a:bodyPr>
+            <a:lstStyle/>
+            <a:p>
+              <a:pPr marL="342900" indent="-342900">
+                <a:buFont typeface="+mj-lt"/>
+                <a:buAutoNum type="arabicPeriod"/>
+              </a:pPr>
+              <a:r>
+                <a:rPr lang="en-US" dirty="0">
+                  <a:solidFill>
+                    <a:schemeClr val="bg1">
+                      <a:lumMod val="50000"/>
+                    </a:schemeClr>
+                  </a:solidFill>
+                </a:rPr>
+                <a:t> </a:t>
+              </a:r>
+            </a:p>
+            <a:p>
+              <a:pPr marL="342900" indent="-342900">
+                <a:buFont typeface="+mj-lt"/>
+                <a:buAutoNum type="arabicPeriod"/>
+              </a:pPr>
+              <a:r>
+                <a:rPr lang="en-US" dirty="0">
+                  <a:solidFill>
+                    <a:schemeClr val="bg1">
+                      <a:lumMod val="50000"/>
+                    </a:schemeClr>
+                  </a:solidFill>
+                </a:rPr>
+                <a:t> </a:t>
+              </a:r>
+            </a:p>
+            <a:p>
+              <a:pPr marL="342900" indent="-342900">
+                <a:buFont typeface="+mj-lt"/>
+                <a:buAutoNum type="arabicPeriod"/>
+              </a:pPr>
+              <a:r>
+                <a:rPr lang="en-US" dirty="0">
+                  <a:solidFill>
+                    <a:schemeClr val="bg1">
+                      <a:lumMod val="50000"/>
+                    </a:schemeClr>
+                  </a:solidFill>
+                </a:rPr>
+                <a:t> </a:t>
+              </a:r>
+            </a:p>
+            <a:p>
+              <a:pPr marL="342900" indent="-342900">
+                <a:buFont typeface="+mj-lt"/>
+                <a:buAutoNum type="arabicPeriod"/>
+              </a:pPr>
+              <a:r>
+                <a:rPr lang="en-US" dirty="0">
+                  <a:solidFill>
+                    <a:schemeClr val="bg1">
+                      <a:lumMod val="50000"/>
+                    </a:schemeClr>
+                  </a:solidFill>
+                </a:rPr>
+                <a:t> </a:t>
+              </a:r>
+            </a:p>
+            <a:p>
+              <a:pPr marL="342900" indent="-342900">
+                <a:buFont typeface="+mj-lt"/>
+                <a:buAutoNum type="arabicPeriod"/>
+              </a:pPr>
+              <a:r>
+                <a:rPr lang="en-US" dirty="0">
+                  <a:solidFill>
+                    <a:schemeClr val="bg1">
+                      <a:lumMod val="50000"/>
+                    </a:schemeClr>
+                  </a:solidFill>
+                </a:rPr>
+                <a:t> </a:t>
+              </a:r>
+            </a:p>
+            <a:p>
+              <a:pPr marL="342900" indent="-342900">
+                <a:buFont typeface="+mj-lt"/>
+                <a:buAutoNum type="arabicPeriod"/>
+              </a:pPr>
+              <a:r>
+                <a:rPr lang="en-US" dirty="0">
+                  <a:solidFill>
+                    <a:schemeClr val="bg1">
+                      <a:lumMod val="50000"/>
+                    </a:schemeClr>
+                  </a:solidFill>
+                </a:rPr>
+                <a:t> </a:t>
+              </a:r>
+            </a:p>
+            <a:p>
+              <a:pPr marL="342900" indent="-342900">
+                <a:buFont typeface="+mj-lt"/>
+                <a:buAutoNum type="arabicPeriod"/>
+              </a:pPr>
+              <a:r>
+                <a:rPr lang="en-US" dirty="0">
+                  <a:solidFill>
+                    <a:schemeClr val="bg1">
+                      <a:lumMod val="50000"/>
+                    </a:schemeClr>
+                  </a:solidFill>
+                </a:rPr>
+                <a:t> </a:t>
+              </a:r>
+            </a:p>
+            <a:p>
+              <a:pPr marL="342900" indent="-342900">
+                <a:buFont typeface="+mj-lt"/>
+                <a:buAutoNum type="arabicPeriod"/>
+              </a:pPr>
+              <a:r>
+                <a:rPr lang="en-US" dirty="0">
+                  <a:solidFill>
+                    <a:schemeClr val="bg1">
+                      <a:lumMod val="50000"/>
+                    </a:schemeClr>
+                  </a:solidFill>
+                </a:rPr>
+                <a:t> </a:t>
+              </a:r>
+            </a:p>
+            <a:p>
+              <a:pPr marL="342900" indent="-342900">
+                <a:buFont typeface="+mj-lt"/>
+                <a:buAutoNum type="arabicPeriod"/>
+              </a:pPr>
+              <a:r>
+                <a:rPr lang="en-US" dirty="0">
+                  <a:solidFill>
+                    <a:schemeClr val="bg1">
+                      <a:lumMod val="50000"/>
+                    </a:schemeClr>
+                  </a:solidFill>
+                </a:rPr>
+                <a:t> </a:t>
+              </a:r>
+            </a:p>
+            <a:p>
+              <a:pPr marL="342900" indent="-342900">
+                <a:buFont typeface="+mj-lt"/>
+                <a:buAutoNum type="arabicPeriod"/>
+              </a:pPr>
+              <a:r>
+                <a:rPr lang="en-US" dirty="0">
+                  <a:solidFill>
+                    <a:schemeClr val="bg1">
+                      <a:lumMod val="50000"/>
+                    </a:schemeClr>
+                  </a:solidFill>
+                </a:rPr>
+                <a:t> </a:t>
+              </a:r>
+            </a:p>
+            <a:p>
+              <a:pPr marL="342900" indent="-342900">
+                <a:buFont typeface="+mj-lt"/>
+                <a:buAutoNum type="arabicPeriod"/>
+              </a:pPr>
+              <a:r>
+                <a:rPr lang="en-US" dirty="0">
+                  <a:solidFill>
+                    <a:schemeClr val="bg1">
+                      <a:lumMod val="50000"/>
+                    </a:schemeClr>
+                  </a:solidFill>
+                </a:rPr>
+                <a:t> </a:t>
+              </a:r>
+            </a:p>
+            <a:p>
+              <a:pPr marL="342900" indent="-342900">
+                <a:buFont typeface="+mj-lt"/>
+                <a:buAutoNum type="arabicPeriod"/>
+              </a:pPr>
+              <a:r>
+                <a:rPr lang="en-US" dirty="0">
+                  <a:solidFill>
+                    <a:schemeClr val="bg1">
+                      <a:lumMod val="50000"/>
+                    </a:schemeClr>
+                  </a:solidFill>
+                </a:rPr>
+                <a:t> </a:t>
+              </a:r>
+            </a:p>
+            <a:p>
+              <a:pPr marL="342900" indent="-342900">
+                <a:buFont typeface="+mj-lt"/>
+                <a:buAutoNum type="arabicPeriod"/>
+              </a:pPr>
+              <a:r>
+                <a:rPr lang="en-US" dirty="0">
+                  <a:solidFill>
+                    <a:schemeClr val="bg1">
+                      <a:lumMod val="50000"/>
+                    </a:schemeClr>
+                  </a:solidFill>
+                </a:rPr>
+                <a:t> </a:t>
+              </a:r>
+            </a:p>
+            <a:p>
+              <a:pPr marL="342900" indent="-342900">
+                <a:buFont typeface="+mj-lt"/>
+                <a:buAutoNum type="arabicPeriod"/>
+              </a:pPr>
+              <a:r>
+                <a:rPr lang="en-US" dirty="0">
+                  <a:solidFill>
+                    <a:schemeClr val="bg1">
+                      <a:lumMod val="50000"/>
+                    </a:schemeClr>
+                  </a:solidFill>
+                </a:rPr>
+                <a:t> </a:t>
+              </a:r>
+            </a:p>
+            <a:p>
+              <a:pPr marL="342900" indent="-342900">
+                <a:buFont typeface="+mj-lt"/>
+                <a:buAutoNum type="arabicPeriod"/>
+              </a:pPr>
+              <a:r>
+                <a:rPr lang="en-US" dirty="0">
+                  <a:solidFill>
+                    <a:schemeClr val="bg1">
+                      <a:lumMod val="50000"/>
+                    </a:schemeClr>
+                  </a:solidFill>
+                </a:rPr>
+                <a:t> </a:t>
+              </a:r>
+            </a:p>
+            <a:p>
+              <a:pPr marL="342900" indent="-342900">
+                <a:buFont typeface="+mj-lt"/>
+                <a:buAutoNum type="arabicPeriod"/>
+              </a:pPr>
+              <a:r>
+                <a:rPr lang="en-US" dirty="0">
+                  <a:solidFill>
+                    <a:schemeClr val="bg1">
+                      <a:lumMod val="50000"/>
+                    </a:schemeClr>
+                  </a:solidFill>
+                </a:rPr>
+                <a:t> </a:t>
+              </a:r>
+            </a:p>
+            <a:p>
+              <a:pPr marL="342900" indent="-342900">
+                <a:buFont typeface="+mj-lt"/>
+                <a:buAutoNum type="arabicPeriod"/>
+              </a:pPr>
+              <a:r>
+                <a:rPr lang="en-US" dirty="0">
+                  <a:solidFill>
+                    <a:schemeClr val="bg1">
+                      <a:lumMod val="50000"/>
+                    </a:schemeClr>
+                  </a:solidFill>
+                </a:rPr>
+                <a:t> </a:t>
+              </a:r>
+              <a:endParaRPr lang="ru-RU" dirty="0">
                 <a:solidFill>
-                  <a:srgbClr val="0000FF"/>
+                  <a:schemeClr val="bg1">
+                    <a:lumMod val="50000"/>
+                  </a:schemeClr>
                 </a:solidFill>
-                <a:effectLst/>
-                <a:latin typeface="Consolas" panose="020B0609020204030204" pitchFamily="49" charset="0"/>
-              </a:rPr>
-              <a:t>val</a:t>
-            </a:r>
-            <a:r>
-              <a:rPr lang="en-US" sz="1600" b="0" dirty="0">
-                <a:solidFill>
-                  <a:srgbClr val="000000"/>
-                </a:solidFill>
-                <a:effectLst/>
-                <a:latin typeface="Consolas" panose="020B0609020204030204" pitchFamily="49" charset="0"/>
-              </a:rPr>
-              <a:t> p = </a:t>
-            </a:r>
-            <a:r>
-              <a:rPr lang="en-US" sz="1600" b="0" dirty="0">
-                <a:solidFill>
-                  <a:srgbClr val="0000FF"/>
-                </a:solidFill>
-                <a:effectLst/>
-                <a:latin typeface="Consolas" panose="020B0609020204030204" pitchFamily="49" charset="0"/>
-              </a:rPr>
-              <a:t>new</a:t>
-            </a:r>
-            <a:r>
-              <a:rPr lang="en-US" sz="1600" b="0" dirty="0">
-                <a:solidFill>
-                  <a:srgbClr val="000000"/>
-                </a:solidFill>
-                <a:effectLst/>
-                <a:latin typeface="Consolas" panose="020B0609020204030204" pitchFamily="49" charset="0"/>
-              </a:rPr>
-              <a:t> </a:t>
-            </a:r>
-            <a:r>
-              <a:rPr lang="en-US" sz="1600" b="0" dirty="0" err="1">
-                <a:solidFill>
-                  <a:srgbClr val="000000"/>
-                </a:solidFill>
-                <a:effectLst/>
-                <a:latin typeface="Consolas" panose="020B0609020204030204" pitchFamily="49" charset="0"/>
-              </a:rPr>
-              <a:t>AUParams</a:t>
-            </a:r>
-            <a:r>
-              <a:rPr lang="en-US" sz="1600" b="0" dirty="0">
-                <a:solidFill>
-                  <a:srgbClr val="000000"/>
-                </a:solidFill>
-                <a:effectLst/>
-                <a:latin typeface="Consolas" panose="020B0609020204030204" pitchFamily="49" charset="0"/>
-              </a:rPr>
-              <a:t>()    </a:t>
-            </a:r>
-            <a:r>
-              <a:rPr lang="en-US" sz="1600" b="0" dirty="0">
-                <a:solidFill>
-                  <a:srgbClr val="008000"/>
-                </a:solidFill>
-                <a:effectLst/>
-                <a:latin typeface="Consolas" panose="020B0609020204030204" pitchFamily="49" charset="0"/>
-              </a:rPr>
-              <a:t>//</a:t>
-            </a:r>
-            <a:r>
-              <a:rPr lang="ru-RU" sz="1600" b="0" dirty="0">
-                <a:solidFill>
-                  <a:srgbClr val="008000"/>
-                </a:solidFill>
-                <a:effectLst/>
-                <a:latin typeface="Consolas" panose="020B0609020204030204" pitchFamily="49" charset="0"/>
-              </a:rPr>
-              <a:t>Создали экземпляр параметров</a:t>
-            </a:r>
-            <a:endParaRPr lang="ru-RU" sz="1600" b="0" dirty="0">
-              <a:solidFill>
-                <a:srgbClr val="000000"/>
-              </a:solidFill>
-              <a:effectLst/>
-              <a:latin typeface="Consolas" panose="020B0609020204030204" pitchFamily="49" charset="0"/>
-            </a:endParaRPr>
-          </a:p>
-          <a:p>
-            <a:r>
-              <a:rPr lang="ru-RU" sz="1600" b="0" dirty="0">
-                <a:solidFill>
-                  <a:srgbClr val="000000"/>
-                </a:solidFill>
-                <a:effectLst/>
-                <a:latin typeface="Consolas" panose="020B0609020204030204" pitchFamily="49" charset="0"/>
-              </a:rPr>
-              <a:t>    </a:t>
-            </a:r>
-            <a:r>
-              <a:rPr lang="en-US" sz="1600" b="0" dirty="0">
-                <a:solidFill>
-                  <a:srgbClr val="000000"/>
-                </a:solidFill>
-                <a:effectLst/>
-                <a:latin typeface="Consolas" panose="020B0609020204030204" pitchFamily="49" charset="0"/>
-              </a:rPr>
-              <a:t>test(</a:t>
-            </a:r>
-            <a:r>
-              <a:rPr lang="en-US" sz="1600" b="0" dirty="0">
-                <a:solidFill>
-                  <a:srgbClr val="0000FF"/>
-                </a:solidFill>
-                <a:effectLst/>
-                <a:latin typeface="Consolas" panose="020B0609020204030204" pitchFamily="49" charset="0"/>
-              </a:rPr>
-              <a:t>new</a:t>
-            </a:r>
-            <a:r>
-              <a:rPr lang="en-US" sz="1600" b="0" dirty="0">
-                <a:solidFill>
-                  <a:srgbClr val="000000"/>
-                </a:solidFill>
-                <a:effectLst/>
-                <a:latin typeface="Consolas" panose="020B0609020204030204" pitchFamily="49" charset="0"/>
-              </a:rPr>
-              <a:t> </a:t>
-            </a:r>
-            <a:r>
-              <a:rPr lang="en-US" sz="1600" b="0" dirty="0" err="1">
-                <a:solidFill>
-                  <a:srgbClr val="000000"/>
-                </a:solidFill>
-                <a:effectLst/>
-                <a:latin typeface="Consolas" panose="020B0609020204030204" pitchFamily="49" charset="0"/>
-              </a:rPr>
-              <a:t>ArithmeticUnit</a:t>
-            </a:r>
-            <a:r>
-              <a:rPr lang="en-US" sz="1600" b="0" dirty="0">
-                <a:solidFill>
-                  <a:srgbClr val="000000"/>
-                </a:solidFill>
-                <a:effectLst/>
-                <a:latin typeface="Consolas" panose="020B0609020204030204" pitchFamily="49" charset="0"/>
-              </a:rPr>
-              <a:t>()) { au =&gt; </a:t>
-            </a:r>
-            <a:r>
-              <a:rPr lang="en-US" sz="1600" b="0" dirty="0">
-                <a:solidFill>
-                  <a:srgbClr val="008000"/>
-                </a:solidFill>
-                <a:effectLst/>
-                <a:latin typeface="Consolas" panose="020B0609020204030204" pitchFamily="49" charset="0"/>
-              </a:rPr>
-              <a:t>//</a:t>
-            </a:r>
-            <a:r>
-              <a:rPr lang="ru-RU" sz="1600" b="0" dirty="0">
-                <a:solidFill>
-                  <a:srgbClr val="008000"/>
-                </a:solidFill>
-                <a:effectLst/>
-                <a:latin typeface="Consolas" panose="020B0609020204030204" pitchFamily="49" charset="0"/>
-              </a:rPr>
-              <a:t>Начало теста</a:t>
-            </a:r>
-            <a:endParaRPr lang="ru-RU" sz="1600" b="0" dirty="0">
-              <a:solidFill>
-                <a:srgbClr val="000000"/>
-              </a:solidFill>
-              <a:effectLst/>
-              <a:latin typeface="Consolas" panose="020B0609020204030204" pitchFamily="49" charset="0"/>
-            </a:endParaRPr>
-          </a:p>
-          <a:p>
-            <a:r>
-              <a:rPr lang="ru-RU" sz="1600" b="0" dirty="0">
-                <a:solidFill>
-                  <a:srgbClr val="000000"/>
-                </a:solidFill>
-                <a:effectLst/>
-                <a:latin typeface="Consolas" panose="020B0609020204030204" pitchFamily="49" charset="0"/>
-              </a:rPr>
-              <a:t>      </a:t>
-            </a:r>
-            <a:r>
-              <a:rPr lang="en-US" sz="1600" b="0" dirty="0" err="1">
-                <a:solidFill>
-                  <a:srgbClr val="000000"/>
-                </a:solidFill>
-                <a:effectLst/>
-                <a:latin typeface="Consolas" panose="020B0609020204030204" pitchFamily="49" charset="0"/>
-              </a:rPr>
-              <a:t>au.io.valid.poke</a:t>
-            </a:r>
-            <a:r>
-              <a:rPr lang="en-US" sz="1600" b="0" dirty="0">
-                <a:solidFill>
-                  <a:srgbClr val="000000"/>
-                </a:solidFill>
-                <a:effectLst/>
-                <a:latin typeface="Consolas" panose="020B0609020204030204" pitchFamily="49" charset="0"/>
-              </a:rPr>
-              <a:t>(</a:t>
-            </a:r>
-            <a:r>
-              <a:rPr lang="en-US" sz="1600" b="0" dirty="0">
-                <a:solidFill>
-                  <a:srgbClr val="0000FF"/>
-                </a:solidFill>
-                <a:effectLst/>
-                <a:latin typeface="Consolas" panose="020B0609020204030204" pitchFamily="49" charset="0"/>
-              </a:rPr>
-              <a:t>true</a:t>
-            </a:r>
-            <a:r>
-              <a:rPr lang="en-US" sz="1600" b="0" dirty="0">
-                <a:solidFill>
-                  <a:srgbClr val="000000"/>
-                </a:solidFill>
-                <a:effectLst/>
-                <a:latin typeface="Consolas" panose="020B0609020204030204" pitchFamily="49" charset="0"/>
-              </a:rPr>
-              <a:t>)           </a:t>
-            </a:r>
-            <a:r>
-              <a:rPr lang="en-US" sz="1600" b="0" dirty="0">
-                <a:solidFill>
-                  <a:srgbClr val="008000"/>
-                </a:solidFill>
-                <a:effectLst/>
-                <a:latin typeface="Consolas" panose="020B0609020204030204" pitchFamily="49" charset="0"/>
-              </a:rPr>
-              <a:t>//</a:t>
-            </a:r>
-            <a:r>
-              <a:rPr lang="ru-RU" sz="1600" b="0" dirty="0">
-                <a:solidFill>
-                  <a:srgbClr val="008000"/>
-                </a:solidFill>
-                <a:effectLst/>
-                <a:latin typeface="Consolas" panose="020B0609020204030204" pitchFamily="49" charset="0"/>
-              </a:rPr>
-              <a:t>Подали разрешающий сигнал</a:t>
-            </a:r>
-            <a:endParaRPr lang="ru-RU" sz="1600" b="0" dirty="0">
-              <a:solidFill>
-                <a:srgbClr val="000000"/>
-              </a:solidFill>
-              <a:effectLst/>
-              <a:latin typeface="Consolas" panose="020B0609020204030204" pitchFamily="49" charset="0"/>
-            </a:endParaRPr>
-          </a:p>
-          <a:p>
-            <a:r>
-              <a:rPr lang="ru-RU" sz="1600" b="0" dirty="0">
-                <a:solidFill>
-                  <a:srgbClr val="000000"/>
-                </a:solidFill>
-                <a:effectLst/>
-                <a:latin typeface="Consolas" panose="020B0609020204030204" pitchFamily="49" charset="0"/>
-              </a:rPr>
-              <a:t>      </a:t>
-            </a:r>
-            <a:r>
-              <a:rPr lang="en-US" sz="1600" b="0" dirty="0" err="1">
-                <a:solidFill>
-                  <a:srgbClr val="000000"/>
-                </a:solidFill>
-                <a:effectLst/>
-                <a:latin typeface="Consolas" panose="020B0609020204030204" pitchFamily="49" charset="0"/>
-              </a:rPr>
-              <a:t>au.io.cmd.poke</a:t>
-            </a:r>
-            <a:r>
-              <a:rPr lang="en-US" sz="1600" b="0" dirty="0">
-                <a:solidFill>
-                  <a:srgbClr val="000000"/>
-                </a:solidFill>
-                <a:effectLst/>
-                <a:latin typeface="Consolas" panose="020B0609020204030204" pitchFamily="49" charset="0"/>
-              </a:rPr>
-              <a:t>(</a:t>
-            </a:r>
-            <a:r>
-              <a:rPr lang="en-US" sz="1600" b="0" dirty="0" err="1">
-                <a:solidFill>
-                  <a:srgbClr val="000000"/>
-                </a:solidFill>
-                <a:effectLst/>
-                <a:latin typeface="Consolas" panose="020B0609020204030204" pitchFamily="49" charset="0"/>
-              </a:rPr>
-              <a:t>CmdList.Addition</a:t>
-            </a:r>
-            <a:r>
-              <a:rPr lang="en-US" sz="1600" b="0" dirty="0">
-                <a:solidFill>
-                  <a:srgbClr val="000000"/>
-                </a:solidFill>
-                <a:effectLst/>
-                <a:latin typeface="Consolas" panose="020B0609020204030204" pitchFamily="49" charset="0"/>
-              </a:rPr>
-              <a:t>) </a:t>
-            </a:r>
-            <a:r>
-              <a:rPr lang="en-US" sz="1600" b="0" dirty="0">
-                <a:solidFill>
-                  <a:srgbClr val="008000"/>
-                </a:solidFill>
-                <a:effectLst/>
-                <a:latin typeface="Consolas" panose="020B0609020204030204" pitchFamily="49" charset="0"/>
-              </a:rPr>
-              <a:t>//</a:t>
-            </a:r>
-            <a:r>
-              <a:rPr lang="ru-RU" sz="1600" b="0" dirty="0">
-                <a:solidFill>
-                  <a:srgbClr val="008000"/>
-                </a:solidFill>
-                <a:effectLst/>
-                <a:latin typeface="Consolas" panose="020B0609020204030204" pitchFamily="49" charset="0"/>
-              </a:rPr>
-              <a:t>Подали код команды</a:t>
-            </a:r>
-            <a:endParaRPr lang="ru-RU" sz="1600" b="0" dirty="0">
-              <a:solidFill>
-                <a:srgbClr val="000000"/>
-              </a:solidFill>
-              <a:effectLst/>
-              <a:latin typeface="Consolas" panose="020B0609020204030204" pitchFamily="49" charset="0"/>
-            </a:endParaRPr>
-          </a:p>
-          <a:p>
-            <a:r>
-              <a:rPr lang="ru-RU" sz="1600" b="0" dirty="0">
-                <a:solidFill>
-                  <a:srgbClr val="000000"/>
-                </a:solidFill>
-                <a:effectLst/>
-                <a:latin typeface="Consolas" panose="020B0609020204030204" pitchFamily="49" charset="0"/>
-              </a:rPr>
-              <a:t>      </a:t>
-            </a:r>
-            <a:r>
-              <a:rPr lang="en-US" sz="1600" b="0" dirty="0">
-                <a:solidFill>
-                  <a:srgbClr val="000000"/>
-                </a:solidFill>
-                <a:effectLst/>
-                <a:latin typeface="Consolas" panose="020B0609020204030204" pitchFamily="49" charset="0"/>
-              </a:rPr>
-              <a:t>au.io.op1.poke(</a:t>
-            </a:r>
-            <a:r>
-              <a:rPr lang="en-US" sz="1600" b="0" dirty="0">
-                <a:solidFill>
-                  <a:srgbClr val="098658"/>
-                </a:solidFill>
-                <a:effectLst/>
-                <a:latin typeface="Consolas" panose="020B0609020204030204" pitchFamily="49" charset="0"/>
-              </a:rPr>
-              <a:t>1</a:t>
-            </a:r>
-            <a:r>
-              <a:rPr lang="en-US" sz="1600" b="0" dirty="0">
-                <a:solidFill>
-                  <a:srgbClr val="000000"/>
-                </a:solidFill>
-                <a:effectLst/>
-                <a:latin typeface="Consolas" panose="020B0609020204030204" pitchFamily="49" charset="0"/>
-              </a:rPr>
-              <a:t>)                </a:t>
-            </a:r>
-            <a:r>
-              <a:rPr lang="en-US" sz="1600" b="0" dirty="0">
-                <a:solidFill>
-                  <a:srgbClr val="008000"/>
-                </a:solidFill>
-                <a:effectLst/>
-                <a:latin typeface="Consolas" panose="020B0609020204030204" pitchFamily="49" charset="0"/>
-              </a:rPr>
-              <a:t>//</a:t>
-            </a:r>
-            <a:r>
-              <a:rPr lang="ru-RU" sz="1600" b="0" dirty="0">
-                <a:solidFill>
-                  <a:srgbClr val="008000"/>
-                </a:solidFill>
-                <a:effectLst/>
-                <a:latin typeface="Consolas" panose="020B0609020204030204" pitchFamily="49" charset="0"/>
-              </a:rPr>
-              <a:t>Подали 1-ый операнд</a:t>
-            </a:r>
-            <a:endParaRPr lang="ru-RU" sz="1600" b="0" dirty="0">
-              <a:solidFill>
-                <a:srgbClr val="000000"/>
-              </a:solidFill>
-              <a:effectLst/>
-              <a:latin typeface="Consolas" panose="020B0609020204030204" pitchFamily="49" charset="0"/>
-            </a:endParaRPr>
-          </a:p>
-          <a:p>
-            <a:r>
-              <a:rPr lang="ru-RU" sz="1600" b="0" dirty="0">
-                <a:solidFill>
-                  <a:srgbClr val="000000"/>
-                </a:solidFill>
-                <a:effectLst/>
-                <a:latin typeface="Consolas" panose="020B0609020204030204" pitchFamily="49" charset="0"/>
-              </a:rPr>
-              <a:t>      </a:t>
-            </a:r>
-            <a:r>
-              <a:rPr lang="en-US" sz="1600" b="0" dirty="0">
-                <a:solidFill>
-                  <a:srgbClr val="000000"/>
-                </a:solidFill>
-                <a:effectLst/>
-                <a:latin typeface="Consolas" panose="020B0609020204030204" pitchFamily="49" charset="0"/>
-              </a:rPr>
-              <a:t>au.io.op2.poke(</a:t>
-            </a:r>
-            <a:r>
-              <a:rPr lang="en-US" sz="1600" b="0" dirty="0">
-                <a:solidFill>
-                  <a:srgbClr val="098658"/>
-                </a:solidFill>
-                <a:effectLst/>
-                <a:latin typeface="Consolas" panose="020B0609020204030204" pitchFamily="49" charset="0"/>
-              </a:rPr>
-              <a:t>2</a:t>
-            </a:r>
-            <a:r>
-              <a:rPr lang="en-US" sz="1600" b="0" dirty="0">
-                <a:solidFill>
-                  <a:srgbClr val="000000"/>
-                </a:solidFill>
-                <a:effectLst/>
-                <a:latin typeface="Consolas" panose="020B0609020204030204" pitchFamily="49" charset="0"/>
-              </a:rPr>
-              <a:t>)                </a:t>
-            </a:r>
-            <a:r>
-              <a:rPr lang="en-US" sz="1600" b="0" dirty="0">
-                <a:solidFill>
-                  <a:srgbClr val="008000"/>
-                </a:solidFill>
-                <a:effectLst/>
-                <a:latin typeface="Consolas" panose="020B0609020204030204" pitchFamily="49" charset="0"/>
-              </a:rPr>
-              <a:t>//</a:t>
-            </a:r>
-            <a:r>
-              <a:rPr lang="ru-RU" sz="1600" b="0" dirty="0">
-                <a:solidFill>
-                  <a:srgbClr val="008000"/>
-                </a:solidFill>
-                <a:effectLst/>
-                <a:latin typeface="Consolas" panose="020B0609020204030204" pitchFamily="49" charset="0"/>
-              </a:rPr>
-              <a:t>Подали 2-ой операнд</a:t>
-            </a:r>
-            <a:endParaRPr lang="ru-RU" sz="1600" b="0" dirty="0">
-              <a:solidFill>
-                <a:srgbClr val="000000"/>
-              </a:solidFill>
-              <a:effectLst/>
-              <a:latin typeface="Consolas" panose="020B0609020204030204" pitchFamily="49" charset="0"/>
-            </a:endParaRPr>
-          </a:p>
-          <a:p>
-            <a:r>
-              <a:rPr lang="ru-RU" sz="1600" b="0" dirty="0">
-                <a:solidFill>
-                  <a:srgbClr val="000000"/>
-                </a:solidFill>
-                <a:effectLst/>
-                <a:latin typeface="Consolas" panose="020B0609020204030204" pitchFamily="49" charset="0"/>
-              </a:rPr>
-              <a:t>      </a:t>
-            </a:r>
-            <a:r>
-              <a:rPr lang="en-US" sz="1600" b="0" dirty="0" err="1">
-                <a:solidFill>
-                  <a:srgbClr val="000000"/>
-                </a:solidFill>
-                <a:effectLst/>
-                <a:latin typeface="Consolas" panose="020B0609020204030204" pitchFamily="49" charset="0"/>
-              </a:rPr>
-              <a:t>au.clock.step</a:t>
-            </a:r>
-            <a:r>
-              <a:rPr lang="en-US" sz="1600" b="0" dirty="0">
-                <a:solidFill>
-                  <a:srgbClr val="000000"/>
-                </a:solidFill>
-                <a:effectLst/>
-                <a:latin typeface="Consolas" panose="020B0609020204030204" pitchFamily="49" charset="0"/>
-              </a:rPr>
-              <a:t>()                  </a:t>
-            </a:r>
-            <a:r>
-              <a:rPr lang="en-US" sz="1600" b="0" dirty="0">
-                <a:solidFill>
-                  <a:srgbClr val="008000"/>
-                </a:solidFill>
-                <a:effectLst/>
-                <a:latin typeface="Consolas" panose="020B0609020204030204" pitchFamily="49" charset="0"/>
-              </a:rPr>
-              <a:t>//</a:t>
-            </a:r>
-            <a:r>
-              <a:rPr lang="ru-RU" sz="1600" b="0" dirty="0">
-                <a:solidFill>
-                  <a:srgbClr val="008000"/>
-                </a:solidFill>
-                <a:effectLst/>
-                <a:latin typeface="Consolas" panose="020B0609020204030204" pitchFamily="49" charset="0"/>
-              </a:rPr>
-              <a:t>Шаг по времени</a:t>
-            </a:r>
-            <a:endParaRPr lang="ru-RU" sz="1600" b="0" dirty="0">
-              <a:solidFill>
-                <a:srgbClr val="000000"/>
-              </a:solidFill>
-              <a:effectLst/>
-              <a:latin typeface="Consolas" panose="020B0609020204030204" pitchFamily="49" charset="0"/>
-            </a:endParaRPr>
-          </a:p>
-          <a:p>
-            <a:br>
-              <a:rPr lang="ru-RU" sz="1600" b="0" dirty="0">
-                <a:solidFill>
-                  <a:srgbClr val="000000"/>
-                </a:solidFill>
-                <a:effectLst/>
-                <a:latin typeface="Consolas" panose="020B0609020204030204" pitchFamily="49" charset="0"/>
-              </a:rPr>
-            </a:br>
-            <a:r>
-              <a:rPr lang="ru-RU" sz="1600" b="0" dirty="0">
-                <a:solidFill>
-                  <a:srgbClr val="000000"/>
-                </a:solidFill>
-                <a:effectLst/>
-                <a:latin typeface="Consolas" panose="020B0609020204030204" pitchFamily="49" charset="0"/>
-              </a:rPr>
-              <a:t>      </a:t>
-            </a:r>
-            <a:r>
-              <a:rPr lang="en-US" sz="1600" b="0" dirty="0" err="1">
-                <a:solidFill>
-                  <a:srgbClr val="000000"/>
-                </a:solidFill>
-                <a:effectLst/>
-                <a:latin typeface="Consolas" panose="020B0609020204030204" pitchFamily="49" charset="0"/>
-              </a:rPr>
-              <a:t>au.io.valid.poke</a:t>
-            </a:r>
-            <a:r>
-              <a:rPr lang="en-US" sz="1600" b="0" dirty="0">
-                <a:solidFill>
-                  <a:srgbClr val="000000"/>
-                </a:solidFill>
-                <a:effectLst/>
-                <a:latin typeface="Consolas" panose="020B0609020204030204" pitchFamily="49" charset="0"/>
-              </a:rPr>
-              <a:t>(</a:t>
-            </a:r>
-            <a:r>
-              <a:rPr lang="en-US" sz="1600" b="0" dirty="0">
-                <a:solidFill>
-                  <a:srgbClr val="0000FF"/>
-                </a:solidFill>
-                <a:effectLst/>
-                <a:latin typeface="Consolas" panose="020B0609020204030204" pitchFamily="49" charset="0"/>
-              </a:rPr>
-              <a:t>false</a:t>
-            </a:r>
-            <a:r>
-              <a:rPr lang="en-US" sz="1600" b="0" dirty="0">
-                <a:solidFill>
-                  <a:srgbClr val="000000"/>
-                </a:solidFill>
-                <a:effectLst/>
-                <a:latin typeface="Consolas" panose="020B0609020204030204" pitchFamily="49" charset="0"/>
-              </a:rPr>
-              <a:t>)          </a:t>
-            </a:r>
-            <a:r>
-              <a:rPr lang="en-US" sz="1600" b="0" dirty="0">
-                <a:solidFill>
-                  <a:srgbClr val="008000"/>
-                </a:solidFill>
-                <a:effectLst/>
-                <a:latin typeface="Consolas" panose="020B0609020204030204" pitchFamily="49" charset="0"/>
-              </a:rPr>
-              <a:t>//</a:t>
-            </a:r>
-            <a:r>
-              <a:rPr lang="ru-RU" sz="1600" b="0">
-                <a:solidFill>
-                  <a:srgbClr val="008000"/>
-                </a:solidFill>
-                <a:effectLst/>
-                <a:latin typeface="Consolas" panose="020B0609020204030204" pitchFamily="49" charset="0"/>
-              </a:rPr>
-              <a:t>Убрали разрешающий </a:t>
-            </a:r>
-            <a:r>
-              <a:rPr lang="ru-RU" sz="1600" b="0" dirty="0">
-                <a:solidFill>
-                  <a:srgbClr val="008000"/>
-                </a:solidFill>
-                <a:effectLst/>
-                <a:latin typeface="Consolas" panose="020B0609020204030204" pitchFamily="49" charset="0"/>
-              </a:rPr>
-              <a:t>сигнал</a:t>
-            </a:r>
-            <a:endParaRPr lang="ru-RU" sz="1600" b="0" dirty="0">
-              <a:solidFill>
-                <a:srgbClr val="000000"/>
-              </a:solidFill>
-              <a:effectLst/>
-              <a:latin typeface="Consolas" panose="020B0609020204030204" pitchFamily="49" charset="0"/>
-            </a:endParaRPr>
-          </a:p>
-          <a:p>
-            <a:r>
-              <a:rPr lang="ru-RU" sz="1600" b="0" dirty="0">
-                <a:solidFill>
-                  <a:srgbClr val="000000"/>
-                </a:solidFill>
-                <a:effectLst/>
-                <a:latin typeface="Consolas" panose="020B0609020204030204" pitchFamily="49" charset="0"/>
-              </a:rPr>
-              <a:t>      </a:t>
-            </a:r>
-            <a:r>
-              <a:rPr lang="en-US" sz="1600" b="0" dirty="0" err="1">
-                <a:solidFill>
-                  <a:srgbClr val="000000"/>
-                </a:solidFill>
-                <a:effectLst/>
-                <a:latin typeface="Consolas" panose="020B0609020204030204" pitchFamily="49" charset="0"/>
-              </a:rPr>
-              <a:t>au.io.out.expect</a:t>
-            </a:r>
-            <a:r>
-              <a:rPr lang="en-US" sz="1600" b="0" dirty="0">
-                <a:solidFill>
-                  <a:srgbClr val="000000"/>
-                </a:solidFill>
-                <a:effectLst/>
-                <a:latin typeface="Consolas" panose="020B0609020204030204" pitchFamily="49" charset="0"/>
-              </a:rPr>
-              <a:t>(</a:t>
-            </a:r>
-            <a:r>
-              <a:rPr lang="en-US" sz="1600" b="0" dirty="0">
-                <a:solidFill>
-                  <a:srgbClr val="098658"/>
-                </a:solidFill>
-                <a:effectLst/>
-                <a:latin typeface="Consolas" panose="020B0609020204030204" pitchFamily="49" charset="0"/>
-              </a:rPr>
-              <a:t>3</a:t>
-            </a:r>
-            <a:r>
-              <a:rPr lang="en-US" sz="1600" b="0" dirty="0">
-                <a:solidFill>
-                  <a:srgbClr val="000000"/>
-                </a:solidFill>
-                <a:effectLst/>
-                <a:latin typeface="Consolas" panose="020B0609020204030204" pitchFamily="49" charset="0"/>
-              </a:rPr>
-              <a:t>)              </a:t>
-            </a:r>
-            <a:r>
-              <a:rPr lang="en-US" sz="1600" b="0" dirty="0">
-                <a:solidFill>
-                  <a:srgbClr val="008000"/>
-                </a:solidFill>
-                <a:effectLst/>
-                <a:latin typeface="Consolas" panose="020B0609020204030204" pitchFamily="49" charset="0"/>
-              </a:rPr>
-              <a:t>//</a:t>
-            </a:r>
-            <a:r>
-              <a:rPr lang="ru-RU" sz="1600" b="0" dirty="0">
-                <a:solidFill>
-                  <a:srgbClr val="008000"/>
-                </a:solidFill>
-                <a:effectLst/>
-                <a:latin typeface="Consolas" panose="020B0609020204030204" pitchFamily="49" charset="0"/>
-              </a:rPr>
-              <a:t>Проверили результат операции</a:t>
-            </a:r>
-            <a:endParaRPr lang="ru-RU" sz="1600" b="0" dirty="0">
-              <a:solidFill>
-                <a:srgbClr val="000000"/>
-              </a:solidFill>
-              <a:effectLst/>
-              <a:latin typeface="Consolas" panose="020B0609020204030204" pitchFamily="49" charset="0"/>
-            </a:endParaRPr>
-          </a:p>
-          <a:p>
-            <a:r>
-              <a:rPr lang="ru-RU" sz="1600" b="0" dirty="0">
-                <a:solidFill>
-                  <a:srgbClr val="000000"/>
-                </a:solidFill>
-                <a:effectLst/>
-                <a:latin typeface="Consolas" panose="020B0609020204030204" pitchFamily="49" charset="0"/>
-              </a:rPr>
-              <a:t>      </a:t>
-            </a:r>
-            <a:r>
-              <a:rPr lang="en-US" sz="1600" b="0" dirty="0" err="1">
-                <a:solidFill>
-                  <a:srgbClr val="000000"/>
-                </a:solidFill>
-                <a:effectLst/>
-                <a:latin typeface="Consolas" panose="020B0609020204030204" pitchFamily="49" charset="0"/>
-              </a:rPr>
-              <a:t>au.io.ready.expect</a:t>
-            </a:r>
-            <a:r>
-              <a:rPr lang="en-US" sz="1600" b="0" dirty="0">
-                <a:solidFill>
-                  <a:srgbClr val="000000"/>
-                </a:solidFill>
-                <a:effectLst/>
-                <a:latin typeface="Consolas" panose="020B0609020204030204" pitchFamily="49" charset="0"/>
-              </a:rPr>
-              <a:t>(</a:t>
-            </a:r>
-            <a:r>
-              <a:rPr lang="en-US" sz="1600" b="0" dirty="0">
-                <a:solidFill>
-                  <a:srgbClr val="0000FF"/>
-                </a:solidFill>
-                <a:effectLst/>
-                <a:latin typeface="Consolas" panose="020B0609020204030204" pitchFamily="49" charset="0"/>
-              </a:rPr>
-              <a:t>true</a:t>
-            </a:r>
-            <a:r>
-              <a:rPr lang="en-US" sz="1600" b="0" dirty="0">
-                <a:solidFill>
-                  <a:srgbClr val="000000"/>
-                </a:solidFill>
-                <a:effectLst/>
-                <a:latin typeface="Consolas" panose="020B0609020204030204" pitchFamily="49" charset="0"/>
-              </a:rPr>
-              <a:t>)         </a:t>
-            </a:r>
-            <a:r>
-              <a:rPr lang="en-US" sz="1600" b="0" dirty="0">
-                <a:solidFill>
-                  <a:srgbClr val="008000"/>
-                </a:solidFill>
-                <a:effectLst/>
-                <a:latin typeface="Consolas" panose="020B0609020204030204" pitchFamily="49" charset="0"/>
-              </a:rPr>
-              <a:t>//</a:t>
-            </a:r>
-            <a:r>
-              <a:rPr lang="ru-RU" sz="1600" b="0" dirty="0">
-                <a:solidFill>
-                  <a:srgbClr val="008000"/>
-                </a:solidFill>
-                <a:effectLst/>
-                <a:latin typeface="Consolas" panose="020B0609020204030204" pitchFamily="49" charset="0"/>
-              </a:rPr>
-              <a:t>Проверили готовность</a:t>
-            </a:r>
-            <a:endParaRPr lang="ru-RU" sz="1600" b="0" dirty="0">
-              <a:solidFill>
-                <a:srgbClr val="000000"/>
-              </a:solidFill>
-              <a:effectLst/>
-              <a:latin typeface="Consolas" panose="020B0609020204030204" pitchFamily="49" charset="0"/>
-            </a:endParaRPr>
-          </a:p>
-          <a:p>
-            <a:r>
-              <a:rPr lang="ru-RU" sz="1600" b="0" dirty="0">
-                <a:solidFill>
-                  <a:srgbClr val="000000"/>
-                </a:solidFill>
-                <a:effectLst/>
-                <a:latin typeface="Consolas" panose="020B0609020204030204" pitchFamily="49" charset="0"/>
-              </a:rPr>
-              <a:t>      </a:t>
-            </a:r>
-            <a:r>
-              <a:rPr lang="en-US" sz="1600" b="0" dirty="0" err="1">
-                <a:solidFill>
-                  <a:srgbClr val="000000"/>
-                </a:solidFill>
-                <a:effectLst/>
-                <a:latin typeface="Consolas" panose="020B0609020204030204" pitchFamily="49" charset="0"/>
-              </a:rPr>
-              <a:t>au.io.overflow.expect</a:t>
-            </a:r>
-            <a:r>
-              <a:rPr lang="en-US" sz="1600" b="0" dirty="0">
-                <a:solidFill>
-                  <a:srgbClr val="000000"/>
-                </a:solidFill>
-                <a:effectLst/>
-                <a:latin typeface="Consolas" panose="020B0609020204030204" pitchFamily="49" charset="0"/>
-              </a:rPr>
-              <a:t>(</a:t>
-            </a:r>
-            <a:r>
-              <a:rPr lang="en-US" sz="1600" b="0" dirty="0">
-                <a:solidFill>
-                  <a:srgbClr val="0000FF"/>
-                </a:solidFill>
-                <a:effectLst/>
-                <a:latin typeface="Consolas" panose="020B0609020204030204" pitchFamily="49" charset="0"/>
-              </a:rPr>
-              <a:t>false</a:t>
-            </a:r>
-            <a:r>
-              <a:rPr lang="en-US" sz="1600" b="0" dirty="0">
-                <a:solidFill>
-                  <a:srgbClr val="000000"/>
-                </a:solidFill>
-                <a:effectLst/>
-                <a:latin typeface="Consolas" panose="020B0609020204030204" pitchFamily="49" charset="0"/>
-              </a:rPr>
-              <a:t>)     </a:t>
-            </a:r>
-            <a:r>
-              <a:rPr lang="en-US" sz="1600" b="0" dirty="0">
-                <a:solidFill>
-                  <a:srgbClr val="008000"/>
-                </a:solidFill>
-                <a:effectLst/>
-                <a:latin typeface="Consolas" panose="020B0609020204030204" pitchFamily="49" charset="0"/>
-              </a:rPr>
-              <a:t>//</a:t>
-            </a:r>
-            <a:r>
-              <a:rPr lang="ru-RU" sz="1600" b="0" dirty="0">
-                <a:solidFill>
-                  <a:srgbClr val="008000"/>
-                </a:solidFill>
-                <a:effectLst/>
-                <a:latin typeface="Consolas" panose="020B0609020204030204" pitchFamily="49" charset="0"/>
-              </a:rPr>
-              <a:t>Проверили переполнение</a:t>
-            </a:r>
-            <a:endParaRPr lang="ru-RU" sz="1600" b="0" dirty="0">
-              <a:solidFill>
-                <a:srgbClr val="000000"/>
-              </a:solidFill>
-              <a:effectLst/>
-              <a:latin typeface="Consolas" panose="020B0609020204030204" pitchFamily="49" charset="0"/>
-            </a:endParaRPr>
-          </a:p>
-          <a:p>
-            <a:br>
-              <a:rPr lang="ru-RU" sz="1600" b="0" dirty="0">
-                <a:solidFill>
-                  <a:srgbClr val="000000"/>
-                </a:solidFill>
-                <a:effectLst/>
-                <a:latin typeface="Consolas" panose="020B0609020204030204" pitchFamily="49" charset="0"/>
-              </a:rPr>
-            </a:br>
-            <a:r>
-              <a:rPr lang="ru-RU" sz="1600" b="0" dirty="0">
-                <a:solidFill>
-                  <a:srgbClr val="000000"/>
-                </a:solidFill>
-                <a:effectLst/>
-                <a:latin typeface="Consolas" panose="020B0609020204030204" pitchFamily="49" charset="0"/>
-              </a:rPr>
-              <a:t>      </a:t>
-            </a:r>
-            <a:r>
-              <a:rPr lang="en-US" sz="1600" b="0" dirty="0" err="1">
-                <a:solidFill>
-                  <a:srgbClr val="000000"/>
-                </a:solidFill>
-                <a:effectLst/>
-                <a:latin typeface="Consolas" panose="020B0609020204030204" pitchFamily="49" charset="0"/>
-              </a:rPr>
-              <a:t>au.clock.step</a:t>
-            </a:r>
-            <a:r>
-              <a:rPr lang="en-US" sz="1600" b="0" dirty="0">
-                <a:solidFill>
-                  <a:srgbClr val="000000"/>
-                </a:solidFill>
-                <a:effectLst/>
-                <a:latin typeface="Consolas" panose="020B0609020204030204" pitchFamily="49" charset="0"/>
-              </a:rPr>
-              <a:t>()                  </a:t>
-            </a:r>
-            <a:r>
-              <a:rPr lang="en-US" sz="1600" b="0" dirty="0">
-                <a:solidFill>
-                  <a:srgbClr val="008000"/>
-                </a:solidFill>
-                <a:effectLst/>
-                <a:latin typeface="Consolas" panose="020B0609020204030204" pitchFamily="49" charset="0"/>
-              </a:rPr>
-              <a:t>//</a:t>
-            </a:r>
-            <a:r>
-              <a:rPr lang="ru-RU" sz="1600" b="0" dirty="0">
-                <a:solidFill>
-                  <a:srgbClr val="008000"/>
-                </a:solidFill>
-                <a:effectLst/>
-                <a:latin typeface="Consolas" panose="020B0609020204030204" pitchFamily="49" charset="0"/>
-              </a:rPr>
-              <a:t>Шаг по времени</a:t>
-            </a:r>
-            <a:endParaRPr lang="ru-RU" sz="1600" b="0" dirty="0">
-              <a:solidFill>
-                <a:srgbClr val="000000"/>
-              </a:solidFill>
-              <a:effectLst/>
-              <a:latin typeface="Consolas" panose="020B0609020204030204" pitchFamily="49" charset="0"/>
-            </a:endParaRPr>
-          </a:p>
-          <a:p>
-            <a:r>
-              <a:rPr lang="ru-RU" sz="1600" b="0" dirty="0">
-                <a:solidFill>
-                  <a:srgbClr val="000000"/>
-                </a:solidFill>
-                <a:effectLst/>
-                <a:latin typeface="Consolas" panose="020B0609020204030204" pitchFamily="49" charset="0"/>
-              </a:rPr>
-              <a:t>    }</a:t>
-            </a:r>
-          </a:p>
-          <a:p>
-            <a:r>
-              <a:rPr lang="ru-RU" sz="1600" b="0" dirty="0">
-                <a:solidFill>
-                  <a:srgbClr val="000000"/>
-                </a:solidFill>
-                <a:effectLst/>
-                <a:latin typeface="Consolas" panose="020B0609020204030204" pitchFamily="49" charset="0"/>
-              </a:rPr>
-              <a:t>  }</a:t>
-            </a:r>
-          </a:p>
-          <a:p>
-            <a:r>
-              <a:rPr lang="ru-RU" sz="1600" b="0" dirty="0">
-                <a:solidFill>
-                  <a:srgbClr val="000000"/>
-                </a:solidFill>
-                <a:effectLst/>
-                <a:latin typeface="Consolas" panose="020B0609020204030204" pitchFamily="49" charset="0"/>
-              </a:rPr>
-              <a:t>}</a:t>
-            </a:r>
-          </a:p>
-          <a:p>
-            <a:endParaRPr lang="ru-RU" dirty="0"/>
-          </a:p>
-        </p:txBody>
-      </p:sp>
+              </a:endParaRPr>
+            </a:p>
+          </p:txBody>
+        </p:sp>
+      </p:grpSp>
     </p:spTree>
     <p:extLst>
       <p:ext uri="{BB962C8B-B14F-4D97-AF65-F5344CB8AC3E}">

--- a/Тестрирование на чизеле.pptx
+++ b/Тестрирование на чизеле.pptx
@@ -14180,10 +14180,10 @@
         </p:nvGrpSpPr>
         <p:grpSpPr>
           <a:xfrm>
-            <a:off x="3539952" y="2245558"/>
-            <a:ext cx="8315873" cy="4247317"/>
+            <a:off x="3296950" y="2245558"/>
+            <a:ext cx="9387154" cy="4247317"/>
             <a:chOff x="5135669" y="1990923"/>
-            <a:chExt cx="8315873" cy="4247317"/>
+            <a:chExt cx="9387154" cy="4247317"/>
           </a:xfrm>
         </p:grpSpPr>
         <p:sp>
@@ -14201,7 +14201,7 @@
           <p:spPr>
             <a:xfrm>
               <a:off x="5719483" y="1990923"/>
-              <a:ext cx="7732059" cy="4247317"/>
+              <a:ext cx="8803340" cy="4247317"/>
             </a:xfrm>
             <a:prstGeom prst="rect">
               <a:avLst/>
